--- a/資料來源/chart專題排版/chart專題排版.pptx
+++ b/資料來源/chart專題排版/chart專題排版.pptx
@@ -5,9 +5,10 @@
     <p:sldMasterId id="2147483660" r:id="rId1"/>
   </p:sldMasterIdLst>
   <p:sldIdLst>
-    <p:sldId id="260" r:id="rId2"/>
-    <p:sldId id="256" r:id="rId3"/>
-    <p:sldId id="258" r:id="rId4"/>
+    <p:sldId id="261" r:id="rId2"/>
+    <p:sldId id="260" r:id="rId3"/>
+    <p:sldId id="256" r:id="rId4"/>
+    <p:sldId id="258" r:id="rId5"/>
   </p:sldIdLst>
   <p:sldSz cx="12192000" cy="13716000"/>
   <p:notesSz cx="6858000" cy="9144000"/>
@@ -106,6 +107,11 @@
       </a:defRPr>
     </a:lvl9pPr>
   </p:defaultTextStyle>
+  <p:extLst>
+    <p:ext uri="{EFAFB233-063F-42B5-8137-9DF3F51BA10A}">
+      <p15:sldGuideLst xmlns:p15="http://schemas.microsoft.com/office/powerpoint/2012/main"/>
+    </p:ext>
+  </p:extLst>
 </p:presentation>
 </file>
 
@@ -240,7 +246,7 @@
           <a:p>
             <a:fld id="{7466BC79-E655-445D-89DD-9E0CAC35B7B4}" type="datetimeFigureOut">
               <a:rPr lang="zh-TW" altLang="en-US" smtClean="0"/>
-              <a:t>2022/3/7</a:t>
+              <a:t>2022/3/8</a:t>
             </a:fld>
             <a:endParaRPr lang="zh-TW" altLang="en-US"/>
           </a:p>
@@ -410,7 +416,7 @@
           <a:p>
             <a:fld id="{7466BC79-E655-445D-89DD-9E0CAC35B7B4}" type="datetimeFigureOut">
               <a:rPr lang="zh-TW" altLang="en-US" smtClean="0"/>
-              <a:t>2022/3/7</a:t>
+              <a:t>2022/3/8</a:t>
             </a:fld>
             <a:endParaRPr lang="zh-TW" altLang="en-US"/>
           </a:p>
@@ -590,7 +596,7 @@
           <a:p>
             <a:fld id="{7466BC79-E655-445D-89DD-9E0CAC35B7B4}" type="datetimeFigureOut">
               <a:rPr lang="zh-TW" altLang="en-US" smtClean="0"/>
-              <a:t>2022/3/7</a:t>
+              <a:t>2022/3/8</a:t>
             </a:fld>
             <a:endParaRPr lang="zh-TW" altLang="en-US"/>
           </a:p>
@@ -760,7 +766,7 @@
           <a:p>
             <a:fld id="{7466BC79-E655-445D-89DD-9E0CAC35B7B4}" type="datetimeFigureOut">
               <a:rPr lang="zh-TW" altLang="en-US" smtClean="0"/>
-              <a:t>2022/3/7</a:t>
+              <a:t>2022/3/8</a:t>
             </a:fld>
             <a:endParaRPr lang="zh-TW" altLang="en-US"/>
           </a:p>
@@ -1004,7 +1010,7 @@
           <a:p>
             <a:fld id="{7466BC79-E655-445D-89DD-9E0CAC35B7B4}" type="datetimeFigureOut">
               <a:rPr lang="zh-TW" altLang="en-US" smtClean="0"/>
-              <a:t>2022/3/7</a:t>
+              <a:t>2022/3/8</a:t>
             </a:fld>
             <a:endParaRPr lang="zh-TW" altLang="en-US"/>
           </a:p>
@@ -1236,7 +1242,7 @@
           <a:p>
             <a:fld id="{7466BC79-E655-445D-89DD-9E0CAC35B7B4}" type="datetimeFigureOut">
               <a:rPr lang="zh-TW" altLang="en-US" smtClean="0"/>
-              <a:t>2022/3/7</a:t>
+              <a:t>2022/3/8</a:t>
             </a:fld>
             <a:endParaRPr lang="zh-TW" altLang="en-US"/>
           </a:p>
@@ -1603,7 +1609,7 @@
           <a:p>
             <a:fld id="{7466BC79-E655-445D-89DD-9E0CAC35B7B4}" type="datetimeFigureOut">
               <a:rPr lang="zh-TW" altLang="en-US" smtClean="0"/>
-              <a:t>2022/3/7</a:t>
+              <a:t>2022/3/8</a:t>
             </a:fld>
             <a:endParaRPr lang="zh-TW" altLang="en-US"/>
           </a:p>
@@ -1721,7 +1727,7 @@
           <a:p>
             <a:fld id="{7466BC79-E655-445D-89DD-9E0CAC35B7B4}" type="datetimeFigureOut">
               <a:rPr lang="zh-TW" altLang="en-US" smtClean="0"/>
-              <a:t>2022/3/7</a:t>
+              <a:t>2022/3/8</a:t>
             </a:fld>
             <a:endParaRPr lang="zh-TW" altLang="en-US"/>
           </a:p>
@@ -1816,7 +1822,7 @@
           <a:p>
             <a:fld id="{7466BC79-E655-445D-89DD-9E0CAC35B7B4}" type="datetimeFigureOut">
               <a:rPr lang="zh-TW" altLang="en-US" smtClean="0"/>
-              <a:t>2022/3/7</a:t>
+              <a:t>2022/3/8</a:t>
             </a:fld>
             <a:endParaRPr lang="zh-TW" altLang="en-US"/>
           </a:p>
@@ -2093,7 +2099,7 @@
           <a:p>
             <a:fld id="{7466BC79-E655-445D-89DD-9E0CAC35B7B4}" type="datetimeFigureOut">
               <a:rPr lang="zh-TW" altLang="en-US" smtClean="0"/>
-              <a:t>2022/3/7</a:t>
+              <a:t>2022/3/8</a:t>
             </a:fld>
             <a:endParaRPr lang="zh-TW" altLang="en-US"/>
           </a:p>
@@ -2350,7 +2356,7 @@
           <a:p>
             <a:fld id="{7466BC79-E655-445D-89DD-9E0CAC35B7B4}" type="datetimeFigureOut">
               <a:rPr lang="zh-TW" altLang="en-US" smtClean="0"/>
-              <a:t>2022/3/7</a:t>
+              <a:t>2022/3/8</a:t>
             </a:fld>
             <a:endParaRPr lang="zh-TW" altLang="en-US"/>
           </a:p>
@@ -2563,7 +2569,7 @@
           <a:p>
             <a:fld id="{7466BC79-E655-445D-89DD-9E0CAC35B7B4}" type="datetimeFigureOut">
               <a:rPr lang="zh-TW" altLang="en-US" smtClean="0"/>
-              <a:t>2022/3/7</a:t>
+              <a:t>2022/3/8</a:t>
             </a:fld>
             <a:endParaRPr lang="zh-TW" altLang="en-US"/>
           </a:p>
@@ -2970,10 +2976,10 @@
       </p:grpSpPr>
       <p:pic>
         <p:nvPicPr>
-          <p:cNvPr id="4" name="圖片 3">
-            <a:extLst>
-              <a:ext uri="{FF2B5EF4-FFF2-40B4-BE49-F238E27FC236}">
-                <a16:creationId xmlns:a16="http://schemas.microsoft.com/office/drawing/2014/main" id="{AA468C10-0EC3-4C93-A0CA-0DC4C3C67644}"/>
+          <p:cNvPr id="6" name="圖片 5">
+            <a:extLst>
+              <a:ext uri="{FF2B5EF4-FFF2-40B4-BE49-F238E27FC236}">
+                <a16:creationId xmlns:a16="http://schemas.microsoft.com/office/drawing/2014/main" id="{C8442894-12C6-40BA-9038-C4FEBA876A88}"/>
               </a:ext>
             </a:extLst>
           </p:cNvPr>
@@ -2989,8 +2995,8 @@
         </p:blipFill>
         <p:spPr>
           <a:xfrm>
-            <a:off x="950651" y="4556352"/>
-            <a:ext cx="1908137" cy="1908137"/>
+            <a:off x="-7040675" y="6958466"/>
+            <a:ext cx="2861809" cy="2861809"/>
           </a:xfrm>
           <a:prstGeom prst="rect">
             <a:avLst/>
@@ -2999,10 +3005,68 @@
       </p:pic>
       <p:pic>
         <p:nvPicPr>
-          <p:cNvPr id="5" name="圖片 4">
-            <a:extLst>
-              <a:ext uri="{FF2B5EF4-FFF2-40B4-BE49-F238E27FC236}">
-                <a16:creationId xmlns:a16="http://schemas.microsoft.com/office/drawing/2014/main" id="{85F911E0-06D9-4911-8725-CC178764381F}"/>
+          <p:cNvPr id="8" name="圖片 7">
+            <a:extLst>
+              <a:ext uri="{FF2B5EF4-FFF2-40B4-BE49-F238E27FC236}">
+                <a16:creationId xmlns:a16="http://schemas.microsoft.com/office/drawing/2014/main" id="{D9755925-4B07-49C2-BD65-31A45465519F}"/>
+              </a:ext>
+            </a:extLst>
+          </p:cNvPr>
+          <p:cNvPicPr>
+            <a:picLocks noChangeAspect="1"/>
+          </p:cNvPicPr>
+          <p:nvPr/>
+        </p:nvPicPr>
+        <p:blipFill rotWithShape="1">
+          <a:blip r:embed="rId3"/>
+          <a:srcRect b="32928"/>
+          <a:stretch/>
+        </p:blipFill>
+        <p:spPr>
+          <a:xfrm>
+            <a:off x="14573018" y="3488189"/>
+            <a:ext cx="6610969" cy="2494190"/>
+          </a:xfrm>
+          <a:prstGeom prst="rect">
+            <a:avLst/>
+          </a:prstGeom>
+        </p:spPr>
+      </p:pic>
+      <p:pic>
+        <p:nvPicPr>
+          <p:cNvPr id="9" name="圖片 8">
+            <a:extLst>
+              <a:ext uri="{FF2B5EF4-FFF2-40B4-BE49-F238E27FC236}">
+                <a16:creationId xmlns:a16="http://schemas.microsoft.com/office/drawing/2014/main" id="{CE65CADD-B3F0-4B57-B79E-D906977B2A86}"/>
+              </a:ext>
+            </a:extLst>
+          </p:cNvPr>
+          <p:cNvPicPr>
+            <a:picLocks noChangeAspect="1"/>
+          </p:cNvPicPr>
+          <p:nvPr/>
+        </p:nvPicPr>
+        <p:blipFill rotWithShape="1">
+          <a:blip r:embed="rId4"/>
+          <a:srcRect l="25181" t="7511" r="25140" b="4169"/>
+          <a:stretch/>
+        </p:blipFill>
+        <p:spPr>
+          <a:xfrm>
+            <a:off x="14793455" y="6457157"/>
+            <a:ext cx="1932213" cy="1932213"/>
+          </a:xfrm>
+          <a:prstGeom prst="rect">
+            <a:avLst/>
+          </a:prstGeom>
+        </p:spPr>
+      </p:pic>
+      <p:pic>
+        <p:nvPicPr>
+          <p:cNvPr id="10" name="圖片 9">
+            <a:extLst>
+              <a:ext uri="{FF2B5EF4-FFF2-40B4-BE49-F238E27FC236}">
+                <a16:creationId xmlns:a16="http://schemas.microsoft.com/office/drawing/2014/main" id="{D0FDFE2E-31EB-47A9-9741-BD38C38EC135}"/>
               </a:ext>
             </a:extLst>
           </p:cNvPr>
@@ -3026,8 +3090,8 @@
         </p:blipFill>
         <p:spPr>
           <a:xfrm>
-            <a:off x="3577231" y="4556352"/>
-            <a:ext cx="1908137" cy="1908137"/>
+            <a:off x="-3421175" y="6958466"/>
+            <a:ext cx="2861809" cy="2861809"/>
           </a:xfrm>
           <a:prstGeom prst="rect">
             <a:avLst/>
@@ -3036,10 +3100,10 @@
       </p:pic>
       <p:sp>
         <p:nvSpPr>
-          <p:cNvPr id="6" name="文字方塊 5">
-            <a:extLst>
-              <a:ext uri="{FF2B5EF4-FFF2-40B4-BE49-F238E27FC236}">
-                <a16:creationId xmlns:a16="http://schemas.microsoft.com/office/drawing/2014/main" id="{1208431C-01F9-4C53-B1C6-B50B9918A452}"/>
+          <p:cNvPr id="11" name="文字方塊 10">
+            <a:extLst>
+              <a:ext uri="{FF2B5EF4-FFF2-40B4-BE49-F238E27FC236}">
+                <a16:creationId xmlns:a16="http://schemas.microsoft.com/office/drawing/2014/main" id="{EDA4D8C7-C6EC-41A8-938F-9962D50A3EFF}"/>
               </a:ext>
             </a:extLst>
           </p:cNvPr>
@@ -3048,7 +3112,7 @@
         </p:nvSpPr>
         <p:spPr>
           <a:xfrm>
-            <a:off x="483280" y="618961"/>
+            <a:off x="-6626906" y="1990561"/>
             <a:ext cx="5358039" cy="830997"/>
           </a:xfrm>
           <a:prstGeom prst="rect">
@@ -3087,12 +3151,65 @@
           </a:p>
         </p:txBody>
       </p:sp>
+      <p:sp>
+        <p:nvSpPr>
+          <p:cNvPr id="12" name="文字方塊 11">
+            <a:extLst>
+              <a:ext uri="{FF2B5EF4-FFF2-40B4-BE49-F238E27FC236}">
+                <a16:creationId xmlns:a16="http://schemas.microsoft.com/office/drawing/2014/main" id="{7372E16A-5D06-4557-BE1D-3573AF3B5553}"/>
+              </a:ext>
+            </a:extLst>
+          </p:cNvPr>
+          <p:cNvSpPr txBox="1"/>
+          <p:nvPr/>
+        </p:nvSpPr>
+        <p:spPr>
+          <a:xfrm>
+            <a:off x="14948349" y="1990561"/>
+            <a:ext cx="5358039" cy="830997"/>
+          </a:xfrm>
+          <a:prstGeom prst="rect">
+            <a:avLst/>
+          </a:prstGeom>
+          <a:noFill/>
+        </p:spPr>
+        <p:txBody>
+          <a:bodyPr wrap="square" rtlCol="0">
+            <a:spAutoFit/>
+          </a:bodyPr>
+          <a:lstStyle/>
+          <a:p>
+            <a:pPr algn="ctr"/>
+            <a:r>
+              <a:rPr lang="zh-TW" altLang="en-US" sz="4800" b="1" dirty="0">
+                <a:latin typeface="微軟正黑體" panose="020B0604030504040204" pitchFamily="34" charset="-120"/>
+                <a:ea typeface="微軟正黑體" panose="020B0604030504040204" pitchFamily="34" charset="-120"/>
+              </a:rPr>
+              <a:t>教育程度</a:t>
+            </a:r>
+            <a:r>
+              <a:rPr lang="en-US" altLang="zh-TW" sz="4800" b="1" dirty="0">
+                <a:latin typeface="微軟正黑體" panose="020B0604030504040204" pitchFamily="34" charset="-120"/>
+                <a:ea typeface="微軟正黑體" panose="020B0604030504040204" pitchFamily="34" charset="-120"/>
+              </a:rPr>
+              <a:t>-</a:t>
+            </a:r>
+            <a:r>
+              <a:rPr lang="zh-TW" altLang="en-US" sz="4800" b="1" dirty="0">
+                <a:latin typeface="微軟正黑體" panose="020B0604030504040204" pitchFamily="34" charset="-120"/>
+                <a:ea typeface="微軟正黑體" panose="020B0604030504040204" pitchFamily="34" charset="-120"/>
+              </a:rPr>
+              <a:t>性別組成</a:t>
+            </a:r>
+          </a:p>
+        </p:txBody>
+      </p:sp>
       <p:pic>
         <p:nvPicPr>
-          <p:cNvPr id="7" name="圖片 6">
-            <a:extLst>
-              <a:ext uri="{FF2B5EF4-FFF2-40B4-BE49-F238E27FC236}">
-                <a16:creationId xmlns:a16="http://schemas.microsoft.com/office/drawing/2014/main" id="{6F3D69BA-D736-4516-B967-F9EF09122DCC}"/>
+          <p:cNvPr id="14" name="圖片 13">
+            <a:extLst>
+              <a:ext uri="{FF2B5EF4-FFF2-40B4-BE49-F238E27FC236}">
+                <a16:creationId xmlns:a16="http://schemas.microsoft.com/office/drawing/2014/main" id="{E2875781-C370-4173-91E7-DA8D294DCA29}"/>
               </a:ext>
             </a:extLst>
           </p:cNvPr>
@@ -3102,294 +3219,14 @@
           <p:nvPr/>
         </p:nvPicPr>
         <p:blipFill rotWithShape="1">
-          <a:blip r:embed="rId3"/>
-          <a:srcRect b="33905"/>
-          <a:stretch/>
-        </p:blipFill>
-        <p:spPr>
-          <a:xfrm>
-            <a:off x="428137" y="2116589"/>
-            <a:ext cx="5876421" cy="2184763"/>
-          </a:xfrm>
-          <a:prstGeom prst="rect">
-            <a:avLst/>
-          </a:prstGeom>
-        </p:spPr>
-      </p:pic>
-      <p:sp>
-        <p:nvSpPr>
-          <p:cNvPr id="8" name="文字方塊 7">
-            <a:extLst>
-              <a:ext uri="{FF2B5EF4-FFF2-40B4-BE49-F238E27FC236}">
-                <a16:creationId xmlns:a16="http://schemas.microsoft.com/office/drawing/2014/main" id="{1D4717CE-A591-4593-A0E2-BE5F350A54CB}"/>
-              </a:ext>
-            </a:extLst>
-          </p:cNvPr>
-          <p:cNvSpPr txBox="1"/>
-          <p:nvPr/>
-        </p:nvSpPr>
-        <p:spPr>
-          <a:xfrm>
-            <a:off x="6559762" y="618961"/>
-            <a:ext cx="5358039" cy="830997"/>
-          </a:xfrm>
-          <a:prstGeom prst="rect">
-            <a:avLst/>
-          </a:prstGeom>
-          <a:noFill/>
-        </p:spPr>
-        <p:txBody>
-          <a:bodyPr wrap="square" rtlCol="0">
-            <a:spAutoFit/>
-          </a:bodyPr>
-          <a:lstStyle/>
-          <a:p>
-            <a:pPr algn="ctr"/>
-            <a:r>
-              <a:rPr lang="zh-TW" altLang="en-US" sz="4800" b="1" dirty="0">
-                <a:latin typeface="微軟正黑體" panose="020B0604030504040204" pitchFamily="34" charset="-120"/>
-                <a:ea typeface="微軟正黑體" panose="020B0604030504040204" pitchFamily="34" charset="-120"/>
-              </a:rPr>
-              <a:t>性別</a:t>
-            </a:r>
-            <a:r>
-              <a:rPr lang="en-US" altLang="zh-TW" sz="4800" b="1" dirty="0">
-                <a:latin typeface="微軟正黑體" panose="020B0604030504040204" pitchFamily="34" charset="-120"/>
-                <a:ea typeface="微軟正黑體" panose="020B0604030504040204" pitchFamily="34" charset="-120"/>
-              </a:rPr>
-              <a:t>-</a:t>
-            </a:r>
-            <a:r>
-              <a:rPr lang="zh-TW" altLang="en-US" sz="4800" b="1" dirty="0">
-                <a:latin typeface="微軟正黑體" panose="020B0604030504040204" pitchFamily="34" charset="-120"/>
-                <a:ea typeface="微軟正黑體" panose="020B0604030504040204" pitchFamily="34" charset="-120"/>
-              </a:rPr>
-              <a:t>教育程度比較</a:t>
-            </a:r>
-          </a:p>
-        </p:txBody>
-      </p:sp>
-      <p:pic>
-        <p:nvPicPr>
-          <p:cNvPr id="9" name="圖片 8">
-            <a:extLst>
-              <a:ext uri="{FF2B5EF4-FFF2-40B4-BE49-F238E27FC236}">
-                <a16:creationId xmlns:a16="http://schemas.microsoft.com/office/drawing/2014/main" id="{9AB45536-C386-42EF-AB32-C908A7301D75}"/>
-              </a:ext>
-            </a:extLst>
-          </p:cNvPr>
-          <p:cNvPicPr>
-            <a:picLocks noChangeAspect="1"/>
-          </p:cNvPicPr>
-          <p:nvPr/>
-        </p:nvPicPr>
-        <p:blipFill rotWithShape="1">
           <a:blip r:embed="rId4"/>
-          <a:srcRect l="25160" t="7668" r="25160" b="4012"/>
-          <a:stretch/>
-        </p:blipFill>
-        <p:spPr>
-          <a:xfrm>
-            <a:off x="6748802" y="1946490"/>
-            <a:ext cx="4517999" cy="4517999"/>
-          </a:xfrm>
-          <a:prstGeom prst="rect">
-            <a:avLst/>
-          </a:prstGeom>
-        </p:spPr>
-      </p:pic>
-      <p:pic>
-        <p:nvPicPr>
-          <p:cNvPr id="10" name="圖片 9">
-            <a:extLst>
-              <a:ext uri="{FF2B5EF4-FFF2-40B4-BE49-F238E27FC236}">
-                <a16:creationId xmlns:a16="http://schemas.microsoft.com/office/drawing/2014/main" id="{25B82D73-DF6D-4CE0-BEEC-C60D0D595BA4}"/>
-              </a:ext>
-            </a:extLst>
-          </p:cNvPr>
-          <p:cNvPicPr>
-            <a:picLocks noChangeAspect="1"/>
-          </p:cNvPicPr>
-          <p:nvPr/>
-        </p:nvPicPr>
-        <p:blipFill rotWithShape="1">
-          <a:blip r:embed="rId5"/>
-          <a:srcRect b="32928"/>
-          <a:stretch/>
-        </p:blipFill>
-        <p:spPr>
-          <a:xfrm>
-            <a:off x="2786968" y="8769119"/>
-            <a:ext cx="6610969" cy="2494190"/>
-          </a:xfrm>
-          <a:prstGeom prst="rect">
-            <a:avLst/>
-          </a:prstGeom>
-        </p:spPr>
-      </p:pic>
-      <p:pic>
-        <p:nvPicPr>
-          <p:cNvPr id="11" name="圖片 10">
-            <a:extLst>
-              <a:ext uri="{FF2B5EF4-FFF2-40B4-BE49-F238E27FC236}">
-                <a16:creationId xmlns:a16="http://schemas.microsoft.com/office/drawing/2014/main" id="{39E33874-BE29-46FF-A69D-703EBF0FFBC6}"/>
-              </a:ext>
-            </a:extLst>
-          </p:cNvPr>
-          <p:cNvPicPr>
-            <a:picLocks noChangeAspect="1"/>
-          </p:cNvPicPr>
-          <p:nvPr/>
-        </p:nvPicPr>
-        <p:blipFill rotWithShape="1">
-          <a:blip r:embed="rId6"/>
           <a:srcRect l="25181" t="7511" r="25140" b="4169"/>
           <a:stretch/>
         </p:blipFill>
         <p:spPr>
           <a:xfrm>
-            <a:off x="3473996" y="11631417"/>
-            <a:ext cx="1465622" cy="1465622"/>
-          </a:xfrm>
-          <a:prstGeom prst="rect">
-            <a:avLst/>
-          </a:prstGeom>
-        </p:spPr>
-      </p:pic>
-      <p:sp>
-        <p:nvSpPr>
-          <p:cNvPr id="12" name="文字方塊 11">
-            <a:extLst>
-              <a:ext uri="{FF2B5EF4-FFF2-40B4-BE49-F238E27FC236}">
-                <a16:creationId xmlns:a16="http://schemas.microsoft.com/office/drawing/2014/main" id="{3B055459-66F4-47BE-9BFE-29FD8C57F698}"/>
-              </a:ext>
-            </a:extLst>
-          </p:cNvPr>
-          <p:cNvSpPr txBox="1"/>
-          <p:nvPr/>
-        </p:nvSpPr>
-        <p:spPr>
-          <a:xfrm>
-            <a:off x="3162299" y="7388679"/>
-            <a:ext cx="5358039" cy="830997"/>
-          </a:xfrm>
-          <a:prstGeom prst="rect">
-            <a:avLst/>
-          </a:prstGeom>
-          <a:noFill/>
-        </p:spPr>
-        <p:txBody>
-          <a:bodyPr wrap="square" rtlCol="0">
-            <a:spAutoFit/>
-          </a:bodyPr>
-          <a:lstStyle/>
-          <a:p>
-            <a:pPr algn="ctr"/>
-            <a:r>
-              <a:rPr lang="zh-TW" altLang="en-US" sz="4800" b="1" dirty="0">
-                <a:latin typeface="微軟正黑體" panose="020B0604030504040204" pitchFamily="34" charset="-120"/>
-                <a:ea typeface="微軟正黑體" panose="020B0604030504040204" pitchFamily="34" charset="-120"/>
-              </a:rPr>
-              <a:t>教育程度</a:t>
-            </a:r>
-            <a:r>
-              <a:rPr lang="en-US" altLang="zh-TW" sz="4800" b="1" dirty="0">
-                <a:latin typeface="微軟正黑體" panose="020B0604030504040204" pitchFamily="34" charset="-120"/>
-                <a:ea typeface="微軟正黑體" panose="020B0604030504040204" pitchFamily="34" charset="-120"/>
-              </a:rPr>
-              <a:t>-</a:t>
-            </a:r>
-            <a:r>
-              <a:rPr lang="zh-TW" altLang="en-US" sz="4800" b="1" dirty="0">
-                <a:latin typeface="微軟正黑體" panose="020B0604030504040204" pitchFamily="34" charset="-120"/>
-                <a:ea typeface="微軟正黑體" panose="020B0604030504040204" pitchFamily="34" charset="-120"/>
-              </a:rPr>
-              <a:t>性別組成</a:t>
-            </a:r>
-          </a:p>
-        </p:txBody>
-      </p:sp>
-      <p:pic>
-        <p:nvPicPr>
-          <p:cNvPr id="13" name="圖片 12">
-            <a:extLst>
-              <a:ext uri="{FF2B5EF4-FFF2-40B4-BE49-F238E27FC236}">
-                <a16:creationId xmlns:a16="http://schemas.microsoft.com/office/drawing/2014/main" id="{B875E866-E6D8-4599-BEDB-B72558FAF6F5}"/>
-              </a:ext>
-            </a:extLst>
-          </p:cNvPr>
-          <p:cNvPicPr>
-            <a:picLocks noChangeAspect="1"/>
-          </p:cNvPicPr>
-          <p:nvPr/>
-        </p:nvPicPr>
-        <p:blipFill rotWithShape="1">
-          <a:blip r:embed="rId6"/>
-          <a:srcRect l="25181" t="7511" r="25140" b="4169"/>
-          <a:stretch/>
-        </p:blipFill>
-        <p:spPr>
-          <a:xfrm>
-            <a:off x="5626646" y="11631417"/>
-            <a:ext cx="1465622" cy="1465622"/>
-          </a:xfrm>
-          <a:prstGeom prst="rect">
-            <a:avLst/>
-          </a:prstGeom>
-        </p:spPr>
-      </p:pic>
-      <p:pic>
-        <p:nvPicPr>
-          <p:cNvPr id="14" name="圖片 13">
-            <a:extLst>
-              <a:ext uri="{FF2B5EF4-FFF2-40B4-BE49-F238E27FC236}">
-                <a16:creationId xmlns:a16="http://schemas.microsoft.com/office/drawing/2014/main" id="{4A855469-9F1F-47A6-ACAC-623ACFBD8DE6}"/>
-              </a:ext>
-            </a:extLst>
-          </p:cNvPr>
-          <p:cNvPicPr>
-            <a:picLocks noChangeAspect="1"/>
-          </p:cNvPicPr>
-          <p:nvPr/>
-        </p:nvPicPr>
-        <p:blipFill rotWithShape="1">
-          <a:blip r:embed="rId6"/>
-          <a:srcRect l="25181" t="7511" r="25140" b="4169"/>
-          <a:stretch/>
-        </p:blipFill>
-        <p:spPr>
-          <a:xfrm>
-            <a:off x="7779296" y="11631417"/>
-            <a:ext cx="1465622" cy="1465622"/>
-          </a:xfrm>
-          <a:prstGeom prst="rect">
-            <a:avLst/>
-          </a:prstGeom>
-        </p:spPr>
-      </p:pic>
-      <p:pic>
-        <p:nvPicPr>
-          <p:cNvPr id="15" name="圖片 14">
-            <a:extLst>
-              <a:ext uri="{FF2B5EF4-FFF2-40B4-BE49-F238E27FC236}">
-                <a16:creationId xmlns:a16="http://schemas.microsoft.com/office/drawing/2014/main" id="{FC0A7040-D07F-4CA7-A02B-20B5A52FB9AE}"/>
-              </a:ext>
-            </a:extLst>
-          </p:cNvPr>
-          <p:cNvPicPr>
-            <a:picLocks noChangeAspect="1"/>
-          </p:cNvPicPr>
-          <p:nvPr/>
-        </p:nvPicPr>
-        <p:blipFill rotWithShape="1">
-          <a:blip r:embed="rId6"/>
-          <a:srcRect l="25181" t="7511" r="25140" b="4169"/>
-          <a:stretch/>
-        </p:blipFill>
-        <p:spPr>
-          <a:xfrm>
-            <a:off x="9931946" y="11631417"/>
-            <a:ext cx="1465622" cy="1465622"/>
+            <a:off x="16946105" y="6457157"/>
+            <a:ext cx="1932213" cy="1932213"/>
           </a:xfrm>
           <a:prstGeom prst="rect">
             <a:avLst/>
@@ -3401,7 +3238,7 @@
           <p:cNvPr id="16" name="圖片 15">
             <a:extLst>
               <a:ext uri="{FF2B5EF4-FFF2-40B4-BE49-F238E27FC236}">
-                <a16:creationId xmlns:a16="http://schemas.microsoft.com/office/drawing/2014/main" id="{31BE4E6E-B230-40A1-BFCA-F85CE84FF400}"/>
+                <a16:creationId xmlns:a16="http://schemas.microsoft.com/office/drawing/2014/main" id="{9B2CC766-F316-491D-BFA0-A7756922C589}"/>
               </a:ext>
             </a:extLst>
           </p:cNvPr>
@@ -3411,68 +3248,977 @@
           <p:nvPr/>
         </p:nvPicPr>
         <p:blipFill rotWithShape="1">
-          <a:blip r:embed="rId6"/>
+          <a:blip r:embed="rId4"/>
           <a:srcRect l="25181" t="7511" r="25140" b="4169"/>
           <a:stretch/>
         </p:blipFill>
         <p:spPr>
           <a:xfrm>
-            <a:off x="1321346" y="11631417"/>
-            <a:ext cx="1465622" cy="1465622"/>
+            <a:off x="19098755" y="6457157"/>
+            <a:ext cx="1932213" cy="1932213"/>
           </a:xfrm>
           <a:prstGeom prst="rect">
             <a:avLst/>
           </a:prstGeom>
         </p:spPr>
       </p:pic>
-      <p:cxnSp>
-        <p:nvCxnSpPr>
-          <p:cNvPr id="25" name="直線接點 24">
-            <a:extLst>
-              <a:ext uri="{FF2B5EF4-FFF2-40B4-BE49-F238E27FC236}">
-                <a16:creationId xmlns:a16="http://schemas.microsoft.com/office/drawing/2014/main" id="{18CFFEEA-22D7-4579-A8E8-AE31F50E50B6}"/>
-              </a:ext>
-            </a:extLst>
-          </p:cNvPr>
-          <p:cNvCxnSpPr/>
-          <p:nvPr/>
-        </p:nvCxnSpPr>
-        <p:spPr>
-          <a:xfrm>
-            <a:off x="0" y="7004190"/>
-            <a:ext cx="12192000" cy="0"/>
-          </a:xfrm>
-          <a:prstGeom prst="line">
-            <a:avLst/>
-          </a:prstGeom>
-          <a:ln w="38100">
+      <p:pic>
+        <p:nvPicPr>
+          <p:cNvPr id="18" name="圖片 17">
+            <a:extLst>
+              <a:ext uri="{FF2B5EF4-FFF2-40B4-BE49-F238E27FC236}">
+                <a16:creationId xmlns:a16="http://schemas.microsoft.com/office/drawing/2014/main" id="{45DA706D-9F44-440D-8C04-ACDE42AF610B}"/>
+              </a:ext>
+            </a:extLst>
+          </p:cNvPr>
+          <p:cNvPicPr>
+            <a:picLocks noChangeAspect="1"/>
+          </p:cNvPicPr>
+          <p:nvPr/>
+        </p:nvPicPr>
+        <p:blipFill rotWithShape="1">
+          <a:blip r:embed="rId4"/>
+          <a:srcRect l="25181" t="7511" r="25140" b="4169"/>
+          <a:stretch/>
+        </p:blipFill>
+        <p:spPr>
+          <a:xfrm>
+            <a:off x="21251405" y="6457157"/>
+            <a:ext cx="1932213" cy="1932213"/>
+          </a:xfrm>
+          <a:prstGeom prst="rect">
+            <a:avLst/>
+          </a:prstGeom>
+        </p:spPr>
+      </p:pic>
+      <p:pic>
+        <p:nvPicPr>
+          <p:cNvPr id="20" name="圖片 19">
+            <a:extLst>
+              <a:ext uri="{FF2B5EF4-FFF2-40B4-BE49-F238E27FC236}">
+                <a16:creationId xmlns:a16="http://schemas.microsoft.com/office/drawing/2014/main" id="{F641FC13-C66F-4927-85B1-B2A67DF3C83C}"/>
+              </a:ext>
+            </a:extLst>
+          </p:cNvPr>
+          <p:cNvPicPr>
+            <a:picLocks noChangeAspect="1"/>
+          </p:cNvPicPr>
+          <p:nvPr/>
+        </p:nvPicPr>
+        <p:blipFill rotWithShape="1">
+          <a:blip r:embed="rId4"/>
+          <a:srcRect l="25181" t="7511" r="25140" b="4169"/>
+          <a:stretch/>
+        </p:blipFill>
+        <p:spPr>
+          <a:xfrm>
+            <a:off x="12640805" y="6457157"/>
+            <a:ext cx="1932213" cy="1932213"/>
+          </a:xfrm>
+          <a:prstGeom prst="rect">
+            <a:avLst/>
+          </a:prstGeom>
+        </p:spPr>
+      </p:pic>
+      <p:pic>
+        <p:nvPicPr>
+          <p:cNvPr id="1026" name="Picture 2" descr="資視就是力量- Highcharts / 金字塔圖表- iT 邦幫忙::一起幫忙解決難題，拯救IT 人的一天">
+            <a:extLst>
+              <a:ext uri="{FF2B5EF4-FFF2-40B4-BE49-F238E27FC236}">
+                <a16:creationId xmlns:a16="http://schemas.microsoft.com/office/drawing/2014/main" id="{FC649509-2E20-4C95-BB9E-AE37AB599B36}"/>
+              </a:ext>
+            </a:extLst>
+          </p:cNvPr>
+          <p:cNvPicPr>
+            <a:picLocks noChangeAspect="1" noChangeArrowheads="1"/>
+          </p:cNvPicPr>
+          <p:nvPr/>
+        </p:nvPicPr>
+        <p:blipFill>
+          <a:blip r:embed="rId5">
+            <a:extLst>
+              <a:ext uri="{28A0092B-C50C-407E-A947-70E740481C1C}">
+                <a14:useLocalDpi xmlns:a14="http://schemas.microsoft.com/office/drawing/2010/main" val="0"/>
+              </a:ext>
+            </a:extLst>
+          </a:blip>
+          <a:srcRect/>
+          <a:stretch>
+            <a:fillRect/>
+          </a:stretch>
+        </p:blipFill>
+        <p:spPr bwMode="auto">
+          <a:xfrm>
+            <a:off x="2814126" y="23550957"/>
+            <a:ext cx="8241056" cy="4273438"/>
+          </a:xfrm>
+          <a:prstGeom prst="rect">
+            <a:avLst/>
+          </a:prstGeom>
+          <a:noFill/>
+          <a:extLst>
+            <a:ext uri="{909E8E84-426E-40DD-AFC4-6F175D3DCCD1}">
+              <a14:hiddenFill xmlns:a14="http://schemas.microsoft.com/office/drawing/2010/main">
+                <a:solidFill>
+                  <a:srgbClr val="FFFFFF"/>
+                </a:solidFill>
+              </a14:hiddenFill>
+            </a:ext>
+          </a:extLst>
+        </p:spPr>
+      </p:pic>
+      <p:pic>
+        <p:nvPicPr>
+          <p:cNvPr id="21" name="圖片 20">
+            <a:extLst>
+              <a:ext uri="{FF2B5EF4-FFF2-40B4-BE49-F238E27FC236}">
+                <a16:creationId xmlns:a16="http://schemas.microsoft.com/office/drawing/2014/main" id="{FB2ABD63-5E89-461A-AEBD-8B906975AA18}"/>
+              </a:ext>
+            </a:extLst>
+          </p:cNvPr>
+          <p:cNvPicPr>
+            <a:picLocks noChangeAspect="1"/>
+          </p:cNvPicPr>
+          <p:nvPr/>
+        </p:nvPicPr>
+        <p:blipFill rotWithShape="1">
+          <a:blip r:embed="rId6"/>
+          <a:srcRect t="6389" b="33905"/>
+          <a:stretch/>
+        </p:blipFill>
+        <p:spPr>
+          <a:xfrm>
+            <a:off x="-7268063" y="3729317"/>
+            <a:ext cx="6708697" cy="2253061"/>
+          </a:xfrm>
+          <a:prstGeom prst="rect">
+            <a:avLst/>
+          </a:prstGeom>
+        </p:spPr>
+      </p:pic>
+      <p:sp>
+        <p:nvSpPr>
+          <p:cNvPr id="23" name="矩形 22">
+            <a:extLst>
+              <a:ext uri="{FF2B5EF4-FFF2-40B4-BE49-F238E27FC236}">
+                <a16:creationId xmlns:a16="http://schemas.microsoft.com/office/drawing/2014/main" id="{B6DBCC8B-6276-40A3-94F0-45D4CEA6E358}"/>
+              </a:ext>
+            </a:extLst>
+          </p:cNvPr>
+          <p:cNvSpPr/>
+          <p:nvPr/>
+        </p:nvSpPr>
+        <p:spPr>
+          <a:xfrm>
+            <a:off x="737961" y="441109"/>
+            <a:ext cx="1290126" cy="400050"/>
+          </a:xfrm>
+          <a:prstGeom prst="rect">
+            <a:avLst/>
+          </a:prstGeom>
+          <a:solidFill>
+            <a:schemeClr val="bg1">
+              <a:lumMod val="85000"/>
+            </a:schemeClr>
+          </a:solidFill>
+          <a:ln>
             <a:solidFill>
-              <a:schemeClr val="bg1">
-                <a:lumMod val="85000"/>
-              </a:schemeClr>
+              <a:schemeClr val="tx1"/>
             </a:solidFill>
-            <a:prstDash val="dash"/>
           </a:ln>
         </p:spPr>
         <p:style>
-          <a:lnRef idx="1">
-            <a:schemeClr val="dk1"/>
+          <a:lnRef idx="2">
+            <a:schemeClr val="accent1">
+              <a:shade val="50000"/>
+            </a:schemeClr>
           </a:lnRef>
-          <a:fillRef idx="0">
-            <a:schemeClr val="dk1"/>
+          <a:fillRef idx="1">
+            <a:schemeClr val="accent1"/>
           </a:fillRef>
           <a:effectRef idx="0">
-            <a:schemeClr val="dk1"/>
+            <a:schemeClr val="accent1"/>
           </a:effectRef>
           <a:fontRef idx="minor">
-            <a:schemeClr val="tx1"/>
+            <a:schemeClr val="lt1"/>
           </a:fontRef>
         </p:style>
-      </p:cxnSp>
+        <p:txBody>
+          <a:bodyPr rot="0" spcFirstLastPara="0" vertOverflow="overflow" horzOverflow="overflow" vert="horz" wrap="square" lIns="91440" tIns="45720" rIns="91440" bIns="45720" numCol="1" spcCol="0" rtlCol="0" fromWordArt="0" anchor="ctr" anchorCtr="0" forceAA="0" compatLnSpc="1">
+            <a:prstTxWarp prst="textNoShape">
+              <a:avLst/>
+            </a:prstTxWarp>
+            <a:noAutofit/>
+          </a:bodyPr>
+          <a:lstStyle/>
+          <a:p>
+            <a:pPr algn="ctr"/>
+            <a:r>
+              <a:rPr lang="zh-TW" altLang="en-US" dirty="0">
+                <a:solidFill>
+                  <a:schemeClr val="tx1"/>
+                </a:solidFill>
+                <a:latin typeface="微軟正黑體" panose="020B0604030504040204" pitchFamily="34" charset="-120"/>
+                <a:ea typeface="微軟正黑體" panose="020B0604030504040204" pitchFamily="34" charset="-120"/>
+              </a:rPr>
+              <a:t>全國總覽</a:t>
+            </a:r>
+          </a:p>
+        </p:txBody>
+      </p:sp>
+      <p:sp>
+        <p:nvSpPr>
+          <p:cNvPr id="26" name="文字方塊 25">
+            <a:extLst>
+              <a:ext uri="{FF2B5EF4-FFF2-40B4-BE49-F238E27FC236}">
+                <a16:creationId xmlns:a16="http://schemas.microsoft.com/office/drawing/2014/main" id="{B606E106-1066-49E8-BCF3-29190DC54E63}"/>
+              </a:ext>
+            </a:extLst>
+          </p:cNvPr>
+          <p:cNvSpPr txBox="1"/>
+          <p:nvPr/>
+        </p:nvSpPr>
+        <p:spPr>
+          <a:xfrm>
+            <a:off x="3057919" y="221869"/>
+            <a:ext cx="6076163" cy="830997"/>
+          </a:xfrm>
+          <a:prstGeom prst="rect">
+            <a:avLst/>
+          </a:prstGeom>
+          <a:noFill/>
+        </p:spPr>
+        <p:txBody>
+          <a:bodyPr wrap="square" rtlCol="0">
+            <a:spAutoFit/>
+          </a:bodyPr>
+          <a:lstStyle/>
+          <a:p>
+            <a:pPr algn="ctr"/>
+            <a:r>
+              <a:rPr lang="zh-TW" altLang="en-US" sz="4800" b="1" dirty="0">
+                <a:latin typeface="微軟正黑體" panose="020B0604030504040204" pitchFamily="34" charset="-120"/>
+                <a:ea typeface="微軟正黑體" panose="020B0604030504040204" pitchFamily="34" charset="-120"/>
+              </a:rPr>
+              <a:t>臺灣教育程度資料</a:t>
+            </a:r>
+          </a:p>
+        </p:txBody>
+      </p:sp>
+      <p:grpSp>
+        <p:nvGrpSpPr>
+          <p:cNvPr id="32" name="群組 31">
+            <a:extLst>
+              <a:ext uri="{FF2B5EF4-FFF2-40B4-BE49-F238E27FC236}">
+                <a16:creationId xmlns:a16="http://schemas.microsoft.com/office/drawing/2014/main" id="{8E9415CB-F887-43CA-A22C-5E5ED30DB860}"/>
+              </a:ext>
+            </a:extLst>
+          </p:cNvPr>
+          <p:cNvGrpSpPr/>
+          <p:nvPr/>
+        </p:nvGrpSpPr>
+        <p:grpSpPr>
+          <a:xfrm>
+            <a:off x="692365" y="1218666"/>
+            <a:ext cx="10807271" cy="4261759"/>
+            <a:chOff x="964888" y="2022296"/>
+            <a:chExt cx="10262224" cy="4261759"/>
+          </a:xfrm>
+        </p:grpSpPr>
+        <p:pic>
+          <p:nvPicPr>
+            <p:cNvPr id="22" name="圖片 21">
+              <a:extLst>
+                <a:ext uri="{FF2B5EF4-FFF2-40B4-BE49-F238E27FC236}">
+                  <a16:creationId xmlns:a16="http://schemas.microsoft.com/office/drawing/2014/main" id="{D909044C-3DE5-44DC-A497-50C9B55A6DE4}"/>
+                </a:ext>
+              </a:extLst>
+            </p:cNvPr>
+            <p:cNvPicPr>
+              <a:picLocks noChangeAspect="1"/>
+            </p:cNvPicPr>
+            <p:nvPr/>
+          </p:nvPicPr>
+          <p:blipFill rotWithShape="1">
+            <a:blip r:embed="rId7"/>
+            <a:srcRect t="6535" b="34166"/>
+            <a:stretch/>
+          </p:blipFill>
+          <p:spPr>
+            <a:xfrm>
+              <a:off x="964888" y="2861075"/>
+              <a:ext cx="10262224" cy="3422980"/>
+            </a:xfrm>
+            <a:prstGeom prst="rect">
+              <a:avLst/>
+            </a:prstGeom>
+          </p:spPr>
+        </p:pic>
+        <p:sp>
+          <p:nvSpPr>
+            <p:cNvPr id="27" name="文字方塊 26">
+              <a:extLst>
+                <a:ext uri="{FF2B5EF4-FFF2-40B4-BE49-F238E27FC236}">
+                  <a16:creationId xmlns:a16="http://schemas.microsoft.com/office/drawing/2014/main" id="{EE6BF4C8-1E12-40B6-9DAE-A34A2EFB1987}"/>
+                </a:ext>
+              </a:extLst>
+            </p:cNvPr>
+            <p:cNvSpPr txBox="1"/>
+            <p:nvPr/>
+          </p:nvSpPr>
+          <p:spPr>
+            <a:xfrm>
+              <a:off x="3990027" y="2022296"/>
+              <a:ext cx="4211947" cy="523220"/>
+            </a:xfrm>
+            <a:prstGeom prst="rect">
+              <a:avLst/>
+            </a:prstGeom>
+            <a:noFill/>
+          </p:spPr>
+          <p:txBody>
+            <a:bodyPr wrap="square" rtlCol="0">
+              <a:spAutoFit/>
+            </a:bodyPr>
+            <a:lstStyle/>
+            <a:p>
+              <a:pPr algn="ctr"/>
+              <a:r>
+                <a:rPr lang="zh-TW" altLang="en-US" sz="2800" b="1" dirty="0">
+                  <a:latin typeface="微軟正黑體" panose="020B0604030504040204" pitchFamily="34" charset="-120"/>
+                  <a:ea typeface="微軟正黑體" panose="020B0604030504040204" pitchFamily="34" charset="-120"/>
+                </a:rPr>
+                <a:t>全國 教育程度金字塔</a:t>
+              </a:r>
+            </a:p>
+          </p:txBody>
+        </p:sp>
+      </p:grpSp>
+      <p:sp>
+        <p:nvSpPr>
+          <p:cNvPr id="24" name="文字方塊 23">
+            <a:extLst>
+              <a:ext uri="{FF2B5EF4-FFF2-40B4-BE49-F238E27FC236}">
+                <a16:creationId xmlns:a16="http://schemas.microsoft.com/office/drawing/2014/main" id="{5450E15E-6A1E-4AB0-8E51-4A422C01EBC5}"/>
+              </a:ext>
+            </a:extLst>
+          </p:cNvPr>
+          <p:cNvSpPr txBox="1"/>
+          <p:nvPr/>
+        </p:nvSpPr>
+        <p:spPr>
+          <a:xfrm>
+            <a:off x="12897752" y="302550"/>
+            <a:ext cx="2861809" cy="1077218"/>
+          </a:xfrm>
+          <a:prstGeom prst="rect">
+            <a:avLst/>
+          </a:prstGeom>
+          <a:noFill/>
+        </p:spPr>
+        <p:txBody>
+          <a:bodyPr wrap="square" rtlCol="0">
+            <a:spAutoFit/>
+          </a:bodyPr>
+          <a:lstStyle/>
+          <a:p>
+            <a:r>
+              <a:rPr lang="zh-TW" altLang="en-US" sz="800" dirty="0">
+                <a:latin typeface="微軟正黑體" panose="020B0604030504040204" pitchFamily="34" charset="-120"/>
+                <a:ea typeface="微軟正黑體" panose="020B0604030504040204" pitchFamily="34" charset="-120"/>
+              </a:rPr>
+              <a:t>資料來源</a:t>
+            </a:r>
+            <a:r>
+              <a:rPr lang="en-US" altLang="zh-TW" sz="800" dirty="0">
+                <a:latin typeface="微軟正黑體" panose="020B0604030504040204" pitchFamily="34" charset="-120"/>
+                <a:ea typeface="微軟正黑體" panose="020B0604030504040204" pitchFamily="34" charset="-120"/>
+              </a:rPr>
+              <a:t>:</a:t>
+            </a:r>
+            <a:r>
+              <a:rPr lang="zh-TW" altLang="en-US" sz="800" dirty="0">
+                <a:latin typeface="微軟正黑體" panose="020B0604030504040204" pitchFamily="34" charset="-120"/>
+                <a:ea typeface="微軟正黑體" panose="020B0604030504040204" pitchFamily="34" charset="-120"/>
+              </a:rPr>
+              <a:t> 各村里教育程度資料 </a:t>
+            </a:r>
+            <a:r>
+              <a:rPr lang="en-US" altLang="zh-TW" sz="800" dirty="0">
+                <a:latin typeface="微軟正黑體" panose="020B0604030504040204" pitchFamily="34" charset="-120"/>
+                <a:ea typeface="微軟正黑體" panose="020B0604030504040204" pitchFamily="34" charset="-120"/>
+              </a:rPr>
+              <a:t>|</a:t>
+            </a:r>
+            <a:r>
+              <a:rPr lang="zh-TW" altLang="en-US" sz="800" dirty="0">
+                <a:latin typeface="微軟正黑體" panose="020B0604030504040204" pitchFamily="34" charset="-120"/>
+                <a:ea typeface="微軟正黑體" panose="020B0604030504040204" pitchFamily="34" charset="-120"/>
+              </a:rPr>
+              <a:t> 政府開放資料平台</a:t>
+            </a:r>
+            <a:endParaRPr lang="en-US" altLang="zh-TW" sz="800" dirty="0">
+              <a:latin typeface="微軟正黑體" panose="020B0604030504040204" pitchFamily="34" charset="-120"/>
+              <a:ea typeface="微軟正黑體" panose="020B0604030504040204" pitchFamily="34" charset="-120"/>
+            </a:endParaRPr>
+          </a:p>
+          <a:p>
+            <a:r>
+              <a:rPr lang="zh-TW" altLang="en-US" sz="800" dirty="0">
+                <a:latin typeface="微軟正黑體" panose="020B0604030504040204" pitchFamily="34" charset="-120"/>
+                <a:ea typeface="微軟正黑體" panose="020B0604030504040204" pitchFamily="34" charset="-120"/>
+              </a:rPr>
+              <a:t>統計年度</a:t>
+            </a:r>
+            <a:r>
+              <a:rPr lang="en-US" altLang="zh-TW" sz="800" dirty="0">
+                <a:latin typeface="微軟正黑體" panose="020B0604030504040204" pitchFamily="34" charset="-120"/>
+                <a:ea typeface="微軟正黑體" panose="020B0604030504040204" pitchFamily="34" charset="-120"/>
+              </a:rPr>
+              <a:t>:</a:t>
+            </a:r>
+            <a:r>
+              <a:rPr lang="zh-TW" altLang="en-US" sz="800" dirty="0">
+                <a:latin typeface="微軟正黑體" panose="020B0604030504040204" pitchFamily="34" charset="-120"/>
+                <a:ea typeface="微軟正黑體" panose="020B0604030504040204" pitchFamily="34" charset="-120"/>
+              </a:rPr>
+              <a:t> </a:t>
+            </a:r>
+            <a:r>
+              <a:rPr lang="en-US" altLang="zh-TW" sz="800" dirty="0">
+                <a:latin typeface="微軟正黑體" panose="020B0604030504040204" pitchFamily="34" charset="-120"/>
+                <a:ea typeface="微軟正黑體" panose="020B0604030504040204" pitchFamily="34" charset="-120"/>
+              </a:rPr>
+              <a:t>108</a:t>
+            </a:r>
+            <a:r>
+              <a:rPr lang="zh-TW" altLang="en-US" sz="800" dirty="0">
+                <a:latin typeface="微軟正黑體" panose="020B0604030504040204" pitchFamily="34" charset="-120"/>
+                <a:ea typeface="微軟正黑體" panose="020B0604030504040204" pitchFamily="34" charset="-120"/>
+              </a:rPr>
+              <a:t>年</a:t>
+            </a:r>
+            <a:br>
+              <a:rPr lang="en-US" altLang="zh-TW" sz="800" dirty="0">
+                <a:latin typeface="微軟正黑體" panose="020B0604030504040204" pitchFamily="34" charset="-120"/>
+                <a:ea typeface="微軟正黑體" panose="020B0604030504040204" pitchFamily="34" charset="-120"/>
+              </a:rPr>
+            </a:br>
+            <a:r>
+              <a:rPr lang="zh-TW" altLang="en-US" sz="800" dirty="0">
+                <a:latin typeface="微軟正黑體" panose="020B0604030504040204" pitchFamily="34" charset="-120"/>
+                <a:ea typeface="微軟正黑體" panose="020B0604030504040204" pitchFamily="34" charset="-120"/>
+              </a:rPr>
+              <a:t>說明</a:t>
+            </a:r>
+            <a:r>
+              <a:rPr lang="en-US" altLang="zh-TW" sz="800" dirty="0">
+                <a:latin typeface="微軟正黑體" panose="020B0604030504040204" pitchFamily="34" charset="-120"/>
+                <a:ea typeface="微軟正黑體" panose="020B0604030504040204" pitchFamily="34" charset="-120"/>
+              </a:rPr>
+              <a:t>: </a:t>
+            </a:r>
+            <a:r>
+              <a:rPr lang="zh-TW" altLang="en-US" sz="800" dirty="0">
+                <a:latin typeface="微軟正黑體" panose="020B0604030504040204" pitchFamily="34" charset="-120"/>
+                <a:ea typeface="微軟正黑體" panose="020B0604030504040204" pitchFamily="34" charset="-120"/>
+              </a:rPr>
+              <a:t>原始資料中之博畢、博肄合併為「博士」；</a:t>
+            </a:r>
+          </a:p>
+          <a:p>
+            <a:r>
+              <a:rPr lang="zh-TW" altLang="en-US" sz="800" dirty="0">
+                <a:latin typeface="微軟正黑體" panose="020B0604030504040204" pitchFamily="34" charset="-120"/>
+                <a:ea typeface="微軟正黑體" panose="020B0604030504040204" pitchFamily="34" charset="-120"/>
+              </a:rPr>
+              <a:t>碩畢、碩肄合併為「碩士」；大畢、大肄合併為「學士」；</a:t>
+            </a:r>
+          </a:p>
+          <a:p>
+            <a:r>
+              <a:rPr lang="zh-TW" altLang="en-US" sz="800" dirty="0">
+                <a:latin typeface="微軟正黑體" panose="020B0604030504040204" pitchFamily="34" charset="-120"/>
+                <a:ea typeface="微軟正黑體" panose="020B0604030504040204" pitchFamily="34" charset="-120"/>
+              </a:rPr>
+              <a:t>二畢、二肄、後二畢、後二肄合併為「專科」；</a:t>
+            </a:r>
+          </a:p>
+          <a:p>
+            <a:r>
+              <a:rPr lang="zh-TW" altLang="en-US" sz="800" dirty="0">
+                <a:latin typeface="微軟正黑體" panose="020B0604030504040204" pitchFamily="34" charset="-120"/>
+                <a:ea typeface="微軟正黑體" panose="020B0604030504040204" pitchFamily="34" charset="-120"/>
+              </a:rPr>
+              <a:t>高畢、高肄、職畢、職肄、前三畢、前三肄合併為「高中」；</a:t>
+            </a:r>
+          </a:p>
+          <a:p>
+            <a:r>
+              <a:rPr lang="zh-TW" altLang="en-US" sz="800" dirty="0">
+                <a:latin typeface="微軟正黑體" panose="020B0604030504040204" pitchFamily="34" charset="-120"/>
+                <a:ea typeface="微軟正黑體" panose="020B0604030504040204" pitchFamily="34" charset="-120"/>
+              </a:rPr>
+              <a:t>國畢、國肄、初畢、初肄合併為「國中」；</a:t>
+            </a:r>
+          </a:p>
+          <a:p>
+            <a:r>
+              <a:rPr lang="zh-TW" altLang="en-US" sz="800" dirty="0">
+                <a:latin typeface="微軟正黑體" panose="020B0604030504040204" pitchFamily="34" charset="-120"/>
+                <a:ea typeface="微軟正黑體" panose="020B0604030504040204" pitchFamily="34" charset="-120"/>
+              </a:rPr>
+              <a:t>小畢、小肄合併為「國小」；自修、不識合併為「其他」。</a:t>
+            </a:r>
+            <a:endParaRPr lang="en-US" altLang="zh-TW" sz="800" dirty="0">
+              <a:latin typeface="微軟正黑體" panose="020B0604030504040204" pitchFamily="34" charset="-120"/>
+              <a:ea typeface="微軟正黑體" panose="020B0604030504040204" pitchFamily="34" charset="-120"/>
+            </a:endParaRPr>
+          </a:p>
+        </p:txBody>
+      </p:sp>
+      <p:sp>
+        <p:nvSpPr>
+          <p:cNvPr id="29" name="文字方塊 28">
+            <a:extLst>
+              <a:ext uri="{FF2B5EF4-FFF2-40B4-BE49-F238E27FC236}">
+                <a16:creationId xmlns:a16="http://schemas.microsoft.com/office/drawing/2014/main" id="{F4E48F2C-611C-48F2-AD21-62380886C1B6}"/>
+              </a:ext>
+            </a:extLst>
+          </p:cNvPr>
+          <p:cNvSpPr txBox="1"/>
+          <p:nvPr/>
+        </p:nvSpPr>
+        <p:spPr>
+          <a:xfrm>
+            <a:off x="-6626906" y="12038382"/>
+            <a:ext cx="5358039" cy="830997"/>
+          </a:xfrm>
+          <a:prstGeom prst="rect">
+            <a:avLst/>
+          </a:prstGeom>
+          <a:noFill/>
+        </p:spPr>
+        <p:txBody>
+          <a:bodyPr wrap="square" rtlCol="0">
+            <a:spAutoFit/>
+          </a:bodyPr>
+          <a:lstStyle/>
+          <a:p>
+            <a:pPr algn="ctr"/>
+            <a:r>
+              <a:rPr lang="zh-TW" altLang="en-US" sz="4800" b="1" dirty="0">
+                <a:latin typeface="微軟正黑體" panose="020B0604030504040204" pitchFamily="34" charset="-120"/>
+                <a:ea typeface="微軟正黑體" panose="020B0604030504040204" pitchFamily="34" charset="-120"/>
+              </a:rPr>
+              <a:t>性別</a:t>
+            </a:r>
+            <a:r>
+              <a:rPr lang="en-US" altLang="zh-TW" sz="4800" b="1" dirty="0">
+                <a:latin typeface="微軟正黑體" panose="020B0604030504040204" pitchFamily="34" charset="-120"/>
+                <a:ea typeface="微軟正黑體" panose="020B0604030504040204" pitchFamily="34" charset="-120"/>
+              </a:rPr>
+              <a:t>-</a:t>
+            </a:r>
+            <a:r>
+              <a:rPr lang="zh-TW" altLang="en-US" sz="4800" b="1" dirty="0">
+                <a:latin typeface="微軟正黑體" panose="020B0604030504040204" pitchFamily="34" charset="-120"/>
+                <a:ea typeface="微軟正黑體" panose="020B0604030504040204" pitchFamily="34" charset="-120"/>
+              </a:rPr>
+              <a:t>教育程度比較</a:t>
+            </a:r>
+          </a:p>
+        </p:txBody>
+      </p:sp>
+      <p:pic>
+        <p:nvPicPr>
+          <p:cNvPr id="37" name="圖片 36">
+            <a:extLst>
+              <a:ext uri="{FF2B5EF4-FFF2-40B4-BE49-F238E27FC236}">
+                <a16:creationId xmlns:a16="http://schemas.microsoft.com/office/drawing/2014/main" id="{FC352D1D-ED03-47A1-89BC-3C940E93B0D4}"/>
+              </a:ext>
+            </a:extLst>
+          </p:cNvPr>
+          <p:cNvPicPr>
+            <a:picLocks noChangeAspect="1"/>
+          </p:cNvPicPr>
+          <p:nvPr/>
+        </p:nvPicPr>
+        <p:blipFill rotWithShape="1">
+          <a:blip r:embed="rId8"/>
+          <a:srcRect l="25160" t="7668" r="25160" b="4012"/>
+          <a:stretch/>
+        </p:blipFill>
+        <p:spPr>
+          <a:xfrm>
+            <a:off x="-6437866" y="13365911"/>
+            <a:ext cx="4517999" cy="4517999"/>
+          </a:xfrm>
+          <a:prstGeom prst="rect">
+            <a:avLst/>
+          </a:prstGeom>
+        </p:spPr>
+      </p:pic>
+      <p:grpSp>
+        <p:nvGrpSpPr>
+          <p:cNvPr id="55" name="群組 54">
+            <a:extLst>
+              <a:ext uri="{FF2B5EF4-FFF2-40B4-BE49-F238E27FC236}">
+                <a16:creationId xmlns:a16="http://schemas.microsoft.com/office/drawing/2014/main" id="{348A6BC8-4DD1-431B-AF0D-FD7BD9576A1F}"/>
+              </a:ext>
+            </a:extLst>
+          </p:cNvPr>
+          <p:cNvGrpSpPr/>
+          <p:nvPr/>
+        </p:nvGrpSpPr>
+        <p:grpSpPr>
+          <a:xfrm>
+            <a:off x="692366" y="9256600"/>
+            <a:ext cx="10807270" cy="3206612"/>
+            <a:chOff x="799140" y="10318572"/>
+            <a:chExt cx="10593719" cy="3206612"/>
+          </a:xfrm>
+        </p:grpSpPr>
+        <p:sp>
+          <p:nvSpPr>
+            <p:cNvPr id="36" name="文字方塊 35">
+              <a:extLst>
+                <a:ext uri="{FF2B5EF4-FFF2-40B4-BE49-F238E27FC236}">
+                  <a16:creationId xmlns:a16="http://schemas.microsoft.com/office/drawing/2014/main" id="{93711EE6-75BB-40FC-AA60-C41877F17633}"/>
+                </a:ext>
+              </a:extLst>
+            </p:cNvPr>
+            <p:cNvSpPr txBox="1"/>
+            <p:nvPr/>
+          </p:nvSpPr>
+          <p:spPr>
+            <a:xfrm>
+              <a:off x="3886908" y="10318572"/>
+              <a:ext cx="4418182" cy="523220"/>
+            </a:xfrm>
+            <a:prstGeom prst="rect">
+              <a:avLst/>
+            </a:prstGeom>
+            <a:noFill/>
+          </p:spPr>
+          <p:txBody>
+            <a:bodyPr wrap="square" rtlCol="0">
+              <a:spAutoFit/>
+            </a:bodyPr>
+            <a:lstStyle/>
+            <a:p>
+              <a:pPr algn="ctr"/>
+              <a:r>
+                <a:rPr lang="zh-TW" altLang="en-US" sz="2800" b="1" dirty="0">
+                  <a:latin typeface="微軟正黑體" panose="020B0604030504040204" pitchFamily="34" charset="-120"/>
+                  <a:ea typeface="微軟正黑體" panose="020B0604030504040204" pitchFamily="34" charset="-120"/>
+                </a:rPr>
+                <a:t>全國各縣市教育程度比較</a:t>
+              </a:r>
+            </a:p>
+          </p:txBody>
+        </p:sp>
+        <p:pic>
+          <p:nvPicPr>
+            <p:cNvPr id="3" name="圖片 2">
+              <a:extLst>
+                <a:ext uri="{FF2B5EF4-FFF2-40B4-BE49-F238E27FC236}">
+                  <a16:creationId xmlns:a16="http://schemas.microsoft.com/office/drawing/2014/main" id="{9D28F8C6-83F2-433C-B961-885C0DA0AD79}"/>
+                </a:ext>
+              </a:extLst>
+            </p:cNvPr>
+            <p:cNvPicPr>
+              <a:picLocks noChangeAspect="1"/>
+            </p:cNvPicPr>
+            <p:nvPr/>
+          </p:nvPicPr>
+          <p:blipFill rotWithShape="1">
+            <a:blip r:embed="rId9"/>
+            <a:srcRect t="7517" b="35490"/>
+            <a:stretch/>
+          </p:blipFill>
+          <p:spPr>
+            <a:xfrm>
+              <a:off x="799140" y="11157351"/>
+              <a:ext cx="10593719" cy="2367833"/>
+            </a:xfrm>
+            <a:prstGeom prst="rect">
+              <a:avLst/>
+            </a:prstGeom>
+          </p:spPr>
+        </p:pic>
+      </p:grpSp>
+      <p:grpSp>
+        <p:nvGrpSpPr>
+          <p:cNvPr id="49" name="群組 48">
+            <a:extLst>
+              <a:ext uri="{FF2B5EF4-FFF2-40B4-BE49-F238E27FC236}">
+                <a16:creationId xmlns:a16="http://schemas.microsoft.com/office/drawing/2014/main" id="{1FFDE192-1F99-4C87-B432-D5BC77BFD0EF}"/>
+              </a:ext>
+            </a:extLst>
+          </p:cNvPr>
+          <p:cNvGrpSpPr/>
+          <p:nvPr/>
+        </p:nvGrpSpPr>
+        <p:grpSpPr>
+          <a:xfrm>
+            <a:off x="1031745" y="15909256"/>
+            <a:ext cx="3564762" cy="3125938"/>
+            <a:chOff x="1031745" y="6538059"/>
+            <a:chExt cx="3564762" cy="3125938"/>
+          </a:xfrm>
+        </p:grpSpPr>
+        <p:sp>
+          <p:nvSpPr>
+            <p:cNvPr id="50" name="文字方塊 49">
+              <a:extLst>
+                <a:ext uri="{FF2B5EF4-FFF2-40B4-BE49-F238E27FC236}">
+                  <a16:creationId xmlns:a16="http://schemas.microsoft.com/office/drawing/2014/main" id="{3CCE9705-0BD8-4DAD-8244-E4919F560E68}"/>
+                </a:ext>
+              </a:extLst>
+            </p:cNvPr>
+            <p:cNvSpPr txBox="1"/>
+            <p:nvPr/>
+          </p:nvSpPr>
+          <p:spPr>
+            <a:xfrm>
+              <a:off x="1031745" y="6538059"/>
+              <a:ext cx="3564762" cy="523220"/>
+            </a:xfrm>
+            <a:prstGeom prst="rect">
+              <a:avLst/>
+            </a:prstGeom>
+            <a:noFill/>
+          </p:spPr>
+          <p:txBody>
+            <a:bodyPr wrap="square" rtlCol="0">
+              <a:spAutoFit/>
+            </a:bodyPr>
+            <a:lstStyle/>
+            <a:p>
+              <a:pPr algn="ctr"/>
+              <a:r>
+                <a:rPr lang="zh-TW" altLang="en-US" sz="2800" b="1" dirty="0">
+                  <a:latin typeface="微軟正黑體" panose="020B0604030504040204" pitchFamily="34" charset="-120"/>
+                  <a:ea typeface="微軟正黑體" panose="020B0604030504040204" pitchFamily="34" charset="-120"/>
+                </a:rPr>
+                <a:t>台北市教育程度組成</a:t>
+              </a:r>
+            </a:p>
+          </p:txBody>
+        </p:sp>
+        <p:pic>
+          <p:nvPicPr>
+            <p:cNvPr id="51" name="圖片 50">
+              <a:extLst>
+                <a:ext uri="{FF2B5EF4-FFF2-40B4-BE49-F238E27FC236}">
+                  <a16:creationId xmlns:a16="http://schemas.microsoft.com/office/drawing/2014/main" id="{BE14558E-2706-4E65-AB96-584681531747}"/>
+                </a:ext>
+              </a:extLst>
+            </p:cNvPr>
+            <p:cNvPicPr>
+              <a:picLocks noChangeAspect="1"/>
+            </p:cNvPicPr>
+            <p:nvPr/>
+          </p:nvPicPr>
+          <p:blipFill rotWithShape="1">
+            <a:blip r:embed="rId10"/>
+            <a:srcRect l="25936" t="7108" r="24753" b="4648"/>
+            <a:stretch/>
+          </p:blipFill>
+          <p:spPr>
+            <a:xfrm>
+              <a:off x="1718130" y="7457512"/>
+              <a:ext cx="2191992" cy="2206485"/>
+            </a:xfrm>
+            <a:prstGeom prst="rect">
+              <a:avLst/>
+            </a:prstGeom>
+          </p:spPr>
+        </p:pic>
+      </p:grpSp>
+      <p:grpSp>
+        <p:nvGrpSpPr>
+          <p:cNvPr id="58" name="群組 57">
+            <a:extLst>
+              <a:ext uri="{FF2B5EF4-FFF2-40B4-BE49-F238E27FC236}">
+                <a16:creationId xmlns:a16="http://schemas.microsoft.com/office/drawing/2014/main" id="{C3B253D0-7027-44B2-A6FB-0B37C8A1354B}"/>
+              </a:ext>
+            </a:extLst>
+          </p:cNvPr>
+          <p:cNvGrpSpPr/>
+          <p:nvPr/>
+        </p:nvGrpSpPr>
+        <p:grpSpPr>
+          <a:xfrm>
+            <a:off x="692365" y="5734429"/>
+            <a:ext cx="3564762" cy="3125938"/>
+            <a:chOff x="799140" y="6538059"/>
+            <a:chExt cx="3564762" cy="3125938"/>
+          </a:xfrm>
+        </p:grpSpPr>
+        <p:sp>
+          <p:nvSpPr>
+            <p:cNvPr id="41" name="文字方塊 40">
+              <a:extLst>
+                <a:ext uri="{FF2B5EF4-FFF2-40B4-BE49-F238E27FC236}">
+                  <a16:creationId xmlns:a16="http://schemas.microsoft.com/office/drawing/2014/main" id="{D7252768-3880-43C2-B26D-D5C5BCCE1B98}"/>
+                </a:ext>
+              </a:extLst>
+            </p:cNvPr>
+            <p:cNvSpPr txBox="1"/>
+            <p:nvPr/>
+          </p:nvSpPr>
+          <p:spPr>
+            <a:xfrm>
+              <a:off x="799140" y="6538059"/>
+              <a:ext cx="3564762" cy="523220"/>
+            </a:xfrm>
+            <a:prstGeom prst="rect">
+              <a:avLst/>
+            </a:prstGeom>
+            <a:noFill/>
+          </p:spPr>
+          <p:txBody>
+            <a:bodyPr wrap="square" rtlCol="0">
+              <a:spAutoFit/>
+            </a:bodyPr>
+            <a:lstStyle/>
+            <a:p>
+              <a:pPr algn="ctr"/>
+              <a:r>
+                <a:rPr lang="zh-TW" altLang="en-US" sz="2800" b="1" dirty="0">
+                  <a:latin typeface="微軟正黑體" panose="020B0604030504040204" pitchFamily="34" charset="-120"/>
+                  <a:ea typeface="微軟正黑體" panose="020B0604030504040204" pitchFamily="34" charset="-120"/>
+                </a:rPr>
+                <a:t>全國教育程度組成</a:t>
+              </a:r>
+            </a:p>
+          </p:txBody>
+        </p:sp>
+        <p:pic>
+          <p:nvPicPr>
+            <p:cNvPr id="2" name="圖片 1">
+              <a:extLst>
+                <a:ext uri="{FF2B5EF4-FFF2-40B4-BE49-F238E27FC236}">
+                  <a16:creationId xmlns:a16="http://schemas.microsoft.com/office/drawing/2014/main" id="{BF7701A6-1126-4367-9178-43F401A92494}"/>
+                </a:ext>
+              </a:extLst>
+            </p:cNvPr>
+            <p:cNvPicPr>
+              <a:picLocks noChangeAspect="1"/>
+            </p:cNvPicPr>
+            <p:nvPr/>
+          </p:nvPicPr>
+          <p:blipFill rotWithShape="1">
+            <a:blip r:embed="rId10"/>
+            <a:srcRect l="25936" t="7108" r="24753" b="4648"/>
+            <a:stretch/>
+          </p:blipFill>
+          <p:spPr>
+            <a:xfrm>
+              <a:off x="1485525" y="7457512"/>
+              <a:ext cx="2191992" cy="2206485"/>
+            </a:xfrm>
+            <a:prstGeom prst="rect">
+              <a:avLst/>
+            </a:prstGeom>
+          </p:spPr>
+        </p:pic>
+      </p:grpSp>
+      <p:grpSp>
+        <p:nvGrpSpPr>
+          <p:cNvPr id="56" name="群組 55">
+            <a:extLst>
+              <a:ext uri="{FF2B5EF4-FFF2-40B4-BE49-F238E27FC236}">
+                <a16:creationId xmlns:a16="http://schemas.microsoft.com/office/drawing/2014/main" id="{C00E22A8-F732-482C-920F-8AB06EF9B668}"/>
+              </a:ext>
+            </a:extLst>
+          </p:cNvPr>
+          <p:cNvGrpSpPr/>
+          <p:nvPr/>
+        </p:nvGrpSpPr>
+        <p:grpSpPr>
+          <a:xfrm>
+            <a:off x="4812465" y="5734429"/>
+            <a:ext cx="6687171" cy="3282215"/>
+            <a:chOff x="4705688" y="6538059"/>
+            <a:chExt cx="6687171" cy="3282215"/>
+          </a:xfrm>
+        </p:grpSpPr>
+        <p:sp>
+          <p:nvSpPr>
+            <p:cNvPr id="53" name="文字方塊 52">
+              <a:extLst>
+                <a:ext uri="{FF2B5EF4-FFF2-40B4-BE49-F238E27FC236}">
+                  <a16:creationId xmlns:a16="http://schemas.microsoft.com/office/drawing/2014/main" id="{EF143170-4836-49B0-97F6-6E26910E1488}"/>
+                </a:ext>
+              </a:extLst>
+            </p:cNvPr>
+            <p:cNvSpPr txBox="1"/>
+            <p:nvPr/>
+          </p:nvSpPr>
+          <p:spPr>
+            <a:xfrm>
+              <a:off x="5840182" y="6538059"/>
+              <a:ext cx="4418182" cy="523220"/>
+            </a:xfrm>
+            <a:prstGeom prst="rect">
+              <a:avLst/>
+            </a:prstGeom>
+            <a:noFill/>
+          </p:spPr>
+          <p:txBody>
+            <a:bodyPr wrap="square" rtlCol="0">
+              <a:spAutoFit/>
+            </a:bodyPr>
+            <a:lstStyle/>
+            <a:p>
+              <a:pPr algn="ctr"/>
+              <a:r>
+                <a:rPr lang="zh-TW" altLang="en-US" sz="2800" b="1" dirty="0">
+                  <a:latin typeface="微軟正黑體" panose="020B0604030504040204" pitchFamily="34" charset="-120"/>
+                  <a:ea typeface="微軟正黑體" panose="020B0604030504040204" pitchFamily="34" charset="-120"/>
+                </a:rPr>
+                <a:t>全國各教育程度性別組成</a:t>
+              </a:r>
+            </a:p>
+          </p:txBody>
+        </p:sp>
+        <p:pic>
+          <p:nvPicPr>
+            <p:cNvPr id="40" name="圖片 39">
+              <a:extLst>
+                <a:ext uri="{FF2B5EF4-FFF2-40B4-BE49-F238E27FC236}">
+                  <a16:creationId xmlns:a16="http://schemas.microsoft.com/office/drawing/2014/main" id="{EE11D9DC-0D43-4656-A795-27CDCD96F200}"/>
+                </a:ext>
+              </a:extLst>
+            </p:cNvPr>
+            <p:cNvPicPr>
+              <a:picLocks noChangeAspect="1"/>
+            </p:cNvPicPr>
+            <p:nvPr/>
+          </p:nvPicPr>
+          <p:blipFill rotWithShape="1">
+            <a:blip r:embed="rId11"/>
+            <a:srcRect t="6471" b="35490"/>
+            <a:stretch/>
+          </p:blipFill>
+          <p:spPr>
+            <a:xfrm>
+              <a:off x="4705688" y="7457511"/>
+              <a:ext cx="6687171" cy="2362763"/>
+            </a:xfrm>
+            <a:prstGeom prst="rect">
+              <a:avLst/>
+            </a:prstGeom>
+          </p:spPr>
+        </p:pic>
+      </p:grpSp>
     </p:spTree>
     <p:extLst>
       <p:ext uri="{BB962C8B-B14F-4D97-AF65-F5344CB8AC3E}">
-        <p14:creationId xmlns:p14="http://schemas.microsoft.com/office/powerpoint/2010/main" val="485216827"/>
+        <p14:creationId xmlns:p14="http://schemas.microsoft.com/office/powerpoint/2010/main" val="111415530"/>
       </p:ext>
     </p:extLst>
   </p:cSld>
@@ -3501,6 +4247,571 @@
       </p:grpSpPr>
       <p:pic>
         <p:nvPicPr>
+          <p:cNvPr id="4" name="圖片 3">
+            <a:extLst>
+              <a:ext uri="{FF2B5EF4-FFF2-40B4-BE49-F238E27FC236}">
+                <a16:creationId xmlns:a16="http://schemas.microsoft.com/office/drawing/2014/main" id="{AA468C10-0EC3-4C93-A0CA-0DC4C3C67644}"/>
+              </a:ext>
+            </a:extLst>
+          </p:cNvPr>
+          <p:cNvPicPr>
+            <a:picLocks noChangeAspect="1"/>
+          </p:cNvPicPr>
+          <p:nvPr/>
+        </p:nvPicPr>
+        <p:blipFill rotWithShape="1">
+          <a:blip r:embed="rId2"/>
+          <a:srcRect l="24754" t="6374" r="24754" b="3863"/>
+          <a:stretch/>
+        </p:blipFill>
+        <p:spPr>
+          <a:xfrm>
+            <a:off x="950651" y="4556352"/>
+            <a:ext cx="1908137" cy="1908137"/>
+          </a:xfrm>
+          <a:prstGeom prst="rect">
+            <a:avLst/>
+          </a:prstGeom>
+        </p:spPr>
+      </p:pic>
+      <p:pic>
+        <p:nvPicPr>
+          <p:cNvPr id="5" name="圖片 4">
+            <a:extLst>
+              <a:ext uri="{FF2B5EF4-FFF2-40B4-BE49-F238E27FC236}">
+                <a16:creationId xmlns:a16="http://schemas.microsoft.com/office/drawing/2014/main" id="{85F911E0-06D9-4911-8725-CC178764381F}"/>
+              </a:ext>
+            </a:extLst>
+          </p:cNvPr>
+          <p:cNvPicPr>
+            <a:picLocks noChangeAspect="1"/>
+          </p:cNvPicPr>
+          <p:nvPr/>
+        </p:nvPicPr>
+        <p:blipFill rotWithShape="1">
+          <a:blip r:embed="rId2">
+            <a:duotone>
+              <a:schemeClr val="accent2">
+                <a:shade val="45000"/>
+                <a:satMod val="135000"/>
+              </a:schemeClr>
+              <a:prstClr val="white"/>
+            </a:duotone>
+          </a:blip>
+          <a:srcRect l="24754" t="6374" r="24754" b="3863"/>
+          <a:stretch/>
+        </p:blipFill>
+        <p:spPr>
+          <a:xfrm>
+            <a:off x="3577231" y="4556352"/>
+            <a:ext cx="1908137" cy="1908137"/>
+          </a:xfrm>
+          <a:prstGeom prst="rect">
+            <a:avLst/>
+          </a:prstGeom>
+        </p:spPr>
+      </p:pic>
+      <p:sp>
+        <p:nvSpPr>
+          <p:cNvPr id="6" name="文字方塊 5">
+            <a:extLst>
+              <a:ext uri="{FF2B5EF4-FFF2-40B4-BE49-F238E27FC236}">
+                <a16:creationId xmlns:a16="http://schemas.microsoft.com/office/drawing/2014/main" id="{1208431C-01F9-4C53-B1C6-B50B9918A452}"/>
+              </a:ext>
+            </a:extLst>
+          </p:cNvPr>
+          <p:cNvSpPr txBox="1"/>
+          <p:nvPr/>
+        </p:nvSpPr>
+        <p:spPr>
+          <a:xfrm>
+            <a:off x="483280" y="618961"/>
+            <a:ext cx="5358039" cy="830997"/>
+          </a:xfrm>
+          <a:prstGeom prst="rect">
+            <a:avLst/>
+          </a:prstGeom>
+          <a:noFill/>
+        </p:spPr>
+        <p:txBody>
+          <a:bodyPr wrap="square" rtlCol="0">
+            <a:spAutoFit/>
+          </a:bodyPr>
+          <a:lstStyle/>
+          <a:p>
+            <a:pPr algn="ctr"/>
+            <a:r>
+              <a:rPr lang="zh-TW" altLang="en-US" sz="4800" b="1" dirty="0">
+                <a:latin typeface="微軟正黑體" panose="020B0604030504040204" pitchFamily="34" charset="-120"/>
+                <a:ea typeface="微軟正黑體" panose="020B0604030504040204" pitchFamily="34" charset="-120"/>
+              </a:rPr>
+              <a:t>性別</a:t>
+            </a:r>
+            <a:r>
+              <a:rPr lang="en-US" altLang="zh-TW" sz="4800" b="1" dirty="0">
+                <a:latin typeface="微軟正黑體" panose="020B0604030504040204" pitchFamily="34" charset="-120"/>
+                <a:ea typeface="微軟正黑體" panose="020B0604030504040204" pitchFamily="34" charset="-120"/>
+              </a:rPr>
+              <a:t>-</a:t>
+            </a:r>
+            <a:r>
+              <a:rPr lang="zh-TW" altLang="en-US" sz="4800" b="1" dirty="0">
+                <a:latin typeface="微軟正黑體" panose="020B0604030504040204" pitchFamily="34" charset="-120"/>
+                <a:ea typeface="微軟正黑體" panose="020B0604030504040204" pitchFamily="34" charset="-120"/>
+              </a:rPr>
+              <a:t>教育程度組成</a:t>
+            </a:r>
+          </a:p>
+        </p:txBody>
+      </p:sp>
+      <p:pic>
+        <p:nvPicPr>
+          <p:cNvPr id="7" name="圖片 6">
+            <a:extLst>
+              <a:ext uri="{FF2B5EF4-FFF2-40B4-BE49-F238E27FC236}">
+                <a16:creationId xmlns:a16="http://schemas.microsoft.com/office/drawing/2014/main" id="{6F3D69BA-D736-4516-B967-F9EF09122DCC}"/>
+              </a:ext>
+            </a:extLst>
+          </p:cNvPr>
+          <p:cNvPicPr>
+            <a:picLocks noChangeAspect="1"/>
+          </p:cNvPicPr>
+          <p:nvPr/>
+        </p:nvPicPr>
+        <p:blipFill rotWithShape="1">
+          <a:blip r:embed="rId3"/>
+          <a:srcRect b="33905"/>
+          <a:stretch/>
+        </p:blipFill>
+        <p:spPr>
+          <a:xfrm>
+            <a:off x="428137" y="2116589"/>
+            <a:ext cx="5876421" cy="2184763"/>
+          </a:xfrm>
+          <a:prstGeom prst="rect">
+            <a:avLst/>
+          </a:prstGeom>
+        </p:spPr>
+      </p:pic>
+      <p:sp>
+        <p:nvSpPr>
+          <p:cNvPr id="8" name="文字方塊 7">
+            <a:extLst>
+              <a:ext uri="{FF2B5EF4-FFF2-40B4-BE49-F238E27FC236}">
+                <a16:creationId xmlns:a16="http://schemas.microsoft.com/office/drawing/2014/main" id="{1D4717CE-A591-4593-A0E2-BE5F350A54CB}"/>
+              </a:ext>
+            </a:extLst>
+          </p:cNvPr>
+          <p:cNvSpPr txBox="1"/>
+          <p:nvPr/>
+        </p:nvSpPr>
+        <p:spPr>
+          <a:xfrm>
+            <a:off x="6559762" y="618961"/>
+            <a:ext cx="5358039" cy="830997"/>
+          </a:xfrm>
+          <a:prstGeom prst="rect">
+            <a:avLst/>
+          </a:prstGeom>
+          <a:noFill/>
+        </p:spPr>
+        <p:txBody>
+          <a:bodyPr wrap="square" rtlCol="0">
+            <a:spAutoFit/>
+          </a:bodyPr>
+          <a:lstStyle/>
+          <a:p>
+            <a:pPr algn="ctr"/>
+            <a:r>
+              <a:rPr lang="zh-TW" altLang="en-US" sz="4800" b="1" dirty="0">
+                <a:latin typeface="微軟正黑體" panose="020B0604030504040204" pitchFamily="34" charset="-120"/>
+                <a:ea typeface="微軟正黑體" panose="020B0604030504040204" pitchFamily="34" charset="-120"/>
+              </a:rPr>
+              <a:t>性別</a:t>
+            </a:r>
+            <a:r>
+              <a:rPr lang="en-US" altLang="zh-TW" sz="4800" b="1" dirty="0">
+                <a:latin typeface="微軟正黑體" panose="020B0604030504040204" pitchFamily="34" charset="-120"/>
+                <a:ea typeface="微軟正黑體" panose="020B0604030504040204" pitchFamily="34" charset="-120"/>
+              </a:rPr>
+              <a:t>-</a:t>
+            </a:r>
+            <a:r>
+              <a:rPr lang="zh-TW" altLang="en-US" sz="4800" b="1" dirty="0">
+                <a:latin typeface="微軟正黑體" panose="020B0604030504040204" pitchFamily="34" charset="-120"/>
+                <a:ea typeface="微軟正黑體" panose="020B0604030504040204" pitchFamily="34" charset="-120"/>
+              </a:rPr>
+              <a:t>教育程度比較</a:t>
+            </a:r>
+          </a:p>
+        </p:txBody>
+      </p:sp>
+      <p:pic>
+        <p:nvPicPr>
+          <p:cNvPr id="9" name="圖片 8">
+            <a:extLst>
+              <a:ext uri="{FF2B5EF4-FFF2-40B4-BE49-F238E27FC236}">
+                <a16:creationId xmlns:a16="http://schemas.microsoft.com/office/drawing/2014/main" id="{9AB45536-C386-42EF-AB32-C908A7301D75}"/>
+              </a:ext>
+            </a:extLst>
+          </p:cNvPr>
+          <p:cNvPicPr>
+            <a:picLocks noChangeAspect="1"/>
+          </p:cNvPicPr>
+          <p:nvPr/>
+        </p:nvPicPr>
+        <p:blipFill rotWithShape="1">
+          <a:blip r:embed="rId4"/>
+          <a:srcRect l="25160" t="7668" r="25160" b="4012"/>
+          <a:stretch/>
+        </p:blipFill>
+        <p:spPr>
+          <a:xfrm>
+            <a:off x="6748802" y="1946490"/>
+            <a:ext cx="4517999" cy="4517999"/>
+          </a:xfrm>
+          <a:prstGeom prst="rect">
+            <a:avLst/>
+          </a:prstGeom>
+        </p:spPr>
+      </p:pic>
+      <p:pic>
+        <p:nvPicPr>
+          <p:cNvPr id="10" name="圖片 9">
+            <a:extLst>
+              <a:ext uri="{FF2B5EF4-FFF2-40B4-BE49-F238E27FC236}">
+                <a16:creationId xmlns:a16="http://schemas.microsoft.com/office/drawing/2014/main" id="{25B82D73-DF6D-4CE0-BEEC-C60D0D595BA4}"/>
+              </a:ext>
+            </a:extLst>
+          </p:cNvPr>
+          <p:cNvPicPr>
+            <a:picLocks noChangeAspect="1"/>
+          </p:cNvPicPr>
+          <p:nvPr/>
+        </p:nvPicPr>
+        <p:blipFill rotWithShape="1">
+          <a:blip r:embed="rId5"/>
+          <a:srcRect b="32928"/>
+          <a:stretch/>
+        </p:blipFill>
+        <p:spPr>
+          <a:xfrm>
+            <a:off x="2786968" y="8769119"/>
+            <a:ext cx="6610969" cy="2494190"/>
+          </a:xfrm>
+          <a:prstGeom prst="rect">
+            <a:avLst/>
+          </a:prstGeom>
+        </p:spPr>
+      </p:pic>
+      <p:pic>
+        <p:nvPicPr>
+          <p:cNvPr id="11" name="圖片 10">
+            <a:extLst>
+              <a:ext uri="{FF2B5EF4-FFF2-40B4-BE49-F238E27FC236}">
+                <a16:creationId xmlns:a16="http://schemas.microsoft.com/office/drawing/2014/main" id="{39E33874-BE29-46FF-A69D-703EBF0FFBC6}"/>
+              </a:ext>
+            </a:extLst>
+          </p:cNvPr>
+          <p:cNvPicPr>
+            <a:picLocks noChangeAspect="1"/>
+          </p:cNvPicPr>
+          <p:nvPr/>
+        </p:nvPicPr>
+        <p:blipFill rotWithShape="1">
+          <a:blip r:embed="rId6"/>
+          <a:srcRect l="25181" t="7511" r="25140" b="4169"/>
+          <a:stretch/>
+        </p:blipFill>
+        <p:spPr>
+          <a:xfrm>
+            <a:off x="3473996" y="11631417"/>
+            <a:ext cx="1465622" cy="1465622"/>
+          </a:xfrm>
+          <a:prstGeom prst="rect">
+            <a:avLst/>
+          </a:prstGeom>
+        </p:spPr>
+      </p:pic>
+      <p:sp>
+        <p:nvSpPr>
+          <p:cNvPr id="12" name="文字方塊 11">
+            <a:extLst>
+              <a:ext uri="{FF2B5EF4-FFF2-40B4-BE49-F238E27FC236}">
+                <a16:creationId xmlns:a16="http://schemas.microsoft.com/office/drawing/2014/main" id="{3B055459-66F4-47BE-9BFE-29FD8C57F698}"/>
+              </a:ext>
+            </a:extLst>
+          </p:cNvPr>
+          <p:cNvSpPr txBox="1"/>
+          <p:nvPr/>
+        </p:nvSpPr>
+        <p:spPr>
+          <a:xfrm>
+            <a:off x="3162299" y="7388679"/>
+            <a:ext cx="5358039" cy="830997"/>
+          </a:xfrm>
+          <a:prstGeom prst="rect">
+            <a:avLst/>
+          </a:prstGeom>
+          <a:noFill/>
+        </p:spPr>
+        <p:txBody>
+          <a:bodyPr wrap="square" rtlCol="0">
+            <a:spAutoFit/>
+          </a:bodyPr>
+          <a:lstStyle/>
+          <a:p>
+            <a:pPr algn="ctr"/>
+            <a:r>
+              <a:rPr lang="zh-TW" altLang="en-US" sz="4800" b="1" dirty="0">
+                <a:latin typeface="微軟正黑體" panose="020B0604030504040204" pitchFamily="34" charset="-120"/>
+                <a:ea typeface="微軟正黑體" panose="020B0604030504040204" pitchFamily="34" charset="-120"/>
+              </a:rPr>
+              <a:t>教育程度</a:t>
+            </a:r>
+            <a:r>
+              <a:rPr lang="en-US" altLang="zh-TW" sz="4800" b="1" dirty="0">
+                <a:latin typeface="微軟正黑體" panose="020B0604030504040204" pitchFamily="34" charset="-120"/>
+                <a:ea typeface="微軟正黑體" panose="020B0604030504040204" pitchFamily="34" charset="-120"/>
+              </a:rPr>
+              <a:t>-</a:t>
+            </a:r>
+            <a:r>
+              <a:rPr lang="zh-TW" altLang="en-US" sz="4800" b="1" dirty="0">
+                <a:latin typeface="微軟正黑體" panose="020B0604030504040204" pitchFamily="34" charset="-120"/>
+                <a:ea typeface="微軟正黑體" panose="020B0604030504040204" pitchFamily="34" charset="-120"/>
+              </a:rPr>
+              <a:t>性別組成</a:t>
+            </a:r>
+          </a:p>
+        </p:txBody>
+      </p:sp>
+      <p:pic>
+        <p:nvPicPr>
+          <p:cNvPr id="13" name="圖片 12">
+            <a:extLst>
+              <a:ext uri="{FF2B5EF4-FFF2-40B4-BE49-F238E27FC236}">
+                <a16:creationId xmlns:a16="http://schemas.microsoft.com/office/drawing/2014/main" id="{B875E866-E6D8-4599-BEDB-B72558FAF6F5}"/>
+              </a:ext>
+            </a:extLst>
+          </p:cNvPr>
+          <p:cNvPicPr>
+            <a:picLocks noChangeAspect="1"/>
+          </p:cNvPicPr>
+          <p:nvPr/>
+        </p:nvPicPr>
+        <p:blipFill rotWithShape="1">
+          <a:blip r:embed="rId6"/>
+          <a:srcRect l="25181" t="7511" r="25140" b="4169"/>
+          <a:stretch/>
+        </p:blipFill>
+        <p:spPr>
+          <a:xfrm>
+            <a:off x="5626646" y="11631417"/>
+            <a:ext cx="1465622" cy="1465622"/>
+          </a:xfrm>
+          <a:prstGeom prst="rect">
+            <a:avLst/>
+          </a:prstGeom>
+        </p:spPr>
+      </p:pic>
+      <p:pic>
+        <p:nvPicPr>
+          <p:cNvPr id="14" name="圖片 13">
+            <a:extLst>
+              <a:ext uri="{FF2B5EF4-FFF2-40B4-BE49-F238E27FC236}">
+                <a16:creationId xmlns:a16="http://schemas.microsoft.com/office/drawing/2014/main" id="{4A855469-9F1F-47A6-ACAC-623ACFBD8DE6}"/>
+              </a:ext>
+            </a:extLst>
+          </p:cNvPr>
+          <p:cNvPicPr>
+            <a:picLocks noChangeAspect="1"/>
+          </p:cNvPicPr>
+          <p:nvPr/>
+        </p:nvPicPr>
+        <p:blipFill rotWithShape="1">
+          <a:blip r:embed="rId6"/>
+          <a:srcRect l="25181" t="7511" r="25140" b="4169"/>
+          <a:stretch/>
+        </p:blipFill>
+        <p:spPr>
+          <a:xfrm>
+            <a:off x="7779296" y="11631417"/>
+            <a:ext cx="1465622" cy="1465622"/>
+          </a:xfrm>
+          <a:prstGeom prst="rect">
+            <a:avLst/>
+          </a:prstGeom>
+        </p:spPr>
+      </p:pic>
+      <p:pic>
+        <p:nvPicPr>
+          <p:cNvPr id="15" name="圖片 14">
+            <a:extLst>
+              <a:ext uri="{FF2B5EF4-FFF2-40B4-BE49-F238E27FC236}">
+                <a16:creationId xmlns:a16="http://schemas.microsoft.com/office/drawing/2014/main" id="{FC0A7040-D07F-4CA7-A02B-20B5A52FB9AE}"/>
+              </a:ext>
+            </a:extLst>
+          </p:cNvPr>
+          <p:cNvPicPr>
+            <a:picLocks noChangeAspect="1"/>
+          </p:cNvPicPr>
+          <p:nvPr/>
+        </p:nvPicPr>
+        <p:blipFill rotWithShape="1">
+          <a:blip r:embed="rId6"/>
+          <a:srcRect l="25181" t="7511" r="25140" b="4169"/>
+          <a:stretch/>
+        </p:blipFill>
+        <p:spPr>
+          <a:xfrm>
+            <a:off x="9931946" y="11631417"/>
+            <a:ext cx="1465622" cy="1465622"/>
+          </a:xfrm>
+          <a:prstGeom prst="rect">
+            <a:avLst/>
+          </a:prstGeom>
+        </p:spPr>
+      </p:pic>
+      <p:pic>
+        <p:nvPicPr>
+          <p:cNvPr id="16" name="圖片 15">
+            <a:extLst>
+              <a:ext uri="{FF2B5EF4-FFF2-40B4-BE49-F238E27FC236}">
+                <a16:creationId xmlns:a16="http://schemas.microsoft.com/office/drawing/2014/main" id="{31BE4E6E-B230-40A1-BFCA-F85CE84FF400}"/>
+              </a:ext>
+            </a:extLst>
+          </p:cNvPr>
+          <p:cNvPicPr>
+            <a:picLocks noChangeAspect="1"/>
+          </p:cNvPicPr>
+          <p:nvPr/>
+        </p:nvPicPr>
+        <p:blipFill rotWithShape="1">
+          <a:blip r:embed="rId6"/>
+          <a:srcRect l="25181" t="7511" r="25140" b="4169"/>
+          <a:stretch/>
+        </p:blipFill>
+        <p:spPr>
+          <a:xfrm>
+            <a:off x="1321346" y="11631417"/>
+            <a:ext cx="1465622" cy="1465622"/>
+          </a:xfrm>
+          <a:prstGeom prst="rect">
+            <a:avLst/>
+          </a:prstGeom>
+        </p:spPr>
+      </p:pic>
+      <p:cxnSp>
+        <p:nvCxnSpPr>
+          <p:cNvPr id="25" name="直線接點 24">
+            <a:extLst>
+              <a:ext uri="{FF2B5EF4-FFF2-40B4-BE49-F238E27FC236}">
+                <a16:creationId xmlns:a16="http://schemas.microsoft.com/office/drawing/2014/main" id="{18CFFEEA-22D7-4579-A8E8-AE31F50E50B6}"/>
+              </a:ext>
+            </a:extLst>
+          </p:cNvPr>
+          <p:cNvCxnSpPr/>
+          <p:nvPr/>
+        </p:nvCxnSpPr>
+        <p:spPr>
+          <a:xfrm>
+            <a:off x="0" y="7004190"/>
+            <a:ext cx="12192000" cy="0"/>
+          </a:xfrm>
+          <a:prstGeom prst="line">
+            <a:avLst/>
+          </a:prstGeom>
+          <a:ln w="38100">
+            <a:solidFill>
+              <a:schemeClr val="bg1">
+                <a:lumMod val="85000"/>
+              </a:schemeClr>
+            </a:solidFill>
+            <a:prstDash val="dash"/>
+          </a:ln>
+        </p:spPr>
+        <p:style>
+          <a:lnRef idx="1">
+            <a:schemeClr val="dk1"/>
+          </a:lnRef>
+          <a:fillRef idx="0">
+            <a:schemeClr val="dk1"/>
+          </a:fillRef>
+          <a:effectRef idx="0">
+            <a:schemeClr val="dk1"/>
+          </a:effectRef>
+          <a:fontRef idx="minor">
+            <a:schemeClr val="tx1"/>
+          </a:fontRef>
+        </p:style>
+      </p:cxnSp>
+      <p:sp>
+        <p:nvSpPr>
+          <p:cNvPr id="2" name="矩形 1">
+            <a:extLst>
+              <a:ext uri="{FF2B5EF4-FFF2-40B4-BE49-F238E27FC236}">
+                <a16:creationId xmlns:a16="http://schemas.microsoft.com/office/drawing/2014/main" id="{D038BC51-5D00-43CC-8FB4-1096CD329E7C}"/>
+              </a:ext>
+            </a:extLst>
+          </p:cNvPr>
+          <p:cNvSpPr/>
+          <p:nvPr/>
+        </p:nvSpPr>
+        <p:spPr>
+          <a:xfrm>
+            <a:off x="4760506" y="6673334"/>
+            <a:ext cx="2670988" cy="369332"/>
+          </a:xfrm>
+          <a:prstGeom prst="rect">
+            <a:avLst/>
+          </a:prstGeom>
+        </p:spPr>
+        <p:txBody>
+          <a:bodyPr wrap="none">
+            <a:spAutoFit/>
+          </a:bodyPr>
+          <a:lstStyle/>
+          <a:p>
+            <a:r>
+              <a:rPr lang="zh-TW" altLang="en-US" dirty="0"/>
+              <a:t>全國-性別-教育對比radar</a:t>
+            </a:r>
+          </a:p>
+        </p:txBody>
+      </p:sp>
+    </p:spTree>
+    <p:extLst>
+      <p:ext uri="{BB962C8B-B14F-4D97-AF65-F5344CB8AC3E}">
+        <p14:creationId xmlns:p14="http://schemas.microsoft.com/office/powerpoint/2010/main" val="485216827"/>
+      </p:ext>
+    </p:extLst>
+  </p:cSld>
+  <p:clrMapOvr>
+    <a:masterClrMapping/>
+  </p:clrMapOvr>
+</p:sld>
+</file>
+
+<file path=ppt/slides/slide3.xml><?xml version="1.0" encoding="utf-8"?>
+<p:sld xmlns:a="http://schemas.openxmlformats.org/drawingml/2006/main" xmlns:r="http://schemas.openxmlformats.org/officeDocument/2006/relationships" xmlns:p="http://schemas.openxmlformats.org/presentationml/2006/main">
+  <p:cSld>
+    <p:spTree>
+      <p:nvGrpSpPr>
+        <p:cNvPr id="1" name=""/>
+        <p:cNvGrpSpPr/>
+        <p:nvPr/>
+      </p:nvGrpSpPr>
+      <p:grpSpPr>
+        <a:xfrm>
+          <a:off x="0" y="0"/>
+          <a:ext cx="0" cy="0"/>
+          <a:chOff x="0" y="0"/>
+          <a:chExt cx="0" cy="0"/>
+        </a:xfrm>
+      </p:grpSpPr>
+      <p:pic>
+        <p:nvPicPr>
           <p:cNvPr id="6" name="圖片 5">
             <a:extLst>
               <a:ext uri="{FF2B5EF4-FFF2-40B4-BE49-F238E27FC236}">
@@ -4211,8 +5522,8 @@
         </p:nvSpPr>
         <p:spPr>
           <a:xfrm>
-            <a:off x="9305365" y="969311"/>
-            <a:ext cx="2861809" cy="1446550"/>
+            <a:off x="9187259" y="969311"/>
+            <a:ext cx="2861809" cy="1077218"/>
           </a:xfrm>
           <a:prstGeom prst="rect">
             <a:avLst/>
@@ -4319,19 +5630,15 @@
                 <a:latin typeface="微軟正黑體" panose="020B0604030504040204" pitchFamily="34" charset="-120"/>
                 <a:ea typeface="微軟正黑體" panose="020B0604030504040204" pitchFamily="34" charset="-120"/>
               </a:rPr>
-              <a:t>:</a:t>
+              <a:t>: </a:t>
             </a:r>
             <a:r>
               <a:rPr lang="zh-TW" altLang="en-US" sz="800" dirty="0">
                 <a:latin typeface="微軟正黑體" panose="020B0604030504040204" pitchFamily="34" charset="-120"/>
                 <a:ea typeface="微軟正黑體" panose="020B0604030504040204" pitchFamily="34" charset="-120"/>
               </a:rPr>
-              <a:t> 原始資料中之</a:t>
-            </a:r>
-            <a:endParaRPr lang="en-US" altLang="zh-TW" sz="800" dirty="0">
-              <a:latin typeface="微軟正黑體" panose="020B0604030504040204" pitchFamily="34" charset="-120"/>
-              <a:ea typeface="微軟正黑體" panose="020B0604030504040204" pitchFamily="34" charset="-120"/>
-            </a:endParaRPr>
+              <a:t>原始資料中之博畢、博肄合併為「博士」；</a:t>
+            </a:r>
           </a:p>
           <a:p>
             <a:r>
@@ -4339,26 +5646,17 @@
                 <a:latin typeface="微軟正黑體" panose="020B0604030504040204" pitchFamily="34" charset="-120"/>
                 <a:ea typeface="微軟正黑體" panose="020B0604030504040204" pitchFamily="34" charset="-120"/>
               </a:rPr>
-              <a:t>博畢</a:t>
-            </a:r>
-            <a:r>
-              <a:rPr lang="en-US" altLang="zh-TW" sz="800" dirty="0">
-                <a:latin typeface="微軟正黑體" panose="020B0604030504040204" pitchFamily="34" charset="-120"/>
-                <a:ea typeface="微軟正黑體" panose="020B0604030504040204" pitchFamily="34" charset="-120"/>
-              </a:rPr>
-              <a:t>,</a:t>
-            </a:r>
+              <a:t>碩畢、碩肄合併為「碩士」；大畢、大肄合併為「學士」；</a:t>
+            </a:r>
+          </a:p>
+          <a:p>
             <a:r>
               <a:rPr lang="zh-TW" altLang="en-US" sz="800" dirty="0">
                 <a:latin typeface="微軟正黑體" panose="020B0604030504040204" pitchFamily="34" charset="-120"/>
                 <a:ea typeface="微軟正黑體" panose="020B0604030504040204" pitchFamily="34" charset="-120"/>
               </a:rPr>
-              <a:t> 博肄合併為「博士」</a:t>
-            </a:r>
-            <a:endParaRPr lang="en-US" altLang="zh-TW" sz="800" dirty="0">
-              <a:latin typeface="微軟正黑體" panose="020B0604030504040204" pitchFamily="34" charset="-120"/>
-              <a:ea typeface="微軟正黑體" panose="020B0604030504040204" pitchFamily="34" charset="-120"/>
-            </a:endParaRPr>
+              <a:t>二畢、二肄、後二畢、後二肄合併為「專科」；</a:t>
+            </a:r>
           </a:p>
           <a:p>
             <a:r>
@@ -4366,26 +5664,17 @@
                 <a:latin typeface="微軟正黑體" panose="020B0604030504040204" pitchFamily="34" charset="-120"/>
                 <a:ea typeface="微軟正黑體" panose="020B0604030504040204" pitchFamily="34" charset="-120"/>
               </a:rPr>
-              <a:t>碩畢</a:t>
-            </a:r>
-            <a:r>
-              <a:rPr lang="en-US" altLang="zh-TW" sz="800" dirty="0">
-                <a:latin typeface="微軟正黑體" panose="020B0604030504040204" pitchFamily="34" charset="-120"/>
-                <a:ea typeface="微軟正黑體" panose="020B0604030504040204" pitchFamily="34" charset="-120"/>
-              </a:rPr>
-              <a:t>,</a:t>
-            </a:r>
+              <a:t>高畢、高肄、職畢、職肄、前三畢、前三肄合併為「高中」；</a:t>
+            </a:r>
+          </a:p>
+          <a:p>
             <a:r>
               <a:rPr lang="zh-TW" altLang="en-US" sz="800" dirty="0">
                 <a:latin typeface="微軟正黑體" panose="020B0604030504040204" pitchFamily="34" charset="-120"/>
                 <a:ea typeface="微軟正黑體" panose="020B0604030504040204" pitchFamily="34" charset="-120"/>
               </a:rPr>
-              <a:t> 碩肄合併為「碩士」</a:t>
-            </a:r>
-            <a:endParaRPr lang="en-US" altLang="zh-TW" sz="800" dirty="0">
-              <a:latin typeface="微軟正黑體" panose="020B0604030504040204" pitchFamily="34" charset="-120"/>
-              <a:ea typeface="微軟正黑體" panose="020B0604030504040204" pitchFamily="34" charset="-120"/>
-            </a:endParaRPr>
+              <a:t>國畢、國肄、初畢、初肄合併為「國中」；</a:t>
+            </a:r>
           </a:p>
           <a:p>
             <a:r>
@@ -4393,264 +5682,7 @@
                 <a:latin typeface="微軟正黑體" panose="020B0604030504040204" pitchFamily="34" charset="-120"/>
                 <a:ea typeface="微軟正黑體" panose="020B0604030504040204" pitchFamily="34" charset="-120"/>
               </a:rPr>
-              <a:t>大畢</a:t>
-            </a:r>
-            <a:r>
-              <a:rPr lang="en-US" altLang="zh-TW" sz="800" dirty="0">
-                <a:latin typeface="微軟正黑體" panose="020B0604030504040204" pitchFamily="34" charset="-120"/>
-                <a:ea typeface="微軟正黑體" panose="020B0604030504040204" pitchFamily="34" charset="-120"/>
-              </a:rPr>
-              <a:t>,</a:t>
-            </a:r>
-            <a:r>
-              <a:rPr lang="zh-TW" altLang="en-US" sz="800" dirty="0">
-                <a:latin typeface="微軟正黑體" panose="020B0604030504040204" pitchFamily="34" charset="-120"/>
-                <a:ea typeface="微軟正黑體" panose="020B0604030504040204" pitchFamily="34" charset="-120"/>
-              </a:rPr>
-              <a:t> 大肄合併為「學士」</a:t>
-            </a:r>
-            <a:endParaRPr lang="en-US" altLang="zh-TW" sz="800" dirty="0">
-              <a:latin typeface="微軟正黑體" panose="020B0604030504040204" pitchFamily="34" charset="-120"/>
-              <a:ea typeface="微軟正黑體" panose="020B0604030504040204" pitchFamily="34" charset="-120"/>
-            </a:endParaRPr>
-          </a:p>
-          <a:p>
-            <a:r>
-              <a:rPr lang="zh-TW" altLang="en-US" sz="800" dirty="0">
-                <a:latin typeface="微軟正黑體" panose="020B0604030504040204" pitchFamily="34" charset="-120"/>
-                <a:ea typeface="微軟正黑體" panose="020B0604030504040204" pitchFamily="34" charset="-120"/>
-              </a:rPr>
-              <a:t>二畢</a:t>
-            </a:r>
-            <a:r>
-              <a:rPr lang="en-US" altLang="zh-TW" sz="800" dirty="0">
-                <a:latin typeface="微軟正黑體" panose="020B0604030504040204" pitchFamily="34" charset="-120"/>
-                <a:ea typeface="微軟正黑體" panose="020B0604030504040204" pitchFamily="34" charset="-120"/>
-              </a:rPr>
-              <a:t>,</a:t>
-            </a:r>
-            <a:r>
-              <a:rPr lang="zh-TW" altLang="en-US" sz="800" dirty="0">
-                <a:latin typeface="微軟正黑體" panose="020B0604030504040204" pitchFamily="34" charset="-120"/>
-                <a:ea typeface="微軟正黑體" panose="020B0604030504040204" pitchFamily="34" charset="-120"/>
-              </a:rPr>
-              <a:t> 二肄</a:t>
-            </a:r>
-            <a:r>
-              <a:rPr lang="en-US" altLang="zh-TW" sz="800" dirty="0">
-                <a:latin typeface="微軟正黑體" panose="020B0604030504040204" pitchFamily="34" charset="-120"/>
-                <a:ea typeface="微軟正黑體" panose="020B0604030504040204" pitchFamily="34" charset="-120"/>
-              </a:rPr>
-              <a:t>,</a:t>
-            </a:r>
-            <a:r>
-              <a:rPr lang="zh-TW" altLang="en-US" sz="800" dirty="0">
-                <a:latin typeface="微軟正黑體" panose="020B0604030504040204" pitchFamily="34" charset="-120"/>
-                <a:ea typeface="微軟正黑體" panose="020B0604030504040204" pitchFamily="34" charset="-120"/>
-              </a:rPr>
-              <a:t> 後二畢</a:t>
-            </a:r>
-            <a:r>
-              <a:rPr lang="en-US" altLang="zh-TW" sz="800" dirty="0">
-                <a:latin typeface="微軟正黑體" panose="020B0604030504040204" pitchFamily="34" charset="-120"/>
-                <a:ea typeface="微軟正黑體" panose="020B0604030504040204" pitchFamily="34" charset="-120"/>
-              </a:rPr>
-              <a:t>,</a:t>
-            </a:r>
-            <a:r>
-              <a:rPr lang="zh-TW" altLang="en-US" sz="800" dirty="0">
-                <a:latin typeface="微軟正黑體" panose="020B0604030504040204" pitchFamily="34" charset="-120"/>
-                <a:ea typeface="微軟正黑體" panose="020B0604030504040204" pitchFamily="34" charset="-120"/>
-              </a:rPr>
-              <a:t> 後二肄合併為「專科」</a:t>
-            </a:r>
-          </a:p>
-          <a:p>
-            <a:r>
-              <a:rPr lang="zh-TW" altLang="en-US" sz="800" dirty="0">
-                <a:latin typeface="微軟正黑體" panose="020B0604030504040204" pitchFamily="34" charset="-120"/>
-                <a:ea typeface="微軟正黑體" panose="020B0604030504040204" pitchFamily="34" charset="-120"/>
-              </a:rPr>
-              <a:t>高畢</a:t>
-            </a:r>
-            <a:r>
-              <a:rPr lang="en-US" altLang="zh-TW" sz="800" dirty="0">
-                <a:latin typeface="微軟正黑體" panose="020B0604030504040204" pitchFamily="34" charset="-120"/>
-                <a:ea typeface="微軟正黑體" panose="020B0604030504040204" pitchFamily="34" charset="-120"/>
-              </a:rPr>
-              <a:t>,</a:t>
-            </a:r>
-            <a:r>
-              <a:rPr lang="zh-TW" altLang="en-US" sz="800" dirty="0">
-                <a:latin typeface="微軟正黑體" panose="020B0604030504040204" pitchFamily="34" charset="-120"/>
-                <a:ea typeface="微軟正黑體" panose="020B0604030504040204" pitchFamily="34" charset="-120"/>
-              </a:rPr>
-              <a:t> 高肄</a:t>
-            </a:r>
-            <a:r>
-              <a:rPr lang="en-US" altLang="zh-TW" sz="800" dirty="0">
-                <a:latin typeface="微軟正黑體" panose="020B0604030504040204" pitchFamily="34" charset="-120"/>
-                <a:ea typeface="微軟正黑體" panose="020B0604030504040204" pitchFamily="34" charset="-120"/>
-              </a:rPr>
-              <a:t>,</a:t>
-            </a:r>
-            <a:r>
-              <a:rPr lang="zh-TW" altLang="en-US" sz="800" dirty="0">
-                <a:latin typeface="微軟正黑體" panose="020B0604030504040204" pitchFamily="34" charset="-120"/>
-                <a:ea typeface="微軟正黑體" panose="020B0604030504040204" pitchFamily="34" charset="-120"/>
-              </a:rPr>
-              <a:t> 職畢</a:t>
-            </a:r>
-            <a:r>
-              <a:rPr lang="en-US" altLang="zh-TW" sz="800" dirty="0">
-                <a:latin typeface="微軟正黑體" panose="020B0604030504040204" pitchFamily="34" charset="-120"/>
-                <a:ea typeface="微軟正黑體" panose="020B0604030504040204" pitchFamily="34" charset="-120"/>
-              </a:rPr>
-              <a:t>,</a:t>
-            </a:r>
-            <a:r>
-              <a:rPr lang="zh-TW" altLang="en-US" sz="800" dirty="0">
-                <a:latin typeface="微軟正黑體" panose="020B0604030504040204" pitchFamily="34" charset="-120"/>
-                <a:ea typeface="微軟正黑體" panose="020B0604030504040204" pitchFamily="34" charset="-120"/>
-              </a:rPr>
-              <a:t> 職肄</a:t>
-            </a:r>
-            <a:r>
-              <a:rPr lang="en-US" altLang="zh-TW" sz="800" dirty="0">
-                <a:latin typeface="微軟正黑體" panose="020B0604030504040204" pitchFamily="34" charset="-120"/>
-                <a:ea typeface="微軟正黑體" panose="020B0604030504040204" pitchFamily="34" charset="-120"/>
-              </a:rPr>
-              <a:t>,</a:t>
-            </a:r>
-            <a:r>
-              <a:rPr lang="zh-TW" altLang="en-US" sz="800" dirty="0">
-                <a:latin typeface="微軟正黑體" panose="020B0604030504040204" pitchFamily="34" charset="-120"/>
-                <a:ea typeface="微軟正黑體" panose="020B0604030504040204" pitchFamily="34" charset="-120"/>
-              </a:rPr>
-              <a:t> 前三畢</a:t>
-            </a:r>
-            <a:r>
-              <a:rPr lang="en-US" altLang="zh-TW" sz="800" dirty="0">
-                <a:latin typeface="微軟正黑體" panose="020B0604030504040204" pitchFamily="34" charset="-120"/>
-                <a:ea typeface="微軟正黑體" panose="020B0604030504040204" pitchFamily="34" charset="-120"/>
-              </a:rPr>
-              <a:t>,</a:t>
-            </a:r>
-            <a:r>
-              <a:rPr lang="zh-TW" altLang="en-US" sz="800" dirty="0">
-                <a:latin typeface="微軟正黑體" panose="020B0604030504040204" pitchFamily="34" charset="-120"/>
-                <a:ea typeface="微軟正黑體" panose="020B0604030504040204" pitchFamily="34" charset="-120"/>
-              </a:rPr>
-              <a:t> 前三肄合併為「高中」</a:t>
-            </a:r>
-            <a:endParaRPr lang="en-US" altLang="zh-TW" sz="800" dirty="0">
-              <a:latin typeface="微軟正黑體" panose="020B0604030504040204" pitchFamily="34" charset="-120"/>
-              <a:ea typeface="微軟正黑體" panose="020B0604030504040204" pitchFamily="34" charset="-120"/>
-            </a:endParaRPr>
-          </a:p>
-          <a:p>
-            <a:r>
-              <a:rPr lang="zh-TW" altLang="en-US" sz="800" dirty="0">
-                <a:latin typeface="微軟正黑體" panose="020B0604030504040204" pitchFamily="34" charset="-120"/>
-                <a:ea typeface="微軟正黑體" panose="020B0604030504040204" pitchFamily="34" charset="-120"/>
-              </a:rPr>
-              <a:t>國畢</a:t>
-            </a:r>
-            <a:r>
-              <a:rPr lang="en-US" altLang="zh-TW" sz="800" dirty="0">
-                <a:latin typeface="微軟正黑體" panose="020B0604030504040204" pitchFamily="34" charset="-120"/>
-                <a:ea typeface="微軟正黑體" panose="020B0604030504040204" pitchFamily="34" charset="-120"/>
-              </a:rPr>
-              <a:t>,</a:t>
-            </a:r>
-            <a:r>
-              <a:rPr lang="zh-TW" altLang="en-US" sz="800" dirty="0">
-                <a:latin typeface="微軟正黑體" panose="020B0604030504040204" pitchFamily="34" charset="-120"/>
-                <a:ea typeface="微軟正黑體" panose="020B0604030504040204" pitchFamily="34" charset="-120"/>
-              </a:rPr>
-              <a:t> 國肄</a:t>
-            </a:r>
-            <a:r>
-              <a:rPr lang="en-US" altLang="zh-TW" sz="800" dirty="0">
-                <a:latin typeface="微軟正黑體" panose="020B0604030504040204" pitchFamily="34" charset="-120"/>
-                <a:ea typeface="微軟正黑體" panose="020B0604030504040204" pitchFamily="34" charset="-120"/>
-              </a:rPr>
-              <a:t>,</a:t>
-            </a:r>
-            <a:r>
-              <a:rPr lang="zh-TW" altLang="en-US" sz="800" dirty="0">
-                <a:latin typeface="微軟正黑體" panose="020B0604030504040204" pitchFamily="34" charset="-120"/>
-                <a:ea typeface="微軟正黑體" panose="020B0604030504040204" pitchFamily="34" charset="-120"/>
-              </a:rPr>
-              <a:t> 初畢</a:t>
-            </a:r>
-            <a:r>
-              <a:rPr lang="en-US" altLang="zh-TW" sz="800" dirty="0">
-                <a:latin typeface="微軟正黑體" panose="020B0604030504040204" pitchFamily="34" charset="-120"/>
-                <a:ea typeface="微軟正黑體" panose="020B0604030504040204" pitchFamily="34" charset="-120"/>
-              </a:rPr>
-              <a:t>,</a:t>
-            </a:r>
-            <a:r>
-              <a:rPr lang="zh-TW" altLang="en-US" sz="800" dirty="0">
-                <a:latin typeface="微軟正黑體" panose="020B0604030504040204" pitchFamily="34" charset="-120"/>
-                <a:ea typeface="微軟正黑體" panose="020B0604030504040204" pitchFamily="34" charset="-120"/>
-              </a:rPr>
-              <a:t> 初肄合併為「國中」</a:t>
-            </a:r>
-            <a:endParaRPr lang="en-US" altLang="zh-TW" sz="800" dirty="0">
-              <a:latin typeface="微軟正黑體" panose="020B0604030504040204" pitchFamily="34" charset="-120"/>
-              <a:ea typeface="微軟正黑體" panose="020B0604030504040204" pitchFamily="34" charset="-120"/>
-            </a:endParaRPr>
-          </a:p>
-          <a:p>
-            <a:r>
-              <a:rPr lang="zh-TW" altLang="en-US" sz="800" dirty="0">
-                <a:latin typeface="微軟正黑體" panose="020B0604030504040204" pitchFamily="34" charset="-120"/>
-                <a:ea typeface="微軟正黑體" panose="020B0604030504040204" pitchFamily="34" charset="-120"/>
-              </a:rPr>
-              <a:t>小畢</a:t>
-            </a:r>
-            <a:r>
-              <a:rPr lang="en-US" altLang="zh-TW" sz="800" dirty="0">
-                <a:latin typeface="微軟正黑體" panose="020B0604030504040204" pitchFamily="34" charset="-120"/>
-                <a:ea typeface="微軟正黑體" panose="020B0604030504040204" pitchFamily="34" charset="-120"/>
-              </a:rPr>
-              <a:t>,</a:t>
-            </a:r>
-            <a:r>
-              <a:rPr lang="zh-TW" altLang="en-US" sz="800" dirty="0">
-                <a:latin typeface="微軟正黑體" panose="020B0604030504040204" pitchFamily="34" charset="-120"/>
-                <a:ea typeface="微軟正黑體" panose="020B0604030504040204" pitchFamily="34" charset="-120"/>
-              </a:rPr>
-              <a:t> 小肄合併為「國小」</a:t>
-            </a:r>
-            <a:endParaRPr lang="en-US" altLang="zh-TW" sz="800" dirty="0">
-              <a:latin typeface="微軟正黑體" panose="020B0604030504040204" pitchFamily="34" charset="-120"/>
-              <a:ea typeface="微軟正黑體" panose="020B0604030504040204" pitchFamily="34" charset="-120"/>
-            </a:endParaRPr>
-          </a:p>
-          <a:p>
-            <a:r>
-              <a:rPr lang="zh-TW" altLang="en-US" sz="800" dirty="0">
-                <a:latin typeface="微軟正黑體" panose="020B0604030504040204" pitchFamily="34" charset="-120"/>
-                <a:ea typeface="微軟正黑體" panose="020B0604030504040204" pitchFamily="34" charset="-120"/>
-              </a:rPr>
-              <a:t>自修</a:t>
-            </a:r>
-            <a:r>
-              <a:rPr lang="en-US" altLang="zh-TW" sz="800" dirty="0">
-                <a:latin typeface="微軟正黑體" panose="020B0604030504040204" pitchFamily="34" charset="-120"/>
-                <a:ea typeface="微軟正黑體" panose="020B0604030504040204" pitchFamily="34" charset="-120"/>
-              </a:rPr>
-              <a:t>,</a:t>
-            </a:r>
-            <a:r>
-              <a:rPr lang="zh-TW" altLang="en-US" sz="800" dirty="0">
-                <a:latin typeface="微軟正黑體" panose="020B0604030504040204" pitchFamily="34" charset="-120"/>
-                <a:ea typeface="微軟正黑體" panose="020B0604030504040204" pitchFamily="34" charset="-120"/>
-              </a:rPr>
-              <a:t> 不識合併為「其他」</a:t>
+              <a:t>小畢、小肄合併為「國小」；自修、不識合併為「其他」。</a:t>
             </a:r>
             <a:endParaRPr lang="en-US" altLang="zh-TW" sz="800" dirty="0">
               <a:latin typeface="微軟正黑體" panose="020B0604030504040204" pitchFamily="34" charset="-120"/>
@@ -5122,7 +6154,7 @@
 </p:sld>
 </file>
 
-<file path=ppt/slides/slide3.xml><?xml version="1.0" encoding="utf-8"?>
+<file path=ppt/slides/slide4.xml><?xml version="1.0" encoding="utf-8"?>
 <p:sld xmlns:a="http://schemas.openxmlformats.org/drawingml/2006/main" xmlns:r="http://schemas.openxmlformats.org/officeDocument/2006/relationships" xmlns:p="http://schemas.openxmlformats.org/presentationml/2006/main">
   <p:cSld>
     <p:spTree>

--- a/資料來源/chart專題排版/chart專題排版.pptx
+++ b/資料來源/chart專題排版/chart專題排版.pptx
@@ -4,10 +4,15 @@
   <p:sldMasterIdLst>
     <p:sldMasterId id="2147483660" r:id="rId1"/>
   </p:sldMasterIdLst>
+  <p:notesMasterIdLst>
+    <p:notesMasterId r:id="rId7"/>
+  </p:notesMasterIdLst>
   <p:sldIdLst>
-    <p:sldId id="260" r:id="rId2"/>
-    <p:sldId id="256" r:id="rId3"/>
-    <p:sldId id="258" r:id="rId4"/>
+    <p:sldId id="261" r:id="rId2"/>
+    <p:sldId id="263" r:id="rId3"/>
+    <p:sldId id="260" r:id="rId4"/>
+    <p:sldId id="256" r:id="rId5"/>
+    <p:sldId id="258" r:id="rId6"/>
   </p:sldIdLst>
   <p:sldSz cx="12192000" cy="13716000"/>
   <p:notesSz cx="6858000" cy="9144000"/>
@@ -106,7 +111,3049 @@
       </a:defRPr>
     </a:lvl9pPr>
   </p:defaultTextStyle>
+  <p:extLst>
+    <p:ext uri="{EFAFB233-063F-42B5-8137-9DF3F51BA10A}">
+      <p15:sldGuideLst xmlns:p15="http://schemas.microsoft.com/office/powerpoint/2012/main"/>
+    </p:ext>
+  </p:extLst>
 </p:presentation>
+</file>
+
+<file path=ppt/charts/chart1.xml><?xml version="1.0" encoding="utf-8"?>
+<c:chartSpace xmlns:c="http://schemas.openxmlformats.org/drawingml/2006/chart" xmlns:a="http://schemas.openxmlformats.org/drawingml/2006/main" xmlns:r="http://schemas.openxmlformats.org/officeDocument/2006/relationships" xmlns:c16r2="http://schemas.microsoft.com/office/drawing/2015/06/chart">
+  <c:date1904 val="0"/>
+  <c:lang val="zh-TW"/>
+  <c:roundedCorners val="0"/>
+  <mc:AlternateContent xmlns:mc="http://schemas.openxmlformats.org/markup-compatibility/2006">
+    <mc:Choice xmlns:c14="http://schemas.microsoft.com/office/drawing/2007/8/2/chart" Requires="c14">
+      <c14:style val="102"/>
+    </mc:Choice>
+    <mc:Fallback>
+      <c:style val="2"/>
+    </mc:Fallback>
+  </mc:AlternateContent>
+  <c:chart>
+    <c:autoTitleDeleted val="1"/>
+    <c:plotArea>
+      <c:layout/>
+      <c:barChart>
+        <c:barDir val="col"/>
+        <c:grouping val="clustered"/>
+        <c:varyColors val="0"/>
+        <c:ser>
+          <c:idx val="0"/>
+          <c:order val="0"/>
+          <c:tx>
+            <c:strRef>
+              <c:f>工作表1!$B$1</c:f>
+              <c:strCache>
+                <c:ptCount val="1"/>
+                <c:pt idx="0">
+                  <c:v>數列 1</c:v>
+                </c:pt>
+              </c:strCache>
+            </c:strRef>
+          </c:tx>
+          <c:spPr>
+            <a:solidFill>
+              <a:srgbClr val="3CA3E9"/>
+            </a:solidFill>
+            <a:ln>
+              <a:noFill/>
+            </a:ln>
+            <a:effectLst/>
+          </c:spPr>
+          <c:invertIfNegative val="0"/>
+          <c:cat>
+            <c:strRef>
+              <c:f>工作表1!$A$2:$A$5</c:f>
+              <c:strCache>
+                <c:ptCount val="4"/>
+                <c:pt idx="0">
+                  <c:v>類別 1</c:v>
+                </c:pt>
+                <c:pt idx="1">
+                  <c:v>類別 2</c:v>
+                </c:pt>
+                <c:pt idx="2">
+                  <c:v>類別 3</c:v>
+                </c:pt>
+                <c:pt idx="3">
+                  <c:v>類別 4</c:v>
+                </c:pt>
+              </c:strCache>
+            </c:strRef>
+          </c:cat>
+          <c:val>
+            <c:numRef>
+              <c:f>工作表1!$B$2:$B$5</c:f>
+              <c:numCache>
+                <c:formatCode>General</c:formatCode>
+                <c:ptCount val="4"/>
+                <c:pt idx="0">
+                  <c:v>4.3</c:v>
+                </c:pt>
+                <c:pt idx="1">
+                  <c:v>2.5</c:v>
+                </c:pt>
+                <c:pt idx="2">
+                  <c:v>3.5</c:v>
+                </c:pt>
+                <c:pt idx="3">
+                  <c:v>4.5</c:v>
+                </c:pt>
+              </c:numCache>
+            </c:numRef>
+          </c:val>
+          <c:extLst>
+            <c:ext xmlns:c16="http://schemas.microsoft.com/office/drawing/2014/chart" uri="{C3380CC4-5D6E-409C-BE32-E72D297353CC}">
+              <c16:uniqueId val="{00000000-F1EC-4DA6-A88D-E9CD8AC241BA}"/>
+            </c:ext>
+          </c:extLst>
+        </c:ser>
+        <c:ser>
+          <c:idx val="1"/>
+          <c:order val="1"/>
+          <c:tx>
+            <c:strRef>
+              <c:f>工作表1!$C$1</c:f>
+              <c:strCache>
+                <c:ptCount val="1"/>
+                <c:pt idx="0">
+                  <c:v>數列 2</c:v>
+                </c:pt>
+              </c:strCache>
+            </c:strRef>
+          </c:tx>
+          <c:spPr>
+            <a:solidFill>
+              <a:srgbClr val="FD6185"/>
+            </a:solidFill>
+            <a:ln>
+              <a:noFill/>
+            </a:ln>
+            <a:effectLst/>
+          </c:spPr>
+          <c:invertIfNegative val="0"/>
+          <c:cat>
+            <c:strRef>
+              <c:f>工作表1!$A$2:$A$5</c:f>
+              <c:strCache>
+                <c:ptCount val="4"/>
+                <c:pt idx="0">
+                  <c:v>類別 1</c:v>
+                </c:pt>
+                <c:pt idx="1">
+                  <c:v>類別 2</c:v>
+                </c:pt>
+                <c:pt idx="2">
+                  <c:v>類別 3</c:v>
+                </c:pt>
+                <c:pt idx="3">
+                  <c:v>類別 4</c:v>
+                </c:pt>
+              </c:strCache>
+            </c:strRef>
+          </c:cat>
+          <c:val>
+            <c:numRef>
+              <c:f>工作表1!$C$2:$C$5</c:f>
+              <c:numCache>
+                <c:formatCode>General</c:formatCode>
+                <c:ptCount val="4"/>
+                <c:pt idx="0">
+                  <c:v>2.4</c:v>
+                </c:pt>
+                <c:pt idx="1">
+                  <c:v>4.4000000000000004</c:v>
+                </c:pt>
+                <c:pt idx="2">
+                  <c:v>1.8</c:v>
+                </c:pt>
+                <c:pt idx="3">
+                  <c:v>2.8</c:v>
+                </c:pt>
+              </c:numCache>
+            </c:numRef>
+          </c:val>
+          <c:extLst>
+            <c:ext xmlns:c16="http://schemas.microsoft.com/office/drawing/2014/chart" uri="{C3380CC4-5D6E-409C-BE32-E72D297353CC}">
+              <c16:uniqueId val="{00000001-F1EC-4DA6-A88D-E9CD8AC241BA}"/>
+            </c:ext>
+          </c:extLst>
+        </c:ser>
+        <c:dLbls>
+          <c:showLegendKey val="0"/>
+          <c:showVal val="0"/>
+          <c:showCatName val="0"/>
+          <c:showSerName val="0"/>
+          <c:showPercent val="0"/>
+          <c:showBubbleSize val="0"/>
+        </c:dLbls>
+        <c:gapWidth val="219"/>
+        <c:overlap val="-27"/>
+        <c:axId val="1342546720"/>
+        <c:axId val="1500230576"/>
+      </c:barChart>
+      <c:catAx>
+        <c:axId val="1342546720"/>
+        <c:scaling>
+          <c:orientation val="minMax"/>
+        </c:scaling>
+        <c:delete val="0"/>
+        <c:axPos val="b"/>
+        <c:numFmt formatCode="General" sourceLinked="1"/>
+        <c:majorTickMark val="none"/>
+        <c:minorTickMark val="none"/>
+        <c:tickLblPos val="nextTo"/>
+        <c:spPr>
+          <a:noFill/>
+          <a:ln w="9525" cap="flat" cmpd="sng" algn="ctr">
+            <a:solidFill>
+              <a:schemeClr val="tx1">
+                <a:lumMod val="15000"/>
+                <a:lumOff val="85000"/>
+              </a:schemeClr>
+            </a:solidFill>
+            <a:round/>
+          </a:ln>
+          <a:effectLst/>
+        </c:spPr>
+        <c:txPr>
+          <a:bodyPr rot="-60000000" spcFirstLastPara="1" vertOverflow="ellipsis" vert="horz" wrap="square" anchor="ctr" anchorCtr="1"/>
+          <a:lstStyle/>
+          <a:p>
+            <a:pPr>
+              <a:defRPr sz="1197" b="0" i="0" u="none" strike="noStrike" kern="1200" baseline="0">
+                <a:solidFill>
+                  <a:schemeClr val="tx1">
+                    <a:lumMod val="65000"/>
+                    <a:lumOff val="35000"/>
+                  </a:schemeClr>
+                </a:solidFill>
+                <a:latin typeface="+mn-lt"/>
+                <a:ea typeface="+mn-ea"/>
+                <a:cs typeface="+mn-cs"/>
+              </a:defRPr>
+            </a:pPr>
+            <a:endParaRPr lang="zh-TW"/>
+          </a:p>
+        </c:txPr>
+        <c:crossAx val="1500230576"/>
+        <c:crosses val="autoZero"/>
+        <c:auto val="1"/>
+        <c:lblAlgn val="ctr"/>
+        <c:lblOffset val="100"/>
+        <c:noMultiLvlLbl val="0"/>
+      </c:catAx>
+      <c:valAx>
+        <c:axId val="1500230576"/>
+        <c:scaling>
+          <c:orientation val="minMax"/>
+        </c:scaling>
+        <c:delete val="0"/>
+        <c:axPos val="l"/>
+        <c:majorGridlines>
+          <c:spPr>
+            <a:ln w="9525" cap="flat" cmpd="sng" algn="ctr">
+              <a:solidFill>
+                <a:schemeClr val="tx1">
+                  <a:lumMod val="15000"/>
+                  <a:lumOff val="85000"/>
+                </a:schemeClr>
+              </a:solidFill>
+              <a:round/>
+            </a:ln>
+            <a:effectLst/>
+          </c:spPr>
+        </c:majorGridlines>
+        <c:numFmt formatCode="General" sourceLinked="1"/>
+        <c:majorTickMark val="none"/>
+        <c:minorTickMark val="none"/>
+        <c:tickLblPos val="nextTo"/>
+        <c:spPr>
+          <a:noFill/>
+          <a:ln>
+            <a:noFill/>
+          </a:ln>
+          <a:effectLst/>
+        </c:spPr>
+        <c:txPr>
+          <a:bodyPr rot="-60000000" spcFirstLastPara="1" vertOverflow="ellipsis" vert="horz" wrap="square" anchor="ctr" anchorCtr="1"/>
+          <a:lstStyle/>
+          <a:p>
+            <a:pPr>
+              <a:defRPr sz="1197" b="0" i="0" u="none" strike="noStrike" kern="1200" baseline="0">
+                <a:solidFill>
+                  <a:schemeClr val="tx1">
+                    <a:lumMod val="65000"/>
+                    <a:lumOff val="35000"/>
+                  </a:schemeClr>
+                </a:solidFill>
+                <a:latin typeface="+mn-lt"/>
+                <a:ea typeface="+mn-ea"/>
+                <a:cs typeface="+mn-cs"/>
+              </a:defRPr>
+            </a:pPr>
+            <a:endParaRPr lang="zh-TW"/>
+          </a:p>
+        </c:txPr>
+        <c:crossAx val="1342546720"/>
+        <c:crosses val="autoZero"/>
+        <c:crossBetween val="between"/>
+      </c:valAx>
+      <c:spPr>
+        <a:noFill/>
+        <a:ln>
+          <a:noFill/>
+        </a:ln>
+        <a:effectLst/>
+      </c:spPr>
+    </c:plotArea>
+    <c:plotVisOnly val="1"/>
+    <c:dispBlanksAs val="gap"/>
+    <c:extLst>
+      <c:ext xmlns:c16r3="http://schemas.microsoft.com/office/drawing/2017/03/chart" uri="{56B9EC1D-385E-4148-901F-78D8002777C0}">
+        <c16r3:dataDisplayOptions16>
+          <c16r3:dispNaAsBlank val="1"/>
+        </c16r3:dataDisplayOptions16>
+      </c:ext>
+    </c:extLst>
+    <c:showDLblsOverMax val="0"/>
+  </c:chart>
+  <c:spPr>
+    <a:noFill/>
+    <a:ln>
+      <a:noFill/>
+    </a:ln>
+    <a:effectLst/>
+  </c:spPr>
+  <c:txPr>
+    <a:bodyPr/>
+    <a:lstStyle/>
+    <a:p>
+      <a:pPr>
+        <a:defRPr/>
+      </a:pPr>
+      <a:endParaRPr lang="zh-TW"/>
+    </a:p>
+  </c:txPr>
+  <c:externalData r:id="rId3">
+    <c:autoUpdate val="0"/>
+  </c:externalData>
+</c:chartSpace>
+</file>
+
+<file path=ppt/charts/chart2.xml><?xml version="1.0" encoding="utf-8"?>
+<c:chartSpace xmlns:c="http://schemas.openxmlformats.org/drawingml/2006/chart" xmlns:a="http://schemas.openxmlformats.org/drawingml/2006/main" xmlns:r="http://schemas.openxmlformats.org/officeDocument/2006/relationships" xmlns:c16r2="http://schemas.microsoft.com/office/drawing/2015/06/chart">
+  <c:date1904 val="0"/>
+  <c:lang val="zh-TW"/>
+  <c:roundedCorners val="0"/>
+  <mc:AlternateContent xmlns:mc="http://schemas.openxmlformats.org/markup-compatibility/2006">
+    <mc:Choice xmlns:c14="http://schemas.microsoft.com/office/drawing/2007/8/2/chart" Requires="c14">
+      <c14:style val="102"/>
+    </mc:Choice>
+    <mc:Fallback>
+      <c:style val="2"/>
+    </mc:Fallback>
+  </mc:AlternateContent>
+  <c:chart>
+    <c:autoTitleDeleted val="1"/>
+    <c:plotArea>
+      <c:layout/>
+      <c:barChart>
+        <c:barDir val="col"/>
+        <c:grouping val="clustered"/>
+        <c:varyColors val="0"/>
+        <c:ser>
+          <c:idx val="0"/>
+          <c:order val="0"/>
+          <c:tx>
+            <c:strRef>
+              <c:f>工作表1!$B$1</c:f>
+              <c:strCache>
+                <c:ptCount val="1"/>
+                <c:pt idx="0">
+                  <c:v>數列 1</c:v>
+                </c:pt>
+              </c:strCache>
+            </c:strRef>
+          </c:tx>
+          <c:spPr>
+            <a:solidFill>
+              <a:srgbClr val="3CA3E9"/>
+            </a:solidFill>
+            <a:ln>
+              <a:noFill/>
+            </a:ln>
+            <a:effectLst/>
+          </c:spPr>
+          <c:invertIfNegative val="0"/>
+          <c:cat>
+            <c:strRef>
+              <c:f>工作表1!$A$2:$A$5</c:f>
+              <c:strCache>
+                <c:ptCount val="4"/>
+                <c:pt idx="0">
+                  <c:v>類別 1</c:v>
+                </c:pt>
+                <c:pt idx="1">
+                  <c:v>類別 2</c:v>
+                </c:pt>
+                <c:pt idx="2">
+                  <c:v>類別 3</c:v>
+                </c:pt>
+                <c:pt idx="3">
+                  <c:v>類別 4</c:v>
+                </c:pt>
+              </c:strCache>
+            </c:strRef>
+          </c:cat>
+          <c:val>
+            <c:numRef>
+              <c:f>工作表1!$B$2:$B$5</c:f>
+              <c:numCache>
+                <c:formatCode>General</c:formatCode>
+                <c:ptCount val="4"/>
+                <c:pt idx="0">
+                  <c:v>4.3</c:v>
+                </c:pt>
+                <c:pt idx="1">
+                  <c:v>2.5</c:v>
+                </c:pt>
+                <c:pt idx="2">
+                  <c:v>3.5</c:v>
+                </c:pt>
+                <c:pt idx="3">
+                  <c:v>4.5</c:v>
+                </c:pt>
+              </c:numCache>
+            </c:numRef>
+          </c:val>
+          <c:extLst>
+            <c:ext xmlns:c16="http://schemas.microsoft.com/office/drawing/2014/chart" uri="{C3380CC4-5D6E-409C-BE32-E72D297353CC}">
+              <c16:uniqueId val="{00000000-F1EC-4DA6-A88D-E9CD8AC241BA}"/>
+            </c:ext>
+          </c:extLst>
+        </c:ser>
+        <c:ser>
+          <c:idx val="1"/>
+          <c:order val="1"/>
+          <c:tx>
+            <c:strRef>
+              <c:f>工作表1!$C$1</c:f>
+              <c:strCache>
+                <c:ptCount val="1"/>
+                <c:pt idx="0">
+                  <c:v>數列 2</c:v>
+                </c:pt>
+              </c:strCache>
+            </c:strRef>
+          </c:tx>
+          <c:spPr>
+            <a:solidFill>
+              <a:srgbClr val="FD6185"/>
+            </a:solidFill>
+            <a:ln>
+              <a:noFill/>
+            </a:ln>
+            <a:effectLst/>
+          </c:spPr>
+          <c:invertIfNegative val="0"/>
+          <c:cat>
+            <c:strRef>
+              <c:f>工作表1!$A$2:$A$5</c:f>
+              <c:strCache>
+                <c:ptCount val="4"/>
+                <c:pt idx="0">
+                  <c:v>類別 1</c:v>
+                </c:pt>
+                <c:pt idx="1">
+                  <c:v>類別 2</c:v>
+                </c:pt>
+                <c:pt idx="2">
+                  <c:v>類別 3</c:v>
+                </c:pt>
+                <c:pt idx="3">
+                  <c:v>類別 4</c:v>
+                </c:pt>
+              </c:strCache>
+            </c:strRef>
+          </c:cat>
+          <c:val>
+            <c:numRef>
+              <c:f>工作表1!$C$2:$C$5</c:f>
+              <c:numCache>
+                <c:formatCode>General</c:formatCode>
+                <c:ptCount val="4"/>
+                <c:pt idx="0">
+                  <c:v>2.4</c:v>
+                </c:pt>
+                <c:pt idx="1">
+                  <c:v>4.4000000000000004</c:v>
+                </c:pt>
+                <c:pt idx="2">
+                  <c:v>1.8</c:v>
+                </c:pt>
+                <c:pt idx="3">
+                  <c:v>2.8</c:v>
+                </c:pt>
+              </c:numCache>
+            </c:numRef>
+          </c:val>
+          <c:extLst>
+            <c:ext xmlns:c16="http://schemas.microsoft.com/office/drawing/2014/chart" uri="{C3380CC4-5D6E-409C-BE32-E72D297353CC}">
+              <c16:uniqueId val="{00000001-F1EC-4DA6-A88D-E9CD8AC241BA}"/>
+            </c:ext>
+          </c:extLst>
+        </c:ser>
+        <c:dLbls>
+          <c:showLegendKey val="0"/>
+          <c:showVal val="0"/>
+          <c:showCatName val="0"/>
+          <c:showSerName val="0"/>
+          <c:showPercent val="0"/>
+          <c:showBubbleSize val="0"/>
+        </c:dLbls>
+        <c:gapWidth val="219"/>
+        <c:overlap val="-27"/>
+        <c:axId val="1342546720"/>
+        <c:axId val="1500230576"/>
+      </c:barChart>
+      <c:catAx>
+        <c:axId val="1342546720"/>
+        <c:scaling>
+          <c:orientation val="minMax"/>
+        </c:scaling>
+        <c:delete val="0"/>
+        <c:axPos val="b"/>
+        <c:numFmt formatCode="General" sourceLinked="1"/>
+        <c:majorTickMark val="none"/>
+        <c:minorTickMark val="none"/>
+        <c:tickLblPos val="nextTo"/>
+        <c:spPr>
+          <a:noFill/>
+          <a:ln w="9525" cap="flat" cmpd="sng" algn="ctr">
+            <a:solidFill>
+              <a:schemeClr val="tx1">
+                <a:lumMod val="15000"/>
+                <a:lumOff val="85000"/>
+              </a:schemeClr>
+            </a:solidFill>
+            <a:round/>
+          </a:ln>
+          <a:effectLst/>
+        </c:spPr>
+        <c:txPr>
+          <a:bodyPr rot="-60000000" spcFirstLastPara="1" vertOverflow="ellipsis" vert="horz" wrap="square" anchor="ctr" anchorCtr="1"/>
+          <a:lstStyle/>
+          <a:p>
+            <a:pPr>
+              <a:defRPr sz="1197" b="0" i="0" u="none" strike="noStrike" kern="1200" baseline="0">
+                <a:solidFill>
+                  <a:schemeClr val="tx1">
+                    <a:lumMod val="65000"/>
+                    <a:lumOff val="35000"/>
+                  </a:schemeClr>
+                </a:solidFill>
+                <a:latin typeface="+mn-lt"/>
+                <a:ea typeface="+mn-ea"/>
+                <a:cs typeface="+mn-cs"/>
+              </a:defRPr>
+            </a:pPr>
+            <a:endParaRPr lang="zh-TW"/>
+          </a:p>
+        </c:txPr>
+        <c:crossAx val="1500230576"/>
+        <c:crosses val="autoZero"/>
+        <c:auto val="1"/>
+        <c:lblAlgn val="ctr"/>
+        <c:lblOffset val="100"/>
+        <c:noMultiLvlLbl val="0"/>
+      </c:catAx>
+      <c:valAx>
+        <c:axId val="1500230576"/>
+        <c:scaling>
+          <c:orientation val="minMax"/>
+        </c:scaling>
+        <c:delete val="0"/>
+        <c:axPos val="l"/>
+        <c:majorGridlines>
+          <c:spPr>
+            <a:ln w="9525" cap="flat" cmpd="sng" algn="ctr">
+              <a:solidFill>
+                <a:schemeClr val="tx1">
+                  <a:lumMod val="15000"/>
+                  <a:lumOff val="85000"/>
+                </a:schemeClr>
+              </a:solidFill>
+              <a:round/>
+            </a:ln>
+            <a:effectLst/>
+          </c:spPr>
+        </c:majorGridlines>
+        <c:numFmt formatCode="General" sourceLinked="1"/>
+        <c:majorTickMark val="none"/>
+        <c:minorTickMark val="none"/>
+        <c:tickLblPos val="nextTo"/>
+        <c:spPr>
+          <a:noFill/>
+          <a:ln>
+            <a:noFill/>
+          </a:ln>
+          <a:effectLst/>
+        </c:spPr>
+        <c:txPr>
+          <a:bodyPr rot="-60000000" spcFirstLastPara="1" vertOverflow="ellipsis" vert="horz" wrap="square" anchor="ctr" anchorCtr="1"/>
+          <a:lstStyle/>
+          <a:p>
+            <a:pPr>
+              <a:defRPr sz="1197" b="0" i="0" u="none" strike="noStrike" kern="1200" baseline="0">
+                <a:solidFill>
+                  <a:schemeClr val="tx1">
+                    <a:lumMod val="65000"/>
+                    <a:lumOff val="35000"/>
+                  </a:schemeClr>
+                </a:solidFill>
+                <a:latin typeface="+mn-lt"/>
+                <a:ea typeface="+mn-ea"/>
+                <a:cs typeface="+mn-cs"/>
+              </a:defRPr>
+            </a:pPr>
+            <a:endParaRPr lang="zh-TW"/>
+          </a:p>
+        </c:txPr>
+        <c:crossAx val="1342546720"/>
+        <c:crosses val="autoZero"/>
+        <c:crossBetween val="between"/>
+      </c:valAx>
+      <c:spPr>
+        <a:noFill/>
+        <a:ln>
+          <a:noFill/>
+        </a:ln>
+        <a:effectLst/>
+      </c:spPr>
+    </c:plotArea>
+    <c:plotVisOnly val="1"/>
+    <c:dispBlanksAs val="gap"/>
+    <c:extLst>
+      <c:ext xmlns:c16r3="http://schemas.microsoft.com/office/drawing/2017/03/chart" uri="{56B9EC1D-385E-4148-901F-78D8002777C0}">
+        <c16r3:dataDisplayOptions16>
+          <c16r3:dispNaAsBlank val="1"/>
+        </c16r3:dataDisplayOptions16>
+      </c:ext>
+    </c:extLst>
+    <c:showDLblsOverMax val="0"/>
+  </c:chart>
+  <c:spPr>
+    <a:noFill/>
+    <a:ln>
+      <a:noFill/>
+    </a:ln>
+    <a:effectLst/>
+  </c:spPr>
+  <c:txPr>
+    <a:bodyPr/>
+    <a:lstStyle/>
+    <a:p>
+      <a:pPr>
+        <a:defRPr/>
+      </a:pPr>
+      <a:endParaRPr lang="zh-TW"/>
+    </a:p>
+  </c:txPr>
+  <c:externalData r:id="rId3">
+    <c:autoUpdate val="0"/>
+  </c:externalData>
+</c:chartSpace>
+</file>
+
+<file path=ppt/charts/chart3.xml><?xml version="1.0" encoding="utf-8"?>
+<c:chartSpace xmlns:c="http://schemas.openxmlformats.org/drawingml/2006/chart" xmlns:a="http://schemas.openxmlformats.org/drawingml/2006/main" xmlns:r="http://schemas.openxmlformats.org/officeDocument/2006/relationships" xmlns:c16r2="http://schemas.microsoft.com/office/drawing/2015/06/chart">
+  <c:date1904 val="0"/>
+  <c:lang val="zh-TW"/>
+  <c:roundedCorners val="0"/>
+  <mc:AlternateContent xmlns:mc="http://schemas.openxmlformats.org/markup-compatibility/2006">
+    <mc:Choice xmlns:c14="http://schemas.microsoft.com/office/drawing/2007/8/2/chart" Requires="c14">
+      <c14:style val="102"/>
+    </mc:Choice>
+    <mc:Fallback>
+      <c:style val="2"/>
+    </mc:Fallback>
+  </mc:AlternateContent>
+  <c:chart>
+    <c:autoTitleDeleted val="1"/>
+    <c:plotArea>
+      <c:layout/>
+      <c:barChart>
+        <c:barDir val="col"/>
+        <c:grouping val="clustered"/>
+        <c:varyColors val="0"/>
+        <c:ser>
+          <c:idx val="0"/>
+          <c:order val="0"/>
+          <c:tx>
+            <c:strRef>
+              <c:f>工作表1!$B$1</c:f>
+              <c:strCache>
+                <c:ptCount val="1"/>
+                <c:pt idx="0">
+                  <c:v>數列 1</c:v>
+                </c:pt>
+              </c:strCache>
+            </c:strRef>
+          </c:tx>
+          <c:spPr>
+            <a:solidFill>
+              <a:srgbClr val="3CA3E9"/>
+            </a:solidFill>
+            <a:ln>
+              <a:noFill/>
+            </a:ln>
+            <a:effectLst/>
+          </c:spPr>
+          <c:invertIfNegative val="0"/>
+          <c:cat>
+            <c:strRef>
+              <c:f>工作表1!$A$2:$A$5</c:f>
+              <c:strCache>
+                <c:ptCount val="4"/>
+                <c:pt idx="0">
+                  <c:v>類別 1</c:v>
+                </c:pt>
+                <c:pt idx="1">
+                  <c:v>類別 2</c:v>
+                </c:pt>
+                <c:pt idx="2">
+                  <c:v>類別 3</c:v>
+                </c:pt>
+                <c:pt idx="3">
+                  <c:v>類別 4</c:v>
+                </c:pt>
+              </c:strCache>
+            </c:strRef>
+          </c:cat>
+          <c:val>
+            <c:numRef>
+              <c:f>工作表1!$B$2:$B$5</c:f>
+              <c:numCache>
+                <c:formatCode>General</c:formatCode>
+                <c:ptCount val="4"/>
+                <c:pt idx="0">
+                  <c:v>4.3</c:v>
+                </c:pt>
+                <c:pt idx="1">
+                  <c:v>2.5</c:v>
+                </c:pt>
+                <c:pt idx="2">
+                  <c:v>3.5</c:v>
+                </c:pt>
+                <c:pt idx="3">
+                  <c:v>4.5</c:v>
+                </c:pt>
+              </c:numCache>
+            </c:numRef>
+          </c:val>
+          <c:extLst>
+            <c:ext xmlns:c16="http://schemas.microsoft.com/office/drawing/2014/chart" uri="{C3380CC4-5D6E-409C-BE32-E72D297353CC}">
+              <c16:uniqueId val="{00000000-12DE-4F0C-ABA9-C19AF6983730}"/>
+            </c:ext>
+          </c:extLst>
+        </c:ser>
+        <c:ser>
+          <c:idx val="1"/>
+          <c:order val="1"/>
+          <c:tx>
+            <c:strRef>
+              <c:f>工作表1!$C$1</c:f>
+              <c:strCache>
+                <c:ptCount val="1"/>
+                <c:pt idx="0">
+                  <c:v>數列 2</c:v>
+                </c:pt>
+              </c:strCache>
+            </c:strRef>
+          </c:tx>
+          <c:spPr>
+            <a:solidFill>
+              <a:srgbClr val="FD6185"/>
+            </a:solidFill>
+            <a:ln>
+              <a:noFill/>
+            </a:ln>
+            <a:effectLst/>
+          </c:spPr>
+          <c:invertIfNegative val="0"/>
+          <c:cat>
+            <c:strRef>
+              <c:f>工作表1!$A$2:$A$5</c:f>
+              <c:strCache>
+                <c:ptCount val="4"/>
+                <c:pt idx="0">
+                  <c:v>類別 1</c:v>
+                </c:pt>
+                <c:pt idx="1">
+                  <c:v>類別 2</c:v>
+                </c:pt>
+                <c:pt idx="2">
+                  <c:v>類別 3</c:v>
+                </c:pt>
+                <c:pt idx="3">
+                  <c:v>類別 4</c:v>
+                </c:pt>
+              </c:strCache>
+            </c:strRef>
+          </c:cat>
+          <c:val>
+            <c:numRef>
+              <c:f>工作表1!$C$2:$C$5</c:f>
+              <c:numCache>
+                <c:formatCode>General</c:formatCode>
+                <c:ptCount val="4"/>
+                <c:pt idx="0">
+                  <c:v>2.4</c:v>
+                </c:pt>
+                <c:pt idx="1">
+                  <c:v>4.4000000000000004</c:v>
+                </c:pt>
+                <c:pt idx="2">
+                  <c:v>1.8</c:v>
+                </c:pt>
+                <c:pt idx="3">
+                  <c:v>2.8</c:v>
+                </c:pt>
+              </c:numCache>
+            </c:numRef>
+          </c:val>
+          <c:extLst>
+            <c:ext xmlns:c16="http://schemas.microsoft.com/office/drawing/2014/chart" uri="{C3380CC4-5D6E-409C-BE32-E72D297353CC}">
+              <c16:uniqueId val="{00000001-12DE-4F0C-ABA9-C19AF6983730}"/>
+            </c:ext>
+          </c:extLst>
+        </c:ser>
+        <c:dLbls>
+          <c:showLegendKey val="0"/>
+          <c:showVal val="0"/>
+          <c:showCatName val="0"/>
+          <c:showSerName val="0"/>
+          <c:showPercent val="0"/>
+          <c:showBubbleSize val="0"/>
+        </c:dLbls>
+        <c:gapWidth val="219"/>
+        <c:overlap val="-27"/>
+        <c:axId val="1342546720"/>
+        <c:axId val="1500230576"/>
+      </c:barChart>
+      <c:catAx>
+        <c:axId val="1342546720"/>
+        <c:scaling>
+          <c:orientation val="minMax"/>
+        </c:scaling>
+        <c:delete val="0"/>
+        <c:axPos val="b"/>
+        <c:numFmt formatCode="General" sourceLinked="1"/>
+        <c:majorTickMark val="none"/>
+        <c:minorTickMark val="none"/>
+        <c:tickLblPos val="nextTo"/>
+        <c:spPr>
+          <a:noFill/>
+          <a:ln w="9525" cap="flat" cmpd="sng" algn="ctr">
+            <a:solidFill>
+              <a:schemeClr val="tx1">
+                <a:lumMod val="15000"/>
+                <a:lumOff val="85000"/>
+              </a:schemeClr>
+            </a:solidFill>
+            <a:round/>
+          </a:ln>
+          <a:effectLst/>
+        </c:spPr>
+        <c:txPr>
+          <a:bodyPr rot="-60000000" spcFirstLastPara="1" vertOverflow="ellipsis" vert="horz" wrap="square" anchor="ctr" anchorCtr="1"/>
+          <a:lstStyle/>
+          <a:p>
+            <a:pPr>
+              <a:defRPr sz="1197" b="0" i="0" u="none" strike="noStrike" kern="1200" baseline="0">
+                <a:solidFill>
+                  <a:schemeClr val="tx1">
+                    <a:lumMod val="65000"/>
+                    <a:lumOff val="35000"/>
+                  </a:schemeClr>
+                </a:solidFill>
+                <a:latin typeface="+mn-lt"/>
+                <a:ea typeface="+mn-ea"/>
+                <a:cs typeface="+mn-cs"/>
+              </a:defRPr>
+            </a:pPr>
+            <a:endParaRPr lang="zh-TW"/>
+          </a:p>
+        </c:txPr>
+        <c:crossAx val="1500230576"/>
+        <c:crosses val="autoZero"/>
+        <c:auto val="1"/>
+        <c:lblAlgn val="ctr"/>
+        <c:lblOffset val="100"/>
+        <c:noMultiLvlLbl val="0"/>
+      </c:catAx>
+      <c:valAx>
+        <c:axId val="1500230576"/>
+        <c:scaling>
+          <c:orientation val="minMax"/>
+        </c:scaling>
+        <c:delete val="0"/>
+        <c:axPos val="l"/>
+        <c:majorGridlines>
+          <c:spPr>
+            <a:ln w="9525" cap="flat" cmpd="sng" algn="ctr">
+              <a:solidFill>
+                <a:schemeClr val="tx1">
+                  <a:lumMod val="15000"/>
+                  <a:lumOff val="85000"/>
+                </a:schemeClr>
+              </a:solidFill>
+              <a:round/>
+            </a:ln>
+            <a:effectLst/>
+          </c:spPr>
+        </c:majorGridlines>
+        <c:numFmt formatCode="General" sourceLinked="1"/>
+        <c:majorTickMark val="none"/>
+        <c:minorTickMark val="none"/>
+        <c:tickLblPos val="nextTo"/>
+        <c:spPr>
+          <a:noFill/>
+          <a:ln>
+            <a:noFill/>
+          </a:ln>
+          <a:effectLst/>
+        </c:spPr>
+        <c:txPr>
+          <a:bodyPr rot="-60000000" spcFirstLastPara="1" vertOverflow="ellipsis" vert="horz" wrap="square" anchor="ctr" anchorCtr="1"/>
+          <a:lstStyle/>
+          <a:p>
+            <a:pPr>
+              <a:defRPr sz="1197" b="0" i="0" u="none" strike="noStrike" kern="1200" baseline="0">
+                <a:solidFill>
+                  <a:schemeClr val="tx1">
+                    <a:lumMod val="65000"/>
+                    <a:lumOff val="35000"/>
+                  </a:schemeClr>
+                </a:solidFill>
+                <a:latin typeface="+mn-lt"/>
+                <a:ea typeface="+mn-ea"/>
+                <a:cs typeface="+mn-cs"/>
+              </a:defRPr>
+            </a:pPr>
+            <a:endParaRPr lang="zh-TW"/>
+          </a:p>
+        </c:txPr>
+        <c:crossAx val="1342546720"/>
+        <c:crosses val="autoZero"/>
+        <c:crossBetween val="between"/>
+      </c:valAx>
+      <c:spPr>
+        <a:noFill/>
+        <a:ln>
+          <a:noFill/>
+        </a:ln>
+        <a:effectLst/>
+      </c:spPr>
+    </c:plotArea>
+    <c:plotVisOnly val="1"/>
+    <c:dispBlanksAs val="gap"/>
+    <c:extLst>
+      <c:ext xmlns:c16r3="http://schemas.microsoft.com/office/drawing/2017/03/chart" uri="{56B9EC1D-385E-4148-901F-78D8002777C0}">
+        <c16r3:dataDisplayOptions16>
+          <c16r3:dispNaAsBlank val="1"/>
+        </c16r3:dataDisplayOptions16>
+      </c:ext>
+    </c:extLst>
+    <c:showDLblsOverMax val="0"/>
+  </c:chart>
+  <c:spPr>
+    <a:noFill/>
+    <a:ln>
+      <a:noFill/>
+    </a:ln>
+    <a:effectLst/>
+  </c:spPr>
+  <c:txPr>
+    <a:bodyPr/>
+    <a:lstStyle/>
+    <a:p>
+      <a:pPr>
+        <a:defRPr/>
+      </a:pPr>
+      <a:endParaRPr lang="zh-TW"/>
+    </a:p>
+  </c:txPr>
+  <c:externalData r:id="rId3">
+    <c:autoUpdate val="0"/>
+  </c:externalData>
+</c:chartSpace>
+</file>
+
+<file path=ppt/charts/colors1.xml><?xml version="1.0" encoding="utf-8"?>
+<cs:colorStyle xmlns:cs="http://schemas.microsoft.com/office/drawing/2012/chartStyle" xmlns:a="http://schemas.openxmlformats.org/drawingml/2006/main" meth="cycle" id="10">
+  <a:schemeClr val="accent1"/>
+  <a:schemeClr val="accent2"/>
+  <a:schemeClr val="accent3"/>
+  <a:schemeClr val="accent4"/>
+  <a:schemeClr val="accent5"/>
+  <a:schemeClr val="accent6"/>
+  <cs:variation/>
+  <cs:variation>
+    <a:lumMod val="60000"/>
+  </cs:variation>
+  <cs:variation>
+    <a:lumMod val="80000"/>
+    <a:lumOff val="20000"/>
+  </cs:variation>
+  <cs:variation>
+    <a:lumMod val="80000"/>
+  </cs:variation>
+  <cs:variation>
+    <a:lumMod val="60000"/>
+    <a:lumOff val="40000"/>
+  </cs:variation>
+  <cs:variation>
+    <a:lumMod val="50000"/>
+  </cs:variation>
+  <cs:variation>
+    <a:lumMod val="70000"/>
+    <a:lumOff val="30000"/>
+  </cs:variation>
+  <cs:variation>
+    <a:lumMod val="70000"/>
+  </cs:variation>
+  <cs:variation>
+    <a:lumMod val="50000"/>
+    <a:lumOff val="50000"/>
+  </cs:variation>
+</cs:colorStyle>
+</file>
+
+<file path=ppt/charts/colors2.xml><?xml version="1.0" encoding="utf-8"?>
+<cs:colorStyle xmlns:cs="http://schemas.microsoft.com/office/drawing/2012/chartStyle" xmlns:a="http://schemas.openxmlformats.org/drawingml/2006/main" meth="cycle" id="10">
+  <a:schemeClr val="accent1"/>
+  <a:schemeClr val="accent2"/>
+  <a:schemeClr val="accent3"/>
+  <a:schemeClr val="accent4"/>
+  <a:schemeClr val="accent5"/>
+  <a:schemeClr val="accent6"/>
+  <cs:variation/>
+  <cs:variation>
+    <a:lumMod val="60000"/>
+  </cs:variation>
+  <cs:variation>
+    <a:lumMod val="80000"/>
+    <a:lumOff val="20000"/>
+  </cs:variation>
+  <cs:variation>
+    <a:lumMod val="80000"/>
+  </cs:variation>
+  <cs:variation>
+    <a:lumMod val="60000"/>
+    <a:lumOff val="40000"/>
+  </cs:variation>
+  <cs:variation>
+    <a:lumMod val="50000"/>
+  </cs:variation>
+  <cs:variation>
+    <a:lumMod val="70000"/>
+    <a:lumOff val="30000"/>
+  </cs:variation>
+  <cs:variation>
+    <a:lumMod val="70000"/>
+  </cs:variation>
+  <cs:variation>
+    <a:lumMod val="50000"/>
+    <a:lumOff val="50000"/>
+  </cs:variation>
+</cs:colorStyle>
+</file>
+
+<file path=ppt/charts/colors3.xml><?xml version="1.0" encoding="utf-8"?>
+<cs:colorStyle xmlns:cs="http://schemas.microsoft.com/office/drawing/2012/chartStyle" xmlns:a="http://schemas.openxmlformats.org/drawingml/2006/main" meth="cycle" id="10">
+  <a:schemeClr val="accent1"/>
+  <a:schemeClr val="accent2"/>
+  <a:schemeClr val="accent3"/>
+  <a:schemeClr val="accent4"/>
+  <a:schemeClr val="accent5"/>
+  <a:schemeClr val="accent6"/>
+  <cs:variation/>
+  <cs:variation>
+    <a:lumMod val="60000"/>
+  </cs:variation>
+  <cs:variation>
+    <a:lumMod val="80000"/>
+    <a:lumOff val="20000"/>
+  </cs:variation>
+  <cs:variation>
+    <a:lumMod val="80000"/>
+  </cs:variation>
+  <cs:variation>
+    <a:lumMod val="60000"/>
+    <a:lumOff val="40000"/>
+  </cs:variation>
+  <cs:variation>
+    <a:lumMod val="50000"/>
+  </cs:variation>
+  <cs:variation>
+    <a:lumMod val="70000"/>
+    <a:lumOff val="30000"/>
+  </cs:variation>
+  <cs:variation>
+    <a:lumMod val="70000"/>
+  </cs:variation>
+  <cs:variation>
+    <a:lumMod val="50000"/>
+    <a:lumOff val="50000"/>
+  </cs:variation>
+</cs:colorStyle>
+</file>
+
+<file path=ppt/charts/style1.xml><?xml version="1.0" encoding="utf-8"?>
+<cs:chartStyle xmlns:cs="http://schemas.microsoft.com/office/drawing/2012/chartStyle" xmlns:a="http://schemas.openxmlformats.org/drawingml/2006/main" id="201">
+  <cs:axisTitle>
+    <cs:lnRef idx="0"/>
+    <cs:fillRef idx="0"/>
+    <cs:effectRef idx="0"/>
+    <cs:fontRef idx="minor">
+      <a:schemeClr val="tx1">
+        <a:lumMod val="65000"/>
+        <a:lumOff val="35000"/>
+      </a:schemeClr>
+    </cs:fontRef>
+    <cs:defRPr sz="1330" kern="1200"/>
+  </cs:axisTitle>
+  <cs:categoryAxis>
+    <cs:lnRef idx="0"/>
+    <cs:fillRef idx="0"/>
+    <cs:effectRef idx="0"/>
+    <cs:fontRef idx="minor">
+      <a:schemeClr val="tx1">
+        <a:lumMod val="65000"/>
+        <a:lumOff val="35000"/>
+      </a:schemeClr>
+    </cs:fontRef>
+    <cs:spPr>
+      <a:ln w="9525" cap="flat" cmpd="sng" algn="ctr">
+        <a:solidFill>
+          <a:schemeClr val="tx1">
+            <a:lumMod val="15000"/>
+            <a:lumOff val="85000"/>
+          </a:schemeClr>
+        </a:solidFill>
+        <a:round/>
+      </a:ln>
+    </cs:spPr>
+    <cs:defRPr sz="1197" kern="1200"/>
+  </cs:categoryAxis>
+  <cs:chartArea mods="allowNoFillOverride allowNoLineOverride">
+    <cs:lnRef idx="0"/>
+    <cs:fillRef idx="0"/>
+    <cs:effectRef idx="0"/>
+    <cs:fontRef idx="minor">
+      <a:schemeClr val="tx1"/>
+    </cs:fontRef>
+    <cs:spPr>
+      <a:solidFill>
+        <a:schemeClr val="bg1"/>
+      </a:solidFill>
+      <a:ln w="9525" cap="flat" cmpd="sng" algn="ctr">
+        <a:solidFill>
+          <a:schemeClr val="tx1">
+            <a:lumMod val="15000"/>
+            <a:lumOff val="85000"/>
+          </a:schemeClr>
+        </a:solidFill>
+        <a:round/>
+      </a:ln>
+    </cs:spPr>
+    <cs:defRPr sz="1330" kern="1200"/>
+  </cs:chartArea>
+  <cs:dataLabel>
+    <cs:lnRef idx="0"/>
+    <cs:fillRef idx="0"/>
+    <cs:effectRef idx="0"/>
+    <cs:fontRef idx="minor">
+      <a:schemeClr val="tx1">
+        <a:lumMod val="75000"/>
+        <a:lumOff val="25000"/>
+      </a:schemeClr>
+    </cs:fontRef>
+    <cs:defRPr sz="1197" kern="1200"/>
+  </cs:dataLabel>
+  <cs:dataLabelCallout>
+    <cs:lnRef idx="0"/>
+    <cs:fillRef idx="0"/>
+    <cs:effectRef idx="0"/>
+    <cs:fontRef idx="minor">
+      <a:schemeClr val="dk1">
+        <a:lumMod val="65000"/>
+        <a:lumOff val="35000"/>
+      </a:schemeClr>
+    </cs:fontRef>
+    <cs:spPr>
+      <a:solidFill>
+        <a:schemeClr val="lt1"/>
+      </a:solidFill>
+      <a:ln>
+        <a:solidFill>
+          <a:schemeClr val="dk1">
+            <a:lumMod val="25000"/>
+            <a:lumOff val="75000"/>
+          </a:schemeClr>
+        </a:solidFill>
+      </a:ln>
+    </cs:spPr>
+    <cs:defRPr sz="1197" kern="1200"/>
+    <cs:bodyPr rot="0" spcFirstLastPara="1" vertOverflow="clip" horzOverflow="clip" vert="horz" wrap="square" lIns="36576" tIns="18288" rIns="36576" bIns="18288" anchor="ctr" anchorCtr="1">
+      <a:spAutoFit/>
+    </cs:bodyPr>
+  </cs:dataLabelCallout>
+  <cs:dataPoint>
+    <cs:lnRef idx="0"/>
+    <cs:fillRef idx="1">
+      <cs:styleClr val="auto"/>
+    </cs:fillRef>
+    <cs:effectRef idx="0"/>
+    <cs:fontRef idx="minor">
+      <a:schemeClr val="tx1"/>
+    </cs:fontRef>
+  </cs:dataPoint>
+  <cs:dataPoint3D>
+    <cs:lnRef idx="0"/>
+    <cs:fillRef idx="1">
+      <cs:styleClr val="auto"/>
+    </cs:fillRef>
+    <cs:effectRef idx="0"/>
+    <cs:fontRef idx="minor">
+      <a:schemeClr val="tx1"/>
+    </cs:fontRef>
+  </cs:dataPoint3D>
+  <cs:dataPointLine>
+    <cs:lnRef idx="0">
+      <cs:styleClr val="auto"/>
+    </cs:lnRef>
+    <cs:fillRef idx="1"/>
+    <cs:effectRef idx="0"/>
+    <cs:fontRef idx="minor">
+      <a:schemeClr val="tx1"/>
+    </cs:fontRef>
+    <cs:spPr>
+      <a:ln w="28575" cap="rnd">
+        <a:solidFill>
+          <a:schemeClr val="phClr"/>
+        </a:solidFill>
+        <a:round/>
+      </a:ln>
+    </cs:spPr>
+  </cs:dataPointLine>
+  <cs:dataPointMarker>
+    <cs:lnRef idx="0">
+      <cs:styleClr val="auto"/>
+    </cs:lnRef>
+    <cs:fillRef idx="1">
+      <cs:styleClr val="auto"/>
+    </cs:fillRef>
+    <cs:effectRef idx="0"/>
+    <cs:fontRef idx="minor">
+      <a:schemeClr val="tx1"/>
+    </cs:fontRef>
+    <cs:spPr>
+      <a:ln w="9525">
+        <a:solidFill>
+          <a:schemeClr val="phClr"/>
+        </a:solidFill>
+      </a:ln>
+    </cs:spPr>
+  </cs:dataPointMarker>
+  <cs:dataPointMarkerLayout symbol="circle" size="5"/>
+  <cs:dataPointWireframe>
+    <cs:lnRef idx="0">
+      <cs:styleClr val="auto"/>
+    </cs:lnRef>
+    <cs:fillRef idx="1"/>
+    <cs:effectRef idx="0"/>
+    <cs:fontRef idx="minor">
+      <a:schemeClr val="tx1"/>
+    </cs:fontRef>
+    <cs:spPr>
+      <a:ln w="9525" cap="rnd">
+        <a:solidFill>
+          <a:schemeClr val="phClr"/>
+        </a:solidFill>
+        <a:round/>
+      </a:ln>
+    </cs:spPr>
+  </cs:dataPointWireframe>
+  <cs:dataTable>
+    <cs:lnRef idx="0"/>
+    <cs:fillRef idx="0"/>
+    <cs:effectRef idx="0"/>
+    <cs:fontRef idx="minor">
+      <a:schemeClr val="tx1">
+        <a:lumMod val="65000"/>
+        <a:lumOff val="35000"/>
+      </a:schemeClr>
+    </cs:fontRef>
+    <cs:spPr>
+      <a:noFill/>
+      <a:ln w="9525" cap="flat" cmpd="sng" algn="ctr">
+        <a:solidFill>
+          <a:schemeClr val="tx1">
+            <a:lumMod val="15000"/>
+            <a:lumOff val="85000"/>
+          </a:schemeClr>
+        </a:solidFill>
+        <a:round/>
+      </a:ln>
+    </cs:spPr>
+    <cs:defRPr sz="1197" kern="1200"/>
+  </cs:dataTable>
+  <cs:downBar>
+    <cs:lnRef idx="0"/>
+    <cs:fillRef idx="0"/>
+    <cs:effectRef idx="0"/>
+    <cs:fontRef idx="minor">
+      <a:schemeClr val="dk1"/>
+    </cs:fontRef>
+    <cs:spPr>
+      <a:solidFill>
+        <a:schemeClr val="dk1">
+          <a:lumMod val="65000"/>
+          <a:lumOff val="35000"/>
+        </a:schemeClr>
+      </a:solidFill>
+      <a:ln w="9525">
+        <a:solidFill>
+          <a:schemeClr val="tx1">
+            <a:lumMod val="65000"/>
+            <a:lumOff val="35000"/>
+          </a:schemeClr>
+        </a:solidFill>
+      </a:ln>
+    </cs:spPr>
+  </cs:downBar>
+  <cs:dropLine>
+    <cs:lnRef idx="0"/>
+    <cs:fillRef idx="0"/>
+    <cs:effectRef idx="0"/>
+    <cs:fontRef idx="minor">
+      <a:schemeClr val="tx1"/>
+    </cs:fontRef>
+    <cs:spPr>
+      <a:ln w="9525" cap="flat" cmpd="sng" algn="ctr">
+        <a:solidFill>
+          <a:schemeClr val="tx1">
+            <a:lumMod val="35000"/>
+            <a:lumOff val="65000"/>
+          </a:schemeClr>
+        </a:solidFill>
+        <a:round/>
+      </a:ln>
+    </cs:spPr>
+  </cs:dropLine>
+  <cs:errorBar>
+    <cs:lnRef idx="0"/>
+    <cs:fillRef idx="0"/>
+    <cs:effectRef idx="0"/>
+    <cs:fontRef idx="minor">
+      <a:schemeClr val="tx1"/>
+    </cs:fontRef>
+    <cs:spPr>
+      <a:ln w="9525" cap="flat" cmpd="sng" algn="ctr">
+        <a:solidFill>
+          <a:schemeClr val="tx1">
+            <a:lumMod val="65000"/>
+            <a:lumOff val="35000"/>
+          </a:schemeClr>
+        </a:solidFill>
+        <a:round/>
+      </a:ln>
+    </cs:spPr>
+  </cs:errorBar>
+  <cs:floor>
+    <cs:lnRef idx="0"/>
+    <cs:fillRef idx="0"/>
+    <cs:effectRef idx="0"/>
+    <cs:fontRef idx="minor">
+      <a:schemeClr val="tx1"/>
+    </cs:fontRef>
+    <cs:spPr>
+      <a:noFill/>
+      <a:ln>
+        <a:noFill/>
+      </a:ln>
+    </cs:spPr>
+  </cs:floor>
+  <cs:gridlineMajor>
+    <cs:lnRef idx="0"/>
+    <cs:fillRef idx="0"/>
+    <cs:effectRef idx="0"/>
+    <cs:fontRef idx="minor">
+      <a:schemeClr val="tx1"/>
+    </cs:fontRef>
+    <cs:spPr>
+      <a:ln w="9525" cap="flat" cmpd="sng" algn="ctr">
+        <a:solidFill>
+          <a:schemeClr val="tx1">
+            <a:lumMod val="15000"/>
+            <a:lumOff val="85000"/>
+          </a:schemeClr>
+        </a:solidFill>
+        <a:round/>
+      </a:ln>
+    </cs:spPr>
+  </cs:gridlineMajor>
+  <cs:gridlineMinor>
+    <cs:lnRef idx="0"/>
+    <cs:fillRef idx="0"/>
+    <cs:effectRef idx="0"/>
+    <cs:fontRef idx="minor">
+      <a:schemeClr val="tx1"/>
+    </cs:fontRef>
+    <cs:spPr>
+      <a:ln w="9525" cap="flat" cmpd="sng" algn="ctr">
+        <a:solidFill>
+          <a:schemeClr val="tx1">
+            <a:lumMod val="5000"/>
+            <a:lumOff val="95000"/>
+          </a:schemeClr>
+        </a:solidFill>
+        <a:round/>
+      </a:ln>
+    </cs:spPr>
+  </cs:gridlineMinor>
+  <cs:hiLoLine>
+    <cs:lnRef idx="0"/>
+    <cs:fillRef idx="0"/>
+    <cs:effectRef idx="0"/>
+    <cs:fontRef idx="minor">
+      <a:schemeClr val="tx1"/>
+    </cs:fontRef>
+    <cs:spPr>
+      <a:ln w="9525" cap="flat" cmpd="sng" algn="ctr">
+        <a:solidFill>
+          <a:schemeClr val="tx1">
+            <a:lumMod val="75000"/>
+            <a:lumOff val="25000"/>
+          </a:schemeClr>
+        </a:solidFill>
+        <a:round/>
+      </a:ln>
+    </cs:spPr>
+  </cs:hiLoLine>
+  <cs:leaderLine>
+    <cs:lnRef idx="0"/>
+    <cs:fillRef idx="0"/>
+    <cs:effectRef idx="0"/>
+    <cs:fontRef idx="minor">
+      <a:schemeClr val="tx1"/>
+    </cs:fontRef>
+    <cs:spPr>
+      <a:ln w="9525" cap="flat" cmpd="sng" algn="ctr">
+        <a:solidFill>
+          <a:schemeClr val="tx1">
+            <a:lumMod val="35000"/>
+            <a:lumOff val="65000"/>
+          </a:schemeClr>
+        </a:solidFill>
+        <a:round/>
+      </a:ln>
+    </cs:spPr>
+  </cs:leaderLine>
+  <cs:legend>
+    <cs:lnRef idx="0"/>
+    <cs:fillRef idx="0"/>
+    <cs:effectRef idx="0"/>
+    <cs:fontRef idx="minor">
+      <a:schemeClr val="tx1">
+        <a:lumMod val="65000"/>
+        <a:lumOff val="35000"/>
+      </a:schemeClr>
+    </cs:fontRef>
+    <cs:defRPr sz="1197" kern="1200"/>
+  </cs:legend>
+  <cs:plotArea mods="allowNoFillOverride allowNoLineOverride">
+    <cs:lnRef idx="0"/>
+    <cs:fillRef idx="0"/>
+    <cs:effectRef idx="0"/>
+    <cs:fontRef idx="minor">
+      <a:schemeClr val="tx1"/>
+    </cs:fontRef>
+  </cs:plotArea>
+  <cs:plotArea3D mods="allowNoFillOverride allowNoLineOverride">
+    <cs:lnRef idx="0"/>
+    <cs:fillRef idx="0"/>
+    <cs:effectRef idx="0"/>
+    <cs:fontRef idx="minor">
+      <a:schemeClr val="tx1"/>
+    </cs:fontRef>
+  </cs:plotArea3D>
+  <cs:seriesAxis>
+    <cs:lnRef idx="0"/>
+    <cs:fillRef idx="0"/>
+    <cs:effectRef idx="0"/>
+    <cs:fontRef idx="minor">
+      <a:schemeClr val="tx1">
+        <a:lumMod val="65000"/>
+        <a:lumOff val="35000"/>
+      </a:schemeClr>
+    </cs:fontRef>
+    <cs:defRPr sz="1197" kern="1200"/>
+  </cs:seriesAxis>
+  <cs:seriesLine>
+    <cs:lnRef idx="0"/>
+    <cs:fillRef idx="0"/>
+    <cs:effectRef idx="0"/>
+    <cs:fontRef idx="minor">
+      <a:schemeClr val="tx1"/>
+    </cs:fontRef>
+    <cs:spPr>
+      <a:ln w="9525" cap="flat" cmpd="sng" algn="ctr">
+        <a:solidFill>
+          <a:schemeClr val="tx1">
+            <a:lumMod val="35000"/>
+            <a:lumOff val="65000"/>
+          </a:schemeClr>
+        </a:solidFill>
+        <a:round/>
+      </a:ln>
+    </cs:spPr>
+  </cs:seriesLine>
+  <cs:title>
+    <cs:lnRef idx="0"/>
+    <cs:fillRef idx="0"/>
+    <cs:effectRef idx="0"/>
+    <cs:fontRef idx="minor">
+      <a:schemeClr val="tx1">
+        <a:lumMod val="65000"/>
+        <a:lumOff val="35000"/>
+      </a:schemeClr>
+    </cs:fontRef>
+    <cs:defRPr sz="1862" b="0" kern="1200" spc="0" baseline="0"/>
+  </cs:title>
+  <cs:trendline>
+    <cs:lnRef idx="0">
+      <cs:styleClr val="auto"/>
+    </cs:lnRef>
+    <cs:fillRef idx="0"/>
+    <cs:effectRef idx="0"/>
+    <cs:fontRef idx="minor">
+      <a:schemeClr val="tx1"/>
+    </cs:fontRef>
+    <cs:spPr>
+      <a:ln w="19050" cap="rnd">
+        <a:solidFill>
+          <a:schemeClr val="phClr"/>
+        </a:solidFill>
+        <a:prstDash val="sysDot"/>
+      </a:ln>
+    </cs:spPr>
+  </cs:trendline>
+  <cs:trendlineLabel>
+    <cs:lnRef idx="0"/>
+    <cs:fillRef idx="0"/>
+    <cs:effectRef idx="0"/>
+    <cs:fontRef idx="minor">
+      <a:schemeClr val="tx1">
+        <a:lumMod val="65000"/>
+        <a:lumOff val="35000"/>
+      </a:schemeClr>
+    </cs:fontRef>
+    <cs:defRPr sz="1197" kern="1200"/>
+  </cs:trendlineLabel>
+  <cs:upBar>
+    <cs:lnRef idx="0"/>
+    <cs:fillRef idx="0"/>
+    <cs:effectRef idx="0"/>
+    <cs:fontRef idx="minor">
+      <a:schemeClr val="dk1"/>
+    </cs:fontRef>
+    <cs:spPr>
+      <a:solidFill>
+        <a:schemeClr val="lt1"/>
+      </a:solidFill>
+      <a:ln w="9525">
+        <a:solidFill>
+          <a:schemeClr val="tx1">
+            <a:lumMod val="15000"/>
+            <a:lumOff val="85000"/>
+          </a:schemeClr>
+        </a:solidFill>
+      </a:ln>
+    </cs:spPr>
+  </cs:upBar>
+  <cs:valueAxis>
+    <cs:lnRef idx="0"/>
+    <cs:fillRef idx="0"/>
+    <cs:effectRef idx="0"/>
+    <cs:fontRef idx="minor">
+      <a:schemeClr val="tx1">
+        <a:lumMod val="65000"/>
+        <a:lumOff val="35000"/>
+      </a:schemeClr>
+    </cs:fontRef>
+    <cs:defRPr sz="1197" kern="1200"/>
+  </cs:valueAxis>
+  <cs:wall>
+    <cs:lnRef idx="0"/>
+    <cs:fillRef idx="0"/>
+    <cs:effectRef idx="0"/>
+    <cs:fontRef idx="minor">
+      <a:schemeClr val="tx1"/>
+    </cs:fontRef>
+    <cs:spPr>
+      <a:noFill/>
+      <a:ln>
+        <a:noFill/>
+      </a:ln>
+    </cs:spPr>
+  </cs:wall>
+</cs:chartStyle>
+</file>
+
+<file path=ppt/charts/style2.xml><?xml version="1.0" encoding="utf-8"?>
+<cs:chartStyle xmlns:cs="http://schemas.microsoft.com/office/drawing/2012/chartStyle" xmlns:a="http://schemas.openxmlformats.org/drawingml/2006/main" id="201">
+  <cs:axisTitle>
+    <cs:lnRef idx="0"/>
+    <cs:fillRef idx="0"/>
+    <cs:effectRef idx="0"/>
+    <cs:fontRef idx="minor">
+      <a:schemeClr val="tx1">
+        <a:lumMod val="65000"/>
+        <a:lumOff val="35000"/>
+      </a:schemeClr>
+    </cs:fontRef>
+    <cs:defRPr sz="1330" kern="1200"/>
+  </cs:axisTitle>
+  <cs:categoryAxis>
+    <cs:lnRef idx="0"/>
+    <cs:fillRef idx="0"/>
+    <cs:effectRef idx="0"/>
+    <cs:fontRef idx="minor">
+      <a:schemeClr val="tx1">
+        <a:lumMod val="65000"/>
+        <a:lumOff val="35000"/>
+      </a:schemeClr>
+    </cs:fontRef>
+    <cs:spPr>
+      <a:ln w="9525" cap="flat" cmpd="sng" algn="ctr">
+        <a:solidFill>
+          <a:schemeClr val="tx1">
+            <a:lumMod val="15000"/>
+            <a:lumOff val="85000"/>
+          </a:schemeClr>
+        </a:solidFill>
+        <a:round/>
+      </a:ln>
+    </cs:spPr>
+    <cs:defRPr sz="1197" kern="1200"/>
+  </cs:categoryAxis>
+  <cs:chartArea mods="allowNoFillOverride allowNoLineOverride">
+    <cs:lnRef idx="0"/>
+    <cs:fillRef idx="0"/>
+    <cs:effectRef idx="0"/>
+    <cs:fontRef idx="minor">
+      <a:schemeClr val="tx1"/>
+    </cs:fontRef>
+    <cs:spPr>
+      <a:solidFill>
+        <a:schemeClr val="bg1"/>
+      </a:solidFill>
+      <a:ln w="9525" cap="flat" cmpd="sng" algn="ctr">
+        <a:solidFill>
+          <a:schemeClr val="tx1">
+            <a:lumMod val="15000"/>
+            <a:lumOff val="85000"/>
+          </a:schemeClr>
+        </a:solidFill>
+        <a:round/>
+      </a:ln>
+    </cs:spPr>
+    <cs:defRPr sz="1330" kern="1200"/>
+  </cs:chartArea>
+  <cs:dataLabel>
+    <cs:lnRef idx="0"/>
+    <cs:fillRef idx="0"/>
+    <cs:effectRef idx="0"/>
+    <cs:fontRef idx="minor">
+      <a:schemeClr val="tx1">
+        <a:lumMod val="75000"/>
+        <a:lumOff val="25000"/>
+      </a:schemeClr>
+    </cs:fontRef>
+    <cs:defRPr sz="1197" kern="1200"/>
+  </cs:dataLabel>
+  <cs:dataLabelCallout>
+    <cs:lnRef idx="0"/>
+    <cs:fillRef idx="0"/>
+    <cs:effectRef idx="0"/>
+    <cs:fontRef idx="minor">
+      <a:schemeClr val="dk1">
+        <a:lumMod val="65000"/>
+        <a:lumOff val="35000"/>
+      </a:schemeClr>
+    </cs:fontRef>
+    <cs:spPr>
+      <a:solidFill>
+        <a:schemeClr val="lt1"/>
+      </a:solidFill>
+      <a:ln>
+        <a:solidFill>
+          <a:schemeClr val="dk1">
+            <a:lumMod val="25000"/>
+            <a:lumOff val="75000"/>
+          </a:schemeClr>
+        </a:solidFill>
+      </a:ln>
+    </cs:spPr>
+    <cs:defRPr sz="1197" kern="1200"/>
+    <cs:bodyPr rot="0" spcFirstLastPara="1" vertOverflow="clip" horzOverflow="clip" vert="horz" wrap="square" lIns="36576" tIns="18288" rIns="36576" bIns="18288" anchor="ctr" anchorCtr="1">
+      <a:spAutoFit/>
+    </cs:bodyPr>
+  </cs:dataLabelCallout>
+  <cs:dataPoint>
+    <cs:lnRef idx="0"/>
+    <cs:fillRef idx="1">
+      <cs:styleClr val="auto"/>
+    </cs:fillRef>
+    <cs:effectRef idx="0"/>
+    <cs:fontRef idx="minor">
+      <a:schemeClr val="tx1"/>
+    </cs:fontRef>
+  </cs:dataPoint>
+  <cs:dataPoint3D>
+    <cs:lnRef idx="0"/>
+    <cs:fillRef idx="1">
+      <cs:styleClr val="auto"/>
+    </cs:fillRef>
+    <cs:effectRef idx="0"/>
+    <cs:fontRef idx="minor">
+      <a:schemeClr val="tx1"/>
+    </cs:fontRef>
+  </cs:dataPoint3D>
+  <cs:dataPointLine>
+    <cs:lnRef idx="0">
+      <cs:styleClr val="auto"/>
+    </cs:lnRef>
+    <cs:fillRef idx="1"/>
+    <cs:effectRef idx="0"/>
+    <cs:fontRef idx="minor">
+      <a:schemeClr val="tx1"/>
+    </cs:fontRef>
+    <cs:spPr>
+      <a:ln w="28575" cap="rnd">
+        <a:solidFill>
+          <a:schemeClr val="phClr"/>
+        </a:solidFill>
+        <a:round/>
+      </a:ln>
+    </cs:spPr>
+  </cs:dataPointLine>
+  <cs:dataPointMarker>
+    <cs:lnRef idx="0">
+      <cs:styleClr val="auto"/>
+    </cs:lnRef>
+    <cs:fillRef idx="1">
+      <cs:styleClr val="auto"/>
+    </cs:fillRef>
+    <cs:effectRef idx="0"/>
+    <cs:fontRef idx="minor">
+      <a:schemeClr val="tx1"/>
+    </cs:fontRef>
+    <cs:spPr>
+      <a:ln w="9525">
+        <a:solidFill>
+          <a:schemeClr val="phClr"/>
+        </a:solidFill>
+      </a:ln>
+    </cs:spPr>
+  </cs:dataPointMarker>
+  <cs:dataPointMarkerLayout symbol="circle" size="5"/>
+  <cs:dataPointWireframe>
+    <cs:lnRef idx="0">
+      <cs:styleClr val="auto"/>
+    </cs:lnRef>
+    <cs:fillRef idx="1"/>
+    <cs:effectRef idx="0"/>
+    <cs:fontRef idx="minor">
+      <a:schemeClr val="tx1"/>
+    </cs:fontRef>
+    <cs:spPr>
+      <a:ln w="9525" cap="rnd">
+        <a:solidFill>
+          <a:schemeClr val="phClr"/>
+        </a:solidFill>
+        <a:round/>
+      </a:ln>
+    </cs:spPr>
+  </cs:dataPointWireframe>
+  <cs:dataTable>
+    <cs:lnRef idx="0"/>
+    <cs:fillRef idx="0"/>
+    <cs:effectRef idx="0"/>
+    <cs:fontRef idx="minor">
+      <a:schemeClr val="tx1">
+        <a:lumMod val="65000"/>
+        <a:lumOff val="35000"/>
+      </a:schemeClr>
+    </cs:fontRef>
+    <cs:spPr>
+      <a:noFill/>
+      <a:ln w="9525" cap="flat" cmpd="sng" algn="ctr">
+        <a:solidFill>
+          <a:schemeClr val="tx1">
+            <a:lumMod val="15000"/>
+            <a:lumOff val="85000"/>
+          </a:schemeClr>
+        </a:solidFill>
+        <a:round/>
+      </a:ln>
+    </cs:spPr>
+    <cs:defRPr sz="1197" kern="1200"/>
+  </cs:dataTable>
+  <cs:downBar>
+    <cs:lnRef idx="0"/>
+    <cs:fillRef idx="0"/>
+    <cs:effectRef idx="0"/>
+    <cs:fontRef idx="minor">
+      <a:schemeClr val="dk1"/>
+    </cs:fontRef>
+    <cs:spPr>
+      <a:solidFill>
+        <a:schemeClr val="dk1">
+          <a:lumMod val="65000"/>
+          <a:lumOff val="35000"/>
+        </a:schemeClr>
+      </a:solidFill>
+      <a:ln w="9525">
+        <a:solidFill>
+          <a:schemeClr val="tx1">
+            <a:lumMod val="65000"/>
+            <a:lumOff val="35000"/>
+          </a:schemeClr>
+        </a:solidFill>
+      </a:ln>
+    </cs:spPr>
+  </cs:downBar>
+  <cs:dropLine>
+    <cs:lnRef idx="0"/>
+    <cs:fillRef idx="0"/>
+    <cs:effectRef idx="0"/>
+    <cs:fontRef idx="minor">
+      <a:schemeClr val="tx1"/>
+    </cs:fontRef>
+    <cs:spPr>
+      <a:ln w="9525" cap="flat" cmpd="sng" algn="ctr">
+        <a:solidFill>
+          <a:schemeClr val="tx1">
+            <a:lumMod val="35000"/>
+            <a:lumOff val="65000"/>
+          </a:schemeClr>
+        </a:solidFill>
+        <a:round/>
+      </a:ln>
+    </cs:spPr>
+  </cs:dropLine>
+  <cs:errorBar>
+    <cs:lnRef idx="0"/>
+    <cs:fillRef idx="0"/>
+    <cs:effectRef idx="0"/>
+    <cs:fontRef idx="minor">
+      <a:schemeClr val="tx1"/>
+    </cs:fontRef>
+    <cs:spPr>
+      <a:ln w="9525" cap="flat" cmpd="sng" algn="ctr">
+        <a:solidFill>
+          <a:schemeClr val="tx1">
+            <a:lumMod val="65000"/>
+            <a:lumOff val="35000"/>
+          </a:schemeClr>
+        </a:solidFill>
+        <a:round/>
+      </a:ln>
+    </cs:spPr>
+  </cs:errorBar>
+  <cs:floor>
+    <cs:lnRef idx="0"/>
+    <cs:fillRef idx="0"/>
+    <cs:effectRef idx="0"/>
+    <cs:fontRef idx="minor">
+      <a:schemeClr val="tx1"/>
+    </cs:fontRef>
+    <cs:spPr>
+      <a:noFill/>
+      <a:ln>
+        <a:noFill/>
+      </a:ln>
+    </cs:spPr>
+  </cs:floor>
+  <cs:gridlineMajor>
+    <cs:lnRef idx="0"/>
+    <cs:fillRef idx="0"/>
+    <cs:effectRef idx="0"/>
+    <cs:fontRef idx="minor">
+      <a:schemeClr val="tx1"/>
+    </cs:fontRef>
+    <cs:spPr>
+      <a:ln w="9525" cap="flat" cmpd="sng" algn="ctr">
+        <a:solidFill>
+          <a:schemeClr val="tx1">
+            <a:lumMod val="15000"/>
+            <a:lumOff val="85000"/>
+          </a:schemeClr>
+        </a:solidFill>
+        <a:round/>
+      </a:ln>
+    </cs:spPr>
+  </cs:gridlineMajor>
+  <cs:gridlineMinor>
+    <cs:lnRef idx="0"/>
+    <cs:fillRef idx="0"/>
+    <cs:effectRef idx="0"/>
+    <cs:fontRef idx="minor">
+      <a:schemeClr val="tx1"/>
+    </cs:fontRef>
+    <cs:spPr>
+      <a:ln w="9525" cap="flat" cmpd="sng" algn="ctr">
+        <a:solidFill>
+          <a:schemeClr val="tx1">
+            <a:lumMod val="5000"/>
+            <a:lumOff val="95000"/>
+          </a:schemeClr>
+        </a:solidFill>
+        <a:round/>
+      </a:ln>
+    </cs:spPr>
+  </cs:gridlineMinor>
+  <cs:hiLoLine>
+    <cs:lnRef idx="0"/>
+    <cs:fillRef idx="0"/>
+    <cs:effectRef idx="0"/>
+    <cs:fontRef idx="minor">
+      <a:schemeClr val="tx1"/>
+    </cs:fontRef>
+    <cs:spPr>
+      <a:ln w="9525" cap="flat" cmpd="sng" algn="ctr">
+        <a:solidFill>
+          <a:schemeClr val="tx1">
+            <a:lumMod val="75000"/>
+            <a:lumOff val="25000"/>
+          </a:schemeClr>
+        </a:solidFill>
+        <a:round/>
+      </a:ln>
+    </cs:spPr>
+  </cs:hiLoLine>
+  <cs:leaderLine>
+    <cs:lnRef idx="0"/>
+    <cs:fillRef idx="0"/>
+    <cs:effectRef idx="0"/>
+    <cs:fontRef idx="minor">
+      <a:schemeClr val="tx1"/>
+    </cs:fontRef>
+    <cs:spPr>
+      <a:ln w="9525" cap="flat" cmpd="sng" algn="ctr">
+        <a:solidFill>
+          <a:schemeClr val="tx1">
+            <a:lumMod val="35000"/>
+            <a:lumOff val="65000"/>
+          </a:schemeClr>
+        </a:solidFill>
+        <a:round/>
+      </a:ln>
+    </cs:spPr>
+  </cs:leaderLine>
+  <cs:legend>
+    <cs:lnRef idx="0"/>
+    <cs:fillRef idx="0"/>
+    <cs:effectRef idx="0"/>
+    <cs:fontRef idx="minor">
+      <a:schemeClr val="tx1">
+        <a:lumMod val="65000"/>
+        <a:lumOff val="35000"/>
+      </a:schemeClr>
+    </cs:fontRef>
+    <cs:defRPr sz="1197" kern="1200"/>
+  </cs:legend>
+  <cs:plotArea mods="allowNoFillOverride allowNoLineOverride">
+    <cs:lnRef idx="0"/>
+    <cs:fillRef idx="0"/>
+    <cs:effectRef idx="0"/>
+    <cs:fontRef idx="minor">
+      <a:schemeClr val="tx1"/>
+    </cs:fontRef>
+  </cs:plotArea>
+  <cs:plotArea3D mods="allowNoFillOverride allowNoLineOverride">
+    <cs:lnRef idx="0"/>
+    <cs:fillRef idx="0"/>
+    <cs:effectRef idx="0"/>
+    <cs:fontRef idx="minor">
+      <a:schemeClr val="tx1"/>
+    </cs:fontRef>
+  </cs:plotArea3D>
+  <cs:seriesAxis>
+    <cs:lnRef idx="0"/>
+    <cs:fillRef idx="0"/>
+    <cs:effectRef idx="0"/>
+    <cs:fontRef idx="minor">
+      <a:schemeClr val="tx1">
+        <a:lumMod val="65000"/>
+        <a:lumOff val="35000"/>
+      </a:schemeClr>
+    </cs:fontRef>
+    <cs:defRPr sz="1197" kern="1200"/>
+  </cs:seriesAxis>
+  <cs:seriesLine>
+    <cs:lnRef idx="0"/>
+    <cs:fillRef idx="0"/>
+    <cs:effectRef idx="0"/>
+    <cs:fontRef idx="minor">
+      <a:schemeClr val="tx1"/>
+    </cs:fontRef>
+    <cs:spPr>
+      <a:ln w="9525" cap="flat" cmpd="sng" algn="ctr">
+        <a:solidFill>
+          <a:schemeClr val="tx1">
+            <a:lumMod val="35000"/>
+            <a:lumOff val="65000"/>
+          </a:schemeClr>
+        </a:solidFill>
+        <a:round/>
+      </a:ln>
+    </cs:spPr>
+  </cs:seriesLine>
+  <cs:title>
+    <cs:lnRef idx="0"/>
+    <cs:fillRef idx="0"/>
+    <cs:effectRef idx="0"/>
+    <cs:fontRef idx="minor">
+      <a:schemeClr val="tx1">
+        <a:lumMod val="65000"/>
+        <a:lumOff val="35000"/>
+      </a:schemeClr>
+    </cs:fontRef>
+    <cs:defRPr sz="1862" b="0" kern="1200" spc="0" baseline="0"/>
+  </cs:title>
+  <cs:trendline>
+    <cs:lnRef idx="0">
+      <cs:styleClr val="auto"/>
+    </cs:lnRef>
+    <cs:fillRef idx="0"/>
+    <cs:effectRef idx="0"/>
+    <cs:fontRef idx="minor">
+      <a:schemeClr val="tx1"/>
+    </cs:fontRef>
+    <cs:spPr>
+      <a:ln w="19050" cap="rnd">
+        <a:solidFill>
+          <a:schemeClr val="phClr"/>
+        </a:solidFill>
+        <a:prstDash val="sysDot"/>
+      </a:ln>
+    </cs:spPr>
+  </cs:trendline>
+  <cs:trendlineLabel>
+    <cs:lnRef idx="0"/>
+    <cs:fillRef idx="0"/>
+    <cs:effectRef idx="0"/>
+    <cs:fontRef idx="minor">
+      <a:schemeClr val="tx1">
+        <a:lumMod val="65000"/>
+        <a:lumOff val="35000"/>
+      </a:schemeClr>
+    </cs:fontRef>
+    <cs:defRPr sz="1197" kern="1200"/>
+  </cs:trendlineLabel>
+  <cs:upBar>
+    <cs:lnRef idx="0"/>
+    <cs:fillRef idx="0"/>
+    <cs:effectRef idx="0"/>
+    <cs:fontRef idx="minor">
+      <a:schemeClr val="dk1"/>
+    </cs:fontRef>
+    <cs:spPr>
+      <a:solidFill>
+        <a:schemeClr val="lt1"/>
+      </a:solidFill>
+      <a:ln w="9525">
+        <a:solidFill>
+          <a:schemeClr val="tx1">
+            <a:lumMod val="15000"/>
+            <a:lumOff val="85000"/>
+          </a:schemeClr>
+        </a:solidFill>
+      </a:ln>
+    </cs:spPr>
+  </cs:upBar>
+  <cs:valueAxis>
+    <cs:lnRef idx="0"/>
+    <cs:fillRef idx="0"/>
+    <cs:effectRef idx="0"/>
+    <cs:fontRef idx="minor">
+      <a:schemeClr val="tx1">
+        <a:lumMod val="65000"/>
+        <a:lumOff val="35000"/>
+      </a:schemeClr>
+    </cs:fontRef>
+    <cs:defRPr sz="1197" kern="1200"/>
+  </cs:valueAxis>
+  <cs:wall>
+    <cs:lnRef idx="0"/>
+    <cs:fillRef idx="0"/>
+    <cs:effectRef idx="0"/>
+    <cs:fontRef idx="minor">
+      <a:schemeClr val="tx1"/>
+    </cs:fontRef>
+    <cs:spPr>
+      <a:noFill/>
+      <a:ln>
+        <a:noFill/>
+      </a:ln>
+    </cs:spPr>
+  </cs:wall>
+</cs:chartStyle>
+</file>
+
+<file path=ppt/charts/style3.xml><?xml version="1.0" encoding="utf-8"?>
+<cs:chartStyle xmlns:cs="http://schemas.microsoft.com/office/drawing/2012/chartStyle" xmlns:a="http://schemas.openxmlformats.org/drawingml/2006/main" id="201">
+  <cs:axisTitle>
+    <cs:lnRef idx="0"/>
+    <cs:fillRef idx="0"/>
+    <cs:effectRef idx="0"/>
+    <cs:fontRef idx="minor">
+      <a:schemeClr val="tx1">
+        <a:lumMod val="65000"/>
+        <a:lumOff val="35000"/>
+      </a:schemeClr>
+    </cs:fontRef>
+    <cs:defRPr sz="1330" kern="1200"/>
+  </cs:axisTitle>
+  <cs:categoryAxis>
+    <cs:lnRef idx="0"/>
+    <cs:fillRef idx="0"/>
+    <cs:effectRef idx="0"/>
+    <cs:fontRef idx="minor">
+      <a:schemeClr val="tx1">
+        <a:lumMod val="65000"/>
+        <a:lumOff val="35000"/>
+      </a:schemeClr>
+    </cs:fontRef>
+    <cs:spPr>
+      <a:ln w="9525" cap="flat" cmpd="sng" algn="ctr">
+        <a:solidFill>
+          <a:schemeClr val="tx1">
+            <a:lumMod val="15000"/>
+            <a:lumOff val="85000"/>
+          </a:schemeClr>
+        </a:solidFill>
+        <a:round/>
+      </a:ln>
+    </cs:spPr>
+    <cs:defRPr sz="1197" kern="1200"/>
+  </cs:categoryAxis>
+  <cs:chartArea mods="allowNoFillOverride allowNoLineOverride">
+    <cs:lnRef idx="0"/>
+    <cs:fillRef idx="0"/>
+    <cs:effectRef idx="0"/>
+    <cs:fontRef idx="minor">
+      <a:schemeClr val="tx1"/>
+    </cs:fontRef>
+    <cs:spPr>
+      <a:solidFill>
+        <a:schemeClr val="bg1"/>
+      </a:solidFill>
+      <a:ln w="9525" cap="flat" cmpd="sng" algn="ctr">
+        <a:solidFill>
+          <a:schemeClr val="tx1">
+            <a:lumMod val="15000"/>
+            <a:lumOff val="85000"/>
+          </a:schemeClr>
+        </a:solidFill>
+        <a:round/>
+      </a:ln>
+    </cs:spPr>
+    <cs:defRPr sz="1330" kern="1200"/>
+  </cs:chartArea>
+  <cs:dataLabel>
+    <cs:lnRef idx="0"/>
+    <cs:fillRef idx="0"/>
+    <cs:effectRef idx="0"/>
+    <cs:fontRef idx="minor">
+      <a:schemeClr val="tx1">
+        <a:lumMod val="75000"/>
+        <a:lumOff val="25000"/>
+      </a:schemeClr>
+    </cs:fontRef>
+    <cs:defRPr sz="1197" kern="1200"/>
+  </cs:dataLabel>
+  <cs:dataLabelCallout>
+    <cs:lnRef idx="0"/>
+    <cs:fillRef idx="0"/>
+    <cs:effectRef idx="0"/>
+    <cs:fontRef idx="minor">
+      <a:schemeClr val="dk1">
+        <a:lumMod val="65000"/>
+        <a:lumOff val="35000"/>
+      </a:schemeClr>
+    </cs:fontRef>
+    <cs:spPr>
+      <a:solidFill>
+        <a:schemeClr val="lt1"/>
+      </a:solidFill>
+      <a:ln>
+        <a:solidFill>
+          <a:schemeClr val="dk1">
+            <a:lumMod val="25000"/>
+            <a:lumOff val="75000"/>
+          </a:schemeClr>
+        </a:solidFill>
+      </a:ln>
+    </cs:spPr>
+    <cs:defRPr sz="1197" kern="1200"/>
+    <cs:bodyPr rot="0" spcFirstLastPara="1" vertOverflow="clip" horzOverflow="clip" vert="horz" wrap="square" lIns="36576" tIns="18288" rIns="36576" bIns="18288" anchor="ctr" anchorCtr="1">
+      <a:spAutoFit/>
+    </cs:bodyPr>
+  </cs:dataLabelCallout>
+  <cs:dataPoint>
+    <cs:lnRef idx="0"/>
+    <cs:fillRef idx="1">
+      <cs:styleClr val="auto"/>
+    </cs:fillRef>
+    <cs:effectRef idx="0"/>
+    <cs:fontRef idx="minor">
+      <a:schemeClr val="tx1"/>
+    </cs:fontRef>
+  </cs:dataPoint>
+  <cs:dataPoint3D>
+    <cs:lnRef idx="0"/>
+    <cs:fillRef idx="1">
+      <cs:styleClr val="auto"/>
+    </cs:fillRef>
+    <cs:effectRef idx="0"/>
+    <cs:fontRef idx="minor">
+      <a:schemeClr val="tx1"/>
+    </cs:fontRef>
+  </cs:dataPoint3D>
+  <cs:dataPointLine>
+    <cs:lnRef idx="0">
+      <cs:styleClr val="auto"/>
+    </cs:lnRef>
+    <cs:fillRef idx="1"/>
+    <cs:effectRef idx="0"/>
+    <cs:fontRef idx="minor">
+      <a:schemeClr val="tx1"/>
+    </cs:fontRef>
+    <cs:spPr>
+      <a:ln w="28575" cap="rnd">
+        <a:solidFill>
+          <a:schemeClr val="phClr"/>
+        </a:solidFill>
+        <a:round/>
+      </a:ln>
+    </cs:spPr>
+  </cs:dataPointLine>
+  <cs:dataPointMarker>
+    <cs:lnRef idx="0">
+      <cs:styleClr val="auto"/>
+    </cs:lnRef>
+    <cs:fillRef idx="1">
+      <cs:styleClr val="auto"/>
+    </cs:fillRef>
+    <cs:effectRef idx="0"/>
+    <cs:fontRef idx="minor">
+      <a:schemeClr val="tx1"/>
+    </cs:fontRef>
+    <cs:spPr>
+      <a:ln w="9525">
+        <a:solidFill>
+          <a:schemeClr val="phClr"/>
+        </a:solidFill>
+      </a:ln>
+    </cs:spPr>
+  </cs:dataPointMarker>
+  <cs:dataPointMarkerLayout symbol="circle" size="5"/>
+  <cs:dataPointWireframe>
+    <cs:lnRef idx="0">
+      <cs:styleClr val="auto"/>
+    </cs:lnRef>
+    <cs:fillRef idx="1"/>
+    <cs:effectRef idx="0"/>
+    <cs:fontRef idx="minor">
+      <a:schemeClr val="tx1"/>
+    </cs:fontRef>
+    <cs:spPr>
+      <a:ln w="9525" cap="rnd">
+        <a:solidFill>
+          <a:schemeClr val="phClr"/>
+        </a:solidFill>
+        <a:round/>
+      </a:ln>
+    </cs:spPr>
+  </cs:dataPointWireframe>
+  <cs:dataTable>
+    <cs:lnRef idx="0"/>
+    <cs:fillRef idx="0"/>
+    <cs:effectRef idx="0"/>
+    <cs:fontRef idx="minor">
+      <a:schemeClr val="tx1">
+        <a:lumMod val="65000"/>
+        <a:lumOff val="35000"/>
+      </a:schemeClr>
+    </cs:fontRef>
+    <cs:spPr>
+      <a:noFill/>
+      <a:ln w="9525" cap="flat" cmpd="sng" algn="ctr">
+        <a:solidFill>
+          <a:schemeClr val="tx1">
+            <a:lumMod val="15000"/>
+            <a:lumOff val="85000"/>
+          </a:schemeClr>
+        </a:solidFill>
+        <a:round/>
+      </a:ln>
+    </cs:spPr>
+    <cs:defRPr sz="1197" kern="1200"/>
+  </cs:dataTable>
+  <cs:downBar>
+    <cs:lnRef idx="0"/>
+    <cs:fillRef idx="0"/>
+    <cs:effectRef idx="0"/>
+    <cs:fontRef idx="minor">
+      <a:schemeClr val="dk1"/>
+    </cs:fontRef>
+    <cs:spPr>
+      <a:solidFill>
+        <a:schemeClr val="dk1">
+          <a:lumMod val="65000"/>
+          <a:lumOff val="35000"/>
+        </a:schemeClr>
+      </a:solidFill>
+      <a:ln w="9525">
+        <a:solidFill>
+          <a:schemeClr val="tx1">
+            <a:lumMod val="65000"/>
+            <a:lumOff val="35000"/>
+          </a:schemeClr>
+        </a:solidFill>
+      </a:ln>
+    </cs:spPr>
+  </cs:downBar>
+  <cs:dropLine>
+    <cs:lnRef idx="0"/>
+    <cs:fillRef idx="0"/>
+    <cs:effectRef idx="0"/>
+    <cs:fontRef idx="minor">
+      <a:schemeClr val="tx1"/>
+    </cs:fontRef>
+    <cs:spPr>
+      <a:ln w="9525" cap="flat" cmpd="sng" algn="ctr">
+        <a:solidFill>
+          <a:schemeClr val="tx1">
+            <a:lumMod val="35000"/>
+            <a:lumOff val="65000"/>
+          </a:schemeClr>
+        </a:solidFill>
+        <a:round/>
+      </a:ln>
+    </cs:spPr>
+  </cs:dropLine>
+  <cs:errorBar>
+    <cs:lnRef idx="0"/>
+    <cs:fillRef idx="0"/>
+    <cs:effectRef idx="0"/>
+    <cs:fontRef idx="minor">
+      <a:schemeClr val="tx1"/>
+    </cs:fontRef>
+    <cs:spPr>
+      <a:ln w="9525" cap="flat" cmpd="sng" algn="ctr">
+        <a:solidFill>
+          <a:schemeClr val="tx1">
+            <a:lumMod val="65000"/>
+            <a:lumOff val="35000"/>
+          </a:schemeClr>
+        </a:solidFill>
+        <a:round/>
+      </a:ln>
+    </cs:spPr>
+  </cs:errorBar>
+  <cs:floor>
+    <cs:lnRef idx="0"/>
+    <cs:fillRef idx="0"/>
+    <cs:effectRef idx="0"/>
+    <cs:fontRef idx="minor">
+      <a:schemeClr val="tx1"/>
+    </cs:fontRef>
+    <cs:spPr>
+      <a:noFill/>
+      <a:ln>
+        <a:noFill/>
+      </a:ln>
+    </cs:spPr>
+  </cs:floor>
+  <cs:gridlineMajor>
+    <cs:lnRef idx="0"/>
+    <cs:fillRef idx="0"/>
+    <cs:effectRef idx="0"/>
+    <cs:fontRef idx="minor">
+      <a:schemeClr val="tx1"/>
+    </cs:fontRef>
+    <cs:spPr>
+      <a:ln w="9525" cap="flat" cmpd="sng" algn="ctr">
+        <a:solidFill>
+          <a:schemeClr val="tx1">
+            <a:lumMod val="15000"/>
+            <a:lumOff val="85000"/>
+          </a:schemeClr>
+        </a:solidFill>
+        <a:round/>
+      </a:ln>
+    </cs:spPr>
+  </cs:gridlineMajor>
+  <cs:gridlineMinor>
+    <cs:lnRef idx="0"/>
+    <cs:fillRef idx="0"/>
+    <cs:effectRef idx="0"/>
+    <cs:fontRef idx="minor">
+      <a:schemeClr val="tx1"/>
+    </cs:fontRef>
+    <cs:spPr>
+      <a:ln w="9525" cap="flat" cmpd="sng" algn="ctr">
+        <a:solidFill>
+          <a:schemeClr val="tx1">
+            <a:lumMod val="5000"/>
+            <a:lumOff val="95000"/>
+          </a:schemeClr>
+        </a:solidFill>
+        <a:round/>
+      </a:ln>
+    </cs:spPr>
+  </cs:gridlineMinor>
+  <cs:hiLoLine>
+    <cs:lnRef idx="0"/>
+    <cs:fillRef idx="0"/>
+    <cs:effectRef idx="0"/>
+    <cs:fontRef idx="minor">
+      <a:schemeClr val="tx1"/>
+    </cs:fontRef>
+    <cs:spPr>
+      <a:ln w="9525" cap="flat" cmpd="sng" algn="ctr">
+        <a:solidFill>
+          <a:schemeClr val="tx1">
+            <a:lumMod val="75000"/>
+            <a:lumOff val="25000"/>
+          </a:schemeClr>
+        </a:solidFill>
+        <a:round/>
+      </a:ln>
+    </cs:spPr>
+  </cs:hiLoLine>
+  <cs:leaderLine>
+    <cs:lnRef idx="0"/>
+    <cs:fillRef idx="0"/>
+    <cs:effectRef idx="0"/>
+    <cs:fontRef idx="minor">
+      <a:schemeClr val="tx1"/>
+    </cs:fontRef>
+    <cs:spPr>
+      <a:ln w="9525" cap="flat" cmpd="sng" algn="ctr">
+        <a:solidFill>
+          <a:schemeClr val="tx1">
+            <a:lumMod val="35000"/>
+            <a:lumOff val="65000"/>
+          </a:schemeClr>
+        </a:solidFill>
+        <a:round/>
+      </a:ln>
+    </cs:spPr>
+  </cs:leaderLine>
+  <cs:legend>
+    <cs:lnRef idx="0"/>
+    <cs:fillRef idx="0"/>
+    <cs:effectRef idx="0"/>
+    <cs:fontRef idx="minor">
+      <a:schemeClr val="tx1">
+        <a:lumMod val="65000"/>
+        <a:lumOff val="35000"/>
+      </a:schemeClr>
+    </cs:fontRef>
+    <cs:defRPr sz="1197" kern="1200"/>
+  </cs:legend>
+  <cs:plotArea mods="allowNoFillOverride allowNoLineOverride">
+    <cs:lnRef idx="0"/>
+    <cs:fillRef idx="0"/>
+    <cs:effectRef idx="0"/>
+    <cs:fontRef idx="minor">
+      <a:schemeClr val="tx1"/>
+    </cs:fontRef>
+  </cs:plotArea>
+  <cs:plotArea3D mods="allowNoFillOverride allowNoLineOverride">
+    <cs:lnRef idx="0"/>
+    <cs:fillRef idx="0"/>
+    <cs:effectRef idx="0"/>
+    <cs:fontRef idx="minor">
+      <a:schemeClr val="tx1"/>
+    </cs:fontRef>
+  </cs:plotArea3D>
+  <cs:seriesAxis>
+    <cs:lnRef idx="0"/>
+    <cs:fillRef idx="0"/>
+    <cs:effectRef idx="0"/>
+    <cs:fontRef idx="minor">
+      <a:schemeClr val="tx1">
+        <a:lumMod val="65000"/>
+        <a:lumOff val="35000"/>
+      </a:schemeClr>
+    </cs:fontRef>
+    <cs:defRPr sz="1197" kern="1200"/>
+  </cs:seriesAxis>
+  <cs:seriesLine>
+    <cs:lnRef idx="0"/>
+    <cs:fillRef idx="0"/>
+    <cs:effectRef idx="0"/>
+    <cs:fontRef idx="minor">
+      <a:schemeClr val="tx1"/>
+    </cs:fontRef>
+    <cs:spPr>
+      <a:ln w="9525" cap="flat" cmpd="sng" algn="ctr">
+        <a:solidFill>
+          <a:schemeClr val="tx1">
+            <a:lumMod val="35000"/>
+            <a:lumOff val="65000"/>
+          </a:schemeClr>
+        </a:solidFill>
+        <a:round/>
+      </a:ln>
+    </cs:spPr>
+  </cs:seriesLine>
+  <cs:title>
+    <cs:lnRef idx="0"/>
+    <cs:fillRef idx="0"/>
+    <cs:effectRef idx="0"/>
+    <cs:fontRef idx="minor">
+      <a:schemeClr val="tx1">
+        <a:lumMod val="65000"/>
+        <a:lumOff val="35000"/>
+      </a:schemeClr>
+    </cs:fontRef>
+    <cs:defRPr sz="1862" b="0" kern="1200" spc="0" baseline="0"/>
+  </cs:title>
+  <cs:trendline>
+    <cs:lnRef idx="0">
+      <cs:styleClr val="auto"/>
+    </cs:lnRef>
+    <cs:fillRef idx="0"/>
+    <cs:effectRef idx="0"/>
+    <cs:fontRef idx="minor">
+      <a:schemeClr val="tx1"/>
+    </cs:fontRef>
+    <cs:spPr>
+      <a:ln w="19050" cap="rnd">
+        <a:solidFill>
+          <a:schemeClr val="phClr"/>
+        </a:solidFill>
+        <a:prstDash val="sysDot"/>
+      </a:ln>
+    </cs:spPr>
+  </cs:trendline>
+  <cs:trendlineLabel>
+    <cs:lnRef idx="0"/>
+    <cs:fillRef idx="0"/>
+    <cs:effectRef idx="0"/>
+    <cs:fontRef idx="minor">
+      <a:schemeClr val="tx1">
+        <a:lumMod val="65000"/>
+        <a:lumOff val="35000"/>
+      </a:schemeClr>
+    </cs:fontRef>
+    <cs:defRPr sz="1197" kern="1200"/>
+  </cs:trendlineLabel>
+  <cs:upBar>
+    <cs:lnRef idx="0"/>
+    <cs:fillRef idx="0"/>
+    <cs:effectRef idx="0"/>
+    <cs:fontRef idx="minor">
+      <a:schemeClr val="dk1"/>
+    </cs:fontRef>
+    <cs:spPr>
+      <a:solidFill>
+        <a:schemeClr val="lt1"/>
+      </a:solidFill>
+      <a:ln w="9525">
+        <a:solidFill>
+          <a:schemeClr val="tx1">
+            <a:lumMod val="15000"/>
+            <a:lumOff val="85000"/>
+          </a:schemeClr>
+        </a:solidFill>
+      </a:ln>
+    </cs:spPr>
+  </cs:upBar>
+  <cs:valueAxis>
+    <cs:lnRef idx="0"/>
+    <cs:fillRef idx="0"/>
+    <cs:effectRef idx="0"/>
+    <cs:fontRef idx="minor">
+      <a:schemeClr val="tx1">
+        <a:lumMod val="65000"/>
+        <a:lumOff val="35000"/>
+      </a:schemeClr>
+    </cs:fontRef>
+    <cs:defRPr sz="1197" kern="1200"/>
+  </cs:valueAxis>
+  <cs:wall>
+    <cs:lnRef idx="0"/>
+    <cs:fillRef idx="0"/>
+    <cs:effectRef idx="0"/>
+    <cs:fontRef idx="minor">
+      <a:schemeClr val="tx1"/>
+    </cs:fontRef>
+    <cs:spPr>
+      <a:noFill/>
+      <a:ln>
+        <a:noFill/>
+      </a:ln>
+    </cs:spPr>
+  </cs:wall>
+</cs:chartStyle>
+</file>
+
+<file path=ppt/notesMasters/notesMaster1.xml><?xml version="1.0" encoding="utf-8"?>
+<p:notesMaster xmlns:a="http://schemas.openxmlformats.org/drawingml/2006/main" xmlns:r="http://schemas.openxmlformats.org/officeDocument/2006/relationships" xmlns:p="http://schemas.openxmlformats.org/presentationml/2006/main">
+  <p:cSld>
+    <p:bg>
+      <p:bgRef idx="1001">
+        <a:schemeClr val="bg1"/>
+      </p:bgRef>
+    </p:bg>
+    <p:spTree>
+      <p:nvGrpSpPr>
+        <p:cNvPr id="1" name=""/>
+        <p:cNvGrpSpPr/>
+        <p:nvPr/>
+      </p:nvGrpSpPr>
+      <p:grpSpPr>
+        <a:xfrm>
+          <a:off x="0" y="0"/>
+          <a:ext cx="0" cy="0"/>
+          <a:chOff x="0" y="0"/>
+          <a:chExt cx="0" cy="0"/>
+        </a:xfrm>
+      </p:grpSpPr>
+      <p:sp>
+        <p:nvSpPr>
+          <p:cNvPr id="2" name="頁首版面配置區 1"/>
+          <p:cNvSpPr>
+            <a:spLocks noGrp="1"/>
+          </p:cNvSpPr>
+          <p:nvPr>
+            <p:ph type="hdr" sz="quarter"/>
+          </p:nvPr>
+        </p:nvSpPr>
+        <p:spPr>
+          <a:xfrm>
+            <a:off x="0" y="0"/>
+            <a:ext cx="2971800" cy="458788"/>
+          </a:xfrm>
+          <a:prstGeom prst="rect">
+            <a:avLst/>
+          </a:prstGeom>
+        </p:spPr>
+        <p:txBody>
+          <a:bodyPr vert="horz" lIns="91440" tIns="45720" rIns="91440" bIns="45720" rtlCol="0"/>
+          <a:lstStyle>
+            <a:lvl1pPr algn="l">
+              <a:defRPr sz="1200"/>
+            </a:lvl1pPr>
+          </a:lstStyle>
+          <a:p>
+            <a:endParaRPr lang="zh-TW" altLang="en-US"/>
+          </a:p>
+        </p:txBody>
+      </p:sp>
+      <p:sp>
+        <p:nvSpPr>
+          <p:cNvPr id="3" name="日期版面配置區 2"/>
+          <p:cNvSpPr>
+            <a:spLocks noGrp="1"/>
+          </p:cNvSpPr>
+          <p:nvPr>
+            <p:ph type="dt" idx="1"/>
+          </p:nvPr>
+        </p:nvSpPr>
+        <p:spPr>
+          <a:xfrm>
+            <a:off x="3884613" y="0"/>
+            <a:ext cx="2971800" cy="458788"/>
+          </a:xfrm>
+          <a:prstGeom prst="rect">
+            <a:avLst/>
+          </a:prstGeom>
+        </p:spPr>
+        <p:txBody>
+          <a:bodyPr vert="horz" lIns="91440" tIns="45720" rIns="91440" bIns="45720" rtlCol="0"/>
+          <a:lstStyle>
+            <a:lvl1pPr algn="r">
+              <a:defRPr sz="1200"/>
+            </a:lvl1pPr>
+          </a:lstStyle>
+          <a:p>
+            <a:fld id="{1A371FE8-B1CE-4844-B1D9-EAC00845FE67}" type="datetimeFigureOut">
+              <a:rPr lang="zh-TW" altLang="en-US" smtClean="0"/>
+              <a:t>2022/3/9</a:t>
+            </a:fld>
+            <a:endParaRPr lang="zh-TW" altLang="en-US"/>
+          </a:p>
+        </p:txBody>
+      </p:sp>
+      <p:sp>
+        <p:nvSpPr>
+          <p:cNvPr id="4" name="投影片影像版面配置區 3"/>
+          <p:cNvSpPr>
+            <a:spLocks noGrp="1" noRot="1" noChangeAspect="1"/>
+          </p:cNvSpPr>
+          <p:nvPr>
+            <p:ph type="sldImg" idx="2"/>
+          </p:nvPr>
+        </p:nvSpPr>
+        <p:spPr>
+          <a:xfrm>
+            <a:off x="2057400" y="1143000"/>
+            <a:ext cx="2743200" cy="3086100"/>
+          </a:xfrm>
+          <a:prstGeom prst="rect">
+            <a:avLst/>
+          </a:prstGeom>
+          <a:noFill/>
+          <a:ln w="12700">
+            <a:solidFill>
+              <a:prstClr val="black"/>
+            </a:solidFill>
+          </a:ln>
+        </p:spPr>
+        <p:txBody>
+          <a:bodyPr vert="horz" lIns="91440" tIns="45720" rIns="91440" bIns="45720" rtlCol="0" anchor="ctr"/>
+          <a:lstStyle/>
+          <a:p>
+            <a:endParaRPr lang="zh-TW" altLang="en-US"/>
+          </a:p>
+        </p:txBody>
+      </p:sp>
+      <p:sp>
+        <p:nvSpPr>
+          <p:cNvPr id="5" name="備忘稿版面配置區 4"/>
+          <p:cNvSpPr>
+            <a:spLocks noGrp="1"/>
+          </p:cNvSpPr>
+          <p:nvPr>
+            <p:ph type="body" sz="quarter" idx="3"/>
+          </p:nvPr>
+        </p:nvSpPr>
+        <p:spPr>
+          <a:xfrm>
+            <a:off x="685800" y="4400550"/>
+            <a:ext cx="5486400" cy="3600450"/>
+          </a:xfrm>
+          <a:prstGeom prst="rect">
+            <a:avLst/>
+          </a:prstGeom>
+        </p:spPr>
+        <p:txBody>
+          <a:bodyPr vert="horz" lIns="91440" tIns="45720" rIns="91440" bIns="45720" rtlCol="0"/>
+          <a:lstStyle/>
+          <a:p>
+            <a:pPr lvl="0"/>
+            <a:r>
+              <a:rPr lang="zh-TW" altLang="en-US"/>
+              <a:t>編輯母片文字樣式</a:t>
+            </a:r>
+          </a:p>
+          <a:p>
+            <a:pPr lvl="1"/>
+            <a:r>
+              <a:rPr lang="zh-TW" altLang="en-US"/>
+              <a:t>第二層</a:t>
+            </a:r>
+          </a:p>
+          <a:p>
+            <a:pPr lvl="2"/>
+            <a:r>
+              <a:rPr lang="zh-TW" altLang="en-US"/>
+              <a:t>第三層</a:t>
+            </a:r>
+          </a:p>
+          <a:p>
+            <a:pPr lvl="3"/>
+            <a:r>
+              <a:rPr lang="zh-TW" altLang="en-US"/>
+              <a:t>第四層</a:t>
+            </a:r>
+          </a:p>
+          <a:p>
+            <a:pPr lvl="4"/>
+            <a:r>
+              <a:rPr lang="zh-TW" altLang="en-US"/>
+              <a:t>第五層</a:t>
+            </a:r>
+          </a:p>
+        </p:txBody>
+      </p:sp>
+      <p:sp>
+        <p:nvSpPr>
+          <p:cNvPr id="6" name="頁尾版面配置區 5"/>
+          <p:cNvSpPr>
+            <a:spLocks noGrp="1"/>
+          </p:cNvSpPr>
+          <p:nvPr>
+            <p:ph type="ftr" sz="quarter" idx="4"/>
+          </p:nvPr>
+        </p:nvSpPr>
+        <p:spPr>
+          <a:xfrm>
+            <a:off x="0" y="8685213"/>
+            <a:ext cx="2971800" cy="458787"/>
+          </a:xfrm>
+          <a:prstGeom prst="rect">
+            <a:avLst/>
+          </a:prstGeom>
+        </p:spPr>
+        <p:txBody>
+          <a:bodyPr vert="horz" lIns="91440" tIns="45720" rIns="91440" bIns="45720" rtlCol="0" anchor="b"/>
+          <a:lstStyle>
+            <a:lvl1pPr algn="l">
+              <a:defRPr sz="1200"/>
+            </a:lvl1pPr>
+          </a:lstStyle>
+          <a:p>
+            <a:endParaRPr lang="zh-TW" altLang="en-US"/>
+          </a:p>
+        </p:txBody>
+      </p:sp>
+      <p:sp>
+        <p:nvSpPr>
+          <p:cNvPr id="7" name="投影片編號版面配置區 6"/>
+          <p:cNvSpPr>
+            <a:spLocks noGrp="1"/>
+          </p:cNvSpPr>
+          <p:nvPr>
+            <p:ph type="sldNum" sz="quarter" idx="5"/>
+          </p:nvPr>
+        </p:nvSpPr>
+        <p:spPr>
+          <a:xfrm>
+            <a:off x="3884613" y="8685213"/>
+            <a:ext cx="2971800" cy="458787"/>
+          </a:xfrm>
+          <a:prstGeom prst="rect">
+            <a:avLst/>
+          </a:prstGeom>
+        </p:spPr>
+        <p:txBody>
+          <a:bodyPr vert="horz" lIns="91440" tIns="45720" rIns="91440" bIns="45720" rtlCol="0" anchor="b"/>
+          <a:lstStyle>
+            <a:lvl1pPr algn="r">
+              <a:defRPr sz="1200"/>
+            </a:lvl1pPr>
+          </a:lstStyle>
+          <a:p>
+            <a:fld id="{571C6AFB-583E-4AFA-B535-87BB07121E61}" type="slidenum">
+              <a:rPr lang="zh-TW" altLang="en-US" smtClean="0"/>
+              <a:t>‹#›</a:t>
+            </a:fld>
+            <a:endParaRPr lang="zh-TW" altLang="en-US"/>
+          </a:p>
+        </p:txBody>
+      </p:sp>
+    </p:spTree>
+    <p:extLst>
+      <p:ext uri="{BB962C8B-B14F-4D97-AF65-F5344CB8AC3E}">
+        <p14:creationId xmlns:p14="http://schemas.microsoft.com/office/powerpoint/2010/main" val="3126261299"/>
+      </p:ext>
+    </p:extLst>
+  </p:cSld>
+  <p:clrMap bg1="lt1" tx1="dk1" bg2="lt2" tx2="dk2" accent1="accent1" accent2="accent2" accent3="accent3" accent4="accent4" accent5="accent5" accent6="accent6" hlink="hlink" folHlink="folHlink"/>
+  <p:notesStyle>
+    <a:lvl1pPr marL="0" algn="l" defTabSz="914400" rtl="0" eaLnBrk="1" latinLnBrk="0" hangingPunct="1">
+      <a:defRPr sz="1200" kern="1200">
+        <a:solidFill>
+          <a:schemeClr val="tx1"/>
+        </a:solidFill>
+        <a:latin typeface="+mn-lt"/>
+        <a:ea typeface="+mn-ea"/>
+        <a:cs typeface="+mn-cs"/>
+      </a:defRPr>
+    </a:lvl1pPr>
+    <a:lvl2pPr marL="457200" algn="l" defTabSz="914400" rtl="0" eaLnBrk="1" latinLnBrk="0" hangingPunct="1">
+      <a:defRPr sz="1200" kern="1200">
+        <a:solidFill>
+          <a:schemeClr val="tx1"/>
+        </a:solidFill>
+        <a:latin typeface="+mn-lt"/>
+        <a:ea typeface="+mn-ea"/>
+        <a:cs typeface="+mn-cs"/>
+      </a:defRPr>
+    </a:lvl2pPr>
+    <a:lvl3pPr marL="914400" algn="l" defTabSz="914400" rtl="0" eaLnBrk="1" latinLnBrk="0" hangingPunct="1">
+      <a:defRPr sz="1200" kern="1200">
+        <a:solidFill>
+          <a:schemeClr val="tx1"/>
+        </a:solidFill>
+        <a:latin typeface="+mn-lt"/>
+        <a:ea typeface="+mn-ea"/>
+        <a:cs typeface="+mn-cs"/>
+      </a:defRPr>
+    </a:lvl3pPr>
+    <a:lvl4pPr marL="1371600" algn="l" defTabSz="914400" rtl="0" eaLnBrk="1" latinLnBrk="0" hangingPunct="1">
+      <a:defRPr sz="1200" kern="1200">
+        <a:solidFill>
+          <a:schemeClr val="tx1"/>
+        </a:solidFill>
+        <a:latin typeface="+mn-lt"/>
+        <a:ea typeface="+mn-ea"/>
+        <a:cs typeface="+mn-cs"/>
+      </a:defRPr>
+    </a:lvl4pPr>
+    <a:lvl5pPr marL="1828800" algn="l" defTabSz="914400" rtl="0" eaLnBrk="1" latinLnBrk="0" hangingPunct="1">
+      <a:defRPr sz="1200" kern="1200">
+        <a:solidFill>
+          <a:schemeClr val="tx1"/>
+        </a:solidFill>
+        <a:latin typeface="+mn-lt"/>
+        <a:ea typeface="+mn-ea"/>
+        <a:cs typeface="+mn-cs"/>
+      </a:defRPr>
+    </a:lvl5pPr>
+    <a:lvl6pPr marL="2286000" algn="l" defTabSz="914400" rtl="0" eaLnBrk="1" latinLnBrk="0" hangingPunct="1">
+      <a:defRPr sz="1200" kern="1200">
+        <a:solidFill>
+          <a:schemeClr val="tx1"/>
+        </a:solidFill>
+        <a:latin typeface="+mn-lt"/>
+        <a:ea typeface="+mn-ea"/>
+        <a:cs typeface="+mn-cs"/>
+      </a:defRPr>
+    </a:lvl6pPr>
+    <a:lvl7pPr marL="2743200" algn="l" defTabSz="914400" rtl="0" eaLnBrk="1" latinLnBrk="0" hangingPunct="1">
+      <a:defRPr sz="1200" kern="1200">
+        <a:solidFill>
+          <a:schemeClr val="tx1"/>
+        </a:solidFill>
+        <a:latin typeface="+mn-lt"/>
+        <a:ea typeface="+mn-ea"/>
+        <a:cs typeface="+mn-cs"/>
+      </a:defRPr>
+    </a:lvl7pPr>
+    <a:lvl8pPr marL="3200400" algn="l" defTabSz="914400" rtl="0" eaLnBrk="1" latinLnBrk="0" hangingPunct="1">
+      <a:defRPr sz="1200" kern="1200">
+        <a:solidFill>
+          <a:schemeClr val="tx1"/>
+        </a:solidFill>
+        <a:latin typeface="+mn-lt"/>
+        <a:ea typeface="+mn-ea"/>
+        <a:cs typeface="+mn-cs"/>
+      </a:defRPr>
+    </a:lvl8pPr>
+    <a:lvl9pPr marL="3657600" algn="l" defTabSz="914400" rtl="0" eaLnBrk="1" latinLnBrk="0" hangingPunct="1">
+      <a:defRPr sz="1200" kern="1200">
+        <a:solidFill>
+          <a:schemeClr val="tx1"/>
+        </a:solidFill>
+        <a:latin typeface="+mn-lt"/>
+        <a:ea typeface="+mn-ea"/>
+        <a:cs typeface="+mn-cs"/>
+      </a:defRPr>
+    </a:lvl9pPr>
+  </p:notesStyle>
+</p:notesMaster>
+</file>
+
+<file path=ppt/notesSlides/notesSlide1.xml><?xml version="1.0" encoding="utf-8"?>
+<p:notes xmlns:a="http://schemas.openxmlformats.org/drawingml/2006/main" xmlns:r="http://schemas.openxmlformats.org/officeDocument/2006/relationships" xmlns:p="http://schemas.openxmlformats.org/presentationml/2006/main">
+  <p:cSld>
+    <p:spTree>
+      <p:nvGrpSpPr>
+        <p:cNvPr id="1" name=""/>
+        <p:cNvGrpSpPr/>
+        <p:nvPr/>
+      </p:nvGrpSpPr>
+      <p:grpSpPr>
+        <a:xfrm>
+          <a:off x="0" y="0"/>
+          <a:ext cx="0" cy="0"/>
+          <a:chOff x="0" y="0"/>
+          <a:chExt cx="0" cy="0"/>
+        </a:xfrm>
+      </p:grpSpPr>
+      <p:sp>
+        <p:nvSpPr>
+          <p:cNvPr id="2" name="投影片影像版面配置區 1"/>
+          <p:cNvSpPr>
+            <a:spLocks noGrp="1" noRot="1" noChangeAspect="1"/>
+          </p:cNvSpPr>
+          <p:nvPr>
+            <p:ph type="sldImg"/>
+          </p:nvPr>
+        </p:nvSpPr>
+        <p:spPr/>
+      </p:sp>
+      <p:sp>
+        <p:nvSpPr>
+          <p:cNvPr id="3" name="備忘稿版面配置區 2"/>
+          <p:cNvSpPr>
+            <a:spLocks noGrp="1"/>
+          </p:cNvSpPr>
+          <p:nvPr>
+            <p:ph type="body" idx="1"/>
+          </p:nvPr>
+        </p:nvSpPr>
+        <p:spPr/>
+        <p:txBody>
+          <a:bodyPr/>
+          <a:lstStyle/>
+          <a:p>
+            <a:endParaRPr lang="zh-TW" altLang="en-US" dirty="0"/>
+          </a:p>
+        </p:txBody>
+      </p:sp>
+      <p:sp>
+        <p:nvSpPr>
+          <p:cNvPr id="4" name="投影片編號版面配置區 3"/>
+          <p:cNvSpPr>
+            <a:spLocks noGrp="1"/>
+          </p:cNvSpPr>
+          <p:nvPr>
+            <p:ph type="sldNum" sz="quarter" idx="5"/>
+          </p:nvPr>
+        </p:nvSpPr>
+        <p:spPr/>
+        <p:txBody>
+          <a:bodyPr/>
+          <a:lstStyle/>
+          <a:p>
+            <a:fld id="{571C6AFB-583E-4AFA-B535-87BB07121E61}" type="slidenum">
+              <a:rPr lang="zh-TW" altLang="en-US" smtClean="0"/>
+              <a:t>2</a:t>
+            </a:fld>
+            <a:endParaRPr lang="zh-TW" altLang="en-US"/>
+          </a:p>
+        </p:txBody>
+      </p:sp>
+    </p:spTree>
+    <p:extLst>
+      <p:ext uri="{BB962C8B-B14F-4D97-AF65-F5344CB8AC3E}">
+        <p14:creationId xmlns:p14="http://schemas.microsoft.com/office/powerpoint/2010/main" val="2577850482"/>
+      </p:ext>
+    </p:extLst>
+  </p:cSld>
+  <p:clrMapOvr>
+    <a:masterClrMapping/>
+  </p:clrMapOvr>
+</p:notes>
 </file>
 
 <file path=ppt/slideLayouts/slideLayout1.xml><?xml version="1.0" encoding="utf-8"?>
@@ -240,7 +3287,7 @@
           <a:p>
             <a:fld id="{7466BC79-E655-445D-89DD-9E0CAC35B7B4}" type="datetimeFigureOut">
               <a:rPr lang="zh-TW" altLang="en-US" smtClean="0"/>
-              <a:t>2022/3/7</a:t>
+              <a:t>2022/3/9</a:t>
             </a:fld>
             <a:endParaRPr lang="zh-TW" altLang="en-US"/>
           </a:p>
@@ -410,7 +3457,7 @@
           <a:p>
             <a:fld id="{7466BC79-E655-445D-89DD-9E0CAC35B7B4}" type="datetimeFigureOut">
               <a:rPr lang="zh-TW" altLang="en-US" smtClean="0"/>
-              <a:t>2022/3/7</a:t>
+              <a:t>2022/3/9</a:t>
             </a:fld>
             <a:endParaRPr lang="zh-TW" altLang="en-US"/>
           </a:p>
@@ -590,7 +3637,7 @@
           <a:p>
             <a:fld id="{7466BC79-E655-445D-89DD-9E0CAC35B7B4}" type="datetimeFigureOut">
               <a:rPr lang="zh-TW" altLang="en-US" smtClean="0"/>
-              <a:t>2022/3/7</a:t>
+              <a:t>2022/3/9</a:t>
             </a:fld>
             <a:endParaRPr lang="zh-TW" altLang="en-US"/>
           </a:p>
@@ -760,7 +3807,7 @@
           <a:p>
             <a:fld id="{7466BC79-E655-445D-89DD-9E0CAC35B7B4}" type="datetimeFigureOut">
               <a:rPr lang="zh-TW" altLang="en-US" smtClean="0"/>
-              <a:t>2022/3/7</a:t>
+              <a:t>2022/3/9</a:t>
             </a:fld>
             <a:endParaRPr lang="zh-TW" altLang="en-US"/>
           </a:p>
@@ -1004,7 +4051,7 @@
           <a:p>
             <a:fld id="{7466BC79-E655-445D-89DD-9E0CAC35B7B4}" type="datetimeFigureOut">
               <a:rPr lang="zh-TW" altLang="en-US" smtClean="0"/>
-              <a:t>2022/3/7</a:t>
+              <a:t>2022/3/9</a:t>
             </a:fld>
             <a:endParaRPr lang="zh-TW" altLang="en-US"/>
           </a:p>
@@ -1236,7 +4283,7 @@
           <a:p>
             <a:fld id="{7466BC79-E655-445D-89DD-9E0CAC35B7B4}" type="datetimeFigureOut">
               <a:rPr lang="zh-TW" altLang="en-US" smtClean="0"/>
-              <a:t>2022/3/7</a:t>
+              <a:t>2022/3/9</a:t>
             </a:fld>
             <a:endParaRPr lang="zh-TW" altLang="en-US"/>
           </a:p>
@@ -1603,7 +4650,7 @@
           <a:p>
             <a:fld id="{7466BC79-E655-445D-89DD-9E0CAC35B7B4}" type="datetimeFigureOut">
               <a:rPr lang="zh-TW" altLang="en-US" smtClean="0"/>
-              <a:t>2022/3/7</a:t>
+              <a:t>2022/3/9</a:t>
             </a:fld>
             <a:endParaRPr lang="zh-TW" altLang="en-US"/>
           </a:p>
@@ -1721,7 +4768,7 @@
           <a:p>
             <a:fld id="{7466BC79-E655-445D-89DD-9E0CAC35B7B4}" type="datetimeFigureOut">
               <a:rPr lang="zh-TW" altLang="en-US" smtClean="0"/>
-              <a:t>2022/3/7</a:t>
+              <a:t>2022/3/9</a:t>
             </a:fld>
             <a:endParaRPr lang="zh-TW" altLang="en-US"/>
           </a:p>
@@ -1816,7 +4863,7 @@
           <a:p>
             <a:fld id="{7466BC79-E655-445D-89DD-9E0CAC35B7B4}" type="datetimeFigureOut">
               <a:rPr lang="zh-TW" altLang="en-US" smtClean="0"/>
-              <a:t>2022/3/7</a:t>
+              <a:t>2022/3/9</a:t>
             </a:fld>
             <a:endParaRPr lang="zh-TW" altLang="en-US"/>
           </a:p>
@@ -2093,7 +5140,7 @@
           <a:p>
             <a:fld id="{7466BC79-E655-445D-89DD-9E0CAC35B7B4}" type="datetimeFigureOut">
               <a:rPr lang="zh-TW" altLang="en-US" smtClean="0"/>
-              <a:t>2022/3/7</a:t>
+              <a:t>2022/3/9</a:t>
             </a:fld>
             <a:endParaRPr lang="zh-TW" altLang="en-US"/>
           </a:p>
@@ -2350,7 +5397,7 @@
           <a:p>
             <a:fld id="{7466BC79-E655-445D-89DD-9E0CAC35B7B4}" type="datetimeFigureOut">
               <a:rPr lang="zh-TW" altLang="en-US" smtClean="0"/>
-              <a:t>2022/3/7</a:t>
+              <a:t>2022/3/9</a:t>
             </a:fld>
             <a:endParaRPr lang="zh-TW" altLang="en-US"/>
           </a:p>
@@ -2563,7 +5610,7 @@
           <a:p>
             <a:fld id="{7466BC79-E655-445D-89DD-9E0CAC35B7B4}" type="datetimeFigureOut">
               <a:rPr lang="zh-TW" altLang="en-US" smtClean="0"/>
-              <a:t>2022/3/7</a:t>
+              <a:t>2022/3/9</a:t>
             </a:fld>
             <a:endParaRPr lang="zh-TW" altLang="en-US"/>
           </a:p>
@@ -2970,10 +6017,10 @@
       </p:grpSpPr>
       <p:pic>
         <p:nvPicPr>
-          <p:cNvPr id="4" name="圖片 3">
+          <p:cNvPr id="6" name="圖片 5">
             <a:extLst>
               <a:ext uri="{FF2B5EF4-FFF2-40B4-BE49-F238E27FC236}">
-                <a16:creationId xmlns:a16="http://schemas.microsoft.com/office/drawing/2014/main" id="{AA468C10-0EC3-4C93-A0CA-0DC4C3C67644}"/>
+                <a16:creationId xmlns:a16="http://schemas.microsoft.com/office/drawing/2014/main" id="{C8442894-12C6-40BA-9038-C4FEBA876A88}"/>
               </a:ext>
             </a:extLst>
           </p:cNvPr>
@@ -2989,8 +6036,8 @@
         </p:blipFill>
         <p:spPr>
           <a:xfrm>
-            <a:off x="950651" y="4556352"/>
-            <a:ext cx="1908137" cy="1908137"/>
+            <a:off x="-7040675" y="6958466"/>
+            <a:ext cx="2861809" cy="2861809"/>
           </a:xfrm>
           <a:prstGeom prst="rect">
             <a:avLst/>
@@ -2999,10 +6046,68 @@
       </p:pic>
       <p:pic>
         <p:nvPicPr>
-          <p:cNvPr id="5" name="圖片 4">
+          <p:cNvPr id="8" name="圖片 7">
             <a:extLst>
               <a:ext uri="{FF2B5EF4-FFF2-40B4-BE49-F238E27FC236}">
-                <a16:creationId xmlns:a16="http://schemas.microsoft.com/office/drawing/2014/main" id="{85F911E0-06D9-4911-8725-CC178764381F}"/>
+                <a16:creationId xmlns:a16="http://schemas.microsoft.com/office/drawing/2014/main" id="{D9755925-4B07-49C2-BD65-31A45465519F}"/>
+              </a:ext>
+            </a:extLst>
+          </p:cNvPr>
+          <p:cNvPicPr>
+            <a:picLocks noChangeAspect="1"/>
+          </p:cNvPicPr>
+          <p:nvPr/>
+        </p:nvPicPr>
+        <p:blipFill rotWithShape="1">
+          <a:blip r:embed="rId3"/>
+          <a:srcRect b="32928"/>
+          <a:stretch/>
+        </p:blipFill>
+        <p:spPr>
+          <a:xfrm>
+            <a:off x="14573018" y="3488189"/>
+            <a:ext cx="6610969" cy="2494190"/>
+          </a:xfrm>
+          <a:prstGeom prst="rect">
+            <a:avLst/>
+          </a:prstGeom>
+        </p:spPr>
+      </p:pic>
+      <p:pic>
+        <p:nvPicPr>
+          <p:cNvPr id="9" name="圖片 8">
+            <a:extLst>
+              <a:ext uri="{FF2B5EF4-FFF2-40B4-BE49-F238E27FC236}">
+                <a16:creationId xmlns:a16="http://schemas.microsoft.com/office/drawing/2014/main" id="{CE65CADD-B3F0-4B57-B79E-D906977B2A86}"/>
+              </a:ext>
+            </a:extLst>
+          </p:cNvPr>
+          <p:cNvPicPr>
+            <a:picLocks noChangeAspect="1"/>
+          </p:cNvPicPr>
+          <p:nvPr/>
+        </p:nvPicPr>
+        <p:blipFill rotWithShape="1">
+          <a:blip r:embed="rId4"/>
+          <a:srcRect l="25181" t="7511" r="25140" b="4169"/>
+          <a:stretch/>
+        </p:blipFill>
+        <p:spPr>
+          <a:xfrm>
+            <a:off x="14793455" y="6457157"/>
+            <a:ext cx="1932213" cy="1932213"/>
+          </a:xfrm>
+          <a:prstGeom prst="rect">
+            <a:avLst/>
+          </a:prstGeom>
+        </p:spPr>
+      </p:pic>
+      <p:pic>
+        <p:nvPicPr>
+          <p:cNvPr id="10" name="圖片 9">
+            <a:extLst>
+              <a:ext uri="{FF2B5EF4-FFF2-40B4-BE49-F238E27FC236}">
+                <a16:creationId xmlns:a16="http://schemas.microsoft.com/office/drawing/2014/main" id="{D0FDFE2E-31EB-47A9-9741-BD38C38EC135}"/>
               </a:ext>
             </a:extLst>
           </p:cNvPr>
@@ -3026,8 +6131,8 @@
         </p:blipFill>
         <p:spPr>
           <a:xfrm>
-            <a:off x="3577231" y="4556352"/>
-            <a:ext cx="1908137" cy="1908137"/>
+            <a:off x="-3421175" y="6958466"/>
+            <a:ext cx="2861809" cy="2861809"/>
           </a:xfrm>
           <a:prstGeom prst="rect">
             <a:avLst/>
@@ -3036,10 +6141,10 @@
       </p:pic>
       <p:sp>
         <p:nvSpPr>
-          <p:cNvPr id="6" name="文字方塊 5">
+          <p:cNvPr id="11" name="文字方塊 10">
             <a:extLst>
               <a:ext uri="{FF2B5EF4-FFF2-40B4-BE49-F238E27FC236}">
-                <a16:creationId xmlns:a16="http://schemas.microsoft.com/office/drawing/2014/main" id="{1208431C-01F9-4C53-B1C6-B50B9918A452}"/>
+                <a16:creationId xmlns:a16="http://schemas.microsoft.com/office/drawing/2014/main" id="{EDA4D8C7-C6EC-41A8-938F-9962D50A3EFF}"/>
               </a:ext>
             </a:extLst>
           </p:cNvPr>
@@ -3048,7 +6153,7 @@
         </p:nvSpPr>
         <p:spPr>
           <a:xfrm>
-            <a:off x="483280" y="618961"/>
+            <a:off x="-6626906" y="1990561"/>
             <a:ext cx="5358039" cy="830997"/>
           </a:xfrm>
           <a:prstGeom prst="rect">
@@ -3087,41 +6192,12 @@
           </a:p>
         </p:txBody>
       </p:sp>
-      <p:pic>
-        <p:nvPicPr>
-          <p:cNvPr id="7" name="圖片 6">
+      <p:sp>
+        <p:nvSpPr>
+          <p:cNvPr id="12" name="文字方塊 11">
             <a:extLst>
               <a:ext uri="{FF2B5EF4-FFF2-40B4-BE49-F238E27FC236}">
-                <a16:creationId xmlns:a16="http://schemas.microsoft.com/office/drawing/2014/main" id="{6F3D69BA-D736-4516-B967-F9EF09122DCC}"/>
-              </a:ext>
-            </a:extLst>
-          </p:cNvPr>
-          <p:cNvPicPr>
-            <a:picLocks noChangeAspect="1"/>
-          </p:cNvPicPr>
-          <p:nvPr/>
-        </p:nvPicPr>
-        <p:blipFill rotWithShape="1">
-          <a:blip r:embed="rId3"/>
-          <a:srcRect b="33905"/>
-          <a:stretch/>
-        </p:blipFill>
-        <p:spPr>
-          <a:xfrm>
-            <a:off x="428137" y="2116589"/>
-            <a:ext cx="5876421" cy="2184763"/>
-          </a:xfrm>
-          <a:prstGeom prst="rect">
-            <a:avLst/>
-          </a:prstGeom>
-        </p:spPr>
-      </p:pic>
-      <p:sp>
-        <p:nvSpPr>
-          <p:cNvPr id="8" name="文字方塊 7">
-            <a:extLst>
-              <a:ext uri="{FF2B5EF4-FFF2-40B4-BE49-F238E27FC236}">
-                <a16:creationId xmlns:a16="http://schemas.microsoft.com/office/drawing/2014/main" id="{1D4717CE-A591-4593-A0E2-BE5F350A54CB}"/>
+                <a16:creationId xmlns:a16="http://schemas.microsoft.com/office/drawing/2014/main" id="{7372E16A-5D06-4557-BE1D-3573AF3B5553}"/>
               </a:ext>
             </a:extLst>
           </p:cNvPr>
@@ -3130,7 +6206,7 @@
         </p:nvSpPr>
         <p:spPr>
           <a:xfrm>
-            <a:off x="6559762" y="618961"/>
+            <a:off x="14948349" y="1990561"/>
             <a:ext cx="5358039" cy="830997"/>
           </a:xfrm>
           <a:prstGeom prst="rect">
@@ -3150,7 +6226,7 @@
                 <a:latin typeface="微軟正黑體" panose="020B0604030504040204" pitchFamily="34" charset="-120"/>
                 <a:ea typeface="微軟正黑體" panose="020B0604030504040204" pitchFamily="34" charset="-120"/>
               </a:rPr>
-              <a:t>性別</a:t>
+              <a:t>教育程度</a:t>
             </a:r>
             <a:r>
               <a:rPr lang="en-US" altLang="zh-TW" sz="4800" b="1" dirty="0">
@@ -3164,17 +6240,17 @@
                 <a:latin typeface="微軟正黑體" panose="020B0604030504040204" pitchFamily="34" charset="-120"/>
                 <a:ea typeface="微軟正黑體" panose="020B0604030504040204" pitchFamily="34" charset="-120"/>
               </a:rPr>
-              <a:t>教育程度比較</a:t>
+              <a:t>性別組成</a:t>
             </a:r>
           </a:p>
         </p:txBody>
       </p:sp>
       <p:pic>
         <p:nvPicPr>
-          <p:cNvPr id="9" name="圖片 8">
+          <p:cNvPr id="14" name="圖片 13">
             <a:extLst>
               <a:ext uri="{FF2B5EF4-FFF2-40B4-BE49-F238E27FC236}">
-                <a16:creationId xmlns:a16="http://schemas.microsoft.com/office/drawing/2014/main" id="{9AB45536-C386-42EF-AB32-C908A7301D75}"/>
+                <a16:creationId xmlns:a16="http://schemas.microsoft.com/office/drawing/2014/main" id="{E2875781-C370-4173-91E7-DA8D294DCA29}"/>
               </a:ext>
             </a:extLst>
           </p:cNvPr>
@@ -3185,13 +6261,13 @@
         </p:nvPicPr>
         <p:blipFill rotWithShape="1">
           <a:blip r:embed="rId4"/>
-          <a:srcRect l="25160" t="7668" r="25160" b="4012"/>
+          <a:srcRect l="25181" t="7511" r="25140" b="4169"/>
           <a:stretch/>
         </p:blipFill>
         <p:spPr>
           <a:xfrm>
-            <a:off x="6748802" y="1946490"/>
-            <a:ext cx="4517999" cy="4517999"/>
+            <a:off x="16946105" y="6457157"/>
+            <a:ext cx="1932213" cy="1932213"/>
           </a:xfrm>
           <a:prstGeom prst="rect">
             <a:avLst/>
@@ -3200,10 +6276,97 @@
       </p:pic>
       <p:pic>
         <p:nvPicPr>
-          <p:cNvPr id="10" name="圖片 9">
+          <p:cNvPr id="16" name="圖片 15">
             <a:extLst>
               <a:ext uri="{FF2B5EF4-FFF2-40B4-BE49-F238E27FC236}">
-                <a16:creationId xmlns:a16="http://schemas.microsoft.com/office/drawing/2014/main" id="{25B82D73-DF6D-4CE0-BEEC-C60D0D595BA4}"/>
+                <a16:creationId xmlns:a16="http://schemas.microsoft.com/office/drawing/2014/main" id="{9B2CC766-F316-491D-BFA0-A7756922C589}"/>
+              </a:ext>
+            </a:extLst>
+          </p:cNvPr>
+          <p:cNvPicPr>
+            <a:picLocks noChangeAspect="1"/>
+          </p:cNvPicPr>
+          <p:nvPr/>
+        </p:nvPicPr>
+        <p:blipFill rotWithShape="1">
+          <a:blip r:embed="rId4"/>
+          <a:srcRect l="25181" t="7511" r="25140" b="4169"/>
+          <a:stretch/>
+        </p:blipFill>
+        <p:spPr>
+          <a:xfrm>
+            <a:off x="19098755" y="6457157"/>
+            <a:ext cx="1932213" cy="1932213"/>
+          </a:xfrm>
+          <a:prstGeom prst="rect">
+            <a:avLst/>
+          </a:prstGeom>
+        </p:spPr>
+      </p:pic>
+      <p:pic>
+        <p:nvPicPr>
+          <p:cNvPr id="18" name="圖片 17">
+            <a:extLst>
+              <a:ext uri="{FF2B5EF4-FFF2-40B4-BE49-F238E27FC236}">
+                <a16:creationId xmlns:a16="http://schemas.microsoft.com/office/drawing/2014/main" id="{45DA706D-9F44-440D-8C04-ACDE42AF610B}"/>
+              </a:ext>
+            </a:extLst>
+          </p:cNvPr>
+          <p:cNvPicPr>
+            <a:picLocks noChangeAspect="1"/>
+          </p:cNvPicPr>
+          <p:nvPr/>
+        </p:nvPicPr>
+        <p:blipFill rotWithShape="1">
+          <a:blip r:embed="rId4"/>
+          <a:srcRect l="25181" t="7511" r="25140" b="4169"/>
+          <a:stretch/>
+        </p:blipFill>
+        <p:spPr>
+          <a:xfrm>
+            <a:off x="21251405" y="6457157"/>
+            <a:ext cx="1932213" cy="1932213"/>
+          </a:xfrm>
+          <a:prstGeom prst="rect">
+            <a:avLst/>
+          </a:prstGeom>
+        </p:spPr>
+      </p:pic>
+      <p:pic>
+        <p:nvPicPr>
+          <p:cNvPr id="20" name="圖片 19">
+            <a:extLst>
+              <a:ext uri="{FF2B5EF4-FFF2-40B4-BE49-F238E27FC236}">
+                <a16:creationId xmlns:a16="http://schemas.microsoft.com/office/drawing/2014/main" id="{F641FC13-C66F-4927-85B1-B2A67DF3C83C}"/>
+              </a:ext>
+            </a:extLst>
+          </p:cNvPr>
+          <p:cNvPicPr>
+            <a:picLocks noChangeAspect="1"/>
+          </p:cNvPicPr>
+          <p:nvPr/>
+        </p:nvPicPr>
+        <p:blipFill rotWithShape="1">
+          <a:blip r:embed="rId4"/>
+          <a:srcRect l="25181" t="7511" r="25140" b="4169"/>
+          <a:stretch/>
+        </p:blipFill>
+        <p:spPr>
+          <a:xfrm>
+            <a:off x="12640805" y="6457157"/>
+            <a:ext cx="1932213" cy="1932213"/>
+          </a:xfrm>
+          <a:prstGeom prst="rect">
+            <a:avLst/>
+          </a:prstGeom>
+        </p:spPr>
+      </p:pic>
+      <p:pic>
+        <p:nvPicPr>
+          <p:cNvPr id="21" name="圖片 20">
+            <a:extLst>
+              <a:ext uri="{FF2B5EF4-FFF2-40B4-BE49-F238E27FC236}">
+                <a16:creationId xmlns:a16="http://schemas.microsoft.com/office/drawing/2014/main" id="{FB2ABD63-5E89-461A-AEBD-8B906975AA18}"/>
               </a:ext>
             </a:extLst>
           </p:cNvPr>
@@ -3214,42 +6377,13 @@
         </p:nvPicPr>
         <p:blipFill rotWithShape="1">
           <a:blip r:embed="rId5"/>
-          <a:srcRect b="32928"/>
+          <a:srcRect t="6389" b="33905"/>
           <a:stretch/>
         </p:blipFill>
         <p:spPr>
           <a:xfrm>
-            <a:off x="2786968" y="8769119"/>
-            <a:ext cx="6610969" cy="2494190"/>
-          </a:xfrm>
-          <a:prstGeom prst="rect">
-            <a:avLst/>
-          </a:prstGeom>
-        </p:spPr>
-      </p:pic>
-      <p:pic>
-        <p:nvPicPr>
-          <p:cNvPr id="11" name="圖片 10">
-            <a:extLst>
-              <a:ext uri="{FF2B5EF4-FFF2-40B4-BE49-F238E27FC236}">
-                <a16:creationId xmlns:a16="http://schemas.microsoft.com/office/drawing/2014/main" id="{39E33874-BE29-46FF-A69D-703EBF0FFBC6}"/>
-              </a:ext>
-            </a:extLst>
-          </p:cNvPr>
-          <p:cNvPicPr>
-            <a:picLocks noChangeAspect="1"/>
-          </p:cNvPicPr>
-          <p:nvPr/>
-        </p:nvPicPr>
-        <p:blipFill rotWithShape="1">
-          <a:blip r:embed="rId6"/>
-          <a:srcRect l="25181" t="7511" r="25140" b="4169"/>
-          <a:stretch/>
-        </p:blipFill>
-        <p:spPr>
-          <a:xfrm>
-            <a:off x="3473996" y="11631417"/>
-            <a:ext cx="1465622" cy="1465622"/>
+            <a:off x="-7268063" y="3729317"/>
+            <a:ext cx="6708697" cy="2253061"/>
           </a:xfrm>
           <a:prstGeom prst="rect">
             <a:avLst/>
@@ -3258,10 +6392,80 @@
       </p:pic>
       <p:sp>
         <p:nvSpPr>
-          <p:cNvPr id="12" name="文字方塊 11">
+          <p:cNvPr id="23" name="矩形 22">
             <a:extLst>
               <a:ext uri="{FF2B5EF4-FFF2-40B4-BE49-F238E27FC236}">
-                <a16:creationId xmlns:a16="http://schemas.microsoft.com/office/drawing/2014/main" id="{3B055459-66F4-47BE-9BFE-29FD8C57F698}"/>
+                <a16:creationId xmlns:a16="http://schemas.microsoft.com/office/drawing/2014/main" id="{B6DBCC8B-6276-40A3-94F0-45D4CEA6E358}"/>
+              </a:ext>
+            </a:extLst>
+          </p:cNvPr>
+          <p:cNvSpPr/>
+          <p:nvPr/>
+        </p:nvSpPr>
+        <p:spPr>
+          <a:xfrm>
+            <a:off x="737961" y="441109"/>
+            <a:ext cx="1290126" cy="400050"/>
+          </a:xfrm>
+          <a:prstGeom prst="rect">
+            <a:avLst/>
+          </a:prstGeom>
+          <a:solidFill>
+            <a:schemeClr val="bg1">
+              <a:lumMod val="85000"/>
+            </a:schemeClr>
+          </a:solidFill>
+          <a:ln>
+            <a:solidFill>
+              <a:schemeClr val="tx1"/>
+            </a:solidFill>
+          </a:ln>
+        </p:spPr>
+        <p:style>
+          <a:lnRef idx="2">
+            <a:schemeClr val="accent1">
+              <a:shade val="50000"/>
+            </a:schemeClr>
+          </a:lnRef>
+          <a:fillRef idx="1">
+            <a:schemeClr val="accent1"/>
+          </a:fillRef>
+          <a:effectRef idx="0">
+            <a:schemeClr val="accent1"/>
+          </a:effectRef>
+          <a:fontRef idx="minor">
+            <a:schemeClr val="lt1"/>
+          </a:fontRef>
+        </p:style>
+        <p:txBody>
+          <a:bodyPr rot="0" spcFirstLastPara="0" vertOverflow="overflow" horzOverflow="overflow" vert="horz" wrap="square" lIns="91440" tIns="45720" rIns="91440" bIns="45720" numCol="1" spcCol="0" rtlCol="0" fromWordArt="0" anchor="ctr" anchorCtr="0" forceAA="0" compatLnSpc="1">
+            <a:prstTxWarp prst="textNoShape">
+              <a:avLst/>
+            </a:prstTxWarp>
+            <a:noAutofit/>
+          </a:bodyPr>
+          <a:lstStyle/>
+          <a:p>
+            <a:pPr algn="ctr"/>
+            <a:r>
+              <a:rPr lang="zh-TW" altLang="en-US" dirty="0">
+                <a:solidFill>
+                  <a:schemeClr val="tx1"/>
+                </a:solidFill>
+                <a:latin typeface="微軟正黑體" panose="020B0604030504040204" pitchFamily="34" charset="-120"/>
+                <a:ea typeface="微軟正黑體" panose="020B0604030504040204" pitchFamily="34" charset="-120"/>
+              </a:rPr>
+              <a:t>全國總覽</a:t>
+            </a:r>
+          </a:p>
+        </p:txBody>
+      </p:sp>
+      <p:sp>
+        <p:nvSpPr>
+          <p:cNvPr id="26" name="文字方塊 25">
+            <a:extLst>
+              <a:ext uri="{FF2B5EF4-FFF2-40B4-BE49-F238E27FC236}">
+                <a16:creationId xmlns:a16="http://schemas.microsoft.com/office/drawing/2014/main" id="{B606E106-1066-49E8-BCF3-29190DC54E63}"/>
               </a:ext>
             </a:extLst>
           </p:cNvPr>
@@ -3270,8 +6474,8 @@
         </p:nvSpPr>
         <p:spPr>
           <a:xfrm>
-            <a:off x="3162299" y="7388679"/>
-            <a:ext cx="5358039" cy="830997"/>
+            <a:off x="2788800" y="221869"/>
+            <a:ext cx="6614401" cy="830997"/>
           </a:xfrm>
           <a:prstGeom prst="rect">
             <a:avLst/>
@@ -3290,7 +6494,488 @@
                 <a:latin typeface="微軟正黑體" panose="020B0604030504040204" pitchFamily="34" charset="-120"/>
                 <a:ea typeface="微軟正黑體" panose="020B0604030504040204" pitchFamily="34" charset="-120"/>
               </a:rPr>
-              <a:t>教育程度</a:t>
+              <a:t>全國教育程度資料</a:t>
+            </a:r>
+          </a:p>
+        </p:txBody>
+      </p:sp>
+      <p:grpSp>
+        <p:nvGrpSpPr>
+          <p:cNvPr id="32" name="群組 31">
+            <a:extLst>
+              <a:ext uri="{FF2B5EF4-FFF2-40B4-BE49-F238E27FC236}">
+                <a16:creationId xmlns:a16="http://schemas.microsoft.com/office/drawing/2014/main" id="{8E9415CB-F887-43CA-A22C-5E5ED30DB860}"/>
+              </a:ext>
+            </a:extLst>
+          </p:cNvPr>
+          <p:cNvGrpSpPr/>
+          <p:nvPr/>
+        </p:nvGrpSpPr>
+        <p:grpSpPr>
+          <a:xfrm>
+            <a:off x="692365" y="1218666"/>
+            <a:ext cx="10807271" cy="4261759"/>
+            <a:chOff x="964888" y="2022296"/>
+            <a:chExt cx="10262224" cy="4261759"/>
+          </a:xfrm>
+        </p:grpSpPr>
+        <p:pic>
+          <p:nvPicPr>
+            <p:cNvPr id="22" name="圖片 21">
+              <a:extLst>
+                <a:ext uri="{FF2B5EF4-FFF2-40B4-BE49-F238E27FC236}">
+                  <a16:creationId xmlns:a16="http://schemas.microsoft.com/office/drawing/2014/main" id="{D909044C-3DE5-44DC-A497-50C9B55A6DE4}"/>
+                </a:ext>
+              </a:extLst>
+            </p:cNvPr>
+            <p:cNvPicPr>
+              <a:picLocks noChangeAspect="1"/>
+            </p:cNvPicPr>
+            <p:nvPr/>
+          </p:nvPicPr>
+          <p:blipFill rotWithShape="1">
+            <a:blip r:embed="rId6"/>
+            <a:srcRect t="6535" b="34166"/>
+            <a:stretch/>
+          </p:blipFill>
+          <p:spPr>
+            <a:xfrm>
+              <a:off x="964888" y="2861075"/>
+              <a:ext cx="10262224" cy="3422980"/>
+            </a:xfrm>
+            <a:prstGeom prst="rect">
+              <a:avLst/>
+            </a:prstGeom>
+          </p:spPr>
+        </p:pic>
+        <p:sp>
+          <p:nvSpPr>
+            <p:cNvPr id="27" name="文字方塊 26">
+              <a:extLst>
+                <a:ext uri="{FF2B5EF4-FFF2-40B4-BE49-F238E27FC236}">
+                  <a16:creationId xmlns:a16="http://schemas.microsoft.com/office/drawing/2014/main" id="{EE6BF4C8-1E12-40B6-9DAE-A34A2EFB1987}"/>
+                </a:ext>
+              </a:extLst>
+            </p:cNvPr>
+            <p:cNvSpPr txBox="1"/>
+            <p:nvPr/>
+          </p:nvSpPr>
+          <p:spPr>
+            <a:xfrm>
+              <a:off x="3990027" y="2022296"/>
+              <a:ext cx="4211947" cy="523220"/>
+            </a:xfrm>
+            <a:prstGeom prst="rect">
+              <a:avLst/>
+            </a:prstGeom>
+            <a:noFill/>
+          </p:spPr>
+          <p:txBody>
+            <a:bodyPr wrap="square" rtlCol="0">
+              <a:spAutoFit/>
+            </a:bodyPr>
+            <a:lstStyle/>
+            <a:p>
+              <a:pPr algn="ctr"/>
+              <a:r>
+                <a:rPr lang="zh-TW" altLang="en-US" sz="2800" b="1" dirty="0">
+                  <a:latin typeface="微軟正黑體" panose="020B0604030504040204" pitchFamily="34" charset="-120"/>
+                  <a:ea typeface="微軟正黑體" panose="020B0604030504040204" pitchFamily="34" charset="-120"/>
+                </a:rPr>
+                <a:t>全國教育程度分佈金字塔</a:t>
+              </a:r>
+            </a:p>
+          </p:txBody>
+        </p:sp>
+      </p:grpSp>
+      <p:sp>
+        <p:nvSpPr>
+          <p:cNvPr id="24" name="文字方塊 23">
+            <a:extLst>
+              <a:ext uri="{FF2B5EF4-FFF2-40B4-BE49-F238E27FC236}">
+                <a16:creationId xmlns:a16="http://schemas.microsoft.com/office/drawing/2014/main" id="{5450E15E-6A1E-4AB0-8E51-4A422C01EBC5}"/>
+              </a:ext>
+            </a:extLst>
+          </p:cNvPr>
+          <p:cNvSpPr txBox="1"/>
+          <p:nvPr/>
+        </p:nvSpPr>
+        <p:spPr>
+          <a:xfrm>
+            <a:off x="12640805" y="-979352"/>
+            <a:ext cx="5580748" cy="2123658"/>
+          </a:xfrm>
+          <a:prstGeom prst="rect">
+            <a:avLst/>
+          </a:prstGeom>
+          <a:noFill/>
+        </p:spPr>
+        <p:txBody>
+          <a:bodyPr wrap="square" rtlCol="0">
+            <a:spAutoFit/>
+          </a:bodyPr>
+          <a:lstStyle/>
+          <a:p>
+            <a:r>
+              <a:rPr lang="zh-TW" altLang="en-US" sz="1200" dirty="0">
+                <a:latin typeface="微軟正黑體" panose="020B0604030504040204" pitchFamily="34" charset="-120"/>
+                <a:ea typeface="微軟正黑體" panose="020B0604030504040204" pitchFamily="34" charset="-120"/>
+              </a:rPr>
+              <a:t>資料來源</a:t>
+            </a:r>
+            <a:r>
+              <a:rPr lang="en-US" altLang="zh-TW" sz="1200" dirty="0">
+                <a:latin typeface="微軟正黑體" panose="020B0604030504040204" pitchFamily="34" charset="-120"/>
+                <a:ea typeface="微軟正黑體" panose="020B0604030504040204" pitchFamily="34" charset="-120"/>
+              </a:rPr>
+              <a:t>:</a:t>
+            </a:r>
+            <a:r>
+              <a:rPr lang="zh-TW" altLang="en-US" sz="1200" dirty="0">
+                <a:latin typeface="微軟正黑體" panose="020B0604030504040204" pitchFamily="34" charset="-120"/>
+                <a:ea typeface="微軟正黑體" panose="020B0604030504040204" pitchFamily="34" charset="-120"/>
+              </a:rPr>
+              <a:t> 各村里教育程度資料 </a:t>
+            </a:r>
+            <a:r>
+              <a:rPr lang="en-US" altLang="zh-TW" sz="1200" dirty="0">
+                <a:latin typeface="微軟正黑體" panose="020B0604030504040204" pitchFamily="34" charset="-120"/>
+                <a:ea typeface="微軟正黑體" panose="020B0604030504040204" pitchFamily="34" charset="-120"/>
+              </a:rPr>
+              <a:t>|</a:t>
+            </a:r>
+            <a:r>
+              <a:rPr lang="zh-TW" altLang="en-US" sz="1200" dirty="0">
+                <a:latin typeface="微軟正黑體" panose="020B0604030504040204" pitchFamily="34" charset="-120"/>
+                <a:ea typeface="微軟正黑體" panose="020B0604030504040204" pitchFamily="34" charset="-120"/>
+              </a:rPr>
+              <a:t> 政府開放資料平台</a:t>
+            </a:r>
+            <a:endParaRPr lang="en-US" altLang="zh-TW" sz="1200" dirty="0">
+              <a:latin typeface="微軟正黑體" panose="020B0604030504040204" pitchFamily="34" charset="-120"/>
+              <a:ea typeface="微軟正黑體" panose="020B0604030504040204" pitchFamily="34" charset="-120"/>
+            </a:endParaRPr>
+          </a:p>
+          <a:p>
+            <a:r>
+              <a:rPr lang="zh-TW" altLang="en-US" sz="1200" dirty="0">
+                <a:latin typeface="微軟正黑體" panose="020B0604030504040204" pitchFamily="34" charset="-120"/>
+                <a:ea typeface="微軟正黑體" panose="020B0604030504040204" pitchFamily="34" charset="-120"/>
+              </a:rPr>
+              <a:t>統計年度</a:t>
+            </a:r>
+            <a:r>
+              <a:rPr lang="en-US" altLang="zh-TW" sz="1200" dirty="0">
+                <a:latin typeface="微軟正黑體" panose="020B0604030504040204" pitchFamily="34" charset="-120"/>
+                <a:ea typeface="微軟正黑體" panose="020B0604030504040204" pitchFamily="34" charset="-120"/>
+              </a:rPr>
+              <a:t>:</a:t>
+            </a:r>
+            <a:r>
+              <a:rPr lang="zh-TW" altLang="en-US" sz="1200" dirty="0">
+                <a:latin typeface="微軟正黑體" panose="020B0604030504040204" pitchFamily="34" charset="-120"/>
+                <a:ea typeface="微軟正黑體" panose="020B0604030504040204" pitchFamily="34" charset="-120"/>
+              </a:rPr>
+              <a:t> </a:t>
+            </a:r>
+            <a:r>
+              <a:rPr lang="en-US" altLang="zh-TW" sz="1200" dirty="0">
+                <a:latin typeface="微軟正黑體" panose="020B0604030504040204" pitchFamily="34" charset="-120"/>
+                <a:ea typeface="微軟正黑體" panose="020B0604030504040204" pitchFamily="34" charset="-120"/>
+              </a:rPr>
+              <a:t>108</a:t>
+            </a:r>
+            <a:r>
+              <a:rPr lang="zh-TW" altLang="en-US" sz="1200" dirty="0">
+                <a:latin typeface="微軟正黑體" panose="020B0604030504040204" pitchFamily="34" charset="-120"/>
+                <a:ea typeface="微軟正黑體" panose="020B0604030504040204" pitchFamily="34" charset="-120"/>
+              </a:rPr>
+              <a:t>年</a:t>
+            </a:r>
+            <a:br>
+              <a:rPr lang="en-US" altLang="zh-TW" sz="1200" dirty="0">
+                <a:latin typeface="微軟正黑體" panose="020B0604030504040204" pitchFamily="34" charset="-120"/>
+                <a:ea typeface="微軟正黑體" panose="020B0604030504040204" pitchFamily="34" charset="-120"/>
+              </a:rPr>
+            </a:br>
+            <a:r>
+              <a:rPr lang="zh-TW" altLang="en-US" sz="1200" dirty="0">
+                <a:latin typeface="微軟正黑體" panose="020B0604030504040204" pitchFamily="34" charset="-120"/>
+                <a:ea typeface="微軟正黑體" panose="020B0604030504040204" pitchFamily="34" charset="-120"/>
+              </a:rPr>
+              <a:t>說明</a:t>
+            </a:r>
+            <a:r>
+              <a:rPr lang="en-US" altLang="zh-TW" sz="1200" dirty="0">
+                <a:latin typeface="微軟正黑體" panose="020B0604030504040204" pitchFamily="34" charset="-120"/>
+                <a:ea typeface="微軟正黑體" panose="020B0604030504040204" pitchFamily="34" charset="-120"/>
+              </a:rPr>
+              <a:t>: </a:t>
+            </a:r>
+            <a:r>
+              <a:rPr lang="zh-TW" altLang="en-US" sz="1200" dirty="0">
+                <a:latin typeface="微軟正黑體" panose="020B0604030504040204" pitchFamily="34" charset="-120"/>
+                <a:ea typeface="微軟正黑體" panose="020B0604030504040204" pitchFamily="34" charset="-120"/>
+              </a:rPr>
+              <a:t>原始資料中之博畢、博肄合併為「</a:t>
+            </a:r>
+            <a:r>
+              <a:rPr lang="zh-TW" altLang="en-US" sz="1200" b="1" dirty="0">
+                <a:latin typeface="微軟正黑體" panose="020B0604030504040204" pitchFamily="34" charset="-120"/>
+                <a:ea typeface="微軟正黑體" panose="020B0604030504040204" pitchFamily="34" charset="-120"/>
+              </a:rPr>
+              <a:t>博士</a:t>
+            </a:r>
+            <a:r>
+              <a:rPr lang="zh-TW" altLang="en-US" sz="1200" dirty="0">
+                <a:latin typeface="微軟正黑體" panose="020B0604030504040204" pitchFamily="34" charset="-120"/>
+                <a:ea typeface="微軟正黑體" panose="020B0604030504040204" pitchFamily="34" charset="-120"/>
+              </a:rPr>
+              <a:t>」；</a:t>
+            </a:r>
+          </a:p>
+          <a:p>
+            <a:r>
+              <a:rPr lang="zh-TW" altLang="en-US" sz="1200" dirty="0">
+                <a:latin typeface="微軟正黑體" panose="020B0604030504040204" pitchFamily="34" charset="-120"/>
+                <a:ea typeface="微軟正黑體" panose="020B0604030504040204" pitchFamily="34" charset="-120"/>
+              </a:rPr>
+              <a:t>碩畢、碩肄合併為「</a:t>
+            </a:r>
+            <a:r>
+              <a:rPr lang="zh-TW" altLang="en-US" sz="1200" b="1" dirty="0">
+                <a:latin typeface="微軟正黑體" panose="020B0604030504040204" pitchFamily="34" charset="-120"/>
+                <a:ea typeface="微軟正黑體" panose="020B0604030504040204" pitchFamily="34" charset="-120"/>
+              </a:rPr>
+              <a:t>碩士</a:t>
+            </a:r>
+            <a:r>
+              <a:rPr lang="zh-TW" altLang="en-US" sz="1200" dirty="0">
+                <a:latin typeface="微軟正黑體" panose="020B0604030504040204" pitchFamily="34" charset="-120"/>
+                <a:ea typeface="微軟正黑體" panose="020B0604030504040204" pitchFamily="34" charset="-120"/>
+              </a:rPr>
+              <a:t>」；</a:t>
+            </a:r>
+            <a:endParaRPr lang="en-US" altLang="zh-TW" sz="1200" dirty="0">
+              <a:latin typeface="微軟正黑體" panose="020B0604030504040204" pitchFamily="34" charset="-120"/>
+              <a:ea typeface="微軟正黑體" panose="020B0604030504040204" pitchFamily="34" charset="-120"/>
+            </a:endParaRPr>
+          </a:p>
+          <a:p>
+            <a:r>
+              <a:rPr lang="zh-TW" altLang="en-US" sz="1200" dirty="0">
+                <a:latin typeface="微軟正黑體" panose="020B0604030504040204" pitchFamily="34" charset="-120"/>
+                <a:ea typeface="微軟正黑體" panose="020B0604030504040204" pitchFamily="34" charset="-120"/>
+              </a:rPr>
+              <a:t>大畢、大肄合併為「</a:t>
+            </a:r>
+            <a:r>
+              <a:rPr lang="zh-TW" altLang="en-US" sz="1200" b="1" dirty="0">
+                <a:latin typeface="微軟正黑體" panose="020B0604030504040204" pitchFamily="34" charset="-120"/>
+                <a:ea typeface="微軟正黑體" panose="020B0604030504040204" pitchFamily="34" charset="-120"/>
+              </a:rPr>
+              <a:t>學士</a:t>
+            </a:r>
+            <a:r>
+              <a:rPr lang="zh-TW" altLang="en-US" sz="1200" dirty="0">
+                <a:latin typeface="微軟正黑體" panose="020B0604030504040204" pitchFamily="34" charset="-120"/>
+                <a:ea typeface="微軟正黑體" panose="020B0604030504040204" pitchFamily="34" charset="-120"/>
+              </a:rPr>
+              <a:t>」；</a:t>
+            </a:r>
+          </a:p>
+          <a:p>
+            <a:r>
+              <a:rPr lang="zh-TW" altLang="en-US" sz="1200" dirty="0">
+                <a:latin typeface="微軟正黑體" panose="020B0604030504040204" pitchFamily="34" charset="-120"/>
+                <a:ea typeface="微軟正黑體" panose="020B0604030504040204" pitchFamily="34" charset="-120"/>
+              </a:rPr>
+              <a:t>二畢、二肄、後二畢、後二肄合併為「</a:t>
+            </a:r>
+            <a:r>
+              <a:rPr lang="zh-TW" altLang="en-US" sz="1200" b="1" dirty="0">
+                <a:latin typeface="微軟正黑體" panose="020B0604030504040204" pitchFamily="34" charset="-120"/>
+                <a:ea typeface="微軟正黑體" panose="020B0604030504040204" pitchFamily="34" charset="-120"/>
+              </a:rPr>
+              <a:t>專科</a:t>
+            </a:r>
+            <a:r>
+              <a:rPr lang="zh-TW" altLang="en-US" sz="1200" dirty="0">
+                <a:latin typeface="微軟正黑體" panose="020B0604030504040204" pitchFamily="34" charset="-120"/>
+                <a:ea typeface="微軟正黑體" panose="020B0604030504040204" pitchFamily="34" charset="-120"/>
+              </a:rPr>
+              <a:t>」；</a:t>
+            </a:r>
+          </a:p>
+          <a:p>
+            <a:r>
+              <a:rPr lang="zh-TW" altLang="en-US" sz="1200" dirty="0">
+                <a:latin typeface="微軟正黑體" panose="020B0604030504040204" pitchFamily="34" charset="-120"/>
+                <a:ea typeface="微軟正黑體" panose="020B0604030504040204" pitchFamily="34" charset="-120"/>
+              </a:rPr>
+              <a:t>高畢、高肄、職畢、職肄、前三畢、前三肄合併為「</a:t>
+            </a:r>
+            <a:r>
+              <a:rPr lang="zh-TW" altLang="en-US" sz="1200" b="1" dirty="0">
+                <a:latin typeface="微軟正黑體" panose="020B0604030504040204" pitchFamily="34" charset="-120"/>
+                <a:ea typeface="微軟正黑體" panose="020B0604030504040204" pitchFamily="34" charset="-120"/>
+              </a:rPr>
+              <a:t>高中</a:t>
+            </a:r>
+            <a:r>
+              <a:rPr lang="zh-TW" altLang="en-US" sz="1200" dirty="0">
+                <a:latin typeface="微軟正黑體" panose="020B0604030504040204" pitchFamily="34" charset="-120"/>
+                <a:ea typeface="微軟正黑體" panose="020B0604030504040204" pitchFamily="34" charset="-120"/>
+              </a:rPr>
+              <a:t>」；</a:t>
+            </a:r>
+          </a:p>
+          <a:p>
+            <a:r>
+              <a:rPr lang="zh-TW" altLang="en-US" sz="1200" dirty="0">
+                <a:solidFill>
+                  <a:srgbClr val="C00000"/>
+                </a:solidFill>
+                <a:latin typeface="微軟正黑體" panose="020B0604030504040204" pitchFamily="34" charset="-120"/>
+                <a:ea typeface="微軟正黑體" panose="020B0604030504040204" pitchFamily="34" charset="-120"/>
+              </a:rPr>
+              <a:t>國畢、國肄、初畢、初肄合併為「國中」；</a:t>
+            </a:r>
+          </a:p>
+          <a:p>
+            <a:r>
+              <a:rPr lang="zh-TW" altLang="en-US" sz="1200" dirty="0">
+                <a:solidFill>
+                  <a:srgbClr val="C00000"/>
+                </a:solidFill>
+                <a:latin typeface="微軟正黑體" panose="020B0604030504040204" pitchFamily="34" charset="-120"/>
+                <a:ea typeface="微軟正黑體" panose="020B0604030504040204" pitchFamily="34" charset="-120"/>
+              </a:rPr>
+              <a:t>小畢、小肄合併為「國小」；</a:t>
+            </a:r>
+            <a:endParaRPr lang="en-US" altLang="zh-TW" sz="1200" dirty="0">
+              <a:solidFill>
+                <a:srgbClr val="C00000"/>
+              </a:solidFill>
+              <a:latin typeface="微軟正黑體" panose="020B0604030504040204" pitchFamily="34" charset="-120"/>
+              <a:ea typeface="微軟正黑體" panose="020B0604030504040204" pitchFamily="34" charset="-120"/>
+            </a:endParaRPr>
+          </a:p>
+          <a:p>
+            <a:r>
+              <a:rPr lang="zh-TW" altLang="en-US" sz="1200" dirty="0">
+                <a:solidFill>
+                  <a:srgbClr val="C00000"/>
+                </a:solidFill>
+                <a:latin typeface="微軟正黑體" panose="020B0604030504040204" pitchFamily="34" charset="-120"/>
+                <a:ea typeface="微軟正黑體" panose="020B0604030504040204" pitchFamily="34" charset="-120"/>
+              </a:rPr>
+              <a:t>自修、不識合併為「其他」。</a:t>
+            </a:r>
+            <a:endParaRPr lang="en-US" altLang="zh-TW" sz="1200" dirty="0">
+              <a:solidFill>
+                <a:srgbClr val="C00000"/>
+              </a:solidFill>
+              <a:latin typeface="微軟正黑體" panose="020B0604030504040204" pitchFamily="34" charset="-120"/>
+              <a:ea typeface="微軟正黑體" panose="020B0604030504040204" pitchFamily="34" charset="-120"/>
+            </a:endParaRPr>
+          </a:p>
+          <a:p>
+            <a:r>
+              <a:rPr lang="zh-TW" altLang="en-US" sz="1200" b="1" dirty="0">
+                <a:solidFill>
+                  <a:srgbClr val="C00000"/>
+                </a:solidFill>
+                <a:latin typeface="微軟正黑體" panose="020B0604030504040204" pitchFamily="34" charset="-120"/>
+                <a:ea typeface="微軟正黑體" panose="020B0604030504040204" pitchFamily="34" charset="-120"/>
+              </a:rPr>
+              <a:t>合併為「國中</a:t>
+            </a:r>
+            <a:r>
+              <a:rPr lang="en-US" altLang="zh-TW" sz="1200" b="1" dirty="0">
+                <a:solidFill>
+                  <a:srgbClr val="C00000"/>
+                </a:solidFill>
+                <a:latin typeface="微軟正黑體" panose="020B0604030504040204" pitchFamily="34" charset="-120"/>
+                <a:ea typeface="微軟正黑體" panose="020B0604030504040204" pitchFamily="34" charset="-120"/>
+              </a:rPr>
+              <a:t>(</a:t>
+            </a:r>
+            <a:r>
+              <a:rPr lang="zh-TW" altLang="en-US" sz="1200" b="1" dirty="0">
+                <a:solidFill>
+                  <a:srgbClr val="C00000"/>
+                </a:solidFill>
+                <a:latin typeface="微軟正黑體" panose="020B0604030504040204" pitchFamily="34" charset="-120"/>
+                <a:ea typeface="微軟正黑體" panose="020B0604030504040204" pitchFamily="34" charset="-120"/>
+              </a:rPr>
+              <a:t>含</a:t>
+            </a:r>
+            <a:r>
+              <a:rPr lang="en-US" altLang="zh-TW" sz="1200" b="1" dirty="0">
+                <a:solidFill>
+                  <a:srgbClr val="C00000"/>
+                </a:solidFill>
+                <a:latin typeface="微軟正黑體" panose="020B0604030504040204" pitchFamily="34" charset="-120"/>
+                <a:ea typeface="微軟正黑體" panose="020B0604030504040204" pitchFamily="34" charset="-120"/>
+              </a:rPr>
+              <a:t>)</a:t>
+            </a:r>
+            <a:r>
+              <a:rPr lang="zh-TW" altLang="en-US" sz="1200" b="1" dirty="0">
+                <a:solidFill>
+                  <a:srgbClr val="C00000"/>
+                </a:solidFill>
+                <a:latin typeface="微軟正黑體" panose="020B0604030504040204" pitchFamily="34" charset="-120"/>
+                <a:ea typeface="微軟正黑體" panose="020B0604030504040204" pitchFamily="34" charset="-120"/>
+              </a:rPr>
+              <a:t>以下」 。</a:t>
+            </a:r>
+            <a:endParaRPr lang="en-US" altLang="zh-TW" sz="1200" b="1" dirty="0">
+              <a:solidFill>
+                <a:srgbClr val="C00000"/>
+              </a:solidFill>
+              <a:latin typeface="微軟正黑體" panose="020B0604030504040204" pitchFamily="34" charset="-120"/>
+              <a:ea typeface="微軟正黑體" panose="020B0604030504040204" pitchFamily="34" charset="-120"/>
+            </a:endParaRPr>
+          </a:p>
+        </p:txBody>
+      </p:sp>
+      <p:sp>
+        <p:nvSpPr>
+          <p:cNvPr id="29" name="文字方塊 28">
+            <a:extLst>
+              <a:ext uri="{FF2B5EF4-FFF2-40B4-BE49-F238E27FC236}">
+                <a16:creationId xmlns:a16="http://schemas.microsoft.com/office/drawing/2014/main" id="{F4E48F2C-611C-48F2-AD21-62380886C1B6}"/>
+              </a:ext>
+            </a:extLst>
+          </p:cNvPr>
+          <p:cNvSpPr txBox="1"/>
+          <p:nvPr/>
+        </p:nvSpPr>
+        <p:spPr>
+          <a:xfrm>
+            <a:off x="-6626906" y="12038382"/>
+            <a:ext cx="5358039" cy="830997"/>
+          </a:xfrm>
+          <a:prstGeom prst="rect">
+            <a:avLst/>
+          </a:prstGeom>
+          <a:noFill/>
+        </p:spPr>
+        <p:txBody>
+          <a:bodyPr wrap="square" rtlCol="0">
+            <a:spAutoFit/>
+          </a:bodyPr>
+          <a:lstStyle/>
+          <a:p>
+            <a:pPr algn="ctr"/>
+            <a:r>
+              <a:rPr lang="zh-TW" altLang="en-US" sz="4800" b="1" dirty="0">
+                <a:latin typeface="微軟正黑體" panose="020B0604030504040204" pitchFamily="34" charset="-120"/>
+                <a:ea typeface="微軟正黑體" panose="020B0604030504040204" pitchFamily="34" charset="-120"/>
+              </a:rPr>
+              <a:t>性別</a:t>
             </a:r>
             <a:r>
               <a:rPr lang="en-US" altLang="zh-TW" sz="4800" b="1" dirty="0">
@@ -3304,17 +6989,17 @@
                 <a:latin typeface="微軟正黑體" panose="020B0604030504040204" pitchFamily="34" charset="-120"/>
                 <a:ea typeface="微軟正黑體" panose="020B0604030504040204" pitchFamily="34" charset="-120"/>
               </a:rPr>
-              <a:t>性別組成</a:t>
+              <a:t>教育程度比較</a:t>
             </a:r>
           </a:p>
         </p:txBody>
       </p:sp>
       <p:pic>
         <p:nvPicPr>
-          <p:cNvPr id="13" name="圖片 12">
+          <p:cNvPr id="37" name="圖片 36">
             <a:extLst>
               <a:ext uri="{FF2B5EF4-FFF2-40B4-BE49-F238E27FC236}">
-                <a16:creationId xmlns:a16="http://schemas.microsoft.com/office/drawing/2014/main" id="{B875E866-E6D8-4599-BEDB-B72558FAF6F5}"/>
+                <a16:creationId xmlns:a16="http://schemas.microsoft.com/office/drawing/2014/main" id="{FC352D1D-ED03-47A1-89BC-3C940E93B0D4}"/>
               </a:ext>
             </a:extLst>
           </p:cNvPr>
@@ -3324,155 +7009,400 @@
           <p:nvPr/>
         </p:nvPicPr>
         <p:blipFill rotWithShape="1">
-          <a:blip r:embed="rId6"/>
-          <a:srcRect l="25181" t="7511" r="25140" b="4169"/>
+          <a:blip r:embed="rId7"/>
+          <a:srcRect l="25160" t="7668" r="25160" b="4012"/>
           <a:stretch/>
         </p:blipFill>
         <p:spPr>
           <a:xfrm>
-            <a:off x="5626646" y="11631417"/>
-            <a:ext cx="1465622" cy="1465622"/>
+            <a:off x="-6437866" y="13365911"/>
+            <a:ext cx="4517999" cy="4517999"/>
           </a:xfrm>
           <a:prstGeom prst="rect">
             <a:avLst/>
           </a:prstGeom>
         </p:spPr>
       </p:pic>
-      <p:pic>
-        <p:nvPicPr>
-          <p:cNvPr id="14" name="圖片 13">
+      <p:grpSp>
+        <p:nvGrpSpPr>
+          <p:cNvPr id="55" name="群組 54">
             <a:extLst>
               <a:ext uri="{FF2B5EF4-FFF2-40B4-BE49-F238E27FC236}">
-                <a16:creationId xmlns:a16="http://schemas.microsoft.com/office/drawing/2014/main" id="{4A855469-9F1F-47A6-ACAC-623ACFBD8DE6}"/>
+                <a16:creationId xmlns:a16="http://schemas.microsoft.com/office/drawing/2014/main" id="{348A6BC8-4DD1-431B-AF0D-FD7BD9576A1F}"/>
               </a:ext>
             </a:extLst>
           </p:cNvPr>
-          <p:cNvPicPr>
-            <a:picLocks noChangeAspect="1"/>
-          </p:cNvPicPr>
+          <p:cNvGrpSpPr/>
           <p:nvPr/>
-        </p:nvPicPr>
-        <p:blipFill rotWithShape="1">
-          <a:blip r:embed="rId6"/>
-          <a:srcRect l="25181" t="7511" r="25140" b="4169"/>
-          <a:stretch/>
-        </p:blipFill>
-        <p:spPr>
-          <a:xfrm>
-            <a:off x="7779296" y="11631417"/>
-            <a:ext cx="1465622" cy="1465622"/>
-          </a:xfrm>
-          <a:prstGeom prst="rect">
-            <a:avLst/>
-          </a:prstGeom>
-        </p:spPr>
-      </p:pic>
-      <p:pic>
-        <p:nvPicPr>
-          <p:cNvPr id="15" name="圖片 14">
+        </p:nvGrpSpPr>
+        <p:grpSpPr>
+          <a:xfrm>
+            <a:off x="692366" y="9662767"/>
+            <a:ext cx="10807270" cy="3206612"/>
+            <a:chOff x="799140" y="10318572"/>
+            <a:chExt cx="10593719" cy="3206612"/>
+          </a:xfrm>
+        </p:grpSpPr>
+        <p:sp>
+          <p:nvSpPr>
+            <p:cNvPr id="36" name="文字方塊 35">
+              <a:extLst>
+                <a:ext uri="{FF2B5EF4-FFF2-40B4-BE49-F238E27FC236}">
+                  <a16:creationId xmlns:a16="http://schemas.microsoft.com/office/drawing/2014/main" id="{93711EE6-75BB-40FC-AA60-C41877F17633}"/>
+                </a:ext>
+              </a:extLst>
+            </p:cNvPr>
+            <p:cNvSpPr txBox="1"/>
+            <p:nvPr/>
+          </p:nvSpPr>
+          <p:spPr>
+            <a:xfrm>
+              <a:off x="3886908" y="10318572"/>
+              <a:ext cx="4418182" cy="523220"/>
+            </a:xfrm>
+            <a:prstGeom prst="rect">
+              <a:avLst/>
+            </a:prstGeom>
+            <a:noFill/>
+          </p:spPr>
+          <p:txBody>
+            <a:bodyPr wrap="square" rtlCol="0">
+              <a:spAutoFit/>
+            </a:bodyPr>
+            <a:lstStyle/>
+            <a:p>
+              <a:pPr algn="ctr"/>
+              <a:r>
+                <a:rPr lang="zh-TW" altLang="en-US" sz="2800" b="1" dirty="0">
+                  <a:latin typeface="微軟正黑體" panose="020B0604030504040204" pitchFamily="34" charset="-120"/>
+                  <a:ea typeface="微軟正黑體" panose="020B0604030504040204" pitchFamily="34" charset="-120"/>
+                </a:rPr>
+                <a:t>各縣市教育程度組成</a:t>
+              </a:r>
+            </a:p>
+          </p:txBody>
+        </p:sp>
+        <p:pic>
+          <p:nvPicPr>
+            <p:cNvPr id="3" name="圖片 2">
+              <a:extLst>
+                <a:ext uri="{FF2B5EF4-FFF2-40B4-BE49-F238E27FC236}">
+                  <a16:creationId xmlns:a16="http://schemas.microsoft.com/office/drawing/2014/main" id="{9D28F8C6-83F2-433C-B961-885C0DA0AD79}"/>
+                </a:ext>
+              </a:extLst>
+            </p:cNvPr>
+            <p:cNvPicPr>
+              <a:picLocks noChangeAspect="1"/>
+            </p:cNvPicPr>
+            <p:nvPr/>
+          </p:nvPicPr>
+          <p:blipFill rotWithShape="1">
+            <a:blip r:embed="rId8"/>
+            <a:srcRect t="7517" b="35490"/>
+            <a:stretch/>
+          </p:blipFill>
+          <p:spPr>
+            <a:xfrm>
+              <a:off x="799140" y="11157351"/>
+              <a:ext cx="10593719" cy="2367833"/>
+            </a:xfrm>
+            <a:prstGeom prst="rect">
+              <a:avLst/>
+            </a:prstGeom>
+          </p:spPr>
+        </p:pic>
+      </p:grpSp>
+      <p:grpSp>
+        <p:nvGrpSpPr>
+          <p:cNvPr id="49" name="群組 48">
             <a:extLst>
               <a:ext uri="{FF2B5EF4-FFF2-40B4-BE49-F238E27FC236}">
-                <a16:creationId xmlns:a16="http://schemas.microsoft.com/office/drawing/2014/main" id="{FC0A7040-D07F-4CA7-A02B-20B5A52FB9AE}"/>
+                <a16:creationId xmlns:a16="http://schemas.microsoft.com/office/drawing/2014/main" id="{1FFDE192-1F99-4C87-B432-D5BC77BFD0EF}"/>
               </a:ext>
             </a:extLst>
           </p:cNvPr>
-          <p:cNvPicPr>
-            <a:picLocks noChangeAspect="1"/>
-          </p:cNvPicPr>
+          <p:cNvGrpSpPr/>
           <p:nvPr/>
-        </p:nvPicPr>
-        <p:blipFill rotWithShape="1">
-          <a:blip r:embed="rId6"/>
-          <a:srcRect l="25181" t="7511" r="25140" b="4169"/>
-          <a:stretch/>
-        </p:blipFill>
-        <p:spPr>
-          <a:xfrm>
-            <a:off x="9931946" y="11631417"/>
-            <a:ext cx="1465622" cy="1465622"/>
-          </a:xfrm>
-          <a:prstGeom prst="rect">
-            <a:avLst/>
-          </a:prstGeom>
-        </p:spPr>
-      </p:pic>
-      <p:pic>
-        <p:nvPicPr>
-          <p:cNvPr id="16" name="圖片 15">
+        </p:nvGrpSpPr>
+        <p:grpSpPr>
+          <a:xfrm>
+            <a:off x="1031745" y="15909256"/>
+            <a:ext cx="3564762" cy="3125938"/>
+            <a:chOff x="1031745" y="6538059"/>
+            <a:chExt cx="3564762" cy="3125938"/>
+          </a:xfrm>
+        </p:grpSpPr>
+        <p:sp>
+          <p:nvSpPr>
+            <p:cNvPr id="50" name="文字方塊 49">
+              <a:extLst>
+                <a:ext uri="{FF2B5EF4-FFF2-40B4-BE49-F238E27FC236}">
+                  <a16:creationId xmlns:a16="http://schemas.microsoft.com/office/drawing/2014/main" id="{3CCE9705-0BD8-4DAD-8244-E4919F560E68}"/>
+                </a:ext>
+              </a:extLst>
+            </p:cNvPr>
+            <p:cNvSpPr txBox="1"/>
+            <p:nvPr/>
+          </p:nvSpPr>
+          <p:spPr>
+            <a:xfrm>
+              <a:off x="1031745" y="6538059"/>
+              <a:ext cx="3564762" cy="523220"/>
+            </a:xfrm>
+            <a:prstGeom prst="rect">
+              <a:avLst/>
+            </a:prstGeom>
+            <a:noFill/>
+          </p:spPr>
+          <p:txBody>
+            <a:bodyPr wrap="square" rtlCol="0">
+              <a:spAutoFit/>
+            </a:bodyPr>
+            <a:lstStyle/>
+            <a:p>
+              <a:pPr algn="ctr"/>
+              <a:r>
+                <a:rPr lang="zh-TW" altLang="en-US" sz="2800" b="1" dirty="0">
+                  <a:latin typeface="微軟正黑體" panose="020B0604030504040204" pitchFamily="34" charset="-120"/>
+                  <a:ea typeface="微軟正黑體" panose="020B0604030504040204" pitchFamily="34" charset="-120"/>
+                </a:rPr>
+                <a:t>台北市教育程度組成</a:t>
+              </a:r>
+            </a:p>
+          </p:txBody>
+        </p:sp>
+        <p:pic>
+          <p:nvPicPr>
+            <p:cNvPr id="51" name="圖片 50">
+              <a:extLst>
+                <a:ext uri="{FF2B5EF4-FFF2-40B4-BE49-F238E27FC236}">
+                  <a16:creationId xmlns:a16="http://schemas.microsoft.com/office/drawing/2014/main" id="{BE14558E-2706-4E65-AB96-584681531747}"/>
+                </a:ext>
+              </a:extLst>
+            </p:cNvPr>
+            <p:cNvPicPr>
+              <a:picLocks noChangeAspect="1"/>
+            </p:cNvPicPr>
+            <p:nvPr/>
+          </p:nvPicPr>
+          <p:blipFill rotWithShape="1">
+            <a:blip r:embed="rId9"/>
+            <a:srcRect l="25936" t="7108" r="24753" b="4648"/>
+            <a:stretch/>
+          </p:blipFill>
+          <p:spPr>
+            <a:xfrm>
+              <a:off x="1718130" y="7457512"/>
+              <a:ext cx="2191992" cy="2206485"/>
+            </a:xfrm>
+            <a:prstGeom prst="rect">
+              <a:avLst/>
+            </a:prstGeom>
+          </p:spPr>
+        </p:pic>
+      </p:grpSp>
+      <p:grpSp>
+        <p:nvGrpSpPr>
+          <p:cNvPr id="19" name="群組 18">
             <a:extLst>
               <a:ext uri="{FF2B5EF4-FFF2-40B4-BE49-F238E27FC236}">
-                <a16:creationId xmlns:a16="http://schemas.microsoft.com/office/drawing/2014/main" id="{31BE4E6E-B230-40A1-BFCA-F85CE84FF400}"/>
+                <a16:creationId xmlns:a16="http://schemas.microsoft.com/office/drawing/2014/main" id="{26195BBC-3273-427F-B385-DC53ED7CD234}"/>
               </a:ext>
             </a:extLst>
           </p:cNvPr>
-          <p:cNvPicPr>
-            <a:picLocks noChangeAspect="1"/>
-          </p:cNvPicPr>
+          <p:cNvGrpSpPr/>
           <p:nvPr/>
-        </p:nvPicPr>
-        <p:blipFill rotWithShape="1">
-          <a:blip r:embed="rId6"/>
-          <a:srcRect l="25181" t="7511" r="25140" b="4169"/>
-          <a:stretch/>
-        </p:blipFill>
-        <p:spPr>
-          <a:xfrm>
-            <a:off x="1321346" y="11631417"/>
-            <a:ext cx="1465622" cy="1465622"/>
-          </a:xfrm>
-          <a:prstGeom prst="rect">
-            <a:avLst/>
-          </a:prstGeom>
-        </p:spPr>
-      </p:pic>
-      <p:cxnSp>
-        <p:nvCxnSpPr>
-          <p:cNvPr id="25" name="直線接點 24">
-            <a:extLst>
-              <a:ext uri="{FF2B5EF4-FFF2-40B4-BE49-F238E27FC236}">
-                <a16:creationId xmlns:a16="http://schemas.microsoft.com/office/drawing/2014/main" id="{18CFFEEA-22D7-4579-A8E8-AE31F50E50B6}"/>
-              </a:ext>
-            </a:extLst>
-          </p:cNvPr>
-          <p:cNvCxnSpPr/>
-          <p:nvPr/>
-        </p:nvCxnSpPr>
-        <p:spPr>
-          <a:xfrm>
-            <a:off x="0" y="7004190"/>
-            <a:ext cx="12192000" cy="0"/>
-          </a:xfrm>
-          <a:prstGeom prst="line">
-            <a:avLst/>
-          </a:prstGeom>
-          <a:ln w="38100">
-            <a:solidFill>
-              <a:schemeClr val="bg1">
-                <a:lumMod val="85000"/>
-              </a:schemeClr>
-            </a:solidFill>
-            <a:prstDash val="dash"/>
-          </a:ln>
-        </p:spPr>
-        <p:style>
-          <a:lnRef idx="1">
-            <a:schemeClr val="dk1"/>
-          </a:lnRef>
-          <a:fillRef idx="0">
-            <a:schemeClr val="dk1"/>
-          </a:fillRef>
-          <a:effectRef idx="0">
-            <a:schemeClr val="dk1"/>
-          </a:effectRef>
-          <a:fontRef idx="minor">
-            <a:schemeClr val="tx1"/>
-          </a:fontRef>
-        </p:style>
-      </p:cxnSp>
+        </p:nvGrpSpPr>
+        <p:grpSpPr>
+          <a:xfrm>
+            <a:off x="1063554" y="5930489"/>
+            <a:ext cx="10064892" cy="3282215"/>
+            <a:chOff x="692365" y="5930489"/>
+            <a:chExt cx="10064892" cy="3282215"/>
+          </a:xfrm>
+        </p:grpSpPr>
+        <p:grpSp>
+          <p:nvGrpSpPr>
+            <p:cNvPr id="58" name="群組 57">
+              <a:extLst>
+                <a:ext uri="{FF2B5EF4-FFF2-40B4-BE49-F238E27FC236}">
+                  <a16:creationId xmlns:a16="http://schemas.microsoft.com/office/drawing/2014/main" id="{C3B253D0-7027-44B2-A6FB-0B37C8A1354B}"/>
+                </a:ext>
+              </a:extLst>
+            </p:cNvPr>
+            <p:cNvGrpSpPr/>
+            <p:nvPr/>
+          </p:nvGrpSpPr>
+          <p:grpSpPr>
+            <a:xfrm>
+              <a:off x="692365" y="5930489"/>
+              <a:ext cx="3564762" cy="3125938"/>
+              <a:chOff x="799140" y="6538059"/>
+              <a:chExt cx="3564762" cy="3125938"/>
+            </a:xfrm>
+          </p:grpSpPr>
+          <p:sp>
+            <p:nvSpPr>
+              <p:cNvPr id="41" name="文字方塊 40">
+                <a:extLst>
+                  <a:ext uri="{FF2B5EF4-FFF2-40B4-BE49-F238E27FC236}">
+                    <a16:creationId xmlns:a16="http://schemas.microsoft.com/office/drawing/2014/main" id="{D7252768-3880-43C2-B26D-D5C5BCCE1B98}"/>
+                  </a:ext>
+                </a:extLst>
+              </p:cNvPr>
+              <p:cNvSpPr txBox="1"/>
+              <p:nvPr/>
+            </p:nvSpPr>
+            <p:spPr>
+              <a:xfrm>
+                <a:off x="799140" y="6538059"/>
+                <a:ext cx="3564762" cy="523220"/>
+              </a:xfrm>
+              <a:prstGeom prst="rect">
+                <a:avLst/>
+              </a:prstGeom>
+              <a:noFill/>
+            </p:spPr>
+            <p:txBody>
+              <a:bodyPr wrap="square" rtlCol="0">
+                <a:spAutoFit/>
+              </a:bodyPr>
+              <a:lstStyle/>
+              <a:p>
+                <a:pPr algn="ctr"/>
+                <a:r>
+                  <a:rPr lang="zh-TW" altLang="en-US" sz="2800" b="1" dirty="0">
+                    <a:latin typeface="微軟正黑體" panose="020B0604030504040204" pitchFamily="34" charset="-120"/>
+                    <a:ea typeface="微軟正黑體" panose="020B0604030504040204" pitchFamily="34" charset="-120"/>
+                  </a:rPr>
+                  <a:t>全國教育程度組成</a:t>
+                </a:r>
+              </a:p>
+            </p:txBody>
+          </p:sp>
+          <p:pic>
+            <p:nvPicPr>
+              <p:cNvPr id="2" name="圖片 1">
+                <a:extLst>
+                  <a:ext uri="{FF2B5EF4-FFF2-40B4-BE49-F238E27FC236}">
+                    <a16:creationId xmlns:a16="http://schemas.microsoft.com/office/drawing/2014/main" id="{BF7701A6-1126-4367-9178-43F401A92494}"/>
+                  </a:ext>
+                </a:extLst>
+              </p:cNvPr>
+              <p:cNvPicPr>
+                <a:picLocks noChangeAspect="1"/>
+              </p:cNvPicPr>
+              <p:nvPr/>
+            </p:nvPicPr>
+            <p:blipFill rotWithShape="1">
+              <a:blip r:embed="rId9"/>
+              <a:srcRect l="25936" t="7108" r="24753" b="4648"/>
+              <a:stretch/>
+            </p:blipFill>
+            <p:spPr>
+              <a:xfrm>
+                <a:off x="1485525" y="7457512"/>
+                <a:ext cx="2191992" cy="2206485"/>
+              </a:xfrm>
+              <a:prstGeom prst="rect">
+                <a:avLst/>
+              </a:prstGeom>
+            </p:spPr>
+          </p:pic>
+        </p:grpSp>
+        <p:grpSp>
+          <p:nvGrpSpPr>
+            <p:cNvPr id="17" name="群組 16">
+              <a:extLst>
+                <a:ext uri="{FF2B5EF4-FFF2-40B4-BE49-F238E27FC236}">
+                  <a16:creationId xmlns:a16="http://schemas.microsoft.com/office/drawing/2014/main" id="{EAF4FA4A-3F07-4920-98CF-C9ED4D4DECCB}"/>
+                </a:ext>
+              </a:extLst>
+            </p:cNvPr>
+            <p:cNvGrpSpPr/>
+            <p:nvPr/>
+          </p:nvGrpSpPr>
+          <p:grpSpPr>
+            <a:xfrm>
+              <a:off x="5554842" y="5930489"/>
+              <a:ext cx="5202415" cy="3282215"/>
+              <a:chOff x="5554842" y="5930489"/>
+              <a:chExt cx="5202415" cy="3282215"/>
+            </a:xfrm>
+          </p:grpSpPr>
+          <p:sp>
+            <p:nvSpPr>
+              <p:cNvPr id="53" name="文字方塊 52">
+                <a:extLst>
+                  <a:ext uri="{FF2B5EF4-FFF2-40B4-BE49-F238E27FC236}">
+                    <a16:creationId xmlns:a16="http://schemas.microsoft.com/office/drawing/2014/main" id="{EF143170-4836-49B0-97F6-6E26910E1488}"/>
+                  </a:ext>
+                </a:extLst>
+              </p:cNvPr>
+              <p:cNvSpPr txBox="1"/>
+              <p:nvPr/>
+            </p:nvSpPr>
+            <p:spPr>
+              <a:xfrm>
+                <a:off x="5946959" y="5930489"/>
+                <a:ext cx="4418182" cy="523220"/>
+              </a:xfrm>
+              <a:prstGeom prst="rect">
+                <a:avLst/>
+              </a:prstGeom>
+              <a:noFill/>
+            </p:spPr>
+            <p:txBody>
+              <a:bodyPr wrap="square" rtlCol="0">
+                <a:spAutoFit/>
+              </a:bodyPr>
+              <a:lstStyle/>
+              <a:p>
+                <a:pPr algn="ctr"/>
+                <a:r>
+                  <a:rPr lang="zh-TW" altLang="en-US" sz="2800" b="1" dirty="0">
+                    <a:latin typeface="微軟正黑體" panose="020B0604030504040204" pitchFamily="34" charset="-120"/>
+                    <a:ea typeface="微軟正黑體" panose="020B0604030504040204" pitchFamily="34" charset="-120"/>
+                  </a:rPr>
+                  <a:t>全國各教育程度性別人數</a:t>
+                </a:r>
+              </a:p>
+            </p:txBody>
+          </p:sp>
+          <p:graphicFrame>
+            <p:nvGraphicFramePr>
+              <p:cNvPr id="13" name="圖表 12">
+                <a:extLst>
+                  <a:ext uri="{FF2B5EF4-FFF2-40B4-BE49-F238E27FC236}">
+                    <a16:creationId xmlns:a16="http://schemas.microsoft.com/office/drawing/2014/main" id="{77F5AF31-C473-49D7-AFA0-45F9C1FFCE05}"/>
+                  </a:ext>
+                </a:extLst>
+              </p:cNvPr>
+              <p:cNvGraphicFramePr/>
+              <p:nvPr>
+                <p:extLst>
+                  <p:ext uri="{D42A27DB-BD31-4B8C-83A1-F6EECF244321}">
+                    <p14:modId xmlns:p14="http://schemas.microsoft.com/office/powerpoint/2010/main" val="3399406491"/>
+                  </p:ext>
+                </p:extLst>
+              </p:nvPr>
+            </p:nvGraphicFramePr>
+            <p:xfrm>
+              <a:off x="5554842" y="6858000"/>
+              <a:ext cx="5202415" cy="2354704"/>
+            </p:xfrm>
+            <a:graphic>
+              <a:graphicData uri="http://schemas.openxmlformats.org/drawingml/2006/chart">
+                <c:chart xmlns:c="http://schemas.openxmlformats.org/drawingml/2006/chart" xmlns:r="http://schemas.openxmlformats.org/officeDocument/2006/relationships" r:id="rId10"/>
+              </a:graphicData>
+            </a:graphic>
+          </p:graphicFrame>
+        </p:grpSp>
+      </p:grpSp>
     </p:spTree>
     <p:extLst>
       <p:ext uri="{BB962C8B-B14F-4D97-AF65-F5344CB8AC3E}">
-        <p14:creationId xmlns:p14="http://schemas.microsoft.com/office/powerpoint/2010/main" val="485216827"/>
+        <p14:creationId xmlns:p14="http://schemas.microsoft.com/office/powerpoint/2010/main" val="111415530"/>
       </p:ext>
     </p:extLst>
   </p:cSld>
@@ -3514,7 +7444,7 @@
           <p:nvPr/>
         </p:nvPicPr>
         <p:blipFill rotWithShape="1">
-          <a:blip r:embed="rId2"/>
+          <a:blip r:embed="rId3"/>
           <a:srcRect l="24754" t="6374" r="24754" b="3863"/>
           <a:stretch/>
         </p:blipFill>
@@ -3543,7 +7473,7 @@
           <p:nvPr/>
         </p:nvPicPr>
         <p:blipFill rotWithShape="1">
-          <a:blip r:embed="rId3"/>
+          <a:blip r:embed="rId4"/>
           <a:srcRect b="32928"/>
           <a:stretch/>
         </p:blipFill>
@@ -3572,7 +7502,7 @@
           <p:nvPr/>
         </p:nvPicPr>
         <p:blipFill rotWithShape="1">
-          <a:blip r:embed="rId4"/>
+          <a:blip r:embed="rId5"/>
           <a:srcRect l="25181" t="7511" r="25140" b="4169"/>
           <a:stretch/>
         </p:blipFill>
@@ -3601,7 +7531,7 @@
           <p:nvPr/>
         </p:nvPicPr>
         <p:blipFill rotWithShape="1">
-          <a:blip r:embed="rId2">
+          <a:blip r:embed="rId3">
             <a:duotone>
               <a:schemeClr val="accent2">
                 <a:shade val="45000"/>
@@ -3744,7 +7674,7 @@
           <p:nvPr/>
         </p:nvPicPr>
         <p:blipFill rotWithShape="1">
-          <a:blip r:embed="rId4"/>
+          <a:blip r:embed="rId5"/>
           <a:srcRect l="25181" t="7511" r="25140" b="4169"/>
           <a:stretch/>
         </p:blipFill>
@@ -3773,7 +7703,7 @@
           <p:nvPr/>
         </p:nvPicPr>
         <p:blipFill rotWithShape="1">
-          <a:blip r:embed="rId4"/>
+          <a:blip r:embed="rId5"/>
           <a:srcRect l="25181" t="7511" r="25140" b="4169"/>
           <a:stretch/>
         </p:blipFill>
@@ -3802,7 +7732,7 @@
           <p:nvPr/>
         </p:nvPicPr>
         <p:blipFill rotWithShape="1">
-          <a:blip r:embed="rId4"/>
+          <a:blip r:embed="rId5"/>
           <a:srcRect l="25181" t="7511" r="25140" b="4169"/>
           <a:stretch/>
         </p:blipFill>
@@ -3810,35 +7740,6 @@
           <a:xfrm>
             <a:off x="21251405" y="6457157"/>
             <a:ext cx="1932213" cy="1932213"/>
-          </a:xfrm>
-          <a:prstGeom prst="rect">
-            <a:avLst/>
-          </a:prstGeom>
-        </p:spPr>
-      </p:pic>
-      <p:pic>
-        <p:nvPicPr>
-          <p:cNvPr id="19" name="圖片 18">
-            <a:extLst>
-              <a:ext uri="{FF2B5EF4-FFF2-40B4-BE49-F238E27FC236}">
-                <a16:creationId xmlns:a16="http://schemas.microsoft.com/office/drawing/2014/main" id="{1AF7F62D-A2D2-4169-922D-D73B18CF5CE8}"/>
-              </a:ext>
-            </a:extLst>
-          </p:cNvPr>
-          <p:cNvPicPr>
-            <a:picLocks noChangeAspect="1"/>
-          </p:cNvPicPr>
-          <p:nvPr/>
-        </p:nvPicPr>
-        <p:blipFill rotWithShape="1">
-          <a:blip r:embed="rId5"/>
-          <a:srcRect l="25160" t="7668" r="25160" b="4012"/>
-          <a:stretch/>
-        </p:blipFill>
-        <p:spPr>
-          <a:xfrm>
-            <a:off x="8039846" y="11084208"/>
-            <a:ext cx="2294827" cy="2294827"/>
           </a:xfrm>
           <a:prstGeom prst="rect">
             <a:avLst/>
@@ -3860,7 +7761,7 @@
           <p:nvPr/>
         </p:nvPicPr>
         <p:blipFill rotWithShape="1">
-          <a:blip r:embed="rId4"/>
+          <a:blip r:embed="rId5"/>
           <a:srcRect l="25181" t="7511" r="25140" b="4169"/>
           <a:stretch/>
         </p:blipFill>
@@ -3872,53 +7773,6 @@
           <a:prstGeom prst="rect">
             <a:avLst/>
           </a:prstGeom>
-        </p:spPr>
-      </p:pic>
-      <p:pic>
-        <p:nvPicPr>
-          <p:cNvPr id="1026" name="Picture 2" descr="資視就是力量- Highcharts / 金字塔圖表- iT 邦幫忙::一起幫忙解決難題，拯救IT 人的一天">
-            <a:extLst>
-              <a:ext uri="{FF2B5EF4-FFF2-40B4-BE49-F238E27FC236}">
-                <a16:creationId xmlns:a16="http://schemas.microsoft.com/office/drawing/2014/main" id="{FC649509-2E20-4C95-BB9E-AE37AB599B36}"/>
-              </a:ext>
-            </a:extLst>
-          </p:cNvPr>
-          <p:cNvPicPr>
-            <a:picLocks noChangeAspect="1" noChangeArrowheads="1"/>
-          </p:cNvPicPr>
-          <p:nvPr/>
-        </p:nvPicPr>
-        <p:blipFill>
-          <a:blip r:embed="rId6">
-            <a:extLst>
-              <a:ext uri="{28A0092B-C50C-407E-A947-70E740481C1C}">
-                <a14:useLocalDpi xmlns:a14="http://schemas.microsoft.com/office/drawing/2010/main" val="0"/>
-              </a:ext>
-            </a:extLst>
-          </a:blip>
-          <a:srcRect/>
-          <a:stretch>
-            <a:fillRect/>
-          </a:stretch>
-        </p:blipFill>
-        <p:spPr bwMode="auto">
-          <a:xfrm>
-            <a:off x="2814126" y="23550957"/>
-            <a:ext cx="8241056" cy="4273438"/>
-          </a:xfrm>
-          <a:prstGeom prst="rect">
-            <a:avLst/>
-          </a:prstGeom>
-          <a:noFill/>
-          <a:extLst>
-            <a:ext uri="{909E8E84-426E-40DD-AFC4-6F175D3DCCD1}">
-              <a14:hiddenFill xmlns:a14="http://schemas.microsoft.com/office/drawing/2010/main">
-                <a:solidFill>
-                  <a:srgbClr val="FFFFFF"/>
-                </a:solidFill>
-              </a14:hiddenFill>
-            </a:ext>
-          </a:extLst>
         </p:spPr>
       </p:pic>
       <p:pic>
@@ -3936,43 +7790,14 @@
           <p:nvPr/>
         </p:nvPicPr>
         <p:blipFill rotWithShape="1">
-          <a:blip r:embed="rId7"/>
-          <a:srcRect b="33905"/>
+          <a:blip r:embed="rId6"/>
+          <a:srcRect t="6389" b="33905"/>
           <a:stretch/>
         </p:blipFill>
         <p:spPr>
           <a:xfrm>
-            <a:off x="-7268063" y="3488189"/>
-            <a:ext cx="6708697" cy="2494190"/>
-          </a:xfrm>
-          <a:prstGeom prst="rect">
-            <a:avLst/>
-          </a:prstGeom>
-        </p:spPr>
-      </p:pic>
-      <p:pic>
-        <p:nvPicPr>
-          <p:cNvPr id="22" name="圖片 21">
-            <a:extLst>
-              <a:ext uri="{FF2B5EF4-FFF2-40B4-BE49-F238E27FC236}">
-                <a16:creationId xmlns:a16="http://schemas.microsoft.com/office/drawing/2014/main" id="{D909044C-3DE5-44DC-A497-50C9B55A6DE4}"/>
-              </a:ext>
-            </a:extLst>
-          </p:cNvPr>
-          <p:cNvPicPr>
-            <a:picLocks noChangeAspect="1"/>
-          </p:cNvPicPr>
-          <p:nvPr/>
-        </p:nvPicPr>
-        <p:blipFill rotWithShape="1">
-          <a:blip r:embed="rId8"/>
-          <a:srcRect t="6535" b="34166"/>
-          <a:stretch/>
-        </p:blipFill>
-        <p:spPr>
-          <a:xfrm>
-            <a:off x="964888" y="2821558"/>
-            <a:ext cx="10262224" cy="3422980"/>
+            <a:off x="-7268063" y="3729317"/>
+            <a:ext cx="6708697" cy="2253061"/>
           </a:xfrm>
           <a:prstGeom prst="rect">
             <a:avLst/>
@@ -3993,7 +7818,7 @@
         </p:nvSpPr>
         <p:spPr>
           <a:xfrm>
-            <a:off x="964888" y="1379768"/>
+            <a:off x="737961" y="441109"/>
             <a:ext cx="1290126" cy="400050"/>
           </a:xfrm>
           <a:prstGeom prst="rect">
@@ -4044,17 +7869,1610 @@
                 <a:latin typeface="微軟正黑體" panose="020B0604030504040204" pitchFamily="34" charset="-120"/>
                 <a:ea typeface="微軟正黑體" panose="020B0604030504040204" pitchFamily="34" charset="-120"/>
               </a:rPr>
-              <a:t>縣市別 ▼</a:t>
+              <a:t>臺北市</a:t>
             </a:r>
           </a:p>
         </p:txBody>
       </p:sp>
       <p:sp>
         <p:nvSpPr>
-          <p:cNvPr id="25" name="矩形 24">
+          <p:cNvPr id="26" name="文字方塊 25">
             <a:extLst>
               <a:ext uri="{FF2B5EF4-FFF2-40B4-BE49-F238E27FC236}">
-                <a16:creationId xmlns:a16="http://schemas.microsoft.com/office/drawing/2014/main" id="{F2DE8564-81B0-4673-B202-2464984F98A7}"/>
+                <a16:creationId xmlns:a16="http://schemas.microsoft.com/office/drawing/2014/main" id="{B606E106-1066-49E8-BCF3-29190DC54E63}"/>
+              </a:ext>
+            </a:extLst>
+          </p:cNvPr>
+          <p:cNvSpPr txBox="1"/>
+          <p:nvPr/>
+        </p:nvSpPr>
+        <p:spPr>
+          <a:xfrm>
+            <a:off x="2788800" y="221869"/>
+            <a:ext cx="6614401" cy="830997"/>
+          </a:xfrm>
+          <a:prstGeom prst="rect">
+            <a:avLst/>
+          </a:prstGeom>
+          <a:noFill/>
+        </p:spPr>
+        <p:txBody>
+          <a:bodyPr wrap="square" rtlCol="0">
+            <a:spAutoFit/>
+          </a:bodyPr>
+          <a:lstStyle/>
+          <a:p>
+            <a:pPr algn="ctr"/>
+            <a:r>
+              <a:rPr lang="zh-TW" altLang="en-US" sz="4800" b="1" dirty="0">
+                <a:latin typeface="微軟正黑體" panose="020B0604030504040204" pitchFamily="34" charset="-120"/>
+                <a:ea typeface="微軟正黑體" panose="020B0604030504040204" pitchFamily="34" charset="-120"/>
+              </a:rPr>
+              <a:t>全國教育程度資料</a:t>
+            </a:r>
+          </a:p>
+        </p:txBody>
+      </p:sp>
+      <p:sp>
+        <p:nvSpPr>
+          <p:cNvPr id="24" name="文字方塊 23">
+            <a:extLst>
+              <a:ext uri="{FF2B5EF4-FFF2-40B4-BE49-F238E27FC236}">
+                <a16:creationId xmlns:a16="http://schemas.microsoft.com/office/drawing/2014/main" id="{5450E15E-6A1E-4AB0-8E51-4A422C01EBC5}"/>
+              </a:ext>
+            </a:extLst>
+          </p:cNvPr>
+          <p:cNvSpPr txBox="1"/>
+          <p:nvPr/>
+        </p:nvSpPr>
+        <p:spPr>
+          <a:xfrm>
+            <a:off x="12640805" y="-979352"/>
+            <a:ext cx="5580748" cy="2123658"/>
+          </a:xfrm>
+          <a:prstGeom prst="rect">
+            <a:avLst/>
+          </a:prstGeom>
+          <a:noFill/>
+        </p:spPr>
+        <p:txBody>
+          <a:bodyPr wrap="square" rtlCol="0">
+            <a:spAutoFit/>
+          </a:bodyPr>
+          <a:lstStyle/>
+          <a:p>
+            <a:r>
+              <a:rPr lang="zh-TW" altLang="en-US" sz="1200" dirty="0">
+                <a:latin typeface="微軟正黑體" panose="020B0604030504040204" pitchFamily="34" charset="-120"/>
+                <a:ea typeface="微軟正黑體" panose="020B0604030504040204" pitchFamily="34" charset="-120"/>
+              </a:rPr>
+              <a:t>資料來源</a:t>
+            </a:r>
+            <a:r>
+              <a:rPr lang="en-US" altLang="zh-TW" sz="1200" dirty="0">
+                <a:latin typeface="微軟正黑體" panose="020B0604030504040204" pitchFamily="34" charset="-120"/>
+                <a:ea typeface="微軟正黑體" panose="020B0604030504040204" pitchFamily="34" charset="-120"/>
+              </a:rPr>
+              <a:t>:</a:t>
+            </a:r>
+            <a:r>
+              <a:rPr lang="zh-TW" altLang="en-US" sz="1200" dirty="0">
+                <a:latin typeface="微軟正黑體" panose="020B0604030504040204" pitchFamily="34" charset="-120"/>
+                <a:ea typeface="微軟正黑體" panose="020B0604030504040204" pitchFamily="34" charset="-120"/>
+              </a:rPr>
+              <a:t> 各村里教育程度資料 </a:t>
+            </a:r>
+            <a:r>
+              <a:rPr lang="en-US" altLang="zh-TW" sz="1200" dirty="0">
+                <a:latin typeface="微軟正黑體" panose="020B0604030504040204" pitchFamily="34" charset="-120"/>
+                <a:ea typeface="微軟正黑體" panose="020B0604030504040204" pitchFamily="34" charset="-120"/>
+              </a:rPr>
+              <a:t>|</a:t>
+            </a:r>
+            <a:r>
+              <a:rPr lang="zh-TW" altLang="en-US" sz="1200" dirty="0">
+                <a:latin typeface="微軟正黑體" panose="020B0604030504040204" pitchFamily="34" charset="-120"/>
+                <a:ea typeface="微軟正黑體" panose="020B0604030504040204" pitchFamily="34" charset="-120"/>
+              </a:rPr>
+              <a:t> 政府開放資料平台</a:t>
+            </a:r>
+            <a:endParaRPr lang="en-US" altLang="zh-TW" sz="1200" dirty="0">
+              <a:latin typeface="微軟正黑體" panose="020B0604030504040204" pitchFamily="34" charset="-120"/>
+              <a:ea typeface="微軟正黑體" panose="020B0604030504040204" pitchFamily="34" charset="-120"/>
+            </a:endParaRPr>
+          </a:p>
+          <a:p>
+            <a:r>
+              <a:rPr lang="zh-TW" altLang="en-US" sz="1200" dirty="0">
+                <a:latin typeface="微軟正黑體" panose="020B0604030504040204" pitchFamily="34" charset="-120"/>
+                <a:ea typeface="微軟正黑體" panose="020B0604030504040204" pitchFamily="34" charset="-120"/>
+              </a:rPr>
+              <a:t>統計年度</a:t>
+            </a:r>
+            <a:r>
+              <a:rPr lang="en-US" altLang="zh-TW" sz="1200" dirty="0">
+                <a:latin typeface="微軟正黑體" panose="020B0604030504040204" pitchFamily="34" charset="-120"/>
+                <a:ea typeface="微軟正黑體" panose="020B0604030504040204" pitchFamily="34" charset="-120"/>
+              </a:rPr>
+              <a:t>:</a:t>
+            </a:r>
+            <a:r>
+              <a:rPr lang="zh-TW" altLang="en-US" sz="1200" dirty="0">
+                <a:latin typeface="微軟正黑體" panose="020B0604030504040204" pitchFamily="34" charset="-120"/>
+                <a:ea typeface="微軟正黑體" panose="020B0604030504040204" pitchFamily="34" charset="-120"/>
+              </a:rPr>
+              <a:t> </a:t>
+            </a:r>
+            <a:r>
+              <a:rPr lang="en-US" altLang="zh-TW" sz="1200" dirty="0">
+                <a:latin typeface="微軟正黑體" panose="020B0604030504040204" pitchFamily="34" charset="-120"/>
+                <a:ea typeface="微軟正黑體" panose="020B0604030504040204" pitchFamily="34" charset="-120"/>
+              </a:rPr>
+              <a:t>108</a:t>
+            </a:r>
+            <a:r>
+              <a:rPr lang="zh-TW" altLang="en-US" sz="1200" dirty="0">
+                <a:latin typeface="微軟正黑體" panose="020B0604030504040204" pitchFamily="34" charset="-120"/>
+                <a:ea typeface="微軟正黑體" panose="020B0604030504040204" pitchFamily="34" charset="-120"/>
+              </a:rPr>
+              <a:t>年</a:t>
+            </a:r>
+            <a:br>
+              <a:rPr lang="en-US" altLang="zh-TW" sz="1200" dirty="0">
+                <a:latin typeface="微軟正黑體" panose="020B0604030504040204" pitchFamily="34" charset="-120"/>
+                <a:ea typeface="微軟正黑體" panose="020B0604030504040204" pitchFamily="34" charset="-120"/>
+              </a:rPr>
+            </a:br>
+            <a:r>
+              <a:rPr lang="zh-TW" altLang="en-US" sz="1200" dirty="0">
+                <a:latin typeface="微軟正黑體" panose="020B0604030504040204" pitchFamily="34" charset="-120"/>
+                <a:ea typeface="微軟正黑體" panose="020B0604030504040204" pitchFamily="34" charset="-120"/>
+              </a:rPr>
+              <a:t>說明</a:t>
+            </a:r>
+            <a:r>
+              <a:rPr lang="en-US" altLang="zh-TW" sz="1200" dirty="0">
+                <a:latin typeface="微軟正黑體" panose="020B0604030504040204" pitchFamily="34" charset="-120"/>
+                <a:ea typeface="微軟正黑體" panose="020B0604030504040204" pitchFamily="34" charset="-120"/>
+              </a:rPr>
+              <a:t>: </a:t>
+            </a:r>
+            <a:r>
+              <a:rPr lang="zh-TW" altLang="en-US" sz="1200" dirty="0">
+                <a:latin typeface="微軟正黑體" panose="020B0604030504040204" pitchFamily="34" charset="-120"/>
+                <a:ea typeface="微軟正黑體" panose="020B0604030504040204" pitchFamily="34" charset="-120"/>
+              </a:rPr>
+              <a:t>原始資料中之博畢、博肄合併為「</a:t>
+            </a:r>
+            <a:r>
+              <a:rPr lang="zh-TW" altLang="en-US" sz="1200" b="1" dirty="0">
+                <a:latin typeface="微軟正黑體" panose="020B0604030504040204" pitchFamily="34" charset="-120"/>
+                <a:ea typeface="微軟正黑體" panose="020B0604030504040204" pitchFamily="34" charset="-120"/>
+              </a:rPr>
+              <a:t>博士</a:t>
+            </a:r>
+            <a:r>
+              <a:rPr lang="zh-TW" altLang="en-US" sz="1200" dirty="0">
+                <a:latin typeface="微軟正黑體" panose="020B0604030504040204" pitchFamily="34" charset="-120"/>
+                <a:ea typeface="微軟正黑體" panose="020B0604030504040204" pitchFamily="34" charset="-120"/>
+              </a:rPr>
+              <a:t>」；</a:t>
+            </a:r>
+          </a:p>
+          <a:p>
+            <a:r>
+              <a:rPr lang="zh-TW" altLang="en-US" sz="1200" dirty="0">
+                <a:latin typeface="微軟正黑體" panose="020B0604030504040204" pitchFamily="34" charset="-120"/>
+                <a:ea typeface="微軟正黑體" panose="020B0604030504040204" pitchFamily="34" charset="-120"/>
+              </a:rPr>
+              <a:t>碩畢、碩肄合併為「</a:t>
+            </a:r>
+            <a:r>
+              <a:rPr lang="zh-TW" altLang="en-US" sz="1200" b="1" dirty="0">
+                <a:latin typeface="微軟正黑體" panose="020B0604030504040204" pitchFamily="34" charset="-120"/>
+                <a:ea typeface="微軟正黑體" panose="020B0604030504040204" pitchFamily="34" charset="-120"/>
+              </a:rPr>
+              <a:t>碩士</a:t>
+            </a:r>
+            <a:r>
+              <a:rPr lang="zh-TW" altLang="en-US" sz="1200" dirty="0">
+                <a:latin typeface="微軟正黑體" panose="020B0604030504040204" pitchFamily="34" charset="-120"/>
+                <a:ea typeface="微軟正黑體" panose="020B0604030504040204" pitchFamily="34" charset="-120"/>
+              </a:rPr>
+              <a:t>」；</a:t>
+            </a:r>
+            <a:endParaRPr lang="en-US" altLang="zh-TW" sz="1200" dirty="0">
+              <a:latin typeface="微軟正黑體" panose="020B0604030504040204" pitchFamily="34" charset="-120"/>
+              <a:ea typeface="微軟正黑體" panose="020B0604030504040204" pitchFamily="34" charset="-120"/>
+            </a:endParaRPr>
+          </a:p>
+          <a:p>
+            <a:r>
+              <a:rPr lang="zh-TW" altLang="en-US" sz="1200" dirty="0">
+                <a:latin typeface="微軟正黑體" panose="020B0604030504040204" pitchFamily="34" charset="-120"/>
+                <a:ea typeface="微軟正黑體" panose="020B0604030504040204" pitchFamily="34" charset="-120"/>
+              </a:rPr>
+              <a:t>大畢、大肄合併為「</a:t>
+            </a:r>
+            <a:r>
+              <a:rPr lang="zh-TW" altLang="en-US" sz="1200" b="1" dirty="0">
+                <a:latin typeface="微軟正黑體" panose="020B0604030504040204" pitchFamily="34" charset="-120"/>
+                <a:ea typeface="微軟正黑體" panose="020B0604030504040204" pitchFamily="34" charset="-120"/>
+              </a:rPr>
+              <a:t>學士</a:t>
+            </a:r>
+            <a:r>
+              <a:rPr lang="zh-TW" altLang="en-US" sz="1200" dirty="0">
+                <a:latin typeface="微軟正黑體" panose="020B0604030504040204" pitchFamily="34" charset="-120"/>
+                <a:ea typeface="微軟正黑體" panose="020B0604030504040204" pitchFamily="34" charset="-120"/>
+              </a:rPr>
+              <a:t>」；</a:t>
+            </a:r>
+          </a:p>
+          <a:p>
+            <a:r>
+              <a:rPr lang="zh-TW" altLang="en-US" sz="1200" dirty="0">
+                <a:latin typeface="微軟正黑體" panose="020B0604030504040204" pitchFamily="34" charset="-120"/>
+                <a:ea typeface="微軟正黑體" panose="020B0604030504040204" pitchFamily="34" charset="-120"/>
+              </a:rPr>
+              <a:t>二畢、二肄、後二畢、後二肄合併為「</a:t>
+            </a:r>
+            <a:r>
+              <a:rPr lang="zh-TW" altLang="en-US" sz="1200" b="1" dirty="0">
+                <a:latin typeface="微軟正黑體" panose="020B0604030504040204" pitchFamily="34" charset="-120"/>
+                <a:ea typeface="微軟正黑體" panose="020B0604030504040204" pitchFamily="34" charset="-120"/>
+              </a:rPr>
+              <a:t>專科</a:t>
+            </a:r>
+            <a:r>
+              <a:rPr lang="zh-TW" altLang="en-US" sz="1200" dirty="0">
+                <a:latin typeface="微軟正黑體" panose="020B0604030504040204" pitchFamily="34" charset="-120"/>
+                <a:ea typeface="微軟正黑體" panose="020B0604030504040204" pitchFamily="34" charset="-120"/>
+              </a:rPr>
+              <a:t>」；</a:t>
+            </a:r>
+          </a:p>
+          <a:p>
+            <a:r>
+              <a:rPr lang="zh-TW" altLang="en-US" sz="1200" dirty="0">
+                <a:latin typeface="微軟正黑體" panose="020B0604030504040204" pitchFamily="34" charset="-120"/>
+                <a:ea typeface="微軟正黑體" panose="020B0604030504040204" pitchFamily="34" charset="-120"/>
+              </a:rPr>
+              <a:t>高畢、高肄、職畢、職肄、前三畢、前三肄合併為「</a:t>
+            </a:r>
+            <a:r>
+              <a:rPr lang="zh-TW" altLang="en-US" sz="1200" b="1" dirty="0">
+                <a:latin typeface="微軟正黑體" panose="020B0604030504040204" pitchFamily="34" charset="-120"/>
+                <a:ea typeface="微軟正黑體" panose="020B0604030504040204" pitchFamily="34" charset="-120"/>
+              </a:rPr>
+              <a:t>高中</a:t>
+            </a:r>
+            <a:r>
+              <a:rPr lang="zh-TW" altLang="en-US" sz="1200" dirty="0">
+                <a:latin typeface="微軟正黑體" panose="020B0604030504040204" pitchFamily="34" charset="-120"/>
+                <a:ea typeface="微軟正黑體" panose="020B0604030504040204" pitchFamily="34" charset="-120"/>
+              </a:rPr>
+              <a:t>」；</a:t>
+            </a:r>
+          </a:p>
+          <a:p>
+            <a:r>
+              <a:rPr lang="zh-TW" altLang="en-US" sz="1200" dirty="0">
+                <a:solidFill>
+                  <a:srgbClr val="C00000"/>
+                </a:solidFill>
+                <a:latin typeface="微軟正黑體" panose="020B0604030504040204" pitchFamily="34" charset="-120"/>
+                <a:ea typeface="微軟正黑體" panose="020B0604030504040204" pitchFamily="34" charset="-120"/>
+              </a:rPr>
+              <a:t>國畢、國肄、初畢、初肄合併為「國中」；</a:t>
+            </a:r>
+          </a:p>
+          <a:p>
+            <a:r>
+              <a:rPr lang="zh-TW" altLang="en-US" sz="1200" dirty="0">
+                <a:solidFill>
+                  <a:srgbClr val="C00000"/>
+                </a:solidFill>
+                <a:latin typeface="微軟正黑體" panose="020B0604030504040204" pitchFamily="34" charset="-120"/>
+                <a:ea typeface="微軟正黑體" panose="020B0604030504040204" pitchFamily="34" charset="-120"/>
+              </a:rPr>
+              <a:t>小畢、小肄合併為「國小」；</a:t>
+            </a:r>
+            <a:endParaRPr lang="en-US" altLang="zh-TW" sz="1200" dirty="0">
+              <a:solidFill>
+                <a:srgbClr val="C00000"/>
+              </a:solidFill>
+              <a:latin typeface="微軟正黑體" panose="020B0604030504040204" pitchFamily="34" charset="-120"/>
+              <a:ea typeface="微軟正黑體" panose="020B0604030504040204" pitchFamily="34" charset="-120"/>
+            </a:endParaRPr>
+          </a:p>
+          <a:p>
+            <a:r>
+              <a:rPr lang="zh-TW" altLang="en-US" sz="1200" dirty="0">
+                <a:solidFill>
+                  <a:srgbClr val="C00000"/>
+                </a:solidFill>
+                <a:latin typeface="微軟正黑體" panose="020B0604030504040204" pitchFamily="34" charset="-120"/>
+                <a:ea typeface="微軟正黑體" panose="020B0604030504040204" pitchFamily="34" charset="-120"/>
+              </a:rPr>
+              <a:t>自修、不識合併為「其他」。</a:t>
+            </a:r>
+            <a:endParaRPr lang="en-US" altLang="zh-TW" sz="1200" dirty="0">
+              <a:solidFill>
+                <a:srgbClr val="C00000"/>
+              </a:solidFill>
+              <a:latin typeface="微軟正黑體" panose="020B0604030504040204" pitchFamily="34" charset="-120"/>
+              <a:ea typeface="微軟正黑體" panose="020B0604030504040204" pitchFamily="34" charset="-120"/>
+            </a:endParaRPr>
+          </a:p>
+          <a:p>
+            <a:r>
+              <a:rPr lang="zh-TW" altLang="en-US" sz="1200" b="1" dirty="0">
+                <a:solidFill>
+                  <a:srgbClr val="C00000"/>
+                </a:solidFill>
+                <a:latin typeface="微軟正黑體" panose="020B0604030504040204" pitchFamily="34" charset="-120"/>
+                <a:ea typeface="微軟正黑體" panose="020B0604030504040204" pitchFamily="34" charset="-120"/>
+              </a:rPr>
+              <a:t>合併為「國中</a:t>
+            </a:r>
+            <a:r>
+              <a:rPr lang="en-US" altLang="zh-TW" sz="1200" b="1" dirty="0">
+                <a:solidFill>
+                  <a:srgbClr val="C00000"/>
+                </a:solidFill>
+                <a:latin typeface="微軟正黑體" panose="020B0604030504040204" pitchFamily="34" charset="-120"/>
+                <a:ea typeface="微軟正黑體" panose="020B0604030504040204" pitchFamily="34" charset="-120"/>
+              </a:rPr>
+              <a:t>(</a:t>
+            </a:r>
+            <a:r>
+              <a:rPr lang="zh-TW" altLang="en-US" sz="1200" b="1" dirty="0">
+                <a:solidFill>
+                  <a:srgbClr val="C00000"/>
+                </a:solidFill>
+                <a:latin typeface="微軟正黑體" panose="020B0604030504040204" pitchFamily="34" charset="-120"/>
+                <a:ea typeface="微軟正黑體" panose="020B0604030504040204" pitchFamily="34" charset="-120"/>
+              </a:rPr>
+              <a:t>含</a:t>
+            </a:r>
+            <a:r>
+              <a:rPr lang="en-US" altLang="zh-TW" sz="1200" b="1" dirty="0">
+                <a:solidFill>
+                  <a:srgbClr val="C00000"/>
+                </a:solidFill>
+                <a:latin typeface="微軟正黑體" panose="020B0604030504040204" pitchFamily="34" charset="-120"/>
+                <a:ea typeface="微軟正黑體" panose="020B0604030504040204" pitchFamily="34" charset="-120"/>
+              </a:rPr>
+              <a:t>)</a:t>
+            </a:r>
+            <a:r>
+              <a:rPr lang="zh-TW" altLang="en-US" sz="1200" b="1" dirty="0">
+                <a:solidFill>
+                  <a:srgbClr val="C00000"/>
+                </a:solidFill>
+                <a:latin typeface="微軟正黑體" panose="020B0604030504040204" pitchFamily="34" charset="-120"/>
+                <a:ea typeface="微軟正黑體" panose="020B0604030504040204" pitchFamily="34" charset="-120"/>
+              </a:rPr>
+              <a:t>以下」 。</a:t>
+            </a:r>
+            <a:endParaRPr lang="en-US" altLang="zh-TW" sz="1200" b="1" dirty="0">
+              <a:solidFill>
+                <a:srgbClr val="C00000"/>
+              </a:solidFill>
+              <a:latin typeface="微軟正黑體" panose="020B0604030504040204" pitchFamily="34" charset="-120"/>
+              <a:ea typeface="微軟正黑體" panose="020B0604030504040204" pitchFamily="34" charset="-120"/>
+            </a:endParaRPr>
+          </a:p>
+        </p:txBody>
+      </p:sp>
+      <p:grpSp>
+        <p:nvGrpSpPr>
+          <p:cNvPr id="5" name="群組 4">
+            <a:extLst>
+              <a:ext uri="{FF2B5EF4-FFF2-40B4-BE49-F238E27FC236}">
+                <a16:creationId xmlns:a16="http://schemas.microsoft.com/office/drawing/2014/main" id="{4F6ED610-A62E-41B9-BE15-C37FBC331278}"/>
+              </a:ext>
+            </a:extLst>
+          </p:cNvPr>
+          <p:cNvGrpSpPr/>
+          <p:nvPr/>
+        </p:nvGrpSpPr>
+        <p:grpSpPr>
+          <a:xfrm>
+            <a:off x="1063554" y="1847081"/>
+            <a:ext cx="10064893" cy="3125938"/>
+            <a:chOff x="692365" y="5930489"/>
+            <a:chExt cx="10064893" cy="3125938"/>
+          </a:xfrm>
+        </p:grpSpPr>
+        <p:grpSp>
+          <p:nvGrpSpPr>
+            <p:cNvPr id="58" name="群組 57">
+              <a:extLst>
+                <a:ext uri="{FF2B5EF4-FFF2-40B4-BE49-F238E27FC236}">
+                  <a16:creationId xmlns:a16="http://schemas.microsoft.com/office/drawing/2014/main" id="{C3B253D0-7027-44B2-A6FB-0B37C8A1354B}"/>
+                </a:ext>
+              </a:extLst>
+            </p:cNvPr>
+            <p:cNvGrpSpPr/>
+            <p:nvPr/>
+          </p:nvGrpSpPr>
+          <p:grpSpPr>
+            <a:xfrm>
+              <a:off x="692365" y="5930489"/>
+              <a:ext cx="3564762" cy="3125938"/>
+              <a:chOff x="799140" y="6538059"/>
+              <a:chExt cx="3564762" cy="3125938"/>
+            </a:xfrm>
+          </p:grpSpPr>
+          <p:sp>
+            <p:nvSpPr>
+              <p:cNvPr id="41" name="文字方塊 40">
+                <a:extLst>
+                  <a:ext uri="{FF2B5EF4-FFF2-40B4-BE49-F238E27FC236}">
+                    <a16:creationId xmlns:a16="http://schemas.microsoft.com/office/drawing/2014/main" id="{D7252768-3880-43C2-B26D-D5C5BCCE1B98}"/>
+                  </a:ext>
+                </a:extLst>
+              </p:cNvPr>
+              <p:cNvSpPr txBox="1"/>
+              <p:nvPr/>
+            </p:nvSpPr>
+            <p:spPr>
+              <a:xfrm>
+                <a:off x="799140" y="6538059"/>
+                <a:ext cx="3564762" cy="523220"/>
+              </a:xfrm>
+              <a:prstGeom prst="rect">
+                <a:avLst/>
+              </a:prstGeom>
+              <a:noFill/>
+            </p:spPr>
+            <p:txBody>
+              <a:bodyPr wrap="square" rtlCol="0">
+                <a:spAutoFit/>
+              </a:bodyPr>
+              <a:lstStyle/>
+              <a:p>
+                <a:pPr algn="ctr"/>
+                <a:r>
+                  <a:rPr lang="zh-TW" altLang="en-US" sz="2800" b="1" dirty="0">
+                    <a:latin typeface="微軟正黑體" panose="020B0604030504040204" pitchFamily="34" charset="-120"/>
+                    <a:ea typeface="微軟正黑體" panose="020B0604030504040204" pitchFamily="34" charset="-120"/>
+                  </a:rPr>
+                  <a:t>臺北市教育程度組成</a:t>
+                </a:r>
+              </a:p>
+            </p:txBody>
+          </p:sp>
+          <p:pic>
+            <p:nvPicPr>
+              <p:cNvPr id="2" name="圖片 1">
+                <a:extLst>
+                  <a:ext uri="{FF2B5EF4-FFF2-40B4-BE49-F238E27FC236}">
+                    <a16:creationId xmlns:a16="http://schemas.microsoft.com/office/drawing/2014/main" id="{BF7701A6-1126-4367-9178-43F401A92494}"/>
+                  </a:ext>
+                </a:extLst>
+              </p:cNvPr>
+              <p:cNvPicPr>
+                <a:picLocks noChangeAspect="1"/>
+              </p:cNvPicPr>
+              <p:nvPr/>
+            </p:nvPicPr>
+            <p:blipFill rotWithShape="1">
+              <a:blip r:embed="rId7"/>
+              <a:srcRect l="25936" t="7108" r="24753" b="4648"/>
+              <a:stretch/>
+            </p:blipFill>
+            <p:spPr>
+              <a:xfrm>
+                <a:off x="1485525" y="7457512"/>
+                <a:ext cx="2191992" cy="2206485"/>
+              </a:xfrm>
+              <a:prstGeom prst="rect">
+                <a:avLst/>
+              </a:prstGeom>
+            </p:spPr>
+          </p:pic>
+        </p:grpSp>
+        <p:grpSp>
+          <p:nvGrpSpPr>
+            <p:cNvPr id="4" name="群組 3">
+              <a:extLst>
+                <a:ext uri="{FF2B5EF4-FFF2-40B4-BE49-F238E27FC236}">
+                  <a16:creationId xmlns:a16="http://schemas.microsoft.com/office/drawing/2014/main" id="{D14D1E28-FCCC-43AA-B47E-510CCF76C6FA}"/>
+                </a:ext>
+              </a:extLst>
+            </p:cNvPr>
+            <p:cNvGrpSpPr/>
+            <p:nvPr/>
+          </p:nvGrpSpPr>
+          <p:grpSpPr>
+            <a:xfrm>
+              <a:off x="5554843" y="5930489"/>
+              <a:ext cx="5202415" cy="3125938"/>
+              <a:chOff x="5554843" y="5930489"/>
+              <a:chExt cx="5202415" cy="3125938"/>
+            </a:xfrm>
+          </p:grpSpPr>
+          <p:sp>
+            <p:nvSpPr>
+              <p:cNvPr id="53" name="文字方塊 52">
+                <a:extLst>
+                  <a:ext uri="{FF2B5EF4-FFF2-40B4-BE49-F238E27FC236}">
+                    <a16:creationId xmlns:a16="http://schemas.microsoft.com/office/drawing/2014/main" id="{EF143170-4836-49B0-97F6-6E26910E1488}"/>
+                  </a:ext>
+                </a:extLst>
+              </p:cNvPr>
+              <p:cNvSpPr txBox="1"/>
+              <p:nvPr/>
+            </p:nvSpPr>
+            <p:spPr>
+              <a:xfrm>
+                <a:off x="5722905" y="5930489"/>
+                <a:ext cx="4866291" cy="523220"/>
+              </a:xfrm>
+              <a:prstGeom prst="rect">
+                <a:avLst/>
+              </a:prstGeom>
+              <a:noFill/>
+            </p:spPr>
+            <p:txBody>
+              <a:bodyPr wrap="square" rtlCol="0">
+                <a:spAutoFit/>
+              </a:bodyPr>
+              <a:lstStyle/>
+              <a:p>
+                <a:pPr algn="ctr"/>
+                <a:r>
+                  <a:rPr lang="zh-TW" altLang="en-US" sz="2800" b="1" dirty="0">
+                    <a:latin typeface="微軟正黑體" panose="020B0604030504040204" pitchFamily="34" charset="-120"/>
+                    <a:ea typeface="微軟正黑體" panose="020B0604030504040204" pitchFamily="34" charset="-120"/>
+                  </a:rPr>
+                  <a:t>臺北市各教育程度性別人數</a:t>
+                </a:r>
+              </a:p>
+            </p:txBody>
+          </p:sp>
+          <p:graphicFrame>
+            <p:nvGraphicFramePr>
+              <p:cNvPr id="13" name="圖表 12">
+                <a:extLst>
+                  <a:ext uri="{FF2B5EF4-FFF2-40B4-BE49-F238E27FC236}">
+                    <a16:creationId xmlns:a16="http://schemas.microsoft.com/office/drawing/2014/main" id="{77F5AF31-C473-49D7-AFA0-45F9C1FFCE05}"/>
+                  </a:ext>
+                </a:extLst>
+              </p:cNvPr>
+              <p:cNvGraphicFramePr/>
+              <p:nvPr>
+                <p:extLst>
+                  <p:ext uri="{D42A27DB-BD31-4B8C-83A1-F6EECF244321}">
+                    <p14:modId xmlns:p14="http://schemas.microsoft.com/office/powerpoint/2010/main" val="1797653149"/>
+                  </p:ext>
+                </p:extLst>
+              </p:nvPr>
+            </p:nvGraphicFramePr>
+            <p:xfrm>
+              <a:off x="5554843" y="6858000"/>
+              <a:ext cx="5202415" cy="2198427"/>
+            </p:xfrm>
+            <a:graphic>
+              <a:graphicData uri="http://schemas.openxmlformats.org/drawingml/2006/chart">
+                <c:chart xmlns:c="http://schemas.openxmlformats.org/drawingml/2006/chart" xmlns:r="http://schemas.openxmlformats.org/officeDocument/2006/relationships" r:id="rId8"/>
+              </a:graphicData>
+            </a:graphic>
+          </p:graphicFrame>
+        </p:grpSp>
+      </p:grpSp>
+      <p:grpSp>
+        <p:nvGrpSpPr>
+          <p:cNvPr id="34" name="群組 33">
+            <a:extLst>
+              <a:ext uri="{FF2B5EF4-FFF2-40B4-BE49-F238E27FC236}">
+                <a16:creationId xmlns:a16="http://schemas.microsoft.com/office/drawing/2014/main" id="{43A123B6-90D4-49A6-A4FF-2D4F4DE01CB0}"/>
+              </a:ext>
+            </a:extLst>
+          </p:cNvPr>
+          <p:cNvGrpSpPr/>
+          <p:nvPr/>
+        </p:nvGrpSpPr>
+        <p:grpSpPr>
+          <a:xfrm>
+            <a:off x="692365" y="9662767"/>
+            <a:ext cx="10807270" cy="3206612"/>
+            <a:chOff x="692366" y="1218666"/>
+            <a:chExt cx="10807270" cy="3206612"/>
+          </a:xfrm>
+        </p:grpSpPr>
+        <p:sp>
+          <p:nvSpPr>
+            <p:cNvPr id="35" name="文字方塊 34">
+              <a:extLst>
+                <a:ext uri="{FF2B5EF4-FFF2-40B4-BE49-F238E27FC236}">
+                  <a16:creationId xmlns:a16="http://schemas.microsoft.com/office/drawing/2014/main" id="{D939DFE9-B77D-4912-BDB1-7FB87BE6FFCC}"/>
+                </a:ext>
+              </a:extLst>
+            </p:cNvPr>
+            <p:cNvSpPr txBox="1"/>
+            <p:nvPr/>
+          </p:nvSpPr>
+          <p:spPr>
+            <a:xfrm>
+              <a:off x="3842378" y="1218666"/>
+              <a:ext cx="4507245" cy="523220"/>
+            </a:xfrm>
+            <a:prstGeom prst="rect">
+              <a:avLst/>
+            </a:prstGeom>
+            <a:noFill/>
+          </p:spPr>
+          <p:txBody>
+            <a:bodyPr wrap="square" rtlCol="0">
+              <a:spAutoFit/>
+            </a:bodyPr>
+            <a:lstStyle/>
+            <a:p>
+              <a:pPr algn="ctr"/>
+              <a:r>
+                <a:rPr lang="zh-TW" altLang="en-US" sz="2800" b="1" dirty="0">
+                  <a:latin typeface="微軟正黑體" panose="020B0604030504040204" pitchFamily="34" charset="-120"/>
+                  <a:ea typeface="微軟正黑體" panose="020B0604030504040204" pitchFamily="34" charset="-120"/>
+                </a:rPr>
+                <a:t>各縣市教育程度組成</a:t>
+              </a:r>
+            </a:p>
+          </p:txBody>
+        </p:sp>
+        <p:pic>
+          <p:nvPicPr>
+            <p:cNvPr id="38" name="圖片 37">
+              <a:extLst>
+                <a:ext uri="{FF2B5EF4-FFF2-40B4-BE49-F238E27FC236}">
+                  <a16:creationId xmlns:a16="http://schemas.microsoft.com/office/drawing/2014/main" id="{DD0B8D3E-63E2-44F2-BAEC-506BE7FF0C4A}"/>
+                </a:ext>
+              </a:extLst>
+            </p:cNvPr>
+            <p:cNvPicPr>
+              <a:picLocks noChangeAspect="1"/>
+            </p:cNvPicPr>
+            <p:nvPr/>
+          </p:nvPicPr>
+          <p:blipFill rotWithShape="1">
+            <a:blip r:embed="rId9">
+              <a:duotone>
+                <a:schemeClr val="bg2">
+                  <a:shade val="45000"/>
+                  <a:satMod val="135000"/>
+                </a:schemeClr>
+                <a:prstClr val="white"/>
+              </a:duotone>
+              <a:extLst>
+                <a:ext uri="{BEBA8EAE-BF5A-486C-A8C5-ECC9F3942E4B}">
+                  <a14:imgProps xmlns:a14="http://schemas.microsoft.com/office/drawing/2010/main">
+                    <a14:imgLayer r:embed="rId10">
+                      <a14:imgEffect>
+                        <a14:saturation sat="0"/>
+                      </a14:imgEffect>
+                    </a14:imgLayer>
+                  </a14:imgProps>
+                </a:ext>
+              </a:extLst>
+            </a:blip>
+            <a:srcRect t="7517" b="35490"/>
+            <a:stretch/>
+          </p:blipFill>
+          <p:spPr>
+            <a:xfrm>
+              <a:off x="692366" y="2057445"/>
+              <a:ext cx="10807270" cy="2367833"/>
+            </a:xfrm>
+            <a:prstGeom prst="rect">
+              <a:avLst/>
+            </a:prstGeom>
+          </p:spPr>
+        </p:pic>
+        <p:sp>
+          <p:nvSpPr>
+            <p:cNvPr id="39" name="矩形 38">
+              <a:extLst>
+                <a:ext uri="{FF2B5EF4-FFF2-40B4-BE49-F238E27FC236}">
+                  <a16:creationId xmlns:a16="http://schemas.microsoft.com/office/drawing/2014/main" id="{F0943E8C-979B-4281-A5CA-FD633FCA2FC2}"/>
+                </a:ext>
+              </a:extLst>
+            </p:cNvPr>
+            <p:cNvSpPr/>
+            <p:nvPr/>
+          </p:nvSpPr>
+          <p:spPr>
+            <a:xfrm>
+              <a:off x="1527630" y="2346370"/>
+              <a:ext cx="381000" cy="1869440"/>
+            </a:xfrm>
+            <a:prstGeom prst="rect">
+              <a:avLst/>
+            </a:prstGeom>
+            <a:solidFill>
+              <a:srgbClr val="FED67F"/>
+            </a:solidFill>
+            <a:ln>
+              <a:noFill/>
+            </a:ln>
+          </p:spPr>
+          <p:style>
+            <a:lnRef idx="2">
+              <a:schemeClr val="accent1">
+                <a:shade val="50000"/>
+              </a:schemeClr>
+            </a:lnRef>
+            <a:fillRef idx="1">
+              <a:schemeClr val="accent1"/>
+            </a:fillRef>
+            <a:effectRef idx="0">
+              <a:schemeClr val="accent1"/>
+            </a:effectRef>
+            <a:fontRef idx="minor">
+              <a:schemeClr val="lt1"/>
+            </a:fontRef>
+          </p:style>
+          <p:txBody>
+            <a:bodyPr rtlCol="0" anchor="ctr"/>
+            <a:lstStyle/>
+            <a:p>
+              <a:pPr algn="ctr"/>
+              <a:endParaRPr lang="zh-TW" altLang="en-US"/>
+            </a:p>
+          </p:txBody>
+        </p:sp>
+      </p:grpSp>
+      <p:grpSp>
+        <p:nvGrpSpPr>
+          <p:cNvPr id="7" name="群組 6">
+            <a:extLst>
+              <a:ext uri="{FF2B5EF4-FFF2-40B4-BE49-F238E27FC236}">
+                <a16:creationId xmlns:a16="http://schemas.microsoft.com/office/drawing/2014/main" id="{7C6A3524-FC98-46CC-942E-9DB5520349A6}"/>
+              </a:ext>
+            </a:extLst>
+          </p:cNvPr>
+          <p:cNvGrpSpPr/>
+          <p:nvPr/>
+        </p:nvGrpSpPr>
+        <p:grpSpPr>
+          <a:xfrm>
+            <a:off x="-8776721" y="13111178"/>
+            <a:ext cx="5202415" cy="4320520"/>
+            <a:chOff x="3147207" y="5154402"/>
+            <a:chExt cx="5202415" cy="4320520"/>
+          </a:xfrm>
+        </p:grpSpPr>
+        <p:pic>
+          <p:nvPicPr>
+            <p:cNvPr id="37" name="圖片 36">
+              <a:extLst>
+                <a:ext uri="{FF2B5EF4-FFF2-40B4-BE49-F238E27FC236}">
+                  <a16:creationId xmlns:a16="http://schemas.microsoft.com/office/drawing/2014/main" id="{FC352D1D-ED03-47A1-89BC-3C940E93B0D4}"/>
+                </a:ext>
+              </a:extLst>
+            </p:cNvPr>
+            <p:cNvPicPr>
+              <a:picLocks noChangeAspect="1"/>
+            </p:cNvPicPr>
+            <p:nvPr/>
+          </p:nvPicPr>
+          <p:blipFill rotWithShape="1">
+            <a:blip r:embed="rId11"/>
+            <a:srcRect l="25160" t="7668" r="25160" b="4012"/>
+            <a:stretch/>
+          </p:blipFill>
+          <p:spPr>
+            <a:xfrm>
+              <a:off x="4152194" y="6289893"/>
+              <a:ext cx="3185029" cy="3185029"/>
+            </a:xfrm>
+            <a:prstGeom prst="rect">
+              <a:avLst/>
+            </a:prstGeom>
+          </p:spPr>
+        </p:pic>
+        <p:sp>
+          <p:nvSpPr>
+            <p:cNvPr id="48" name="文字方塊 47">
+              <a:extLst>
+                <a:ext uri="{FF2B5EF4-FFF2-40B4-BE49-F238E27FC236}">
+                  <a16:creationId xmlns:a16="http://schemas.microsoft.com/office/drawing/2014/main" id="{58A2E6A0-DE2D-4C68-BE6E-FC0A9D29A836}"/>
+                </a:ext>
+              </a:extLst>
+            </p:cNvPr>
+            <p:cNvSpPr txBox="1"/>
+            <p:nvPr/>
+          </p:nvSpPr>
+          <p:spPr>
+            <a:xfrm>
+              <a:off x="3147207" y="5154402"/>
+              <a:ext cx="5202415" cy="954107"/>
+            </a:xfrm>
+            <a:prstGeom prst="rect">
+              <a:avLst/>
+            </a:prstGeom>
+            <a:noFill/>
+          </p:spPr>
+          <p:txBody>
+            <a:bodyPr wrap="square" rtlCol="0">
+              <a:spAutoFit/>
+            </a:bodyPr>
+            <a:lstStyle/>
+            <a:p>
+              <a:pPr algn="ctr"/>
+              <a:r>
+                <a:rPr lang="zh-TW" altLang="en-US" sz="2800" b="1" dirty="0">
+                  <a:latin typeface="微軟正黑體" panose="020B0604030504040204" pitchFamily="34" charset="-120"/>
+                  <a:ea typeface="微軟正黑體" panose="020B0604030504040204" pitchFamily="34" charset="-120"/>
+                </a:rPr>
+                <a:t>臺北市教育程度</a:t>
+              </a:r>
+              <a:br>
+                <a:rPr lang="en-US" altLang="zh-TW" sz="2800" b="1" dirty="0">
+                  <a:latin typeface="微軟正黑體" panose="020B0604030504040204" pitchFamily="34" charset="-120"/>
+                  <a:ea typeface="微軟正黑體" panose="020B0604030504040204" pitchFamily="34" charset="-120"/>
+                </a:rPr>
+              </a:br>
+              <a:r>
+                <a:rPr lang="zh-TW" altLang="en-US" sz="2800" b="1" dirty="0">
+                  <a:latin typeface="微軟正黑體" panose="020B0604030504040204" pitchFamily="34" charset="-120"/>
+                  <a:ea typeface="微軟正黑體" panose="020B0604030504040204" pitchFamily="34" charset="-120"/>
+                </a:rPr>
+                <a:t>與全國平均比較</a:t>
+              </a:r>
+            </a:p>
+          </p:txBody>
+        </p:sp>
+      </p:grpSp>
+      <p:grpSp>
+        <p:nvGrpSpPr>
+          <p:cNvPr id="63" name="群組 62">
+            <a:extLst>
+              <a:ext uri="{FF2B5EF4-FFF2-40B4-BE49-F238E27FC236}">
+                <a16:creationId xmlns:a16="http://schemas.microsoft.com/office/drawing/2014/main" id="{05527B59-2ABC-46C0-8C48-BE9B178A159D}"/>
+              </a:ext>
+            </a:extLst>
+          </p:cNvPr>
+          <p:cNvGrpSpPr/>
+          <p:nvPr/>
+        </p:nvGrpSpPr>
+        <p:grpSpPr>
+          <a:xfrm>
+            <a:off x="1063554" y="5930489"/>
+            <a:ext cx="10064892" cy="3282215"/>
+            <a:chOff x="692365" y="5930489"/>
+            <a:chExt cx="10064892" cy="3282215"/>
+          </a:xfrm>
+        </p:grpSpPr>
+        <p:grpSp>
+          <p:nvGrpSpPr>
+            <p:cNvPr id="64" name="群組 63">
+              <a:extLst>
+                <a:ext uri="{FF2B5EF4-FFF2-40B4-BE49-F238E27FC236}">
+                  <a16:creationId xmlns:a16="http://schemas.microsoft.com/office/drawing/2014/main" id="{889C1189-F9AA-408C-979D-DE768EE9DECC}"/>
+                </a:ext>
+              </a:extLst>
+            </p:cNvPr>
+            <p:cNvGrpSpPr/>
+            <p:nvPr/>
+          </p:nvGrpSpPr>
+          <p:grpSpPr>
+            <a:xfrm>
+              <a:off x="692365" y="5930489"/>
+              <a:ext cx="3564762" cy="3125938"/>
+              <a:chOff x="799140" y="6538059"/>
+              <a:chExt cx="3564762" cy="3125938"/>
+            </a:xfrm>
+          </p:grpSpPr>
+          <p:sp>
+            <p:nvSpPr>
+              <p:cNvPr id="68" name="文字方塊 67">
+                <a:extLst>
+                  <a:ext uri="{FF2B5EF4-FFF2-40B4-BE49-F238E27FC236}">
+                    <a16:creationId xmlns:a16="http://schemas.microsoft.com/office/drawing/2014/main" id="{95E4264E-36BF-4810-999A-01FBC05BAEF4}"/>
+                  </a:ext>
+                </a:extLst>
+              </p:cNvPr>
+              <p:cNvSpPr txBox="1"/>
+              <p:nvPr/>
+            </p:nvSpPr>
+            <p:spPr>
+              <a:xfrm>
+                <a:off x="799140" y="6538059"/>
+                <a:ext cx="3564762" cy="523220"/>
+              </a:xfrm>
+              <a:prstGeom prst="rect">
+                <a:avLst/>
+              </a:prstGeom>
+              <a:noFill/>
+            </p:spPr>
+            <p:txBody>
+              <a:bodyPr wrap="square" rtlCol="0">
+                <a:spAutoFit/>
+              </a:bodyPr>
+              <a:lstStyle/>
+              <a:p>
+                <a:pPr algn="ctr"/>
+                <a:r>
+                  <a:rPr lang="zh-TW" altLang="en-US" sz="2800" b="1" dirty="0">
+                    <a:latin typeface="微軟正黑體" panose="020B0604030504040204" pitchFamily="34" charset="-120"/>
+                    <a:ea typeface="微軟正黑體" panose="020B0604030504040204" pitchFamily="34" charset="-120"/>
+                  </a:rPr>
+                  <a:t>全國教育程度組成</a:t>
+                </a:r>
+              </a:p>
+            </p:txBody>
+          </p:sp>
+          <p:pic>
+            <p:nvPicPr>
+              <p:cNvPr id="69" name="圖片 68">
+                <a:extLst>
+                  <a:ext uri="{FF2B5EF4-FFF2-40B4-BE49-F238E27FC236}">
+                    <a16:creationId xmlns:a16="http://schemas.microsoft.com/office/drawing/2014/main" id="{4AFA9660-96E3-4E1D-A415-5BE5B63A909E}"/>
+                  </a:ext>
+                </a:extLst>
+              </p:cNvPr>
+              <p:cNvPicPr>
+                <a:picLocks noChangeAspect="1"/>
+              </p:cNvPicPr>
+              <p:nvPr/>
+            </p:nvPicPr>
+            <p:blipFill rotWithShape="1">
+              <a:blip r:embed="rId12">
+                <a:extLst>
+                  <a:ext uri="{BEBA8EAE-BF5A-486C-A8C5-ECC9F3942E4B}">
+                    <a14:imgProps xmlns:a14="http://schemas.microsoft.com/office/drawing/2010/main">
+                      <a14:imgLayer r:embed="rId13">
+                        <a14:imgEffect>
+                          <a14:saturation sat="0"/>
+                        </a14:imgEffect>
+                      </a14:imgLayer>
+                    </a14:imgProps>
+                  </a:ext>
+                </a:extLst>
+              </a:blip>
+              <a:srcRect l="25936" t="7108" r="24753" b="4648"/>
+              <a:stretch/>
+            </p:blipFill>
+            <p:spPr>
+              <a:xfrm>
+                <a:off x="1485525" y="7457512"/>
+                <a:ext cx="2191992" cy="2206485"/>
+              </a:xfrm>
+              <a:prstGeom prst="rect">
+                <a:avLst/>
+              </a:prstGeom>
+            </p:spPr>
+          </p:pic>
+        </p:grpSp>
+        <p:grpSp>
+          <p:nvGrpSpPr>
+            <p:cNvPr id="65" name="群組 64">
+              <a:extLst>
+                <a:ext uri="{FF2B5EF4-FFF2-40B4-BE49-F238E27FC236}">
+                  <a16:creationId xmlns:a16="http://schemas.microsoft.com/office/drawing/2014/main" id="{68D3AE7E-9099-4218-91A9-CC5E833534A1}"/>
+                </a:ext>
+              </a:extLst>
+            </p:cNvPr>
+            <p:cNvGrpSpPr/>
+            <p:nvPr/>
+          </p:nvGrpSpPr>
+          <p:grpSpPr>
+            <a:xfrm>
+              <a:off x="5554842" y="5930489"/>
+              <a:ext cx="5202415" cy="3282215"/>
+              <a:chOff x="5554842" y="5930489"/>
+              <a:chExt cx="5202415" cy="3282215"/>
+            </a:xfrm>
+          </p:grpSpPr>
+          <p:sp>
+            <p:nvSpPr>
+              <p:cNvPr id="66" name="文字方塊 65">
+                <a:extLst>
+                  <a:ext uri="{FF2B5EF4-FFF2-40B4-BE49-F238E27FC236}">
+                    <a16:creationId xmlns:a16="http://schemas.microsoft.com/office/drawing/2014/main" id="{10056F12-EE0C-4F3D-A435-29753ECE6B87}"/>
+                  </a:ext>
+                </a:extLst>
+              </p:cNvPr>
+              <p:cNvSpPr txBox="1"/>
+              <p:nvPr/>
+            </p:nvSpPr>
+            <p:spPr>
+              <a:xfrm>
+                <a:off x="5946959" y="5930489"/>
+                <a:ext cx="4418182" cy="523220"/>
+              </a:xfrm>
+              <a:prstGeom prst="rect">
+                <a:avLst/>
+              </a:prstGeom>
+              <a:noFill/>
+            </p:spPr>
+            <p:txBody>
+              <a:bodyPr wrap="square" rtlCol="0">
+                <a:spAutoFit/>
+              </a:bodyPr>
+              <a:lstStyle/>
+              <a:p>
+                <a:pPr algn="ctr"/>
+                <a:r>
+                  <a:rPr lang="zh-TW" altLang="en-US" sz="2800" b="1" dirty="0">
+                    <a:latin typeface="微軟正黑體" panose="020B0604030504040204" pitchFamily="34" charset="-120"/>
+                    <a:ea typeface="微軟正黑體" panose="020B0604030504040204" pitchFamily="34" charset="-120"/>
+                  </a:rPr>
+                  <a:t>全國各教育程度性別人數</a:t>
+                </a:r>
+              </a:p>
+            </p:txBody>
+          </p:sp>
+          <p:graphicFrame>
+            <p:nvGraphicFramePr>
+              <p:cNvPr id="67" name="圖表 66">
+                <a:extLst>
+                  <a:ext uri="{FF2B5EF4-FFF2-40B4-BE49-F238E27FC236}">
+                    <a16:creationId xmlns:a16="http://schemas.microsoft.com/office/drawing/2014/main" id="{18E1F464-6133-43D7-8FB7-1B30D62238F9}"/>
+                  </a:ext>
+                </a:extLst>
+              </p:cNvPr>
+              <p:cNvGraphicFramePr/>
+              <p:nvPr>
+                <p:extLst>
+                  <p:ext uri="{D42A27DB-BD31-4B8C-83A1-F6EECF244321}">
+                    <p14:modId xmlns:p14="http://schemas.microsoft.com/office/powerpoint/2010/main" val="2204571870"/>
+                  </p:ext>
+                </p:extLst>
+              </p:nvPr>
+            </p:nvGraphicFramePr>
+            <p:xfrm>
+              <a:off x="5554842" y="6858000"/>
+              <a:ext cx="5202415" cy="2354704"/>
+            </p:xfrm>
+            <a:graphic>
+              <a:graphicData uri="http://schemas.openxmlformats.org/drawingml/2006/chart">
+                <c:chart xmlns:c="http://schemas.openxmlformats.org/drawingml/2006/chart" xmlns:r="http://schemas.openxmlformats.org/officeDocument/2006/relationships" r:id="rId14"/>
+              </a:graphicData>
+            </a:graphic>
+          </p:graphicFrame>
+        </p:grpSp>
+      </p:grpSp>
+    </p:spTree>
+    <p:extLst>
+      <p:ext uri="{BB962C8B-B14F-4D97-AF65-F5344CB8AC3E}">
+        <p14:creationId xmlns:p14="http://schemas.microsoft.com/office/powerpoint/2010/main" val="2214501693"/>
+      </p:ext>
+    </p:extLst>
+  </p:cSld>
+  <p:clrMapOvr>
+    <a:masterClrMapping/>
+  </p:clrMapOvr>
+</p:sld>
+</file>
+
+<file path=ppt/slides/slide3.xml><?xml version="1.0" encoding="utf-8"?>
+<p:sld xmlns:a="http://schemas.openxmlformats.org/drawingml/2006/main" xmlns:r="http://schemas.openxmlformats.org/officeDocument/2006/relationships" xmlns:p="http://schemas.openxmlformats.org/presentationml/2006/main" show="0">
+  <p:cSld>
+    <p:spTree>
+      <p:nvGrpSpPr>
+        <p:cNvPr id="1" name=""/>
+        <p:cNvGrpSpPr/>
+        <p:nvPr/>
+      </p:nvGrpSpPr>
+      <p:grpSpPr>
+        <a:xfrm>
+          <a:off x="0" y="0"/>
+          <a:ext cx="0" cy="0"/>
+          <a:chOff x="0" y="0"/>
+          <a:chExt cx="0" cy="0"/>
+        </a:xfrm>
+      </p:grpSpPr>
+      <p:pic>
+        <p:nvPicPr>
+          <p:cNvPr id="4" name="圖片 3">
+            <a:extLst>
+              <a:ext uri="{FF2B5EF4-FFF2-40B4-BE49-F238E27FC236}">
+                <a16:creationId xmlns:a16="http://schemas.microsoft.com/office/drawing/2014/main" id="{AA468C10-0EC3-4C93-A0CA-0DC4C3C67644}"/>
+              </a:ext>
+            </a:extLst>
+          </p:cNvPr>
+          <p:cNvPicPr>
+            <a:picLocks noChangeAspect="1"/>
+          </p:cNvPicPr>
+          <p:nvPr/>
+        </p:nvPicPr>
+        <p:blipFill rotWithShape="1">
+          <a:blip r:embed="rId2"/>
+          <a:srcRect l="24754" t="6374" r="24754" b="3863"/>
+          <a:stretch/>
+        </p:blipFill>
+        <p:spPr>
+          <a:xfrm>
+            <a:off x="950651" y="4556352"/>
+            <a:ext cx="1908137" cy="1908137"/>
+          </a:xfrm>
+          <a:prstGeom prst="rect">
+            <a:avLst/>
+          </a:prstGeom>
+        </p:spPr>
+      </p:pic>
+      <p:pic>
+        <p:nvPicPr>
+          <p:cNvPr id="5" name="圖片 4">
+            <a:extLst>
+              <a:ext uri="{FF2B5EF4-FFF2-40B4-BE49-F238E27FC236}">
+                <a16:creationId xmlns:a16="http://schemas.microsoft.com/office/drawing/2014/main" id="{85F911E0-06D9-4911-8725-CC178764381F}"/>
+              </a:ext>
+            </a:extLst>
+          </p:cNvPr>
+          <p:cNvPicPr>
+            <a:picLocks noChangeAspect="1"/>
+          </p:cNvPicPr>
+          <p:nvPr/>
+        </p:nvPicPr>
+        <p:blipFill rotWithShape="1">
+          <a:blip r:embed="rId2">
+            <a:duotone>
+              <a:schemeClr val="accent2">
+                <a:shade val="45000"/>
+                <a:satMod val="135000"/>
+              </a:schemeClr>
+              <a:prstClr val="white"/>
+            </a:duotone>
+          </a:blip>
+          <a:srcRect l="24754" t="6374" r="24754" b="3863"/>
+          <a:stretch/>
+        </p:blipFill>
+        <p:spPr>
+          <a:xfrm>
+            <a:off x="3577231" y="4556352"/>
+            <a:ext cx="1908137" cy="1908137"/>
+          </a:xfrm>
+          <a:prstGeom prst="rect">
+            <a:avLst/>
+          </a:prstGeom>
+        </p:spPr>
+      </p:pic>
+      <p:sp>
+        <p:nvSpPr>
+          <p:cNvPr id="6" name="文字方塊 5">
+            <a:extLst>
+              <a:ext uri="{FF2B5EF4-FFF2-40B4-BE49-F238E27FC236}">
+                <a16:creationId xmlns:a16="http://schemas.microsoft.com/office/drawing/2014/main" id="{1208431C-01F9-4C53-B1C6-B50B9918A452}"/>
+              </a:ext>
+            </a:extLst>
+          </p:cNvPr>
+          <p:cNvSpPr txBox="1"/>
+          <p:nvPr/>
+        </p:nvSpPr>
+        <p:spPr>
+          <a:xfrm>
+            <a:off x="483280" y="618961"/>
+            <a:ext cx="5358039" cy="830997"/>
+          </a:xfrm>
+          <a:prstGeom prst="rect">
+            <a:avLst/>
+          </a:prstGeom>
+          <a:noFill/>
+        </p:spPr>
+        <p:txBody>
+          <a:bodyPr wrap="square" rtlCol="0">
+            <a:spAutoFit/>
+          </a:bodyPr>
+          <a:lstStyle/>
+          <a:p>
+            <a:pPr algn="ctr"/>
+            <a:r>
+              <a:rPr lang="zh-TW" altLang="en-US" sz="4800" b="1" dirty="0">
+                <a:latin typeface="微軟正黑體" panose="020B0604030504040204" pitchFamily="34" charset="-120"/>
+                <a:ea typeface="微軟正黑體" panose="020B0604030504040204" pitchFamily="34" charset="-120"/>
+              </a:rPr>
+              <a:t>性別</a:t>
+            </a:r>
+            <a:r>
+              <a:rPr lang="en-US" altLang="zh-TW" sz="4800" b="1" dirty="0">
+                <a:latin typeface="微軟正黑體" panose="020B0604030504040204" pitchFamily="34" charset="-120"/>
+                <a:ea typeface="微軟正黑體" panose="020B0604030504040204" pitchFamily="34" charset="-120"/>
+              </a:rPr>
+              <a:t>-</a:t>
+            </a:r>
+            <a:r>
+              <a:rPr lang="zh-TW" altLang="en-US" sz="4800" b="1" dirty="0">
+                <a:latin typeface="微軟正黑體" panose="020B0604030504040204" pitchFamily="34" charset="-120"/>
+                <a:ea typeface="微軟正黑體" panose="020B0604030504040204" pitchFamily="34" charset="-120"/>
+              </a:rPr>
+              <a:t>教育程度組成</a:t>
+            </a:r>
+          </a:p>
+        </p:txBody>
+      </p:sp>
+      <p:pic>
+        <p:nvPicPr>
+          <p:cNvPr id="7" name="圖片 6">
+            <a:extLst>
+              <a:ext uri="{FF2B5EF4-FFF2-40B4-BE49-F238E27FC236}">
+                <a16:creationId xmlns:a16="http://schemas.microsoft.com/office/drawing/2014/main" id="{6F3D69BA-D736-4516-B967-F9EF09122DCC}"/>
+              </a:ext>
+            </a:extLst>
+          </p:cNvPr>
+          <p:cNvPicPr>
+            <a:picLocks noChangeAspect="1"/>
+          </p:cNvPicPr>
+          <p:nvPr/>
+        </p:nvPicPr>
+        <p:blipFill rotWithShape="1">
+          <a:blip r:embed="rId3"/>
+          <a:srcRect b="33905"/>
+          <a:stretch/>
+        </p:blipFill>
+        <p:spPr>
+          <a:xfrm>
+            <a:off x="428137" y="2116589"/>
+            <a:ext cx="5876421" cy="2184763"/>
+          </a:xfrm>
+          <a:prstGeom prst="rect">
+            <a:avLst/>
+          </a:prstGeom>
+        </p:spPr>
+      </p:pic>
+      <p:sp>
+        <p:nvSpPr>
+          <p:cNvPr id="8" name="文字方塊 7">
+            <a:extLst>
+              <a:ext uri="{FF2B5EF4-FFF2-40B4-BE49-F238E27FC236}">
+                <a16:creationId xmlns:a16="http://schemas.microsoft.com/office/drawing/2014/main" id="{1D4717CE-A591-4593-A0E2-BE5F350A54CB}"/>
+              </a:ext>
+            </a:extLst>
+          </p:cNvPr>
+          <p:cNvSpPr txBox="1"/>
+          <p:nvPr/>
+        </p:nvSpPr>
+        <p:spPr>
+          <a:xfrm>
+            <a:off x="6559762" y="618961"/>
+            <a:ext cx="5358039" cy="830997"/>
+          </a:xfrm>
+          <a:prstGeom prst="rect">
+            <a:avLst/>
+          </a:prstGeom>
+          <a:noFill/>
+        </p:spPr>
+        <p:txBody>
+          <a:bodyPr wrap="square" rtlCol="0">
+            <a:spAutoFit/>
+          </a:bodyPr>
+          <a:lstStyle/>
+          <a:p>
+            <a:pPr algn="ctr"/>
+            <a:r>
+              <a:rPr lang="zh-TW" altLang="en-US" sz="4800" b="1" dirty="0">
+                <a:latin typeface="微軟正黑體" panose="020B0604030504040204" pitchFamily="34" charset="-120"/>
+                <a:ea typeface="微軟正黑體" panose="020B0604030504040204" pitchFamily="34" charset="-120"/>
+              </a:rPr>
+              <a:t>性別</a:t>
+            </a:r>
+            <a:r>
+              <a:rPr lang="en-US" altLang="zh-TW" sz="4800" b="1" dirty="0">
+                <a:latin typeface="微軟正黑體" panose="020B0604030504040204" pitchFamily="34" charset="-120"/>
+                <a:ea typeface="微軟正黑體" panose="020B0604030504040204" pitchFamily="34" charset="-120"/>
+              </a:rPr>
+              <a:t>-</a:t>
+            </a:r>
+            <a:r>
+              <a:rPr lang="zh-TW" altLang="en-US" sz="4800" b="1" dirty="0">
+                <a:latin typeface="微軟正黑體" panose="020B0604030504040204" pitchFamily="34" charset="-120"/>
+                <a:ea typeface="微軟正黑體" panose="020B0604030504040204" pitchFamily="34" charset="-120"/>
+              </a:rPr>
+              <a:t>教育程度比較</a:t>
+            </a:r>
+          </a:p>
+        </p:txBody>
+      </p:sp>
+      <p:pic>
+        <p:nvPicPr>
+          <p:cNvPr id="9" name="圖片 8">
+            <a:extLst>
+              <a:ext uri="{FF2B5EF4-FFF2-40B4-BE49-F238E27FC236}">
+                <a16:creationId xmlns:a16="http://schemas.microsoft.com/office/drawing/2014/main" id="{9AB45536-C386-42EF-AB32-C908A7301D75}"/>
+              </a:ext>
+            </a:extLst>
+          </p:cNvPr>
+          <p:cNvPicPr>
+            <a:picLocks noChangeAspect="1"/>
+          </p:cNvPicPr>
+          <p:nvPr/>
+        </p:nvPicPr>
+        <p:blipFill rotWithShape="1">
+          <a:blip r:embed="rId4"/>
+          <a:srcRect l="25160" t="7668" r="25160" b="4012"/>
+          <a:stretch/>
+        </p:blipFill>
+        <p:spPr>
+          <a:xfrm>
+            <a:off x="6748802" y="1946490"/>
+            <a:ext cx="4517999" cy="4517999"/>
+          </a:xfrm>
+          <a:prstGeom prst="rect">
+            <a:avLst/>
+          </a:prstGeom>
+        </p:spPr>
+      </p:pic>
+      <p:pic>
+        <p:nvPicPr>
+          <p:cNvPr id="10" name="圖片 9">
+            <a:extLst>
+              <a:ext uri="{FF2B5EF4-FFF2-40B4-BE49-F238E27FC236}">
+                <a16:creationId xmlns:a16="http://schemas.microsoft.com/office/drawing/2014/main" id="{25B82D73-DF6D-4CE0-BEEC-C60D0D595BA4}"/>
+              </a:ext>
+            </a:extLst>
+          </p:cNvPr>
+          <p:cNvPicPr>
+            <a:picLocks noChangeAspect="1"/>
+          </p:cNvPicPr>
+          <p:nvPr/>
+        </p:nvPicPr>
+        <p:blipFill rotWithShape="1">
+          <a:blip r:embed="rId5"/>
+          <a:srcRect b="32928"/>
+          <a:stretch/>
+        </p:blipFill>
+        <p:spPr>
+          <a:xfrm>
+            <a:off x="2786968" y="8769119"/>
+            <a:ext cx="6610969" cy="2494190"/>
+          </a:xfrm>
+          <a:prstGeom prst="rect">
+            <a:avLst/>
+          </a:prstGeom>
+        </p:spPr>
+      </p:pic>
+      <p:pic>
+        <p:nvPicPr>
+          <p:cNvPr id="11" name="圖片 10">
+            <a:extLst>
+              <a:ext uri="{FF2B5EF4-FFF2-40B4-BE49-F238E27FC236}">
+                <a16:creationId xmlns:a16="http://schemas.microsoft.com/office/drawing/2014/main" id="{39E33874-BE29-46FF-A69D-703EBF0FFBC6}"/>
+              </a:ext>
+            </a:extLst>
+          </p:cNvPr>
+          <p:cNvPicPr>
+            <a:picLocks noChangeAspect="1"/>
+          </p:cNvPicPr>
+          <p:nvPr/>
+        </p:nvPicPr>
+        <p:blipFill rotWithShape="1">
+          <a:blip r:embed="rId6"/>
+          <a:srcRect l="25181" t="7511" r="25140" b="4169"/>
+          <a:stretch/>
+        </p:blipFill>
+        <p:spPr>
+          <a:xfrm>
+            <a:off x="3473996" y="11631417"/>
+            <a:ext cx="1465622" cy="1465622"/>
+          </a:xfrm>
+          <a:prstGeom prst="rect">
+            <a:avLst/>
+          </a:prstGeom>
+        </p:spPr>
+      </p:pic>
+      <p:sp>
+        <p:nvSpPr>
+          <p:cNvPr id="12" name="文字方塊 11">
+            <a:extLst>
+              <a:ext uri="{FF2B5EF4-FFF2-40B4-BE49-F238E27FC236}">
+                <a16:creationId xmlns:a16="http://schemas.microsoft.com/office/drawing/2014/main" id="{3B055459-66F4-47BE-9BFE-29FD8C57F698}"/>
+              </a:ext>
+            </a:extLst>
+          </p:cNvPr>
+          <p:cNvSpPr txBox="1"/>
+          <p:nvPr/>
+        </p:nvSpPr>
+        <p:spPr>
+          <a:xfrm>
+            <a:off x="3162299" y="7388679"/>
+            <a:ext cx="5358039" cy="830997"/>
+          </a:xfrm>
+          <a:prstGeom prst="rect">
+            <a:avLst/>
+          </a:prstGeom>
+          <a:noFill/>
+        </p:spPr>
+        <p:txBody>
+          <a:bodyPr wrap="square" rtlCol="0">
+            <a:spAutoFit/>
+          </a:bodyPr>
+          <a:lstStyle/>
+          <a:p>
+            <a:pPr algn="ctr"/>
+            <a:r>
+              <a:rPr lang="zh-TW" altLang="en-US" sz="4800" b="1" dirty="0">
+                <a:latin typeface="微軟正黑體" panose="020B0604030504040204" pitchFamily="34" charset="-120"/>
+                <a:ea typeface="微軟正黑體" panose="020B0604030504040204" pitchFamily="34" charset="-120"/>
+              </a:rPr>
+              <a:t>教育程度</a:t>
+            </a:r>
+            <a:r>
+              <a:rPr lang="en-US" altLang="zh-TW" sz="4800" b="1" dirty="0">
+                <a:latin typeface="微軟正黑體" panose="020B0604030504040204" pitchFamily="34" charset="-120"/>
+                <a:ea typeface="微軟正黑體" panose="020B0604030504040204" pitchFamily="34" charset="-120"/>
+              </a:rPr>
+              <a:t>-</a:t>
+            </a:r>
+            <a:r>
+              <a:rPr lang="zh-TW" altLang="en-US" sz="4800" b="1" dirty="0">
+                <a:latin typeface="微軟正黑體" panose="020B0604030504040204" pitchFamily="34" charset="-120"/>
+                <a:ea typeface="微軟正黑體" panose="020B0604030504040204" pitchFamily="34" charset="-120"/>
+              </a:rPr>
+              <a:t>性別組成</a:t>
+            </a:r>
+          </a:p>
+        </p:txBody>
+      </p:sp>
+      <p:pic>
+        <p:nvPicPr>
+          <p:cNvPr id="13" name="圖片 12">
+            <a:extLst>
+              <a:ext uri="{FF2B5EF4-FFF2-40B4-BE49-F238E27FC236}">
+                <a16:creationId xmlns:a16="http://schemas.microsoft.com/office/drawing/2014/main" id="{B875E866-E6D8-4599-BEDB-B72558FAF6F5}"/>
+              </a:ext>
+            </a:extLst>
+          </p:cNvPr>
+          <p:cNvPicPr>
+            <a:picLocks noChangeAspect="1"/>
+          </p:cNvPicPr>
+          <p:nvPr/>
+        </p:nvPicPr>
+        <p:blipFill rotWithShape="1">
+          <a:blip r:embed="rId6"/>
+          <a:srcRect l="25181" t="7511" r="25140" b="4169"/>
+          <a:stretch/>
+        </p:blipFill>
+        <p:spPr>
+          <a:xfrm>
+            <a:off x="5626646" y="11631417"/>
+            <a:ext cx="1465622" cy="1465622"/>
+          </a:xfrm>
+          <a:prstGeom prst="rect">
+            <a:avLst/>
+          </a:prstGeom>
+        </p:spPr>
+      </p:pic>
+      <p:pic>
+        <p:nvPicPr>
+          <p:cNvPr id="14" name="圖片 13">
+            <a:extLst>
+              <a:ext uri="{FF2B5EF4-FFF2-40B4-BE49-F238E27FC236}">
+                <a16:creationId xmlns:a16="http://schemas.microsoft.com/office/drawing/2014/main" id="{4A855469-9F1F-47A6-ACAC-623ACFBD8DE6}"/>
+              </a:ext>
+            </a:extLst>
+          </p:cNvPr>
+          <p:cNvPicPr>
+            <a:picLocks noChangeAspect="1"/>
+          </p:cNvPicPr>
+          <p:nvPr/>
+        </p:nvPicPr>
+        <p:blipFill rotWithShape="1">
+          <a:blip r:embed="rId6"/>
+          <a:srcRect l="25181" t="7511" r="25140" b="4169"/>
+          <a:stretch/>
+        </p:blipFill>
+        <p:spPr>
+          <a:xfrm>
+            <a:off x="7779296" y="11631417"/>
+            <a:ext cx="1465622" cy="1465622"/>
+          </a:xfrm>
+          <a:prstGeom prst="rect">
+            <a:avLst/>
+          </a:prstGeom>
+        </p:spPr>
+      </p:pic>
+      <p:pic>
+        <p:nvPicPr>
+          <p:cNvPr id="15" name="圖片 14">
+            <a:extLst>
+              <a:ext uri="{FF2B5EF4-FFF2-40B4-BE49-F238E27FC236}">
+                <a16:creationId xmlns:a16="http://schemas.microsoft.com/office/drawing/2014/main" id="{FC0A7040-D07F-4CA7-A02B-20B5A52FB9AE}"/>
+              </a:ext>
+            </a:extLst>
+          </p:cNvPr>
+          <p:cNvPicPr>
+            <a:picLocks noChangeAspect="1"/>
+          </p:cNvPicPr>
+          <p:nvPr/>
+        </p:nvPicPr>
+        <p:blipFill rotWithShape="1">
+          <a:blip r:embed="rId6"/>
+          <a:srcRect l="25181" t="7511" r="25140" b="4169"/>
+          <a:stretch/>
+        </p:blipFill>
+        <p:spPr>
+          <a:xfrm>
+            <a:off x="9931946" y="11631417"/>
+            <a:ext cx="1465622" cy="1465622"/>
+          </a:xfrm>
+          <a:prstGeom prst="rect">
+            <a:avLst/>
+          </a:prstGeom>
+        </p:spPr>
+      </p:pic>
+      <p:pic>
+        <p:nvPicPr>
+          <p:cNvPr id="16" name="圖片 15">
+            <a:extLst>
+              <a:ext uri="{FF2B5EF4-FFF2-40B4-BE49-F238E27FC236}">
+                <a16:creationId xmlns:a16="http://schemas.microsoft.com/office/drawing/2014/main" id="{31BE4E6E-B230-40A1-BFCA-F85CE84FF400}"/>
+              </a:ext>
+            </a:extLst>
+          </p:cNvPr>
+          <p:cNvPicPr>
+            <a:picLocks noChangeAspect="1"/>
+          </p:cNvPicPr>
+          <p:nvPr/>
+        </p:nvPicPr>
+        <p:blipFill rotWithShape="1">
+          <a:blip r:embed="rId6"/>
+          <a:srcRect l="25181" t="7511" r="25140" b="4169"/>
+          <a:stretch/>
+        </p:blipFill>
+        <p:spPr>
+          <a:xfrm>
+            <a:off x="1321346" y="11631417"/>
+            <a:ext cx="1465622" cy="1465622"/>
+          </a:xfrm>
+          <a:prstGeom prst="rect">
+            <a:avLst/>
+          </a:prstGeom>
+        </p:spPr>
+      </p:pic>
+      <p:cxnSp>
+        <p:nvCxnSpPr>
+          <p:cNvPr id="25" name="直線接點 24">
+            <a:extLst>
+              <a:ext uri="{FF2B5EF4-FFF2-40B4-BE49-F238E27FC236}">
+                <a16:creationId xmlns:a16="http://schemas.microsoft.com/office/drawing/2014/main" id="{18CFFEEA-22D7-4579-A8E8-AE31F50E50B6}"/>
+              </a:ext>
+            </a:extLst>
+          </p:cNvPr>
+          <p:cNvCxnSpPr/>
+          <p:nvPr/>
+        </p:nvCxnSpPr>
+        <p:spPr>
+          <a:xfrm>
+            <a:off x="0" y="7004190"/>
+            <a:ext cx="12192000" cy="0"/>
+          </a:xfrm>
+          <a:prstGeom prst="line">
+            <a:avLst/>
+          </a:prstGeom>
+          <a:ln w="38100">
+            <a:solidFill>
+              <a:schemeClr val="bg1">
+                <a:lumMod val="85000"/>
+              </a:schemeClr>
+            </a:solidFill>
+            <a:prstDash val="dash"/>
+          </a:ln>
+        </p:spPr>
+        <p:style>
+          <a:lnRef idx="1">
+            <a:schemeClr val="dk1"/>
+          </a:lnRef>
+          <a:fillRef idx="0">
+            <a:schemeClr val="dk1"/>
+          </a:fillRef>
+          <a:effectRef idx="0">
+            <a:schemeClr val="dk1"/>
+          </a:effectRef>
+          <a:fontRef idx="minor">
+            <a:schemeClr val="tx1"/>
+          </a:fontRef>
+        </p:style>
+      </p:cxnSp>
+      <p:sp>
+        <p:nvSpPr>
+          <p:cNvPr id="2" name="矩形 1">
+            <a:extLst>
+              <a:ext uri="{FF2B5EF4-FFF2-40B4-BE49-F238E27FC236}">
+                <a16:creationId xmlns:a16="http://schemas.microsoft.com/office/drawing/2014/main" id="{D038BC51-5D00-43CC-8FB4-1096CD329E7C}"/>
               </a:ext>
             </a:extLst>
           </p:cNvPr>
@@ -4063,7 +9481,551 @@
         </p:nvSpPr>
         <p:spPr>
           <a:xfrm>
-            <a:off x="2489142" y="1379768"/>
+            <a:off x="4760506" y="6673334"/>
+            <a:ext cx="2670988" cy="369332"/>
+          </a:xfrm>
+          <a:prstGeom prst="rect">
+            <a:avLst/>
+          </a:prstGeom>
+        </p:spPr>
+        <p:txBody>
+          <a:bodyPr wrap="none">
+            <a:spAutoFit/>
+          </a:bodyPr>
+          <a:lstStyle/>
+          <a:p>
+            <a:r>
+              <a:rPr lang="zh-TW" altLang="en-US" dirty="0"/>
+              <a:t>全國-性別-教育對比radar</a:t>
+            </a:r>
+          </a:p>
+        </p:txBody>
+      </p:sp>
+    </p:spTree>
+    <p:extLst>
+      <p:ext uri="{BB962C8B-B14F-4D97-AF65-F5344CB8AC3E}">
+        <p14:creationId xmlns:p14="http://schemas.microsoft.com/office/powerpoint/2010/main" val="485216827"/>
+      </p:ext>
+    </p:extLst>
+  </p:cSld>
+  <p:clrMapOvr>
+    <a:masterClrMapping/>
+  </p:clrMapOvr>
+</p:sld>
+</file>
+
+<file path=ppt/slides/slide4.xml><?xml version="1.0" encoding="utf-8"?>
+<p:sld xmlns:a="http://schemas.openxmlformats.org/drawingml/2006/main" xmlns:r="http://schemas.openxmlformats.org/officeDocument/2006/relationships" xmlns:p="http://schemas.openxmlformats.org/presentationml/2006/main" show="0">
+  <p:cSld>
+    <p:spTree>
+      <p:nvGrpSpPr>
+        <p:cNvPr id="1" name=""/>
+        <p:cNvGrpSpPr/>
+        <p:nvPr/>
+      </p:nvGrpSpPr>
+      <p:grpSpPr>
+        <a:xfrm>
+          <a:off x="0" y="0"/>
+          <a:ext cx="0" cy="0"/>
+          <a:chOff x="0" y="0"/>
+          <a:chExt cx="0" cy="0"/>
+        </a:xfrm>
+      </p:grpSpPr>
+      <p:pic>
+        <p:nvPicPr>
+          <p:cNvPr id="6" name="圖片 5">
+            <a:extLst>
+              <a:ext uri="{FF2B5EF4-FFF2-40B4-BE49-F238E27FC236}">
+                <a16:creationId xmlns:a16="http://schemas.microsoft.com/office/drawing/2014/main" id="{C8442894-12C6-40BA-9038-C4FEBA876A88}"/>
+              </a:ext>
+            </a:extLst>
+          </p:cNvPr>
+          <p:cNvPicPr>
+            <a:picLocks noChangeAspect="1"/>
+          </p:cNvPicPr>
+          <p:nvPr/>
+        </p:nvPicPr>
+        <p:blipFill rotWithShape="1">
+          <a:blip r:embed="rId2"/>
+          <a:srcRect l="24754" t="6374" r="24754" b="3863"/>
+          <a:stretch/>
+        </p:blipFill>
+        <p:spPr>
+          <a:xfrm>
+            <a:off x="-7040675" y="6958466"/>
+            <a:ext cx="2861809" cy="2861809"/>
+          </a:xfrm>
+          <a:prstGeom prst="rect">
+            <a:avLst/>
+          </a:prstGeom>
+        </p:spPr>
+      </p:pic>
+      <p:pic>
+        <p:nvPicPr>
+          <p:cNvPr id="8" name="圖片 7">
+            <a:extLst>
+              <a:ext uri="{FF2B5EF4-FFF2-40B4-BE49-F238E27FC236}">
+                <a16:creationId xmlns:a16="http://schemas.microsoft.com/office/drawing/2014/main" id="{D9755925-4B07-49C2-BD65-31A45465519F}"/>
+              </a:ext>
+            </a:extLst>
+          </p:cNvPr>
+          <p:cNvPicPr>
+            <a:picLocks noChangeAspect="1"/>
+          </p:cNvPicPr>
+          <p:nvPr/>
+        </p:nvPicPr>
+        <p:blipFill rotWithShape="1">
+          <a:blip r:embed="rId3"/>
+          <a:srcRect b="32928"/>
+          <a:stretch/>
+        </p:blipFill>
+        <p:spPr>
+          <a:xfrm>
+            <a:off x="14573018" y="3488189"/>
+            <a:ext cx="6610969" cy="2494190"/>
+          </a:xfrm>
+          <a:prstGeom prst="rect">
+            <a:avLst/>
+          </a:prstGeom>
+        </p:spPr>
+      </p:pic>
+      <p:pic>
+        <p:nvPicPr>
+          <p:cNvPr id="9" name="圖片 8">
+            <a:extLst>
+              <a:ext uri="{FF2B5EF4-FFF2-40B4-BE49-F238E27FC236}">
+                <a16:creationId xmlns:a16="http://schemas.microsoft.com/office/drawing/2014/main" id="{CE65CADD-B3F0-4B57-B79E-D906977B2A86}"/>
+              </a:ext>
+            </a:extLst>
+          </p:cNvPr>
+          <p:cNvPicPr>
+            <a:picLocks noChangeAspect="1"/>
+          </p:cNvPicPr>
+          <p:nvPr/>
+        </p:nvPicPr>
+        <p:blipFill rotWithShape="1">
+          <a:blip r:embed="rId4"/>
+          <a:srcRect l="25181" t="7511" r="25140" b="4169"/>
+          <a:stretch/>
+        </p:blipFill>
+        <p:spPr>
+          <a:xfrm>
+            <a:off x="14793455" y="6457157"/>
+            <a:ext cx="1932213" cy="1932213"/>
+          </a:xfrm>
+          <a:prstGeom prst="rect">
+            <a:avLst/>
+          </a:prstGeom>
+        </p:spPr>
+      </p:pic>
+      <p:pic>
+        <p:nvPicPr>
+          <p:cNvPr id="10" name="圖片 9">
+            <a:extLst>
+              <a:ext uri="{FF2B5EF4-FFF2-40B4-BE49-F238E27FC236}">
+                <a16:creationId xmlns:a16="http://schemas.microsoft.com/office/drawing/2014/main" id="{D0FDFE2E-31EB-47A9-9741-BD38C38EC135}"/>
+              </a:ext>
+            </a:extLst>
+          </p:cNvPr>
+          <p:cNvPicPr>
+            <a:picLocks noChangeAspect="1"/>
+          </p:cNvPicPr>
+          <p:nvPr/>
+        </p:nvPicPr>
+        <p:blipFill rotWithShape="1">
+          <a:blip r:embed="rId2">
+            <a:duotone>
+              <a:schemeClr val="accent2">
+                <a:shade val="45000"/>
+                <a:satMod val="135000"/>
+              </a:schemeClr>
+              <a:prstClr val="white"/>
+            </a:duotone>
+          </a:blip>
+          <a:srcRect l="24754" t="6374" r="24754" b="3863"/>
+          <a:stretch/>
+        </p:blipFill>
+        <p:spPr>
+          <a:xfrm>
+            <a:off x="-3421175" y="6958466"/>
+            <a:ext cx="2861809" cy="2861809"/>
+          </a:xfrm>
+          <a:prstGeom prst="rect">
+            <a:avLst/>
+          </a:prstGeom>
+        </p:spPr>
+      </p:pic>
+      <p:sp>
+        <p:nvSpPr>
+          <p:cNvPr id="11" name="文字方塊 10">
+            <a:extLst>
+              <a:ext uri="{FF2B5EF4-FFF2-40B4-BE49-F238E27FC236}">
+                <a16:creationId xmlns:a16="http://schemas.microsoft.com/office/drawing/2014/main" id="{EDA4D8C7-C6EC-41A8-938F-9962D50A3EFF}"/>
+              </a:ext>
+            </a:extLst>
+          </p:cNvPr>
+          <p:cNvSpPr txBox="1"/>
+          <p:nvPr/>
+        </p:nvSpPr>
+        <p:spPr>
+          <a:xfrm>
+            <a:off x="-6626906" y="1990561"/>
+            <a:ext cx="5358039" cy="830997"/>
+          </a:xfrm>
+          <a:prstGeom prst="rect">
+            <a:avLst/>
+          </a:prstGeom>
+          <a:noFill/>
+        </p:spPr>
+        <p:txBody>
+          <a:bodyPr wrap="square" rtlCol="0">
+            <a:spAutoFit/>
+          </a:bodyPr>
+          <a:lstStyle/>
+          <a:p>
+            <a:pPr algn="ctr"/>
+            <a:r>
+              <a:rPr lang="zh-TW" altLang="en-US" sz="4800" b="1" dirty="0">
+                <a:latin typeface="微軟正黑體" panose="020B0604030504040204" pitchFamily="34" charset="-120"/>
+                <a:ea typeface="微軟正黑體" panose="020B0604030504040204" pitchFamily="34" charset="-120"/>
+              </a:rPr>
+              <a:t>性別</a:t>
+            </a:r>
+            <a:r>
+              <a:rPr lang="en-US" altLang="zh-TW" sz="4800" b="1" dirty="0">
+                <a:latin typeface="微軟正黑體" panose="020B0604030504040204" pitchFamily="34" charset="-120"/>
+                <a:ea typeface="微軟正黑體" panose="020B0604030504040204" pitchFamily="34" charset="-120"/>
+              </a:rPr>
+              <a:t>-</a:t>
+            </a:r>
+            <a:r>
+              <a:rPr lang="zh-TW" altLang="en-US" sz="4800" b="1" dirty="0">
+                <a:latin typeface="微軟正黑體" panose="020B0604030504040204" pitchFamily="34" charset="-120"/>
+                <a:ea typeface="微軟正黑體" panose="020B0604030504040204" pitchFamily="34" charset="-120"/>
+              </a:rPr>
+              <a:t>教育程度組成</a:t>
+            </a:r>
+          </a:p>
+        </p:txBody>
+      </p:sp>
+      <p:sp>
+        <p:nvSpPr>
+          <p:cNvPr id="12" name="文字方塊 11">
+            <a:extLst>
+              <a:ext uri="{FF2B5EF4-FFF2-40B4-BE49-F238E27FC236}">
+                <a16:creationId xmlns:a16="http://schemas.microsoft.com/office/drawing/2014/main" id="{7372E16A-5D06-4557-BE1D-3573AF3B5553}"/>
+              </a:ext>
+            </a:extLst>
+          </p:cNvPr>
+          <p:cNvSpPr txBox="1"/>
+          <p:nvPr/>
+        </p:nvSpPr>
+        <p:spPr>
+          <a:xfrm>
+            <a:off x="14948349" y="1990561"/>
+            <a:ext cx="5358039" cy="830997"/>
+          </a:xfrm>
+          <a:prstGeom prst="rect">
+            <a:avLst/>
+          </a:prstGeom>
+          <a:noFill/>
+        </p:spPr>
+        <p:txBody>
+          <a:bodyPr wrap="square" rtlCol="0">
+            <a:spAutoFit/>
+          </a:bodyPr>
+          <a:lstStyle/>
+          <a:p>
+            <a:pPr algn="ctr"/>
+            <a:r>
+              <a:rPr lang="zh-TW" altLang="en-US" sz="4800" b="1" dirty="0">
+                <a:latin typeface="微軟正黑體" panose="020B0604030504040204" pitchFamily="34" charset="-120"/>
+                <a:ea typeface="微軟正黑體" panose="020B0604030504040204" pitchFamily="34" charset="-120"/>
+              </a:rPr>
+              <a:t>教育程度</a:t>
+            </a:r>
+            <a:r>
+              <a:rPr lang="en-US" altLang="zh-TW" sz="4800" b="1" dirty="0">
+                <a:latin typeface="微軟正黑體" panose="020B0604030504040204" pitchFamily="34" charset="-120"/>
+                <a:ea typeface="微軟正黑體" panose="020B0604030504040204" pitchFamily="34" charset="-120"/>
+              </a:rPr>
+              <a:t>-</a:t>
+            </a:r>
+            <a:r>
+              <a:rPr lang="zh-TW" altLang="en-US" sz="4800" b="1" dirty="0">
+                <a:latin typeface="微軟正黑體" panose="020B0604030504040204" pitchFamily="34" charset="-120"/>
+                <a:ea typeface="微軟正黑體" panose="020B0604030504040204" pitchFamily="34" charset="-120"/>
+              </a:rPr>
+              <a:t>性別組成</a:t>
+            </a:r>
+          </a:p>
+        </p:txBody>
+      </p:sp>
+      <p:pic>
+        <p:nvPicPr>
+          <p:cNvPr id="14" name="圖片 13">
+            <a:extLst>
+              <a:ext uri="{FF2B5EF4-FFF2-40B4-BE49-F238E27FC236}">
+                <a16:creationId xmlns:a16="http://schemas.microsoft.com/office/drawing/2014/main" id="{E2875781-C370-4173-91E7-DA8D294DCA29}"/>
+              </a:ext>
+            </a:extLst>
+          </p:cNvPr>
+          <p:cNvPicPr>
+            <a:picLocks noChangeAspect="1"/>
+          </p:cNvPicPr>
+          <p:nvPr/>
+        </p:nvPicPr>
+        <p:blipFill rotWithShape="1">
+          <a:blip r:embed="rId4"/>
+          <a:srcRect l="25181" t="7511" r="25140" b="4169"/>
+          <a:stretch/>
+        </p:blipFill>
+        <p:spPr>
+          <a:xfrm>
+            <a:off x="16946105" y="6457157"/>
+            <a:ext cx="1932213" cy="1932213"/>
+          </a:xfrm>
+          <a:prstGeom prst="rect">
+            <a:avLst/>
+          </a:prstGeom>
+        </p:spPr>
+      </p:pic>
+      <p:pic>
+        <p:nvPicPr>
+          <p:cNvPr id="16" name="圖片 15">
+            <a:extLst>
+              <a:ext uri="{FF2B5EF4-FFF2-40B4-BE49-F238E27FC236}">
+                <a16:creationId xmlns:a16="http://schemas.microsoft.com/office/drawing/2014/main" id="{9B2CC766-F316-491D-BFA0-A7756922C589}"/>
+              </a:ext>
+            </a:extLst>
+          </p:cNvPr>
+          <p:cNvPicPr>
+            <a:picLocks noChangeAspect="1"/>
+          </p:cNvPicPr>
+          <p:nvPr/>
+        </p:nvPicPr>
+        <p:blipFill rotWithShape="1">
+          <a:blip r:embed="rId4"/>
+          <a:srcRect l="25181" t="7511" r="25140" b="4169"/>
+          <a:stretch/>
+        </p:blipFill>
+        <p:spPr>
+          <a:xfrm>
+            <a:off x="19098755" y="6457157"/>
+            <a:ext cx="1932213" cy="1932213"/>
+          </a:xfrm>
+          <a:prstGeom prst="rect">
+            <a:avLst/>
+          </a:prstGeom>
+        </p:spPr>
+      </p:pic>
+      <p:pic>
+        <p:nvPicPr>
+          <p:cNvPr id="18" name="圖片 17">
+            <a:extLst>
+              <a:ext uri="{FF2B5EF4-FFF2-40B4-BE49-F238E27FC236}">
+                <a16:creationId xmlns:a16="http://schemas.microsoft.com/office/drawing/2014/main" id="{45DA706D-9F44-440D-8C04-ACDE42AF610B}"/>
+              </a:ext>
+            </a:extLst>
+          </p:cNvPr>
+          <p:cNvPicPr>
+            <a:picLocks noChangeAspect="1"/>
+          </p:cNvPicPr>
+          <p:nvPr/>
+        </p:nvPicPr>
+        <p:blipFill rotWithShape="1">
+          <a:blip r:embed="rId4"/>
+          <a:srcRect l="25181" t="7511" r="25140" b="4169"/>
+          <a:stretch/>
+        </p:blipFill>
+        <p:spPr>
+          <a:xfrm>
+            <a:off x="21251405" y="6457157"/>
+            <a:ext cx="1932213" cy="1932213"/>
+          </a:xfrm>
+          <a:prstGeom prst="rect">
+            <a:avLst/>
+          </a:prstGeom>
+        </p:spPr>
+      </p:pic>
+      <p:pic>
+        <p:nvPicPr>
+          <p:cNvPr id="19" name="圖片 18">
+            <a:extLst>
+              <a:ext uri="{FF2B5EF4-FFF2-40B4-BE49-F238E27FC236}">
+                <a16:creationId xmlns:a16="http://schemas.microsoft.com/office/drawing/2014/main" id="{1AF7F62D-A2D2-4169-922D-D73B18CF5CE8}"/>
+              </a:ext>
+            </a:extLst>
+          </p:cNvPr>
+          <p:cNvPicPr>
+            <a:picLocks noChangeAspect="1"/>
+          </p:cNvPicPr>
+          <p:nvPr/>
+        </p:nvPicPr>
+        <p:blipFill rotWithShape="1">
+          <a:blip r:embed="rId5"/>
+          <a:srcRect l="25160" t="7668" r="25160" b="4012"/>
+          <a:stretch/>
+        </p:blipFill>
+        <p:spPr>
+          <a:xfrm>
+            <a:off x="8039846" y="11084208"/>
+            <a:ext cx="2294827" cy="2294827"/>
+          </a:xfrm>
+          <a:prstGeom prst="rect">
+            <a:avLst/>
+          </a:prstGeom>
+        </p:spPr>
+      </p:pic>
+      <p:pic>
+        <p:nvPicPr>
+          <p:cNvPr id="20" name="圖片 19">
+            <a:extLst>
+              <a:ext uri="{FF2B5EF4-FFF2-40B4-BE49-F238E27FC236}">
+                <a16:creationId xmlns:a16="http://schemas.microsoft.com/office/drawing/2014/main" id="{F641FC13-C66F-4927-85B1-B2A67DF3C83C}"/>
+              </a:ext>
+            </a:extLst>
+          </p:cNvPr>
+          <p:cNvPicPr>
+            <a:picLocks noChangeAspect="1"/>
+          </p:cNvPicPr>
+          <p:nvPr/>
+        </p:nvPicPr>
+        <p:blipFill rotWithShape="1">
+          <a:blip r:embed="rId4"/>
+          <a:srcRect l="25181" t="7511" r="25140" b="4169"/>
+          <a:stretch/>
+        </p:blipFill>
+        <p:spPr>
+          <a:xfrm>
+            <a:off x="12640805" y="6457157"/>
+            <a:ext cx="1932213" cy="1932213"/>
+          </a:xfrm>
+          <a:prstGeom prst="rect">
+            <a:avLst/>
+          </a:prstGeom>
+        </p:spPr>
+      </p:pic>
+      <p:pic>
+        <p:nvPicPr>
+          <p:cNvPr id="1026" name="Picture 2" descr="資視就是力量- Highcharts / 金字塔圖表- iT 邦幫忙::一起幫忙解決難題，拯救IT 人的一天">
+            <a:extLst>
+              <a:ext uri="{FF2B5EF4-FFF2-40B4-BE49-F238E27FC236}">
+                <a16:creationId xmlns:a16="http://schemas.microsoft.com/office/drawing/2014/main" id="{FC649509-2E20-4C95-BB9E-AE37AB599B36}"/>
+              </a:ext>
+            </a:extLst>
+          </p:cNvPr>
+          <p:cNvPicPr>
+            <a:picLocks noChangeAspect="1" noChangeArrowheads="1"/>
+          </p:cNvPicPr>
+          <p:nvPr/>
+        </p:nvPicPr>
+        <p:blipFill>
+          <a:blip r:embed="rId6">
+            <a:extLst>
+              <a:ext uri="{28A0092B-C50C-407E-A947-70E740481C1C}">
+                <a14:useLocalDpi xmlns:a14="http://schemas.microsoft.com/office/drawing/2010/main" val="0"/>
+              </a:ext>
+            </a:extLst>
+          </a:blip>
+          <a:srcRect/>
+          <a:stretch>
+            <a:fillRect/>
+          </a:stretch>
+        </p:blipFill>
+        <p:spPr bwMode="auto">
+          <a:xfrm>
+            <a:off x="2814126" y="23550957"/>
+            <a:ext cx="8241056" cy="4273438"/>
+          </a:xfrm>
+          <a:prstGeom prst="rect">
+            <a:avLst/>
+          </a:prstGeom>
+          <a:noFill/>
+          <a:extLst>
+            <a:ext uri="{909E8E84-426E-40DD-AFC4-6F175D3DCCD1}">
+              <a14:hiddenFill xmlns:a14="http://schemas.microsoft.com/office/drawing/2010/main">
+                <a:solidFill>
+                  <a:srgbClr val="FFFFFF"/>
+                </a:solidFill>
+              </a14:hiddenFill>
+            </a:ext>
+          </a:extLst>
+        </p:spPr>
+      </p:pic>
+      <p:pic>
+        <p:nvPicPr>
+          <p:cNvPr id="21" name="圖片 20">
+            <a:extLst>
+              <a:ext uri="{FF2B5EF4-FFF2-40B4-BE49-F238E27FC236}">
+                <a16:creationId xmlns:a16="http://schemas.microsoft.com/office/drawing/2014/main" id="{FB2ABD63-5E89-461A-AEBD-8B906975AA18}"/>
+              </a:ext>
+            </a:extLst>
+          </p:cNvPr>
+          <p:cNvPicPr>
+            <a:picLocks noChangeAspect="1"/>
+          </p:cNvPicPr>
+          <p:nvPr/>
+        </p:nvPicPr>
+        <p:blipFill rotWithShape="1">
+          <a:blip r:embed="rId7"/>
+          <a:srcRect b="33905"/>
+          <a:stretch/>
+        </p:blipFill>
+        <p:spPr>
+          <a:xfrm>
+            <a:off x="-7268063" y="3488189"/>
+            <a:ext cx="6708697" cy="2494190"/>
+          </a:xfrm>
+          <a:prstGeom prst="rect">
+            <a:avLst/>
+          </a:prstGeom>
+        </p:spPr>
+      </p:pic>
+      <p:pic>
+        <p:nvPicPr>
+          <p:cNvPr id="22" name="圖片 21">
+            <a:extLst>
+              <a:ext uri="{FF2B5EF4-FFF2-40B4-BE49-F238E27FC236}">
+                <a16:creationId xmlns:a16="http://schemas.microsoft.com/office/drawing/2014/main" id="{D909044C-3DE5-44DC-A497-50C9B55A6DE4}"/>
+              </a:ext>
+            </a:extLst>
+          </p:cNvPr>
+          <p:cNvPicPr>
+            <a:picLocks noChangeAspect="1"/>
+          </p:cNvPicPr>
+          <p:nvPr/>
+        </p:nvPicPr>
+        <p:blipFill rotWithShape="1">
+          <a:blip r:embed="rId8"/>
+          <a:srcRect t="6535" b="34166"/>
+          <a:stretch/>
+        </p:blipFill>
+        <p:spPr>
+          <a:xfrm>
+            <a:off x="964888" y="2821558"/>
+            <a:ext cx="10262224" cy="3422980"/>
+          </a:xfrm>
+          <a:prstGeom prst="rect">
+            <a:avLst/>
+          </a:prstGeom>
+        </p:spPr>
+      </p:pic>
+      <p:sp>
+        <p:nvSpPr>
+          <p:cNvPr id="23" name="矩形 22">
+            <a:extLst>
+              <a:ext uri="{FF2B5EF4-FFF2-40B4-BE49-F238E27FC236}">
+                <a16:creationId xmlns:a16="http://schemas.microsoft.com/office/drawing/2014/main" id="{B6DBCC8B-6276-40A3-94F0-45D4CEA6E358}"/>
+              </a:ext>
+            </a:extLst>
+          </p:cNvPr>
+          <p:cNvSpPr/>
+          <p:nvPr/>
+        </p:nvSpPr>
+        <p:spPr>
+          <a:xfrm>
+            <a:off x="964888" y="1379768"/>
             <a:ext cx="1290126" cy="400050"/>
           </a:xfrm>
           <a:prstGeom prst="rect">
@@ -4114,6 +10076,76 @@
                 <a:latin typeface="微軟正黑體" panose="020B0604030504040204" pitchFamily="34" charset="-120"/>
                 <a:ea typeface="微軟正黑體" panose="020B0604030504040204" pitchFamily="34" charset="-120"/>
               </a:rPr>
+              <a:t>縣市別 ▼</a:t>
+            </a:r>
+          </a:p>
+        </p:txBody>
+      </p:sp>
+      <p:sp>
+        <p:nvSpPr>
+          <p:cNvPr id="25" name="矩形 24">
+            <a:extLst>
+              <a:ext uri="{FF2B5EF4-FFF2-40B4-BE49-F238E27FC236}">
+                <a16:creationId xmlns:a16="http://schemas.microsoft.com/office/drawing/2014/main" id="{F2DE8564-81B0-4673-B202-2464984F98A7}"/>
+              </a:ext>
+            </a:extLst>
+          </p:cNvPr>
+          <p:cNvSpPr/>
+          <p:nvPr/>
+        </p:nvSpPr>
+        <p:spPr>
+          <a:xfrm>
+            <a:off x="2489142" y="1379768"/>
+            <a:ext cx="1290126" cy="400050"/>
+          </a:xfrm>
+          <a:prstGeom prst="rect">
+            <a:avLst/>
+          </a:prstGeom>
+          <a:solidFill>
+            <a:schemeClr val="bg1">
+              <a:lumMod val="85000"/>
+            </a:schemeClr>
+          </a:solidFill>
+          <a:ln>
+            <a:solidFill>
+              <a:schemeClr val="tx1"/>
+            </a:solidFill>
+          </a:ln>
+        </p:spPr>
+        <p:style>
+          <a:lnRef idx="2">
+            <a:schemeClr val="accent1">
+              <a:shade val="50000"/>
+            </a:schemeClr>
+          </a:lnRef>
+          <a:fillRef idx="1">
+            <a:schemeClr val="accent1"/>
+          </a:fillRef>
+          <a:effectRef idx="0">
+            <a:schemeClr val="accent1"/>
+          </a:effectRef>
+          <a:fontRef idx="minor">
+            <a:schemeClr val="lt1"/>
+          </a:fontRef>
+        </p:style>
+        <p:txBody>
+          <a:bodyPr rot="0" spcFirstLastPara="0" vertOverflow="overflow" horzOverflow="overflow" vert="horz" wrap="square" lIns="91440" tIns="45720" rIns="91440" bIns="45720" numCol="1" spcCol="0" rtlCol="0" fromWordArt="0" anchor="ctr" anchorCtr="0" forceAA="0" compatLnSpc="1">
+            <a:prstTxWarp prst="textNoShape">
+              <a:avLst/>
+            </a:prstTxWarp>
+            <a:noAutofit/>
+          </a:bodyPr>
+          <a:lstStyle/>
+          <a:p>
+            <a:pPr algn="ctr"/>
+            <a:r>
+              <a:rPr lang="zh-TW" altLang="en-US" dirty="0">
+                <a:solidFill>
+                  <a:schemeClr val="tx1"/>
+                </a:solidFill>
+                <a:latin typeface="微軟正黑體" panose="020B0604030504040204" pitchFamily="34" charset="-120"/>
+                <a:ea typeface="微軟正黑體" panose="020B0604030504040204" pitchFamily="34" charset="-120"/>
+              </a:rPr>
               <a:t>行政區 ▼</a:t>
             </a:r>
           </a:p>
@@ -4211,8 +10243,8 @@
         </p:nvSpPr>
         <p:spPr>
           <a:xfrm>
-            <a:off x="9305365" y="969311"/>
-            <a:ext cx="2861809" cy="1446550"/>
+            <a:off x="9187259" y="969311"/>
+            <a:ext cx="2861809" cy="1077218"/>
           </a:xfrm>
           <a:prstGeom prst="rect">
             <a:avLst/>
@@ -4319,19 +10351,15 @@
                 <a:latin typeface="微軟正黑體" panose="020B0604030504040204" pitchFamily="34" charset="-120"/>
                 <a:ea typeface="微軟正黑體" panose="020B0604030504040204" pitchFamily="34" charset="-120"/>
               </a:rPr>
-              <a:t>:</a:t>
+              <a:t>: </a:t>
             </a:r>
             <a:r>
               <a:rPr lang="zh-TW" altLang="en-US" sz="800" dirty="0">
                 <a:latin typeface="微軟正黑體" panose="020B0604030504040204" pitchFamily="34" charset="-120"/>
                 <a:ea typeface="微軟正黑體" panose="020B0604030504040204" pitchFamily="34" charset="-120"/>
               </a:rPr>
-              <a:t> 原始資料中之</a:t>
-            </a:r>
-            <a:endParaRPr lang="en-US" altLang="zh-TW" sz="800" dirty="0">
-              <a:latin typeface="微軟正黑體" panose="020B0604030504040204" pitchFamily="34" charset="-120"/>
-              <a:ea typeface="微軟正黑體" panose="020B0604030504040204" pitchFamily="34" charset="-120"/>
-            </a:endParaRPr>
+              <a:t>原始資料中之博畢、博肄合併為「博士」；</a:t>
+            </a:r>
           </a:p>
           <a:p>
             <a:r>
@@ -4339,26 +10367,17 @@
                 <a:latin typeface="微軟正黑體" panose="020B0604030504040204" pitchFamily="34" charset="-120"/>
                 <a:ea typeface="微軟正黑體" panose="020B0604030504040204" pitchFamily="34" charset="-120"/>
               </a:rPr>
-              <a:t>博畢</a:t>
-            </a:r>
-            <a:r>
-              <a:rPr lang="en-US" altLang="zh-TW" sz="800" dirty="0">
-                <a:latin typeface="微軟正黑體" panose="020B0604030504040204" pitchFamily="34" charset="-120"/>
-                <a:ea typeface="微軟正黑體" panose="020B0604030504040204" pitchFamily="34" charset="-120"/>
-              </a:rPr>
-              <a:t>,</a:t>
-            </a:r>
+              <a:t>碩畢、碩肄合併為「碩士」；大畢、大肄合併為「學士」；</a:t>
+            </a:r>
+          </a:p>
+          <a:p>
             <a:r>
               <a:rPr lang="zh-TW" altLang="en-US" sz="800" dirty="0">
                 <a:latin typeface="微軟正黑體" panose="020B0604030504040204" pitchFamily="34" charset="-120"/>
                 <a:ea typeface="微軟正黑體" panose="020B0604030504040204" pitchFamily="34" charset="-120"/>
               </a:rPr>
-              <a:t> 博肄合併為「博士」</a:t>
-            </a:r>
-            <a:endParaRPr lang="en-US" altLang="zh-TW" sz="800" dirty="0">
-              <a:latin typeface="微軟正黑體" panose="020B0604030504040204" pitchFamily="34" charset="-120"/>
-              <a:ea typeface="微軟正黑體" panose="020B0604030504040204" pitchFamily="34" charset="-120"/>
-            </a:endParaRPr>
+              <a:t>二畢、二肄、後二畢、後二肄合併為「專科」；</a:t>
+            </a:r>
           </a:p>
           <a:p>
             <a:r>
@@ -4366,26 +10385,17 @@
                 <a:latin typeface="微軟正黑體" panose="020B0604030504040204" pitchFamily="34" charset="-120"/>
                 <a:ea typeface="微軟正黑體" panose="020B0604030504040204" pitchFamily="34" charset="-120"/>
               </a:rPr>
-              <a:t>碩畢</a:t>
-            </a:r>
-            <a:r>
-              <a:rPr lang="en-US" altLang="zh-TW" sz="800" dirty="0">
-                <a:latin typeface="微軟正黑體" panose="020B0604030504040204" pitchFamily="34" charset="-120"/>
-                <a:ea typeface="微軟正黑體" panose="020B0604030504040204" pitchFamily="34" charset="-120"/>
-              </a:rPr>
-              <a:t>,</a:t>
-            </a:r>
+              <a:t>高畢、高肄、職畢、職肄、前三畢、前三肄合併為「高中」；</a:t>
+            </a:r>
+          </a:p>
+          <a:p>
             <a:r>
               <a:rPr lang="zh-TW" altLang="en-US" sz="800" dirty="0">
                 <a:latin typeface="微軟正黑體" panose="020B0604030504040204" pitchFamily="34" charset="-120"/>
                 <a:ea typeface="微軟正黑體" panose="020B0604030504040204" pitchFamily="34" charset="-120"/>
               </a:rPr>
-              <a:t> 碩肄合併為「碩士」</a:t>
-            </a:r>
-            <a:endParaRPr lang="en-US" altLang="zh-TW" sz="800" dirty="0">
-              <a:latin typeface="微軟正黑體" panose="020B0604030504040204" pitchFamily="34" charset="-120"/>
-              <a:ea typeface="微軟正黑體" panose="020B0604030504040204" pitchFamily="34" charset="-120"/>
-            </a:endParaRPr>
+              <a:t>國畢、國肄、初畢、初肄合併為「國中」；</a:t>
+            </a:r>
           </a:p>
           <a:p>
             <a:r>
@@ -4393,264 +10403,7 @@
                 <a:latin typeface="微軟正黑體" panose="020B0604030504040204" pitchFamily="34" charset="-120"/>
                 <a:ea typeface="微軟正黑體" panose="020B0604030504040204" pitchFamily="34" charset="-120"/>
               </a:rPr>
-              <a:t>大畢</a:t>
-            </a:r>
-            <a:r>
-              <a:rPr lang="en-US" altLang="zh-TW" sz="800" dirty="0">
-                <a:latin typeface="微軟正黑體" panose="020B0604030504040204" pitchFamily="34" charset="-120"/>
-                <a:ea typeface="微軟正黑體" panose="020B0604030504040204" pitchFamily="34" charset="-120"/>
-              </a:rPr>
-              <a:t>,</a:t>
-            </a:r>
-            <a:r>
-              <a:rPr lang="zh-TW" altLang="en-US" sz="800" dirty="0">
-                <a:latin typeface="微軟正黑體" panose="020B0604030504040204" pitchFamily="34" charset="-120"/>
-                <a:ea typeface="微軟正黑體" panose="020B0604030504040204" pitchFamily="34" charset="-120"/>
-              </a:rPr>
-              <a:t> 大肄合併為「學士」</a:t>
-            </a:r>
-            <a:endParaRPr lang="en-US" altLang="zh-TW" sz="800" dirty="0">
-              <a:latin typeface="微軟正黑體" panose="020B0604030504040204" pitchFamily="34" charset="-120"/>
-              <a:ea typeface="微軟正黑體" panose="020B0604030504040204" pitchFamily="34" charset="-120"/>
-            </a:endParaRPr>
-          </a:p>
-          <a:p>
-            <a:r>
-              <a:rPr lang="zh-TW" altLang="en-US" sz="800" dirty="0">
-                <a:latin typeface="微軟正黑體" panose="020B0604030504040204" pitchFamily="34" charset="-120"/>
-                <a:ea typeface="微軟正黑體" panose="020B0604030504040204" pitchFamily="34" charset="-120"/>
-              </a:rPr>
-              <a:t>二畢</a:t>
-            </a:r>
-            <a:r>
-              <a:rPr lang="en-US" altLang="zh-TW" sz="800" dirty="0">
-                <a:latin typeface="微軟正黑體" panose="020B0604030504040204" pitchFamily="34" charset="-120"/>
-                <a:ea typeface="微軟正黑體" panose="020B0604030504040204" pitchFamily="34" charset="-120"/>
-              </a:rPr>
-              <a:t>,</a:t>
-            </a:r>
-            <a:r>
-              <a:rPr lang="zh-TW" altLang="en-US" sz="800" dirty="0">
-                <a:latin typeface="微軟正黑體" panose="020B0604030504040204" pitchFamily="34" charset="-120"/>
-                <a:ea typeface="微軟正黑體" panose="020B0604030504040204" pitchFamily="34" charset="-120"/>
-              </a:rPr>
-              <a:t> 二肄</a:t>
-            </a:r>
-            <a:r>
-              <a:rPr lang="en-US" altLang="zh-TW" sz="800" dirty="0">
-                <a:latin typeface="微軟正黑體" panose="020B0604030504040204" pitchFamily="34" charset="-120"/>
-                <a:ea typeface="微軟正黑體" panose="020B0604030504040204" pitchFamily="34" charset="-120"/>
-              </a:rPr>
-              <a:t>,</a:t>
-            </a:r>
-            <a:r>
-              <a:rPr lang="zh-TW" altLang="en-US" sz="800" dirty="0">
-                <a:latin typeface="微軟正黑體" panose="020B0604030504040204" pitchFamily="34" charset="-120"/>
-                <a:ea typeface="微軟正黑體" panose="020B0604030504040204" pitchFamily="34" charset="-120"/>
-              </a:rPr>
-              <a:t> 後二畢</a:t>
-            </a:r>
-            <a:r>
-              <a:rPr lang="en-US" altLang="zh-TW" sz="800" dirty="0">
-                <a:latin typeface="微軟正黑體" panose="020B0604030504040204" pitchFamily="34" charset="-120"/>
-                <a:ea typeface="微軟正黑體" panose="020B0604030504040204" pitchFamily="34" charset="-120"/>
-              </a:rPr>
-              <a:t>,</a:t>
-            </a:r>
-            <a:r>
-              <a:rPr lang="zh-TW" altLang="en-US" sz="800" dirty="0">
-                <a:latin typeface="微軟正黑體" panose="020B0604030504040204" pitchFamily="34" charset="-120"/>
-                <a:ea typeface="微軟正黑體" panose="020B0604030504040204" pitchFamily="34" charset="-120"/>
-              </a:rPr>
-              <a:t> 後二肄合併為「專科」</a:t>
-            </a:r>
-          </a:p>
-          <a:p>
-            <a:r>
-              <a:rPr lang="zh-TW" altLang="en-US" sz="800" dirty="0">
-                <a:latin typeface="微軟正黑體" panose="020B0604030504040204" pitchFamily="34" charset="-120"/>
-                <a:ea typeface="微軟正黑體" panose="020B0604030504040204" pitchFamily="34" charset="-120"/>
-              </a:rPr>
-              <a:t>高畢</a:t>
-            </a:r>
-            <a:r>
-              <a:rPr lang="en-US" altLang="zh-TW" sz="800" dirty="0">
-                <a:latin typeface="微軟正黑體" panose="020B0604030504040204" pitchFamily="34" charset="-120"/>
-                <a:ea typeface="微軟正黑體" panose="020B0604030504040204" pitchFamily="34" charset="-120"/>
-              </a:rPr>
-              <a:t>,</a:t>
-            </a:r>
-            <a:r>
-              <a:rPr lang="zh-TW" altLang="en-US" sz="800" dirty="0">
-                <a:latin typeface="微軟正黑體" panose="020B0604030504040204" pitchFamily="34" charset="-120"/>
-                <a:ea typeface="微軟正黑體" panose="020B0604030504040204" pitchFamily="34" charset="-120"/>
-              </a:rPr>
-              <a:t> 高肄</a:t>
-            </a:r>
-            <a:r>
-              <a:rPr lang="en-US" altLang="zh-TW" sz="800" dirty="0">
-                <a:latin typeface="微軟正黑體" panose="020B0604030504040204" pitchFamily="34" charset="-120"/>
-                <a:ea typeface="微軟正黑體" panose="020B0604030504040204" pitchFamily="34" charset="-120"/>
-              </a:rPr>
-              <a:t>,</a:t>
-            </a:r>
-            <a:r>
-              <a:rPr lang="zh-TW" altLang="en-US" sz="800" dirty="0">
-                <a:latin typeface="微軟正黑體" panose="020B0604030504040204" pitchFamily="34" charset="-120"/>
-                <a:ea typeface="微軟正黑體" panose="020B0604030504040204" pitchFamily="34" charset="-120"/>
-              </a:rPr>
-              <a:t> 職畢</a:t>
-            </a:r>
-            <a:r>
-              <a:rPr lang="en-US" altLang="zh-TW" sz="800" dirty="0">
-                <a:latin typeface="微軟正黑體" panose="020B0604030504040204" pitchFamily="34" charset="-120"/>
-                <a:ea typeface="微軟正黑體" panose="020B0604030504040204" pitchFamily="34" charset="-120"/>
-              </a:rPr>
-              <a:t>,</a:t>
-            </a:r>
-            <a:r>
-              <a:rPr lang="zh-TW" altLang="en-US" sz="800" dirty="0">
-                <a:latin typeface="微軟正黑體" panose="020B0604030504040204" pitchFamily="34" charset="-120"/>
-                <a:ea typeface="微軟正黑體" panose="020B0604030504040204" pitchFamily="34" charset="-120"/>
-              </a:rPr>
-              <a:t> 職肄</a:t>
-            </a:r>
-            <a:r>
-              <a:rPr lang="en-US" altLang="zh-TW" sz="800" dirty="0">
-                <a:latin typeface="微軟正黑體" panose="020B0604030504040204" pitchFamily="34" charset="-120"/>
-                <a:ea typeface="微軟正黑體" panose="020B0604030504040204" pitchFamily="34" charset="-120"/>
-              </a:rPr>
-              <a:t>,</a:t>
-            </a:r>
-            <a:r>
-              <a:rPr lang="zh-TW" altLang="en-US" sz="800" dirty="0">
-                <a:latin typeface="微軟正黑體" panose="020B0604030504040204" pitchFamily="34" charset="-120"/>
-                <a:ea typeface="微軟正黑體" panose="020B0604030504040204" pitchFamily="34" charset="-120"/>
-              </a:rPr>
-              <a:t> 前三畢</a:t>
-            </a:r>
-            <a:r>
-              <a:rPr lang="en-US" altLang="zh-TW" sz="800" dirty="0">
-                <a:latin typeface="微軟正黑體" panose="020B0604030504040204" pitchFamily="34" charset="-120"/>
-                <a:ea typeface="微軟正黑體" panose="020B0604030504040204" pitchFamily="34" charset="-120"/>
-              </a:rPr>
-              <a:t>,</a:t>
-            </a:r>
-            <a:r>
-              <a:rPr lang="zh-TW" altLang="en-US" sz="800" dirty="0">
-                <a:latin typeface="微軟正黑體" panose="020B0604030504040204" pitchFamily="34" charset="-120"/>
-                <a:ea typeface="微軟正黑體" panose="020B0604030504040204" pitchFamily="34" charset="-120"/>
-              </a:rPr>
-              <a:t> 前三肄合併為「高中」</a:t>
-            </a:r>
-            <a:endParaRPr lang="en-US" altLang="zh-TW" sz="800" dirty="0">
-              <a:latin typeface="微軟正黑體" panose="020B0604030504040204" pitchFamily="34" charset="-120"/>
-              <a:ea typeface="微軟正黑體" panose="020B0604030504040204" pitchFamily="34" charset="-120"/>
-            </a:endParaRPr>
-          </a:p>
-          <a:p>
-            <a:r>
-              <a:rPr lang="zh-TW" altLang="en-US" sz="800" dirty="0">
-                <a:latin typeface="微軟正黑體" panose="020B0604030504040204" pitchFamily="34" charset="-120"/>
-                <a:ea typeface="微軟正黑體" panose="020B0604030504040204" pitchFamily="34" charset="-120"/>
-              </a:rPr>
-              <a:t>國畢</a:t>
-            </a:r>
-            <a:r>
-              <a:rPr lang="en-US" altLang="zh-TW" sz="800" dirty="0">
-                <a:latin typeface="微軟正黑體" panose="020B0604030504040204" pitchFamily="34" charset="-120"/>
-                <a:ea typeface="微軟正黑體" panose="020B0604030504040204" pitchFamily="34" charset="-120"/>
-              </a:rPr>
-              <a:t>,</a:t>
-            </a:r>
-            <a:r>
-              <a:rPr lang="zh-TW" altLang="en-US" sz="800" dirty="0">
-                <a:latin typeface="微軟正黑體" panose="020B0604030504040204" pitchFamily="34" charset="-120"/>
-                <a:ea typeface="微軟正黑體" panose="020B0604030504040204" pitchFamily="34" charset="-120"/>
-              </a:rPr>
-              <a:t> 國肄</a:t>
-            </a:r>
-            <a:r>
-              <a:rPr lang="en-US" altLang="zh-TW" sz="800" dirty="0">
-                <a:latin typeface="微軟正黑體" panose="020B0604030504040204" pitchFamily="34" charset="-120"/>
-                <a:ea typeface="微軟正黑體" panose="020B0604030504040204" pitchFamily="34" charset="-120"/>
-              </a:rPr>
-              <a:t>,</a:t>
-            </a:r>
-            <a:r>
-              <a:rPr lang="zh-TW" altLang="en-US" sz="800" dirty="0">
-                <a:latin typeface="微軟正黑體" panose="020B0604030504040204" pitchFamily="34" charset="-120"/>
-                <a:ea typeface="微軟正黑體" panose="020B0604030504040204" pitchFamily="34" charset="-120"/>
-              </a:rPr>
-              <a:t> 初畢</a:t>
-            </a:r>
-            <a:r>
-              <a:rPr lang="en-US" altLang="zh-TW" sz="800" dirty="0">
-                <a:latin typeface="微軟正黑體" panose="020B0604030504040204" pitchFamily="34" charset="-120"/>
-                <a:ea typeface="微軟正黑體" panose="020B0604030504040204" pitchFamily="34" charset="-120"/>
-              </a:rPr>
-              <a:t>,</a:t>
-            </a:r>
-            <a:r>
-              <a:rPr lang="zh-TW" altLang="en-US" sz="800" dirty="0">
-                <a:latin typeface="微軟正黑體" panose="020B0604030504040204" pitchFamily="34" charset="-120"/>
-                <a:ea typeface="微軟正黑體" panose="020B0604030504040204" pitchFamily="34" charset="-120"/>
-              </a:rPr>
-              <a:t> 初肄合併為「國中」</a:t>
-            </a:r>
-            <a:endParaRPr lang="en-US" altLang="zh-TW" sz="800" dirty="0">
-              <a:latin typeface="微軟正黑體" panose="020B0604030504040204" pitchFamily="34" charset="-120"/>
-              <a:ea typeface="微軟正黑體" panose="020B0604030504040204" pitchFamily="34" charset="-120"/>
-            </a:endParaRPr>
-          </a:p>
-          <a:p>
-            <a:r>
-              <a:rPr lang="zh-TW" altLang="en-US" sz="800" dirty="0">
-                <a:latin typeface="微軟正黑體" panose="020B0604030504040204" pitchFamily="34" charset="-120"/>
-                <a:ea typeface="微軟正黑體" panose="020B0604030504040204" pitchFamily="34" charset="-120"/>
-              </a:rPr>
-              <a:t>小畢</a:t>
-            </a:r>
-            <a:r>
-              <a:rPr lang="en-US" altLang="zh-TW" sz="800" dirty="0">
-                <a:latin typeface="微軟正黑體" panose="020B0604030504040204" pitchFamily="34" charset="-120"/>
-                <a:ea typeface="微軟正黑體" panose="020B0604030504040204" pitchFamily="34" charset="-120"/>
-              </a:rPr>
-              <a:t>,</a:t>
-            </a:r>
-            <a:r>
-              <a:rPr lang="zh-TW" altLang="en-US" sz="800" dirty="0">
-                <a:latin typeface="微軟正黑體" panose="020B0604030504040204" pitchFamily="34" charset="-120"/>
-                <a:ea typeface="微軟正黑體" panose="020B0604030504040204" pitchFamily="34" charset="-120"/>
-              </a:rPr>
-              <a:t> 小肄合併為「國小」</a:t>
-            </a:r>
-            <a:endParaRPr lang="en-US" altLang="zh-TW" sz="800" dirty="0">
-              <a:latin typeface="微軟正黑體" panose="020B0604030504040204" pitchFamily="34" charset="-120"/>
-              <a:ea typeface="微軟正黑體" panose="020B0604030504040204" pitchFamily="34" charset="-120"/>
-            </a:endParaRPr>
-          </a:p>
-          <a:p>
-            <a:r>
-              <a:rPr lang="zh-TW" altLang="en-US" sz="800" dirty="0">
-                <a:latin typeface="微軟正黑體" panose="020B0604030504040204" pitchFamily="34" charset="-120"/>
-                <a:ea typeface="微軟正黑體" panose="020B0604030504040204" pitchFamily="34" charset="-120"/>
-              </a:rPr>
-              <a:t>自修</a:t>
-            </a:r>
-            <a:r>
-              <a:rPr lang="en-US" altLang="zh-TW" sz="800" dirty="0">
-                <a:latin typeface="微軟正黑體" panose="020B0604030504040204" pitchFamily="34" charset="-120"/>
-                <a:ea typeface="微軟正黑體" panose="020B0604030504040204" pitchFamily="34" charset="-120"/>
-              </a:rPr>
-              <a:t>,</a:t>
-            </a:r>
-            <a:r>
-              <a:rPr lang="zh-TW" altLang="en-US" sz="800" dirty="0">
-                <a:latin typeface="微軟正黑體" panose="020B0604030504040204" pitchFamily="34" charset="-120"/>
-                <a:ea typeface="微軟正黑體" panose="020B0604030504040204" pitchFamily="34" charset="-120"/>
-              </a:rPr>
-              <a:t> 不識合併為「其他」</a:t>
+              <a:t>小畢、小肄合併為「國小」；自修、不識合併為「其他」。</a:t>
             </a:r>
             <a:endParaRPr lang="en-US" altLang="zh-TW" sz="800" dirty="0">
               <a:latin typeface="微軟正黑體" panose="020B0604030504040204" pitchFamily="34" charset="-120"/>
@@ -5122,8 +10875,8 @@
 </p:sld>
 </file>
 
-<file path=ppt/slides/slide3.xml><?xml version="1.0" encoding="utf-8"?>
-<p:sld xmlns:a="http://schemas.openxmlformats.org/drawingml/2006/main" xmlns:r="http://schemas.openxmlformats.org/officeDocument/2006/relationships" xmlns:p="http://schemas.openxmlformats.org/presentationml/2006/main">
+<file path=ppt/slides/slide5.xml><?xml version="1.0" encoding="utf-8"?>
+<p:sld xmlns:a="http://schemas.openxmlformats.org/drawingml/2006/main" xmlns:r="http://schemas.openxmlformats.org/officeDocument/2006/relationships" xmlns:p="http://schemas.openxmlformats.org/presentationml/2006/main" show="0">
   <p:cSld>
     <p:spTree>
       <p:nvGrpSpPr>
@@ -5937,4 +11690,299 @@
     </a:ext>
   </a:extLst>
 </a:theme>
+</file>
+
+<file path=ppt/theme/theme2.xml><?xml version="1.0" encoding="utf-8"?>
+<a:theme xmlns:a="http://schemas.openxmlformats.org/drawingml/2006/main" name="Office 佈景主題">
+  <a:themeElements>
+    <a:clrScheme name="Office">
+      <a:dk1>
+        <a:sysClr val="windowText" lastClr="000000"/>
+      </a:dk1>
+      <a:lt1>
+        <a:sysClr val="window" lastClr="FFFFFF"/>
+      </a:lt1>
+      <a:dk2>
+        <a:srgbClr val="44546A"/>
+      </a:dk2>
+      <a:lt2>
+        <a:srgbClr val="E7E6E6"/>
+      </a:lt2>
+      <a:accent1>
+        <a:srgbClr val="4472C4"/>
+      </a:accent1>
+      <a:accent2>
+        <a:srgbClr val="ED7D31"/>
+      </a:accent2>
+      <a:accent3>
+        <a:srgbClr val="A5A5A5"/>
+      </a:accent3>
+      <a:accent4>
+        <a:srgbClr val="FFC000"/>
+      </a:accent4>
+      <a:accent5>
+        <a:srgbClr val="5B9BD5"/>
+      </a:accent5>
+      <a:accent6>
+        <a:srgbClr val="70AD47"/>
+      </a:accent6>
+      <a:hlink>
+        <a:srgbClr val="0563C1"/>
+      </a:hlink>
+      <a:folHlink>
+        <a:srgbClr val="954F72"/>
+      </a:folHlink>
+    </a:clrScheme>
+    <a:fontScheme name="Office">
+      <a:majorFont>
+        <a:latin typeface="Calibri Light" panose="020F0302020204030204"/>
+        <a:ea typeface=""/>
+        <a:cs typeface=""/>
+        <a:font script="Jpan" typeface="游ゴシック Light"/>
+        <a:font script="Hang" typeface="맑은 고딕"/>
+        <a:font script="Hans" typeface="等线 Light"/>
+        <a:font script="Hant" typeface="新細明體"/>
+        <a:font script="Arab" typeface="Times New Roman"/>
+        <a:font script="Hebr" typeface="Times New Roman"/>
+        <a:font script="Thai" typeface="Angsana New"/>
+        <a:font script="Ethi" typeface="Nyala"/>
+        <a:font script="Beng" typeface="Vrinda"/>
+        <a:font script="Gujr" typeface="Shruti"/>
+        <a:font script="Khmr" typeface="MoolBoran"/>
+        <a:font script="Knda" typeface="Tunga"/>
+        <a:font script="Guru" typeface="Raavi"/>
+        <a:font script="Cans" typeface="Euphemia"/>
+        <a:font script="Cher" typeface="Plantagenet Cherokee"/>
+        <a:font script="Yiii" typeface="Microsoft Yi Baiti"/>
+        <a:font script="Tibt" typeface="Microsoft Himalaya"/>
+        <a:font script="Thaa" typeface="MV Boli"/>
+        <a:font script="Deva" typeface="Mangal"/>
+        <a:font script="Telu" typeface="Gautami"/>
+        <a:font script="Taml" typeface="Latha"/>
+        <a:font script="Syrc" typeface="Estrangelo Edessa"/>
+        <a:font script="Orya" typeface="Kalinga"/>
+        <a:font script="Mlym" typeface="Kartika"/>
+        <a:font script="Laoo" typeface="DokChampa"/>
+        <a:font script="Sinh" typeface="Iskoola Pota"/>
+        <a:font script="Mong" typeface="Mongolian Baiti"/>
+        <a:font script="Viet" typeface="Times New Roman"/>
+        <a:font script="Uigh" typeface="Microsoft Uighur"/>
+        <a:font script="Geor" typeface="Sylfaen"/>
+        <a:font script="Armn" typeface="Arial"/>
+        <a:font script="Bugi" typeface="Leelawadee UI"/>
+        <a:font script="Bopo" typeface="Microsoft JhengHei"/>
+        <a:font script="Java" typeface="Javanese Text"/>
+        <a:font script="Lisu" typeface="Segoe UI"/>
+        <a:font script="Mymr" typeface="Myanmar Text"/>
+        <a:font script="Nkoo" typeface="Ebrima"/>
+        <a:font script="Olck" typeface="Nirmala UI"/>
+        <a:font script="Osma" typeface="Ebrima"/>
+        <a:font script="Phag" typeface="Phagspa"/>
+        <a:font script="Syrn" typeface="Estrangelo Edessa"/>
+        <a:font script="Syrj" typeface="Estrangelo Edessa"/>
+        <a:font script="Syre" typeface="Estrangelo Edessa"/>
+        <a:font script="Sora" typeface="Nirmala UI"/>
+        <a:font script="Tale" typeface="Microsoft Tai Le"/>
+        <a:font script="Talu" typeface="Microsoft New Tai Lue"/>
+        <a:font script="Tfng" typeface="Ebrima"/>
+      </a:majorFont>
+      <a:minorFont>
+        <a:latin typeface="Calibri" panose="020F0502020204030204"/>
+        <a:ea typeface=""/>
+        <a:cs typeface=""/>
+        <a:font script="Jpan" typeface="游ゴシック"/>
+        <a:font script="Hang" typeface="맑은 고딕"/>
+        <a:font script="Hans" typeface="等线"/>
+        <a:font script="Hant" typeface="新細明體"/>
+        <a:font script="Arab" typeface="Arial"/>
+        <a:font script="Hebr" typeface="Arial"/>
+        <a:font script="Thai" typeface="Cordia New"/>
+        <a:font script="Ethi" typeface="Nyala"/>
+        <a:font script="Beng" typeface="Vrinda"/>
+        <a:font script="Gujr" typeface="Shruti"/>
+        <a:font script="Khmr" typeface="DaunPenh"/>
+        <a:font script="Knda" typeface="Tunga"/>
+        <a:font script="Guru" typeface="Raavi"/>
+        <a:font script="Cans" typeface="Euphemia"/>
+        <a:font script="Cher" typeface="Plantagenet Cherokee"/>
+        <a:font script="Yiii" typeface="Microsoft Yi Baiti"/>
+        <a:font script="Tibt" typeface="Microsoft Himalaya"/>
+        <a:font script="Thaa" typeface="MV Boli"/>
+        <a:font script="Deva" typeface="Mangal"/>
+        <a:font script="Telu" typeface="Gautami"/>
+        <a:font script="Taml" typeface="Latha"/>
+        <a:font script="Syrc" typeface="Estrangelo Edessa"/>
+        <a:font script="Orya" typeface="Kalinga"/>
+        <a:font script="Mlym" typeface="Kartika"/>
+        <a:font script="Laoo" typeface="DokChampa"/>
+        <a:font script="Sinh" typeface="Iskoola Pota"/>
+        <a:font script="Mong" typeface="Mongolian Baiti"/>
+        <a:font script="Viet" typeface="Arial"/>
+        <a:font script="Uigh" typeface="Microsoft Uighur"/>
+        <a:font script="Geor" typeface="Sylfaen"/>
+        <a:font script="Armn" typeface="Arial"/>
+        <a:font script="Bugi" typeface="Leelawadee UI"/>
+        <a:font script="Bopo" typeface="Microsoft JhengHei"/>
+        <a:font script="Java" typeface="Javanese Text"/>
+        <a:font script="Lisu" typeface="Segoe UI"/>
+        <a:font script="Mymr" typeface="Myanmar Text"/>
+        <a:font script="Nkoo" typeface="Ebrima"/>
+        <a:font script="Olck" typeface="Nirmala UI"/>
+        <a:font script="Osma" typeface="Ebrima"/>
+        <a:font script="Phag" typeface="Phagspa"/>
+        <a:font script="Syrn" typeface="Estrangelo Edessa"/>
+        <a:font script="Syrj" typeface="Estrangelo Edessa"/>
+        <a:font script="Syre" typeface="Estrangelo Edessa"/>
+        <a:font script="Sora" typeface="Nirmala UI"/>
+        <a:font script="Tale" typeface="Microsoft Tai Le"/>
+        <a:font script="Talu" typeface="Microsoft New Tai Lue"/>
+        <a:font script="Tfng" typeface="Ebrima"/>
+      </a:minorFont>
+    </a:fontScheme>
+    <a:fmtScheme name="Office">
+      <a:fillStyleLst>
+        <a:solidFill>
+          <a:schemeClr val="phClr"/>
+        </a:solidFill>
+        <a:gradFill rotWithShape="1">
+          <a:gsLst>
+            <a:gs pos="0">
+              <a:schemeClr val="phClr">
+                <a:lumMod val="110000"/>
+                <a:satMod val="105000"/>
+                <a:tint val="67000"/>
+              </a:schemeClr>
+            </a:gs>
+            <a:gs pos="50000">
+              <a:schemeClr val="phClr">
+                <a:lumMod val="105000"/>
+                <a:satMod val="103000"/>
+                <a:tint val="73000"/>
+              </a:schemeClr>
+            </a:gs>
+            <a:gs pos="100000">
+              <a:schemeClr val="phClr">
+                <a:lumMod val="105000"/>
+                <a:satMod val="109000"/>
+                <a:tint val="81000"/>
+              </a:schemeClr>
+            </a:gs>
+          </a:gsLst>
+          <a:lin ang="5400000" scaled="0"/>
+        </a:gradFill>
+        <a:gradFill rotWithShape="1">
+          <a:gsLst>
+            <a:gs pos="0">
+              <a:schemeClr val="phClr">
+                <a:satMod val="103000"/>
+                <a:lumMod val="102000"/>
+                <a:tint val="94000"/>
+              </a:schemeClr>
+            </a:gs>
+            <a:gs pos="50000">
+              <a:schemeClr val="phClr">
+                <a:satMod val="110000"/>
+                <a:lumMod val="100000"/>
+                <a:shade val="100000"/>
+              </a:schemeClr>
+            </a:gs>
+            <a:gs pos="100000">
+              <a:schemeClr val="phClr">
+                <a:lumMod val="99000"/>
+                <a:satMod val="120000"/>
+                <a:shade val="78000"/>
+              </a:schemeClr>
+            </a:gs>
+          </a:gsLst>
+          <a:lin ang="5400000" scaled="0"/>
+        </a:gradFill>
+      </a:fillStyleLst>
+      <a:lnStyleLst>
+        <a:ln w="6350" cap="flat" cmpd="sng" algn="ctr">
+          <a:solidFill>
+            <a:schemeClr val="phClr"/>
+          </a:solidFill>
+          <a:prstDash val="solid"/>
+          <a:miter lim="800000"/>
+        </a:ln>
+        <a:ln w="12700" cap="flat" cmpd="sng" algn="ctr">
+          <a:solidFill>
+            <a:schemeClr val="phClr"/>
+          </a:solidFill>
+          <a:prstDash val="solid"/>
+          <a:miter lim="800000"/>
+        </a:ln>
+        <a:ln w="19050" cap="flat" cmpd="sng" algn="ctr">
+          <a:solidFill>
+            <a:schemeClr val="phClr"/>
+          </a:solidFill>
+          <a:prstDash val="solid"/>
+          <a:miter lim="800000"/>
+        </a:ln>
+      </a:lnStyleLst>
+      <a:effectStyleLst>
+        <a:effectStyle>
+          <a:effectLst/>
+        </a:effectStyle>
+        <a:effectStyle>
+          <a:effectLst/>
+        </a:effectStyle>
+        <a:effectStyle>
+          <a:effectLst>
+            <a:outerShdw blurRad="57150" dist="19050" dir="5400000" algn="ctr" rotWithShape="0">
+              <a:srgbClr val="000000">
+                <a:alpha val="63000"/>
+              </a:srgbClr>
+            </a:outerShdw>
+          </a:effectLst>
+        </a:effectStyle>
+      </a:effectStyleLst>
+      <a:bgFillStyleLst>
+        <a:solidFill>
+          <a:schemeClr val="phClr"/>
+        </a:solidFill>
+        <a:solidFill>
+          <a:schemeClr val="phClr">
+            <a:tint val="95000"/>
+            <a:satMod val="170000"/>
+          </a:schemeClr>
+        </a:solidFill>
+        <a:gradFill rotWithShape="1">
+          <a:gsLst>
+            <a:gs pos="0">
+              <a:schemeClr val="phClr">
+                <a:tint val="93000"/>
+                <a:satMod val="150000"/>
+                <a:shade val="98000"/>
+                <a:lumMod val="102000"/>
+              </a:schemeClr>
+            </a:gs>
+            <a:gs pos="50000">
+              <a:schemeClr val="phClr">
+                <a:tint val="98000"/>
+                <a:satMod val="130000"/>
+                <a:shade val="90000"/>
+                <a:lumMod val="103000"/>
+              </a:schemeClr>
+            </a:gs>
+            <a:gs pos="100000">
+              <a:schemeClr val="phClr">
+                <a:shade val="63000"/>
+                <a:satMod val="120000"/>
+              </a:schemeClr>
+            </a:gs>
+          </a:gsLst>
+          <a:lin ang="5400000" scaled="0"/>
+        </a:gradFill>
+      </a:bgFillStyleLst>
+    </a:fmtScheme>
+  </a:themeElements>
+  <a:objectDefaults/>
+  <a:extraClrSchemeLst/>
+  <a:extLst>
+    <a:ext uri="{05A4C25C-085E-4340-85A3-A5531E510DB2}">
+      <thm15:themeFamily xmlns:thm15="http://schemas.microsoft.com/office/thememl/2012/main" name="Office Theme" id="{62F939B6-93AF-4DB8-9C6B-D6C7DFDC589F}" vid="{4A3C46E8-61CC-4603-A589-7422A47A8E4A}"/>
+    </a:ext>
+  </a:extLst>
+</a:theme>
 </file>